--- a/Seminar PPT/23MDS003 - Seminar.pptx
+++ b/Seminar PPT/23MDS003 - Seminar.pptx
@@ -210,7 +210,7 @@
           <a:p>
             <a:fld id="{3C5A54E6-2B09-4E9A-81C4-DE64D00C8B28}" type="datetimeFigureOut">
               <a:rPr lang="en-IN" smtClean="0"/>
-              <a:t>16-09-2024</a:t>
+              <a:t>17-09-2024</a:t>
             </a:fld>
             <a:endParaRPr lang="en-IN"/>
           </a:p>
@@ -913,7 +913,7 @@
           <a:p>
             <a:fld id="{08AD0815-773D-4BCA-ADF3-FB2D0FF0C209}" type="datetime1">
               <a:rPr lang="en-US" smtClean="0"/>
-              <a:t>9/16/2024</a:t>
+              <a:t>9/17/2024</a:t>
             </a:fld>
             <a:endParaRPr lang="en-US" dirty="0"/>
           </a:p>
@@ -1120,7 +1120,7 @@
           <a:p>
             <a:fld id="{1CBE8631-ACA4-4ABB-92A9-5812FD941112}" type="datetime1">
               <a:rPr lang="en-US" smtClean="0"/>
-              <a:t>9/16/2024</a:t>
+              <a:t>9/17/2024</a:t>
             </a:fld>
             <a:endParaRPr lang="en-US" dirty="0"/>
           </a:p>
@@ -1375,7 +1375,7 @@
           <a:p>
             <a:fld id="{C0403DEE-40DC-420B-8274-A26E9D4913A7}" type="datetime1">
               <a:rPr lang="en-US" smtClean="0"/>
-              <a:t>9/16/2024</a:t>
+              <a:t>9/17/2024</a:t>
             </a:fld>
             <a:endParaRPr lang="en-US" dirty="0"/>
           </a:p>
@@ -1548,7 +1548,7 @@
           <a:p>
             <a:fld id="{F914C428-127E-4EFE-AAA1-216823703080}" type="datetime1">
               <a:rPr lang="en-US" smtClean="0"/>
-              <a:t>9/16/2024</a:t>
+              <a:t>9/17/2024</a:t>
             </a:fld>
             <a:endParaRPr lang="en-US" dirty="0"/>
           </a:p>
@@ -1890,7 +1890,7 @@
           <a:p>
             <a:fld id="{A136DFFF-B3A6-4008-AA61-E81BC9D4806E}" type="datetime1">
               <a:rPr lang="en-US" smtClean="0"/>
-              <a:t>9/16/2024</a:t>
+              <a:t>9/17/2024</a:t>
             </a:fld>
             <a:endParaRPr lang="en-US" dirty="0"/>
           </a:p>
@@ -2164,7 +2164,7 @@
           <a:p>
             <a:fld id="{6300C5F5-DFFC-47DF-A1A1-9C9BEAE3D081}" type="datetime1">
               <a:rPr lang="en-US" smtClean="0"/>
-              <a:t>9/16/2024</a:t>
+              <a:t>9/17/2024</a:t>
             </a:fld>
             <a:endParaRPr lang="en-US" dirty="0"/>
           </a:p>
@@ -2542,7 +2542,7 @@
           <a:p>
             <a:fld id="{4C237554-C2B9-41B5-9DF4-7C89939DD876}" type="datetime1">
               <a:rPr lang="en-US" smtClean="0"/>
-              <a:t>9/16/2024</a:t>
+              <a:t>9/17/2024</a:t>
             </a:fld>
             <a:endParaRPr lang="en-US" dirty="0"/>
           </a:p>
@@ -2659,7 +2659,7 @@
           <a:p>
             <a:fld id="{AA9BFA05-A624-429C-8C72-44E82711A98E}" type="datetime1">
               <a:rPr lang="en-US" smtClean="0"/>
-              <a:t>9/16/2024</a:t>
+              <a:t>9/17/2024</a:t>
             </a:fld>
             <a:endParaRPr lang="en-US" dirty="0"/>
           </a:p>
@@ -2829,7 +2829,7 @@
           <a:p>
             <a:fld id="{45AECF2E-F0EB-4095-AF93-4790AE986732}" type="datetime1">
               <a:rPr lang="en-US" smtClean="0"/>
-              <a:t>9/16/2024</a:t>
+              <a:t>9/17/2024</a:t>
             </a:fld>
             <a:endParaRPr lang="en-US" dirty="0"/>
           </a:p>
@@ -3182,7 +3182,7 @@
           <a:p>
             <a:fld id="{9A4F0633-BB92-417E-B581-7197860C359B}" type="datetime1">
               <a:rPr lang="en-US" smtClean="0"/>
-              <a:t>9/16/2024</a:t>
+              <a:t>9/17/2024</a:t>
             </a:fld>
             <a:endParaRPr lang="en-US" dirty="0"/>
           </a:p>
@@ -3563,7 +3563,7 @@
           <a:p>
             <a:fld id="{119A84FF-A0F4-4CB2-AAD6-354A7AC4D809}" type="datetime1">
               <a:rPr lang="en-US" smtClean="0"/>
-              <a:t>9/16/2024</a:t>
+              <a:t>9/17/2024</a:t>
             </a:fld>
             <a:endParaRPr lang="en-US" dirty="0"/>
           </a:p>
@@ -3849,7 +3849,7 @@
           <a:p>
             <a:fld id="{F338E052-42F6-43DE-ACE7-E1FF8A0772C2}" type="datetime1">
               <a:rPr lang="en-US" smtClean="0"/>
-              <a:t>9/16/2024</a:t>
+              <a:t>9/17/2024</a:t>
             </a:fld>
             <a:endParaRPr lang="en-US" dirty="0"/>
           </a:p>
@@ -4763,7 +4763,7 @@
         </p:nvSpPr>
         <p:spPr>
           <a:xfrm>
-            <a:off x="1097280" y="1733973"/>
+            <a:off x="1097280" y="1723813"/>
             <a:ext cx="10114915" cy="4614051"/>
           </a:xfrm>
         </p:spPr>
@@ -5024,7 +5024,7 @@
         <p:spPr>
           <a:xfrm>
             <a:off x="1097280" y="1798320"/>
-            <a:ext cx="10115203" cy="4643120"/>
+            <a:ext cx="10115203" cy="4429760"/>
           </a:xfrm>
         </p:spPr>
         <p:txBody>
@@ -5991,7 +5991,7 @@
           <p:nvPr>
             <p:extLst>
               <p:ext uri="{D42A27DB-BD31-4B8C-83A1-F6EECF244321}">
-                <p14:modId xmlns:p14="http://schemas.microsoft.com/office/powerpoint/2010/main" val="1104662285"/>
+                <p14:modId xmlns:p14="http://schemas.microsoft.com/office/powerpoint/2010/main" val="3295162734"/>
               </p:ext>
             </p:extLst>
           </p:nvPr>
@@ -6143,7 +6143,17 @@
                     <a:p>
                       <a:pPr algn="ctr"/>
                       <a:r>
-                        <a:rPr lang="en-US" altLang="en-IN" sz="1800" b="1" dirty="0">
+                        <a:rPr lang="en-US" altLang="en-IN" b="0" dirty="0">
+                          <a:solidFill>
+                            <a:schemeClr val="tx1"/>
+                          </a:solidFill>
+                          <a:latin typeface="Times New Roman" panose="02020603050405020304" pitchFamily="18" charset="0"/>
+                          <a:cs typeface="Times New Roman" panose="02020603050405020304" pitchFamily="18" charset="0"/>
+                        </a:rPr>
+                        <a:t>Lu C et al. </a:t>
+                      </a:r>
+                      <a:r>
+                        <a:rPr lang="en-US" altLang="en-IN" sz="1800" b="0" dirty="0">
                           <a:solidFill>
                             <a:schemeClr val="tx1"/>
                           </a:solidFill>
@@ -6279,7 +6289,17 @@
                     <a:p>
                       <a:pPr algn="ctr"/>
                       <a:r>
-                        <a:rPr lang="en-US" sz="1800" b="1" dirty="0">
+                        <a:rPr lang="en-US" altLang="en-IN" dirty="0">
+                          <a:solidFill>
+                            <a:schemeClr val="tx1"/>
+                          </a:solidFill>
+                          <a:latin typeface="Times New Roman" panose="02020603050405020304" pitchFamily="18" charset="0"/>
+                          <a:cs typeface="Times New Roman" panose="02020603050405020304" pitchFamily="18" charset="0"/>
+                        </a:rPr>
+                        <a:t>Li G et al. </a:t>
+                      </a:r>
+                      <a:r>
+                        <a:rPr lang="en-US" sz="1800" b="0" dirty="0">
                           <a:solidFill>
                             <a:schemeClr val="tx1"/>
                           </a:solidFill>
@@ -6384,7 +6404,29 @@
                     <a:p>
                       <a:pPr algn="ctr"/>
                       <a:r>
-                        <a:rPr lang="en-US" sz="1800" b="1" dirty="0">
+                        <a:rPr lang="en-US" altLang="en-IN" dirty="0">
+                          <a:solidFill>
+                            <a:schemeClr val="tx1"/>
+                          </a:solidFill>
+                          <a:latin typeface="Times New Roman" panose="02020603050405020304" pitchFamily="18" charset="0"/>
+                          <a:cs typeface="Times New Roman" panose="02020603050405020304" pitchFamily="18" charset="0"/>
+                        </a:rPr>
+                        <a:t>Wickrama N</a:t>
+                      </a:r>
+                      <a:r>
+                        <a:rPr lang="en-US" sz="1800" kern="1200" dirty="0">
+                          <a:solidFill>
+                            <a:schemeClr val="dk1"/>
+                          </a:solidFill>
+                          <a:effectLst/>
+                          <a:latin typeface="Times New Roman" panose="02020603050405020304" pitchFamily="18" charset="0"/>
+                          <a:ea typeface="+mn-ea"/>
+                          <a:cs typeface="Times New Roman" panose="02020603050405020304" pitchFamily="18" charset="0"/>
+                        </a:rPr>
+                        <a:t> et al. </a:t>
+                      </a:r>
+                      <a:r>
+                        <a:rPr lang="en-US" sz="1800" b="0" dirty="0">
                           <a:solidFill>
                             <a:schemeClr val="tx1"/>
                           </a:solidFill>
@@ -6573,7 +6615,7 @@
             </p:custDataLst>
             <p:extLst>
               <p:ext uri="{D42A27DB-BD31-4B8C-83A1-F6EECF244321}">
-                <p14:modId xmlns:p14="http://schemas.microsoft.com/office/powerpoint/2010/main" val="700861819"/>
+                <p14:modId xmlns:p14="http://schemas.microsoft.com/office/powerpoint/2010/main" val="1961397879"/>
               </p:ext>
             </p:extLst>
           </p:nvPr>
@@ -6776,7 +6818,19 @@
                         <a:buNone/>
                       </a:pPr>
                       <a:r>
-                        <a:rPr lang="en-US" b="1" dirty="0">
+                        <a:rPr lang="en-US" sz="1800" b="0" kern="1200" dirty="0">
+                          <a:solidFill>
+                            <a:schemeClr val="dk1"/>
+                          </a:solidFill>
+                          <a:effectLst/>
+                          <a:latin typeface="Times New Roman" panose="02020603050405020304" pitchFamily="18" charset="0"/>
+                          <a:ea typeface="+mn-ea"/>
+                          <a:cs typeface="Times New Roman" panose="02020603050405020304" pitchFamily="18" charset="0"/>
+                        </a:rPr>
+                        <a:t>Zhang et al. </a:t>
+                      </a:r>
+                      <a:r>
+                        <a:rPr lang="en-US" b="0" dirty="0">
                           <a:solidFill>
                             <a:schemeClr val="tx1"/>
                           </a:solidFill>
@@ -6871,7 +6925,19 @@
                         <a:buNone/>
                       </a:pPr>
                       <a:r>
-                        <a:rPr lang="en-US" b="1" dirty="0">
+                        <a:rPr lang="en-US" sz="1800" b="0" kern="1200" dirty="0">
+                          <a:solidFill>
+                            <a:schemeClr val="dk1"/>
+                          </a:solidFill>
+                          <a:effectLst/>
+                          <a:latin typeface="Times New Roman" panose="02020603050405020304" pitchFamily="18" charset="0"/>
+                          <a:ea typeface="+mn-ea"/>
+                          <a:cs typeface="Times New Roman" panose="02020603050405020304" pitchFamily="18" charset="0"/>
+                        </a:rPr>
+                        <a:t>W. Lopez-Ojeda et al. </a:t>
+                      </a:r>
+                      <a:r>
+                        <a:rPr lang="en-US" b="0" dirty="0">
                           <a:solidFill>
                             <a:schemeClr val="tx1"/>
                           </a:solidFill>
@@ -6988,7 +7054,19 @@
                         <a:buNone/>
                       </a:pPr>
                       <a:r>
-                        <a:rPr lang="en-US" b="1" dirty="0">
+                        <a:rPr lang="en-US" sz="1800" b="0" kern="1200" dirty="0">
+                          <a:solidFill>
+                            <a:schemeClr val="dk1"/>
+                          </a:solidFill>
+                          <a:effectLst/>
+                          <a:latin typeface="Times New Roman" panose="02020603050405020304" pitchFamily="18" charset="0"/>
+                          <a:ea typeface="+mn-ea"/>
+                          <a:cs typeface="Times New Roman" panose="02020603050405020304" pitchFamily="18" charset="0"/>
+                        </a:rPr>
+                        <a:t>Ali et al. </a:t>
+                      </a:r>
+                      <a:r>
+                        <a:rPr lang="en-US" b="0" dirty="0">
                           <a:solidFill>
                             <a:schemeClr val="tx1"/>
                           </a:solidFill>

--- a/Seminar PPT/23MDS003 - Seminar.pptx
+++ b/Seminar PPT/23MDS003 - Seminar.pptx
@@ -210,7 +210,7 @@
           <a:p>
             <a:fld id="{3C5A54E6-2B09-4E9A-81C4-DE64D00C8B28}" type="datetimeFigureOut">
               <a:rPr lang="en-IN" smtClean="0"/>
-              <a:t>17-09-2024</a:t>
+              <a:t>18-09-2024</a:t>
             </a:fld>
             <a:endParaRPr lang="en-IN"/>
           </a:p>
@@ -913,7 +913,7 @@
           <a:p>
             <a:fld id="{08AD0815-773D-4BCA-ADF3-FB2D0FF0C209}" type="datetime1">
               <a:rPr lang="en-US" smtClean="0"/>
-              <a:t>9/17/2024</a:t>
+              <a:t>9/18/2024</a:t>
             </a:fld>
             <a:endParaRPr lang="en-US" dirty="0"/>
           </a:p>
@@ -1120,7 +1120,7 @@
           <a:p>
             <a:fld id="{1CBE8631-ACA4-4ABB-92A9-5812FD941112}" type="datetime1">
               <a:rPr lang="en-US" smtClean="0"/>
-              <a:t>9/17/2024</a:t>
+              <a:t>9/18/2024</a:t>
             </a:fld>
             <a:endParaRPr lang="en-US" dirty="0"/>
           </a:p>
@@ -1375,7 +1375,7 @@
           <a:p>
             <a:fld id="{C0403DEE-40DC-420B-8274-A26E9D4913A7}" type="datetime1">
               <a:rPr lang="en-US" smtClean="0"/>
-              <a:t>9/17/2024</a:t>
+              <a:t>9/18/2024</a:t>
             </a:fld>
             <a:endParaRPr lang="en-US" dirty="0"/>
           </a:p>
@@ -1548,7 +1548,7 @@
           <a:p>
             <a:fld id="{F914C428-127E-4EFE-AAA1-216823703080}" type="datetime1">
               <a:rPr lang="en-US" smtClean="0"/>
-              <a:t>9/17/2024</a:t>
+              <a:t>9/18/2024</a:t>
             </a:fld>
             <a:endParaRPr lang="en-US" dirty="0"/>
           </a:p>
@@ -1890,7 +1890,7 @@
           <a:p>
             <a:fld id="{A136DFFF-B3A6-4008-AA61-E81BC9D4806E}" type="datetime1">
               <a:rPr lang="en-US" smtClean="0"/>
-              <a:t>9/17/2024</a:t>
+              <a:t>9/18/2024</a:t>
             </a:fld>
             <a:endParaRPr lang="en-US" dirty="0"/>
           </a:p>
@@ -2164,7 +2164,7 @@
           <a:p>
             <a:fld id="{6300C5F5-DFFC-47DF-A1A1-9C9BEAE3D081}" type="datetime1">
               <a:rPr lang="en-US" smtClean="0"/>
-              <a:t>9/17/2024</a:t>
+              <a:t>9/18/2024</a:t>
             </a:fld>
             <a:endParaRPr lang="en-US" dirty="0"/>
           </a:p>
@@ -2542,7 +2542,7 @@
           <a:p>
             <a:fld id="{4C237554-C2B9-41B5-9DF4-7C89939DD876}" type="datetime1">
               <a:rPr lang="en-US" smtClean="0"/>
-              <a:t>9/17/2024</a:t>
+              <a:t>9/18/2024</a:t>
             </a:fld>
             <a:endParaRPr lang="en-US" dirty="0"/>
           </a:p>
@@ -2659,7 +2659,7 @@
           <a:p>
             <a:fld id="{AA9BFA05-A624-429C-8C72-44E82711A98E}" type="datetime1">
               <a:rPr lang="en-US" smtClean="0"/>
-              <a:t>9/17/2024</a:t>
+              <a:t>9/18/2024</a:t>
             </a:fld>
             <a:endParaRPr lang="en-US" dirty="0"/>
           </a:p>
@@ -2829,7 +2829,7 @@
           <a:p>
             <a:fld id="{45AECF2E-F0EB-4095-AF93-4790AE986732}" type="datetime1">
               <a:rPr lang="en-US" smtClean="0"/>
-              <a:t>9/17/2024</a:t>
+              <a:t>9/18/2024</a:t>
             </a:fld>
             <a:endParaRPr lang="en-US" dirty="0"/>
           </a:p>
@@ -3182,7 +3182,7 @@
           <a:p>
             <a:fld id="{9A4F0633-BB92-417E-B581-7197860C359B}" type="datetime1">
               <a:rPr lang="en-US" smtClean="0"/>
-              <a:t>9/17/2024</a:t>
+              <a:t>9/18/2024</a:t>
             </a:fld>
             <a:endParaRPr lang="en-US" dirty="0"/>
           </a:p>
@@ -3563,7 +3563,7 @@
           <a:p>
             <a:fld id="{119A84FF-A0F4-4CB2-AAD6-354A7AC4D809}" type="datetime1">
               <a:rPr lang="en-US" smtClean="0"/>
-              <a:t>9/17/2024</a:t>
+              <a:t>9/18/2024</a:t>
             </a:fld>
             <a:endParaRPr lang="en-US" dirty="0"/>
           </a:p>
@@ -3849,7 +3849,7 @@
           <a:p>
             <a:fld id="{F338E052-42F6-43DE-ACE7-E1FF8A0772C2}" type="datetime1">
               <a:rPr lang="en-US" smtClean="0"/>
-              <a:t>9/17/2024</a:t>
+              <a:t>9/18/2024</a:t>
             </a:fld>
             <a:endParaRPr lang="en-US" dirty="0"/>
           </a:p>
@@ -4690,7 +4690,7 @@
                 <a:latin typeface="Times New Roman" panose="02020603050405020304" pitchFamily="18" charset="0"/>
                 <a:cs typeface="Times New Roman" panose="02020603050405020304" pitchFamily="18" charset="0"/>
               </a:rPr>
-              <a:t>The metaverse is transforming healthcare with applications like immersive VR telemedicine, allowing doctors and patients to interact virtually, and virtual simulations for medical training, providing realistic practice environments. VR-based therapies are being used for pain management, mental health treatment, and rehabilitation. AR technology enables remote surgeries, allowing surgeons to guide procedures from a distance. However, challenges such as data privacy concerns, the digital divide, and high implementation costs must be addressed for successful integration of metaverse technology into healthcare.</a:t>
+              <a:t>The metaverse is changing healthcare by using virtual reality (VR) for online doctor-patient interactions and medical training simulations. VR therapies are also helping with pain management, mental health treatment, and rehabilitation. Augmented reality (AR) allows surgeons to perform remote surgeries, guiding procedures from far away. However, issues like data privacy and high costs need to be solved for the metaverse to work well in healthcare.</a:t>
             </a:r>
           </a:p>
         </p:txBody>
@@ -5750,7 +5750,7 @@
                 <a:latin typeface="Times New Roman" panose="02020603050405020304" pitchFamily="18" charset="0"/>
                 <a:cs typeface="Times New Roman" panose="02020603050405020304" pitchFamily="18" charset="0"/>
               </a:rPr>
-              <a:t>The metaverse is set to transform healthcare through immersive VR and AR technologies, enhancing patient care, medical training, and access to services. By integrating AI, blockchain, and IoT, it supports advanced telemedicine, realistic simulations, and innovative therapies. However, challenges like data privacy, regulation, and access need addressing. The future promises further advancements in diagnostics, virtual health assistants, and global healthcare accessibility, aiming for a more connected and patient-centered system.</a:t>
+              <a:t>The metaverse is expected to change healthcare using virtual reality (VR) and augmented reality (AR) and improving patient care, medical training, and access to services. With technologies like AI, blockchain, and IoT, it enables advanced telemedicine, realistic training, and new treatments. However, challenges like data privacy, rules, and equal access must be solved. In the future, we could see better diagnostics, virtual health assistants, and easier access to healthcare worldwide, creating a more connected and patient-focused system.</a:t>
             </a:r>
           </a:p>
         </p:txBody>
@@ -5870,7 +5870,7 @@
                 <a:latin typeface="Times New Roman" panose="02020603050405020304" pitchFamily="18" charset="0"/>
                 <a:cs typeface="Times New Roman" panose="02020603050405020304" pitchFamily="18" charset="0"/>
               </a:rPr>
-              <a:t>The metaverse is poised to revolutionize healthcare by creating immersive, interactive, and patient-centered experiences. Through the use of AR/VR, healthcare professionals can conduct virtual consultations, offering patients access to medical care from anywhere in the world. Advanced simulations within the metaverse also provide enhanced training opportunities, allowing practitioners to hone their skills in a risk-free, virtual environment. Furthermore, rehabilitation programs can leverage these virtual spaces to engage patients in personalized, interactive therapies. </a:t>
+              <a:t>The metaverse is set to transform healthcare by creating virtual, interactive experiences. Using augmented reality (AR) and virtual reality (VR), doctors can hold online consultations, making it easier for patients to get medical care from anywhere. In these virtual spaces, healthcare professionals can also practice their skills through realistic simulations without any risk. Additionally, virtual rehabilitation programs can offer patients personalized and engaging therapy sessions.</a:t>
             </a:r>
           </a:p>
         </p:txBody>
@@ -7257,8 +7257,8 @@
         </p:nvSpPr>
         <p:spPr bwMode="auto">
           <a:xfrm>
-            <a:off x="1097280" y="1586228"/>
-            <a:ext cx="10115203" cy="4806957"/>
+            <a:off x="1097280" y="1755928"/>
+            <a:ext cx="10115203" cy="3349956"/>
           </a:xfrm>
           <a:prstGeom prst="rect">
             <a:avLst/>
@@ -7306,6 +7306,191 @@
           </a:bodyPr>
           <a:lstStyle/>
           <a:p>
+            <a:pPr eaLnBrk="0" fontAlgn="base" hangingPunct="0">
+              <a:lnSpc>
+                <a:spcPct val="150000"/>
+              </a:lnSpc>
+              <a:spcBef>
+                <a:spcPct val="0"/>
+              </a:spcBef>
+              <a:spcAft>
+                <a:spcPct val="0"/>
+              </a:spcAft>
+              <a:buClrTx/>
+              <a:buSzTx/>
+              <a:buFont typeface="Arial" panose="020B0604020202020204" pitchFamily="34" charset="0"/>
+              <a:buChar char="•"/>
+            </a:pPr>
+            <a:r>
+              <a:rPr kumimoji="0" lang="en-US" altLang="en-US" sz="2400" b="0" i="0" u="none" strike="noStrike" cap="none" normalizeH="0" baseline="0" dirty="0">
+                <a:ln>
+                  <a:noFill/>
+                </a:ln>
+                <a:solidFill>
+                  <a:schemeClr val="tx1"/>
+                </a:solidFill>
+                <a:effectLst/>
+                <a:latin typeface="Times New Roman" panose="02020603050405020304" pitchFamily="18" charset="0"/>
+                <a:cs typeface="Times New Roman" panose="02020603050405020304" pitchFamily="18" charset="0"/>
+              </a:rPr>
+              <a:t> The metaverse enhances healthcare with virtual, interactive experiences.</a:t>
+            </a:r>
+          </a:p>
+          <a:p>
+            <a:pPr eaLnBrk="0" fontAlgn="base" hangingPunct="0">
+              <a:lnSpc>
+                <a:spcPct val="150000"/>
+              </a:lnSpc>
+              <a:spcBef>
+                <a:spcPct val="0"/>
+              </a:spcBef>
+              <a:spcAft>
+                <a:spcPct val="0"/>
+              </a:spcAft>
+              <a:buClrTx/>
+              <a:buSzTx/>
+              <a:buFont typeface="Arial" panose="020B0604020202020204" pitchFamily="34" charset="0"/>
+              <a:buChar char="•"/>
+            </a:pPr>
+            <a:r>
+              <a:rPr lang="en-US" altLang="en-US" sz="2400" dirty="0">
+                <a:solidFill>
+                  <a:schemeClr val="tx1"/>
+                </a:solidFill>
+                <a:latin typeface="Times New Roman" panose="02020603050405020304" pitchFamily="18" charset="0"/>
+                <a:cs typeface="Times New Roman" panose="02020603050405020304" pitchFamily="18" charset="0"/>
+              </a:rPr>
+              <a:t> </a:t>
+            </a:r>
+            <a:r>
+              <a:rPr kumimoji="0" lang="en-US" altLang="en-US" sz="2400" b="0" i="0" u="none" strike="noStrike" cap="none" normalizeH="0" baseline="0" dirty="0">
+                <a:ln>
+                  <a:noFill/>
+                </a:ln>
+                <a:solidFill>
+                  <a:schemeClr val="tx1"/>
+                </a:solidFill>
+                <a:effectLst/>
+                <a:latin typeface="Times New Roman" panose="02020603050405020304" pitchFamily="18" charset="0"/>
+                <a:cs typeface="Times New Roman" panose="02020603050405020304" pitchFamily="18" charset="0"/>
+              </a:rPr>
+              <a:t>It boosts patient engagement and involvement in their care.</a:t>
+            </a:r>
+          </a:p>
+          <a:p>
+            <a:pPr eaLnBrk="0" fontAlgn="base" hangingPunct="0">
+              <a:lnSpc>
+                <a:spcPct val="150000"/>
+              </a:lnSpc>
+              <a:spcBef>
+                <a:spcPct val="0"/>
+              </a:spcBef>
+              <a:spcAft>
+                <a:spcPct val="0"/>
+              </a:spcAft>
+              <a:buClrTx/>
+              <a:buSzTx/>
+              <a:buFont typeface="Arial" panose="020B0604020202020204" pitchFamily="34" charset="0"/>
+              <a:buChar char="•"/>
+            </a:pPr>
+            <a:r>
+              <a:rPr kumimoji="0" lang="en-US" altLang="en-US" sz="2400" b="0" i="0" u="none" strike="noStrike" cap="none" normalizeH="0" baseline="0" dirty="0">
+                <a:ln>
+                  <a:noFill/>
+                </a:ln>
+                <a:solidFill>
+                  <a:schemeClr val="tx1"/>
+                </a:solidFill>
+                <a:effectLst/>
+                <a:latin typeface="Times New Roman" panose="02020603050405020304" pitchFamily="18" charset="0"/>
+                <a:cs typeface="Times New Roman" panose="02020603050405020304" pitchFamily="18" charset="0"/>
+              </a:rPr>
+              <a:t> Medical education improves through virtual training environments. </a:t>
+            </a:r>
+          </a:p>
+          <a:p>
+            <a:pPr eaLnBrk="0" fontAlgn="base" hangingPunct="0">
+              <a:lnSpc>
+                <a:spcPct val="150000"/>
+              </a:lnSpc>
+              <a:spcBef>
+                <a:spcPct val="0"/>
+              </a:spcBef>
+              <a:spcAft>
+                <a:spcPct val="0"/>
+              </a:spcAft>
+              <a:buClrTx/>
+              <a:buSzTx/>
+              <a:buFont typeface="Arial" panose="020B0604020202020204" pitchFamily="34" charset="0"/>
+              <a:buChar char="•"/>
+            </a:pPr>
+            <a:r>
+              <a:rPr lang="en-US" altLang="en-US" sz="2400" dirty="0">
+                <a:solidFill>
+                  <a:schemeClr val="tx1"/>
+                </a:solidFill>
+                <a:latin typeface="Times New Roman" panose="02020603050405020304" pitchFamily="18" charset="0"/>
+                <a:cs typeface="Times New Roman" panose="02020603050405020304" pitchFamily="18" charset="0"/>
+              </a:rPr>
+              <a:t> </a:t>
+            </a:r>
+            <a:r>
+              <a:rPr kumimoji="0" lang="en-US" altLang="en-US" sz="2400" b="0" i="0" u="none" strike="noStrike" cap="none" normalizeH="0" baseline="0" dirty="0">
+                <a:ln>
+                  <a:noFill/>
+                </a:ln>
+                <a:solidFill>
+                  <a:schemeClr val="tx1"/>
+                </a:solidFill>
+                <a:effectLst/>
+                <a:latin typeface="Times New Roman" panose="02020603050405020304" pitchFamily="18" charset="0"/>
+                <a:cs typeface="Times New Roman" panose="02020603050405020304" pitchFamily="18" charset="0"/>
+              </a:rPr>
+              <a:t>Blockchain technology ensures data security and privacy.</a:t>
+            </a:r>
+          </a:p>
+          <a:p>
+            <a:pPr eaLnBrk="0" fontAlgn="base" hangingPunct="0">
+              <a:lnSpc>
+                <a:spcPct val="150000"/>
+              </a:lnSpc>
+              <a:spcBef>
+                <a:spcPct val="0"/>
+              </a:spcBef>
+              <a:spcAft>
+                <a:spcPct val="0"/>
+              </a:spcAft>
+              <a:buClrTx/>
+              <a:buSzTx/>
+              <a:buFont typeface="Arial" panose="020B0604020202020204" pitchFamily="34" charset="0"/>
+              <a:buChar char="•"/>
+            </a:pPr>
+            <a:r>
+              <a:rPr lang="en-US" altLang="en-US" sz="2400" dirty="0">
+                <a:solidFill>
+                  <a:schemeClr val="tx1"/>
+                </a:solidFill>
+                <a:latin typeface="Times New Roman" panose="02020603050405020304" pitchFamily="18" charset="0"/>
+                <a:cs typeface="Times New Roman" panose="02020603050405020304" pitchFamily="18" charset="0"/>
+              </a:rPr>
+              <a:t> </a:t>
+            </a:r>
+            <a:r>
+              <a:rPr kumimoji="0" lang="en-US" altLang="en-US" sz="2400" b="0" i="0" u="none" strike="noStrike" cap="none" normalizeH="0" baseline="0" dirty="0">
+                <a:ln>
+                  <a:noFill/>
+                </a:ln>
+                <a:solidFill>
+                  <a:schemeClr val="tx1"/>
+                </a:solidFill>
+                <a:effectLst/>
+                <a:latin typeface="Times New Roman" panose="02020603050405020304" pitchFamily="18" charset="0"/>
+                <a:cs typeface="Times New Roman" panose="02020603050405020304" pitchFamily="18" charset="0"/>
+              </a:rPr>
+              <a:t>The goal is a more efficient, accessible, and patient-centered healthcare system. </a:t>
+            </a:r>
+          </a:p>
+          <a:p>
             <a:pPr algn="just" eaLnBrk="0" fontAlgn="base" hangingPunct="0">
               <a:lnSpc>
                 <a:spcPct val="150000"/>
@@ -7319,165 +7504,17 @@
               <a:buFont typeface="Arial" panose="020B0604020202020204" pitchFamily="34" charset="0"/>
               <a:buChar char="•"/>
             </a:pPr>
-            <a:r>
-              <a:rPr kumimoji="0" lang="en-US" altLang="en-US" sz="2300" b="0" i="0" u="none" strike="noStrike" cap="none" normalizeH="0" baseline="0" dirty="0">
-                <a:ln>
-                  <a:noFill/>
-                </a:ln>
-                <a:solidFill>
-                  <a:schemeClr val="tx1"/>
-                </a:solidFill>
-                <a:effectLst/>
-                <a:latin typeface="Times New Roman" panose="02020603050405020304" pitchFamily="18" charset="0"/>
-                <a:cs typeface="Times New Roman" panose="02020603050405020304" pitchFamily="18" charset="0"/>
-              </a:rPr>
-              <a:t> The metaverse aims to improve healthcare by providing immersive, interactive experiences that go beyond traditional methods. </a:t>
-            </a:r>
-          </a:p>
-          <a:p>
-            <a:pPr algn="just" eaLnBrk="0" fontAlgn="base" hangingPunct="0">
-              <a:lnSpc>
-                <a:spcPct val="150000"/>
-              </a:lnSpc>
-              <a:spcBef>
-                <a:spcPct val="0"/>
-              </a:spcBef>
-              <a:spcAft>
-                <a:spcPct val="0"/>
-              </a:spcAft>
-              <a:buFont typeface="Arial" panose="020B0604020202020204" pitchFamily="34" charset="0"/>
-              <a:buChar char="•"/>
-            </a:pPr>
-            <a:r>
-              <a:rPr kumimoji="0" lang="en-US" altLang="en-US" sz="2300" b="0" i="0" u="none" strike="noStrike" cap="none" normalizeH="0" baseline="0" dirty="0">
-                <a:ln>
-                  <a:noFill/>
-                </a:ln>
-                <a:solidFill>
-                  <a:schemeClr val="tx1"/>
-                </a:solidFill>
-                <a:effectLst/>
-                <a:latin typeface="Times New Roman" panose="02020603050405020304" pitchFamily="18" charset="0"/>
-                <a:cs typeface="Times New Roman" panose="02020603050405020304" pitchFamily="18" charset="0"/>
-              </a:rPr>
-              <a:t> Enhances patient engagement and involvement in their care.</a:t>
-            </a:r>
-          </a:p>
-          <a:p>
-            <a:pPr algn="just" eaLnBrk="0" fontAlgn="base" hangingPunct="0">
-              <a:lnSpc>
-                <a:spcPct val="150000"/>
-              </a:lnSpc>
-              <a:spcBef>
-                <a:spcPct val="0"/>
-              </a:spcBef>
-              <a:spcAft>
-                <a:spcPct val="0"/>
-              </a:spcAft>
-              <a:buFont typeface="Arial" panose="020B0604020202020204" pitchFamily="34" charset="0"/>
-              <a:buChar char="•"/>
-            </a:pPr>
-            <a:r>
-              <a:rPr kumimoji="0" lang="en-US" altLang="en-US" sz="2300" b="0" i="0" u="none" strike="noStrike" cap="none" normalizeH="0" baseline="0" dirty="0">
-                <a:ln>
-                  <a:noFill/>
-                </a:ln>
-                <a:solidFill>
-                  <a:schemeClr val="tx1"/>
-                </a:solidFill>
-                <a:effectLst/>
-                <a:latin typeface="Times New Roman" panose="02020603050405020304" pitchFamily="18" charset="0"/>
-                <a:cs typeface="Times New Roman" panose="02020603050405020304" pitchFamily="18" charset="0"/>
-              </a:rPr>
-              <a:t> Improves medical education through virtual training environments.</a:t>
-            </a:r>
-          </a:p>
-          <a:p>
-            <a:pPr algn="just" eaLnBrk="0" fontAlgn="base" hangingPunct="0">
-              <a:lnSpc>
-                <a:spcPct val="150000"/>
-              </a:lnSpc>
-              <a:spcBef>
-                <a:spcPct val="0"/>
-              </a:spcBef>
-              <a:spcAft>
-                <a:spcPct val="0"/>
-              </a:spcAft>
-              <a:buFont typeface="Arial" panose="020B0604020202020204" pitchFamily="34" charset="0"/>
-              <a:buChar char="•"/>
-            </a:pPr>
-            <a:r>
-              <a:rPr kumimoji="0" lang="en-US" altLang="en-US" sz="2300" b="0" i="0" u="none" strike="noStrike" cap="none" normalizeH="0" baseline="0" dirty="0">
-                <a:ln>
-                  <a:noFill/>
-                </a:ln>
-                <a:solidFill>
-                  <a:schemeClr val="tx1"/>
-                </a:solidFill>
-                <a:effectLst/>
-                <a:latin typeface="Times New Roman" panose="02020603050405020304" pitchFamily="18" charset="0"/>
-                <a:cs typeface="Times New Roman" panose="02020603050405020304" pitchFamily="18" charset="0"/>
-              </a:rPr>
-              <a:t> Supports telemedicine advancements, including virtual consultations and remote surgeries with increased precision.</a:t>
-            </a:r>
-          </a:p>
-          <a:p>
-            <a:pPr algn="just" eaLnBrk="0" fontAlgn="base" hangingPunct="0">
-              <a:lnSpc>
-                <a:spcPct val="150000"/>
-              </a:lnSpc>
-              <a:spcBef>
-                <a:spcPct val="0"/>
-              </a:spcBef>
-              <a:spcAft>
-                <a:spcPct val="0"/>
-              </a:spcAft>
-              <a:buFont typeface="Arial" panose="020B0604020202020204" pitchFamily="34" charset="0"/>
-              <a:buChar char="•"/>
-            </a:pPr>
-            <a:r>
-              <a:rPr kumimoji="0" lang="en-US" altLang="en-US" sz="2300" b="0" i="0" u="none" strike="noStrike" cap="none" normalizeH="0" baseline="0" dirty="0">
-                <a:ln>
-                  <a:noFill/>
-                </a:ln>
-                <a:solidFill>
-                  <a:schemeClr val="tx1"/>
-                </a:solidFill>
-                <a:effectLst/>
-                <a:latin typeface="Times New Roman" panose="02020603050405020304" pitchFamily="18" charset="0"/>
-                <a:cs typeface="Times New Roman" panose="02020603050405020304" pitchFamily="18" charset="0"/>
-              </a:rPr>
-              <a:t> Prioritizes data security and privacy through the use of blockchain technology.</a:t>
-            </a:r>
-          </a:p>
-          <a:p>
-            <a:pPr algn="just" eaLnBrk="0" fontAlgn="base" hangingPunct="0">
-              <a:lnSpc>
-                <a:spcPct val="150000"/>
-              </a:lnSpc>
-              <a:spcBef>
-                <a:spcPct val="0"/>
-              </a:spcBef>
-              <a:spcAft>
-                <a:spcPct val="0"/>
-              </a:spcAft>
-              <a:buFont typeface="Arial" panose="020B0604020202020204" pitchFamily="34" charset="0"/>
-              <a:buChar char="•"/>
-            </a:pPr>
-            <a:r>
-              <a:rPr kumimoji="0" lang="en-US" altLang="en-US" sz="2300" b="0" i="0" u="none" strike="noStrike" cap="none" normalizeH="0" baseline="0" dirty="0">
-                <a:ln>
-                  <a:noFill/>
-                </a:ln>
-                <a:solidFill>
-                  <a:schemeClr val="tx1"/>
-                </a:solidFill>
-                <a:effectLst/>
-                <a:latin typeface="Times New Roman" panose="02020603050405020304" pitchFamily="18" charset="0"/>
-                <a:cs typeface="Times New Roman" panose="02020603050405020304" pitchFamily="18" charset="0"/>
-              </a:rPr>
-              <a:t> The ultimate goal is to create a more efficient, accessible, and patient-centered healthcare system.</a:t>
-            </a:r>
+            <a:endParaRPr kumimoji="0" lang="en-US" altLang="en-US" sz="2400" b="0" i="0" u="none" strike="noStrike" cap="none" normalizeH="0" baseline="0" dirty="0">
+              <a:ln>
+                <a:noFill/>
+              </a:ln>
+              <a:solidFill>
+                <a:schemeClr val="tx1"/>
+              </a:solidFill>
+              <a:effectLst/>
+              <a:latin typeface="Times New Roman" panose="02020603050405020304" pitchFamily="18" charset="0"/>
+              <a:cs typeface="Times New Roman" panose="02020603050405020304" pitchFamily="18" charset="0"/>
+            </a:endParaRPr>
           </a:p>
         </p:txBody>
       </p:sp>

--- a/Seminar PPT/23MDS003 - Seminar.pptx
+++ b/Seminar PPT/23MDS003 - Seminar.pptx
@@ -4690,7 +4690,7 @@
                 <a:latin typeface="Times New Roman" panose="02020603050405020304" pitchFamily="18" charset="0"/>
                 <a:cs typeface="Times New Roman" panose="02020603050405020304" pitchFamily="18" charset="0"/>
               </a:rPr>
-              <a:t>The metaverse is changing healthcare by using virtual reality (VR) for online doctor-patient interactions and medical training simulations. VR therapies are also helping with pain management, mental health treatment, and rehabilitation. Augmented reality (AR) allows surgeons to perform remote surgeries, guiding procedures from far away. However, issues like data privacy and high costs need to be solved for the metaverse to work well in healthcare.</a:t>
+              <a:t>The metaverse is changing healthcare by using virtual reality (VR) for online doctor-patient interactions and medical training simulations. Virtual reality therapies are also helping with pain management, mental health treatment, and rehabilitation. Augmented reality (AR) allows surgeons to perform remote surgeries, guiding procedures from far away. However, issues like data privacy and high costs need to be solved for the metaverse to work well in healthcare.</a:t>
             </a:r>
           </a:p>
         </p:txBody>
@@ -4785,7 +4785,7 @@
                 <a:latin typeface="Times New Roman" panose="02020603050405020304" pitchFamily="18" charset="0"/>
                 <a:cs typeface="Times New Roman" panose="02020603050405020304" pitchFamily="18" charset="0"/>
               </a:rPr>
-              <a:t> Healthcare in the metaverse leverages VR, AR, AI, and blockchain to enhance patient care, improve medical training, and enable virtual consultations. While promising, challenges like data privacy, regulation, and access must be resolved for its full potential to be realized. </a:t>
+              <a:t> Healthcare in the metaverse leverages VR, AR, AI, and blockchain to enhance the patient care, improve medical training, and enable virtual consultations. While promising, challenges like data privacy, regulation, and access must be resolved for its full potential to be realized. </a:t>
             </a:r>
           </a:p>
           <a:p>
@@ -5750,7 +5750,7 @@
                 <a:latin typeface="Times New Roman" panose="02020603050405020304" pitchFamily="18" charset="0"/>
                 <a:cs typeface="Times New Roman" panose="02020603050405020304" pitchFamily="18" charset="0"/>
               </a:rPr>
-              <a:t>The metaverse is expected to change healthcare using virtual reality (VR) and augmented reality (AR) and improving patient care, medical training, and access to services. With technologies like AI, blockchain, and IoT, it enables advanced telemedicine, realistic training, and new treatments. However, challenges like data privacy, rules, and equal access must be solved. In the future, we could see better diagnostics, virtual health assistants, and easier access to healthcare worldwide, creating a more connected and patient-focused system.</a:t>
+              <a:t>The metaverse is expected to change healthcare using virtual reality (VR) and augmented reality (AR) and improving patient care, medical training, and access to services. With technologies like AI, blockchain, and IoT, it enables advanced, realistic training, and new treatments. However, challenges like data privacy, rules, and equal access must be solved. In the future, we could see better diagnostics, virtual health assistants, and easier access to healthcare worldwide, creating a more connected and patient-focused system.</a:t>
             </a:r>
           </a:p>
         </p:txBody>
@@ -5991,7 +5991,7 @@
           <p:nvPr>
             <p:extLst>
               <p:ext uri="{D42A27DB-BD31-4B8C-83A1-F6EECF244321}">
-                <p14:modId xmlns:p14="http://schemas.microsoft.com/office/powerpoint/2010/main" val="3295162734"/>
+                <p14:modId xmlns:p14="http://schemas.microsoft.com/office/powerpoint/2010/main" val="3635177147"/>
               </p:ext>
             </p:extLst>
           </p:nvPr>
@@ -6216,7 +6216,36 @@
                           <a:latin typeface="Times New Roman" panose="02020603050405020304" pitchFamily="18" charset="0"/>
                           <a:cs typeface="Times New Roman" panose="02020603050405020304" pitchFamily="18" charset="0"/>
                         </a:rPr>
-                        <a:t>DAE improved feature extraction with noisy data, and the bidirectional RNN predicted risk for hereditary diseases, addressing the complexity of medical data.</a:t>
+                        <a:t>DAE enhances feature extraction,</a:t>
+                      </a:r>
+                    </a:p>
+                    <a:p>
+                      <a:pPr marL="0" marR="0" lvl="0" indent="0" algn="just" defTabSz="914400" rtl="0" eaLnBrk="1" fontAlgn="auto" latinLnBrk="0" hangingPunct="1">
+                        <a:lnSpc>
+                          <a:spcPct val="100000"/>
+                        </a:lnSpc>
+                        <a:spcBef>
+                          <a:spcPts val="0"/>
+                        </a:spcBef>
+                        <a:spcAft>
+                          <a:spcPts val="0"/>
+                        </a:spcAft>
+                        <a:buClrTx/>
+                        <a:buSzTx/>
+                        <a:buFontTx/>
+                        <a:buNone/>
+                        <a:tabLst/>
+                        <a:defRPr/>
+                      </a:pPr>
+                      <a:r>
+                        <a:rPr lang="en-US" sz="1800" dirty="0">
+                          <a:solidFill>
+                            <a:schemeClr val="tx1"/>
+                          </a:solidFill>
+                          <a:latin typeface="Times New Roman" panose="02020603050405020304" pitchFamily="18" charset="0"/>
+                          <a:cs typeface="Times New Roman" panose="02020603050405020304" pitchFamily="18" charset="0"/>
+                        </a:rPr>
+                        <a:t>RNN predicts hereditary risks.</a:t>
                       </a:r>
                       <a:endParaRPr lang="en-US" altLang="en-IN" sz="1800" dirty="0">
                         <a:solidFill>
@@ -6475,7 +6504,7 @@
                           <a:latin typeface="Times New Roman" panose="02020603050405020304" pitchFamily="18" charset="0"/>
                           <a:cs typeface="Times New Roman" panose="02020603050405020304" pitchFamily="18" charset="0"/>
                         </a:rPr>
-                        <a:t>Autoencoders excel in unsupervised feature extraction, while incremental learning enables models to continuously improve and update features.</a:t>
+                        <a:t>Autoencoders extract features; incremental learning continuously updates them.</a:t>
                       </a:r>
                       <a:endParaRPr lang="en-US" altLang="en-IN" sz="1800" dirty="0">
                         <a:solidFill>
@@ -6615,7 +6644,7 @@
             </p:custDataLst>
             <p:extLst>
               <p:ext uri="{D42A27DB-BD31-4B8C-83A1-F6EECF244321}">
-                <p14:modId xmlns:p14="http://schemas.microsoft.com/office/powerpoint/2010/main" val="1961397879"/>
+                <p14:modId xmlns:p14="http://schemas.microsoft.com/office/powerpoint/2010/main" val="4156345258"/>
               </p:ext>
             </p:extLst>
           </p:nvPr>
@@ -6859,7 +6888,7 @@
                           <a:latin typeface="Times New Roman" panose="02020603050405020304" pitchFamily="18" charset="0"/>
                           <a:cs typeface="Times New Roman" panose="02020603050405020304" pitchFamily="18" charset="0"/>
                         </a:rPr>
-                        <a:t>Model-Sharing Framework, Decentralized Autonomous Organization (DAO) Blockchain Network</a:t>
+                        <a:t>Decentralized Autonomous Organization (DAO) Blockchain Network</a:t>
                       </a:r>
                     </a:p>
                   </a:txBody>
@@ -7257,7 +7286,7 @@
         </p:nvSpPr>
         <p:spPr bwMode="auto">
           <a:xfrm>
-            <a:off x="1097280" y="1755928"/>
+            <a:off x="1097280" y="1766088"/>
             <a:ext cx="10115203" cy="3349956"/>
           </a:xfrm>
           <a:prstGeom prst="rect">
@@ -7405,7 +7434,7 @@
                 <a:latin typeface="Times New Roman" panose="02020603050405020304" pitchFamily="18" charset="0"/>
                 <a:cs typeface="Times New Roman" panose="02020603050405020304" pitchFamily="18" charset="0"/>
               </a:rPr>
-              <a:t> Medical education improves through virtual training environments. </a:t>
+              <a:t> Medical education improves through the virtual training environments. </a:t>
             </a:r>
           </a:p>
           <a:p>
@@ -7630,24 +7659,28 @@
           </a:bodyPr>
           <a:lstStyle/>
           <a:p>
-            <a:pPr algn="just">
+            <a:pPr marL="342900" indent="-342900" algn="just">
               <a:lnSpc>
                 <a:spcPct val="100000"/>
               </a:lnSpc>
+              <a:buFont typeface="Arial" panose="020B0604020202020204" pitchFamily="34" charset="0"/>
+              <a:buChar char="•"/>
             </a:pPr>
             <a:r>
               <a:rPr lang="en-US" sz="2400" dirty="0">
                 <a:latin typeface="Times New Roman" panose="02020603050405020304" pitchFamily="18" charset="0"/>
                 <a:cs typeface="Times New Roman" panose="02020603050405020304" pitchFamily="18" charset="0"/>
               </a:rPr>
-              <a:t>The methodology of integrating the metaverse into healthcare involves combining advanced technologies like virtual reality (VR), augmented reality (AR), artificial intelligence (AI), blockchain, and the Internet of Things (IoT) to create immersive, secure, and interactive healthcare experiences. </a:t>
-            </a:r>
-          </a:p>
-          <a:p>
-            <a:pPr algn="just">
+              <a:t>The methodology of the metaverse in healthcare involves combining advanced technologies like virtual reality (VR), augmented reality (AR), artificial intelligence (AI), blockchain, and the Internet of Things (IoT) to create immersive, secure, and interactive healthcare experiences. </a:t>
+            </a:r>
+          </a:p>
+          <a:p>
+            <a:pPr marL="342900" indent="-342900" algn="just">
               <a:lnSpc>
                 <a:spcPct val="100000"/>
               </a:lnSpc>
+              <a:buFont typeface="Arial" panose="020B0604020202020204" pitchFamily="34" charset="0"/>
+              <a:buChar char="•"/>
             </a:pPr>
             <a:r>
               <a:rPr lang="en-US" sz="2400" dirty="0">

--- a/Seminar PPT/23MDS003 - Seminar.pptx
+++ b/Seminar PPT/23MDS003 - Seminar.pptx
@@ -5,7 +5,7 @@
     <p:sldMasterId id="2147483648" r:id="rId1"/>
   </p:sldMasterIdLst>
   <p:notesMasterIdLst>
-    <p:notesMasterId r:id="rId16"/>
+    <p:notesMasterId r:id="rId22"/>
   </p:notesMasterIdLst>
   <p:sldIdLst>
     <p:sldId id="256" r:id="rId2"/>
@@ -17,11 +17,17 @@
     <p:sldId id="278" r:id="rId8"/>
     <p:sldId id="281" r:id="rId9"/>
     <p:sldId id="328" r:id="rId10"/>
-    <p:sldId id="263" r:id="rId11"/>
-    <p:sldId id="264" r:id="rId12"/>
-    <p:sldId id="265" r:id="rId13"/>
-    <p:sldId id="325" r:id="rId14"/>
-    <p:sldId id="270" r:id="rId15"/>
+    <p:sldId id="329" r:id="rId11"/>
+    <p:sldId id="330" r:id="rId12"/>
+    <p:sldId id="331" r:id="rId13"/>
+    <p:sldId id="332" r:id="rId14"/>
+    <p:sldId id="333" r:id="rId15"/>
+    <p:sldId id="334" r:id="rId16"/>
+    <p:sldId id="263" r:id="rId17"/>
+    <p:sldId id="264" r:id="rId18"/>
+    <p:sldId id="265" r:id="rId19"/>
+    <p:sldId id="325" r:id="rId20"/>
+    <p:sldId id="270" r:id="rId21"/>
   </p:sldIdLst>
   <p:sldSz cx="12192000" cy="6858000"/>
   <p:notesSz cx="6858000" cy="9144000"/>
@@ -210,7 +216,7 @@
           <a:p>
             <a:fld id="{3C5A54E6-2B09-4E9A-81C4-DE64D00C8B28}" type="datetimeFigureOut">
               <a:rPr lang="en-IN" smtClean="0"/>
-              <a:t>18-09-2024</a:t>
+              <a:t>26-11-2024</a:t>
             </a:fld>
             <a:endParaRPr lang="en-IN"/>
           </a:p>
@@ -911,9 +917,9 @@
           <a:bodyPr/>
           <a:lstStyle/>
           <a:p>
-            <a:fld id="{08AD0815-773D-4BCA-ADF3-FB2D0FF0C209}" type="datetime1">
+            <a:fld id="{9F58C53D-0397-42C9-A2C4-8D5F960D53C0}" type="datetime1">
               <a:rPr lang="en-US" smtClean="0"/>
-              <a:t>9/18/2024</a:t>
+              <a:t>11/26/2024</a:t>
             </a:fld>
             <a:endParaRPr lang="en-US" dirty="0"/>
           </a:p>
@@ -1118,9 +1124,9 @@
           <a:bodyPr/>
           <a:lstStyle/>
           <a:p>
-            <a:fld id="{1CBE8631-ACA4-4ABB-92A9-5812FD941112}" type="datetime1">
+            <a:fld id="{A1835794-F2BA-450B-8061-BD3242FEAD7D}" type="datetime1">
               <a:rPr lang="en-US" smtClean="0"/>
-              <a:t>9/18/2024</a:t>
+              <a:t>11/26/2024</a:t>
             </a:fld>
             <a:endParaRPr lang="en-US" dirty="0"/>
           </a:p>
@@ -1373,9 +1379,9 @@
           <a:bodyPr/>
           <a:lstStyle/>
           <a:p>
-            <a:fld id="{C0403DEE-40DC-420B-8274-A26E9D4913A7}" type="datetime1">
+            <a:fld id="{090E4160-2BFE-4558-B870-00510EECAC11}" type="datetime1">
               <a:rPr lang="en-US" smtClean="0"/>
-              <a:t>9/18/2024</a:t>
+              <a:t>11/26/2024</a:t>
             </a:fld>
             <a:endParaRPr lang="en-US" dirty="0"/>
           </a:p>
@@ -1546,9 +1552,9 @@
           <a:bodyPr/>
           <a:lstStyle/>
           <a:p>
-            <a:fld id="{F914C428-127E-4EFE-AAA1-216823703080}" type="datetime1">
+            <a:fld id="{8233F0BD-090A-400A-A474-BF306731B21A}" type="datetime1">
               <a:rPr lang="en-US" smtClean="0"/>
-              <a:t>9/18/2024</a:t>
+              <a:t>11/26/2024</a:t>
             </a:fld>
             <a:endParaRPr lang="en-US" dirty="0"/>
           </a:p>
@@ -1888,9 +1894,9 @@
           <a:bodyPr/>
           <a:lstStyle/>
           <a:p>
-            <a:fld id="{A136DFFF-B3A6-4008-AA61-E81BC9D4806E}" type="datetime1">
+            <a:fld id="{9F881C79-DFF7-4630-8059-F67E2379C76A}" type="datetime1">
               <a:rPr lang="en-US" smtClean="0"/>
-              <a:t>9/18/2024</a:t>
+              <a:t>11/26/2024</a:t>
             </a:fld>
             <a:endParaRPr lang="en-US" dirty="0"/>
           </a:p>
@@ -2162,9 +2168,9 @@
           <a:bodyPr/>
           <a:lstStyle/>
           <a:p>
-            <a:fld id="{6300C5F5-DFFC-47DF-A1A1-9C9BEAE3D081}" type="datetime1">
+            <a:fld id="{A72D2B0C-FFE4-4540-8465-57912EA6DB1D}" type="datetime1">
               <a:rPr lang="en-US" smtClean="0"/>
-              <a:t>9/18/2024</a:t>
+              <a:t>11/26/2024</a:t>
             </a:fld>
             <a:endParaRPr lang="en-US" dirty="0"/>
           </a:p>
@@ -2540,9 +2546,9 @@
           <a:bodyPr/>
           <a:lstStyle/>
           <a:p>
-            <a:fld id="{4C237554-C2B9-41B5-9DF4-7C89939DD876}" type="datetime1">
+            <a:fld id="{F9FC5B83-2BE4-4DCB-AEF8-C8C177588A20}" type="datetime1">
               <a:rPr lang="en-US" smtClean="0"/>
-              <a:t>9/18/2024</a:t>
+              <a:t>11/26/2024</a:t>
             </a:fld>
             <a:endParaRPr lang="en-US" dirty="0"/>
           </a:p>
@@ -2657,9 +2663,9 @@
           <a:bodyPr/>
           <a:lstStyle/>
           <a:p>
-            <a:fld id="{AA9BFA05-A624-429C-8C72-44E82711A98E}" type="datetime1">
+            <a:fld id="{22AB0CEA-0F33-465F-8B25-237B67DF228C}" type="datetime1">
               <a:rPr lang="en-US" smtClean="0"/>
-              <a:t>9/18/2024</a:t>
+              <a:t>11/26/2024</a:t>
             </a:fld>
             <a:endParaRPr lang="en-US" dirty="0"/>
           </a:p>
@@ -2827,9 +2833,9 @@
           <a:bodyPr/>
           <a:lstStyle/>
           <a:p>
-            <a:fld id="{45AECF2E-F0EB-4095-AF93-4790AE986732}" type="datetime1">
+            <a:fld id="{6443E64A-4301-4687-ACC5-CABE28C45753}" type="datetime1">
               <a:rPr lang="en-US" smtClean="0"/>
-              <a:t>9/18/2024</a:t>
+              <a:t>11/26/2024</a:t>
             </a:fld>
             <a:endParaRPr lang="en-US" dirty="0"/>
           </a:p>
@@ -3180,9 +3186,9 @@
             </a:lvl1pPr>
           </a:lstStyle>
           <a:p>
-            <a:fld id="{9A4F0633-BB92-417E-B581-7197860C359B}" type="datetime1">
+            <a:fld id="{C674147F-5A53-4BF4-BFC1-1BEE170AF421}" type="datetime1">
               <a:rPr lang="en-US" smtClean="0"/>
-              <a:t>9/18/2024</a:t>
+              <a:t>11/26/2024</a:t>
             </a:fld>
             <a:endParaRPr lang="en-US" dirty="0"/>
           </a:p>
@@ -3561,9 +3567,9 @@
           <a:bodyPr/>
           <a:lstStyle/>
           <a:p>
-            <a:fld id="{119A84FF-A0F4-4CB2-AAD6-354A7AC4D809}" type="datetime1">
+            <a:fld id="{EB3CC151-F0B1-4A76-B5CF-291643C5CC69}" type="datetime1">
               <a:rPr lang="en-US" smtClean="0"/>
-              <a:t>9/18/2024</a:t>
+              <a:t>11/26/2024</a:t>
             </a:fld>
             <a:endParaRPr lang="en-US" dirty="0"/>
           </a:p>
@@ -3847,9 +3853,9 @@
             </a:lvl1pPr>
           </a:lstStyle>
           <a:p>
-            <a:fld id="{F338E052-42F6-43DE-ACE7-E1FF8A0772C2}" type="datetime1">
+            <a:fld id="{A7F3C914-FE37-4F1C-93F3-62FB9E40AA94}" type="datetime1">
               <a:rPr lang="en-US" smtClean="0"/>
-              <a:t>9/18/2024</a:t>
+              <a:t>11/26/2024</a:t>
             </a:fld>
             <a:endParaRPr lang="en-US" dirty="0"/>
           </a:p>
@@ -4383,7 +4389,12 @@
             <p:ph type="ctrTitle"/>
           </p:nvPr>
         </p:nvSpPr>
-        <p:spPr/>
+        <p:spPr>
+          <a:xfrm>
+            <a:off x="1097280" y="758952"/>
+            <a:ext cx="10058400" cy="3566160"/>
+          </a:xfrm>
+        </p:spPr>
         <p:txBody>
           <a:bodyPr/>
           <a:lstStyle/>
@@ -4443,7 +4454,7 @@
                 <a:latin typeface="Times New Roman" panose="02020603050405020304" pitchFamily="18" charset="0"/>
                 <a:cs typeface="Times New Roman" panose="02020603050405020304" pitchFamily="18" charset="0"/>
               </a:rPr>
-              <a:t>date of presentation-20/09/2024</a:t>
+              <a:t>date of presentation-12/12/2024</a:t>
             </a:r>
             <a:endParaRPr lang="en-IN" sz="2000" dirty="0">
               <a:solidFill>
@@ -4587,7 +4598,13 @@
   <p:cSld>
     <p:spTree>
       <p:nvGrpSpPr>
-        <p:cNvPr id="1" name=""/>
+        <p:cNvPr id="1" name="">
+          <a:extLst>
+            <a:ext uri="{FF2B5EF4-FFF2-40B4-BE49-F238E27FC236}">
+              <a16:creationId xmlns:a16="http://schemas.microsoft.com/office/drawing/2014/main" id="{C477FD6D-D66B-CA10-41BE-E6FE6F925A96}"/>
+            </a:ext>
+          </a:extLst>
+        </p:cNvPr>
         <p:cNvGrpSpPr/>
         <p:nvPr/>
       </p:nvGrpSpPr>
@@ -4601,18 +4618,24 @@
       </p:grpSpPr>
       <p:sp>
         <p:nvSpPr>
-          <p:cNvPr id="2" name="Title 1"/>
-          <p:cNvSpPr>
-            <a:spLocks noGrp="1"/>
-          </p:cNvSpPr>
-          <p:nvPr>
-            <p:ph type="title"/>
+          <p:cNvPr id="2" name="Title 1">
+            <a:extLst>
+              <a:ext uri="{FF2B5EF4-FFF2-40B4-BE49-F238E27FC236}">
+                <a16:creationId xmlns:a16="http://schemas.microsoft.com/office/drawing/2014/main" id="{FD236BBD-6966-82F9-082E-2CE8FA949713}"/>
+              </a:ext>
+            </a:extLst>
+          </p:cNvPr>
+          <p:cNvSpPr>
+            <a:spLocks noGrp="1"/>
+          </p:cNvSpPr>
+          <p:nvPr>
+            <p:ph type="title" idx="4294967295"/>
           </p:nvPr>
         </p:nvSpPr>
         <p:spPr>
           <a:xfrm>
-            <a:off x="1097280" y="276443"/>
-            <a:ext cx="10058400" cy="1450757"/>
+            <a:off x="1066800" y="-291465"/>
+            <a:ext cx="10058400" cy="1286510"/>
           </a:xfrm>
         </p:spPr>
         <p:txBody>
@@ -4623,51 +4646,39 @@
           <a:p>
             <a:pPr algn="ctr"/>
             <a:r>
-              <a:rPr lang="en-IN" sz="3600" b="1" dirty="0">
+              <a:rPr lang="en-US" sz="3600" b="1" dirty="0">
                 <a:solidFill>
                   <a:schemeClr val="tx1"/>
                 </a:solidFill>
                 <a:latin typeface="Times New Roman" panose="02020603050405020304" pitchFamily="18" charset="0"/>
                 <a:cs typeface="Times New Roman" panose="02020603050405020304" pitchFamily="18" charset="0"/>
               </a:rPr>
-              <a:t>Discussions</a:t>
-            </a:r>
-          </a:p>
-        </p:txBody>
-      </p:sp>
-      <p:sp>
-        <p:nvSpPr>
-          <p:cNvPr id="6" name="Slide Number Placeholder 5"/>
-          <p:cNvSpPr>
-            <a:spLocks noGrp="1"/>
-          </p:cNvSpPr>
-          <p:nvPr>
-            <p:ph type="sldNum" sz="quarter" idx="12"/>
-          </p:nvPr>
-        </p:nvSpPr>
-        <p:spPr/>
-        <p:txBody>
-          <a:bodyPr/>
-          <a:lstStyle/>
-          <a:p>
-            <a:fld id="{E97799C9-84D9-46D2-A11E-BCF8A720529D}" type="slidenum">
-              <a:rPr lang="en-US" smtClean="0"/>
-              <a:t>10</a:t>
-            </a:fld>
-            <a:endParaRPr lang="en-US" dirty="0"/>
-          </a:p>
-        </p:txBody>
-      </p:sp>
-      <p:sp>
-        <p:nvSpPr>
-          <p:cNvPr id="9" name="TextBox 8"/>
+              <a:t>Models </a:t>
+            </a:r>
+            <a:endParaRPr lang="en-US" sz="3600" dirty="0">
+              <a:solidFill>
+                <a:schemeClr val="tx1"/>
+              </a:solidFill>
+            </a:endParaRPr>
+          </a:p>
+        </p:txBody>
+      </p:sp>
+      <p:sp>
+        <p:nvSpPr>
+          <p:cNvPr id="4" name="TextBox 3">
+            <a:extLst>
+              <a:ext uri="{FF2B5EF4-FFF2-40B4-BE49-F238E27FC236}">
+                <a16:creationId xmlns:a16="http://schemas.microsoft.com/office/drawing/2014/main" id="{BDE1AFB9-5D3F-2D16-E598-5D66DF1043A3}"/>
+              </a:ext>
+            </a:extLst>
+          </p:cNvPr>
           <p:cNvSpPr txBox="1"/>
           <p:nvPr/>
         </p:nvSpPr>
         <p:spPr>
           <a:xfrm>
-            <a:off x="1097280" y="1785619"/>
-            <a:ext cx="9963785" cy="4460805"/>
+            <a:off x="1066800" y="797351"/>
+            <a:ext cx="10058400" cy="579967"/>
           </a:xfrm>
           <a:prstGeom prst="rect">
             <a:avLst/>
@@ -4675,27 +4686,359 @@
           <a:noFill/>
         </p:spPr>
         <p:txBody>
-          <a:bodyPr wrap="square" rtlCol="0">
-            <a:noAutofit/>
+          <a:bodyPr wrap="square">
+            <a:spAutoFit/>
           </a:bodyPr>
           <a:lstStyle/>
           <a:p>
-            <a:pPr algn="just">
+            <a:pPr marL="342900" marR="0" lvl="0" indent="-342900" algn="just" defTabSz="914400" rtl="0" eaLnBrk="0" fontAlgn="base" latinLnBrk="0" hangingPunct="0">
               <a:lnSpc>
                 <a:spcPct val="150000"/>
               </a:lnSpc>
+              <a:spcBef>
+                <a:spcPct val="0"/>
+              </a:spcBef>
+              <a:spcAft>
+                <a:spcPct val="0"/>
+              </a:spcAft>
+              <a:buClrTx/>
+              <a:buSzTx/>
+              <a:buFont typeface="Wingdings" panose="05000000000000000000" pitchFamily="2" charset="2"/>
+              <a:buChar char="§"/>
+              <a:tabLst/>
             </a:pPr>
             <a:r>
+              <a:rPr kumimoji="0" lang="en-US" altLang="en-US" sz="2400" b="1" i="0" u="none" strike="noStrike" cap="none" normalizeH="0" baseline="0" dirty="0">
+                <a:ln>
+                  <a:noFill/>
+                </a:ln>
+                <a:effectLst/>
+                <a:latin typeface="Times New Roman" panose="02020603050405020304" pitchFamily="18" charset="0"/>
+                <a:cs typeface="Times New Roman" panose="02020603050405020304" pitchFamily="18" charset="0"/>
+              </a:rPr>
+              <a:t>1</a:t>
+            </a:r>
+            <a:r>
+              <a:rPr kumimoji="0" lang="en-US" altLang="en-US" sz="2400" b="1" i="0" u="none" strike="noStrike" cap="none" normalizeH="0" baseline="30000" dirty="0">
+                <a:ln>
+                  <a:noFill/>
+                </a:ln>
+                <a:effectLst/>
+                <a:latin typeface="Times New Roman" panose="02020603050405020304" pitchFamily="18" charset="0"/>
+                <a:cs typeface="Times New Roman" panose="02020603050405020304" pitchFamily="18" charset="0"/>
+              </a:rPr>
+              <a:t>st</a:t>
+            </a:r>
+            <a:r>
+              <a:rPr kumimoji="0" lang="en-US" altLang="en-US" sz="2400" b="1" i="0" u="none" strike="noStrike" cap="none" normalizeH="0" baseline="0" dirty="0">
+                <a:ln>
+                  <a:noFill/>
+                </a:ln>
+                <a:effectLst/>
+                <a:latin typeface="Times New Roman" panose="02020603050405020304" pitchFamily="18" charset="0"/>
+                <a:cs typeface="Times New Roman" panose="02020603050405020304" pitchFamily="18" charset="0"/>
+              </a:rPr>
+              <a:t> </a:t>
+            </a:r>
+            <a:r>
+              <a:rPr lang="en-US" altLang="en-US" sz="2400" b="1" dirty="0">
+                <a:latin typeface="Times New Roman" panose="02020603050405020304" pitchFamily="18" charset="0"/>
+                <a:cs typeface="Times New Roman" panose="02020603050405020304" pitchFamily="18" charset="0"/>
+              </a:rPr>
+              <a:t>M</a:t>
+            </a:r>
+            <a:r>
+              <a:rPr kumimoji="0" lang="en-US" altLang="en-US" sz="2400" b="1" i="0" u="none" strike="noStrike" cap="none" normalizeH="0" baseline="0" dirty="0">
+                <a:ln>
+                  <a:noFill/>
+                </a:ln>
+                <a:effectLst/>
+                <a:latin typeface="Times New Roman" panose="02020603050405020304" pitchFamily="18" charset="0"/>
+                <a:cs typeface="Times New Roman" panose="02020603050405020304" pitchFamily="18" charset="0"/>
+              </a:rPr>
+              <a:t>odel: Me</a:t>
+            </a:r>
+            <a:r>
+              <a:rPr lang="en-US" sz="2400" b="1" dirty="0">
+                <a:latin typeface="Times New Roman" panose="02020603050405020304" pitchFamily="18" charset="0"/>
+                <a:cs typeface="Times New Roman" panose="02020603050405020304" pitchFamily="18" charset="0"/>
+              </a:rPr>
+              <a:t>taverse health connection model:</a:t>
+            </a:r>
+          </a:p>
+        </p:txBody>
+      </p:sp>
+      <p:sp>
+        <p:nvSpPr>
+          <p:cNvPr id="5" name="Slide Number Placeholder 4">
+            <a:extLst>
+              <a:ext uri="{FF2B5EF4-FFF2-40B4-BE49-F238E27FC236}">
+                <a16:creationId xmlns:a16="http://schemas.microsoft.com/office/drawing/2014/main" id="{8A211CB5-64A8-4335-6563-FA58B50AC8D9}"/>
+              </a:ext>
+            </a:extLst>
+          </p:cNvPr>
+          <p:cNvSpPr>
+            <a:spLocks noGrp="1"/>
+          </p:cNvSpPr>
+          <p:nvPr>
+            <p:ph type="sldNum" sz="quarter" idx="12"/>
+          </p:nvPr>
+        </p:nvSpPr>
+        <p:spPr/>
+        <p:txBody>
+          <a:bodyPr/>
+          <a:lstStyle/>
+          <a:p>
+            <a:fld id="{D57F1E4F-1CFF-5643-939E-217C01CDF565}" type="slidenum">
+              <a:rPr lang="en-US" smtClean="0"/>
+              <a:t>10</a:t>
+            </a:fld>
+            <a:endParaRPr lang="en-US" dirty="0"/>
+          </a:p>
+        </p:txBody>
+      </p:sp>
+      <p:sp>
+        <p:nvSpPr>
+          <p:cNvPr id="7" name="TextBox 6">
+            <a:extLst>
+              <a:ext uri="{FF2B5EF4-FFF2-40B4-BE49-F238E27FC236}">
+                <a16:creationId xmlns:a16="http://schemas.microsoft.com/office/drawing/2014/main" id="{8FF2FFF2-9ED4-6FB2-112C-7388DECD2B39}"/>
+              </a:ext>
+            </a:extLst>
+          </p:cNvPr>
+          <p:cNvSpPr txBox="1"/>
+          <p:nvPr/>
+        </p:nvSpPr>
+        <p:spPr>
+          <a:xfrm>
+            <a:off x="1442720" y="1416883"/>
+            <a:ext cx="9682478" cy="1687963"/>
+          </a:xfrm>
+          <a:prstGeom prst="rect">
+            <a:avLst/>
+          </a:prstGeom>
+          <a:noFill/>
+        </p:spPr>
+        <p:txBody>
+          <a:bodyPr wrap="square">
+            <a:spAutoFit/>
+          </a:bodyPr>
+          <a:lstStyle/>
+          <a:p>
+            <a:pPr marL="342900" marR="0" lvl="0" indent="-342900" algn="just" defTabSz="914400" rtl="0" eaLnBrk="0" fontAlgn="base" latinLnBrk="0" hangingPunct="0">
+              <a:lnSpc>
+                <a:spcPct val="150000"/>
+              </a:lnSpc>
+              <a:spcBef>
+                <a:spcPct val="0"/>
+              </a:spcBef>
+              <a:spcAft>
+                <a:spcPct val="0"/>
+              </a:spcAft>
+              <a:buClrTx/>
+              <a:buSzTx/>
+              <a:buFont typeface="Wingdings" panose="05000000000000000000" pitchFamily="2" charset="2"/>
+              <a:buChar char="§"/>
+              <a:tabLst/>
+            </a:pPr>
+            <a:r>
+              <a:rPr kumimoji="0" lang="en-US" altLang="en-US" sz="2400" b="0" i="0" u="none" strike="noStrike" cap="none" normalizeH="0" baseline="0" dirty="0">
+                <a:ln>
+                  <a:noFill/>
+                </a:ln>
+                <a:effectLst/>
+                <a:latin typeface="Times New Roman" panose="02020603050405020304" pitchFamily="18" charset="0"/>
+                <a:cs typeface="Times New Roman" panose="02020603050405020304" pitchFamily="18" charset="0"/>
+              </a:rPr>
+              <a:t>Uses VR and AR,</a:t>
+            </a:r>
+          </a:p>
+          <a:p>
+            <a:pPr marL="342900" marR="0" lvl="0" indent="-342900" algn="just" defTabSz="914400" rtl="0" eaLnBrk="0" fontAlgn="base" latinLnBrk="0" hangingPunct="0">
+              <a:lnSpc>
+                <a:spcPct val="150000"/>
+              </a:lnSpc>
+              <a:spcBef>
+                <a:spcPct val="0"/>
+              </a:spcBef>
+              <a:spcAft>
+                <a:spcPct val="0"/>
+              </a:spcAft>
+              <a:buClrTx/>
+              <a:buSzTx/>
+              <a:buFont typeface="Wingdings" panose="05000000000000000000" pitchFamily="2" charset="2"/>
+              <a:buChar char="§"/>
+              <a:tabLst/>
+            </a:pPr>
+            <a:r>
               <a:rPr lang="en-US" sz="2400" dirty="0">
                 <a:latin typeface="Times New Roman" panose="02020603050405020304" pitchFamily="18" charset="0"/>
                 <a:cs typeface="Times New Roman" panose="02020603050405020304" pitchFamily="18" charset="0"/>
               </a:rPr>
-              <a:t>The metaverse is changing healthcare by using virtual reality (VR) for online doctor-patient interactions and medical training simulations. Virtual reality therapies are also helping with pain management, mental health treatment, and rehabilitation. Augmented reality (AR) allows surgeons to perform remote surgeries, guiding procedures from far away. However, issues like data privacy and high costs need to be solved for the metaverse to work well in healthcare.</a:t>
+              <a:t>Improve Access</a:t>
+            </a:r>
+          </a:p>
+          <a:p>
+            <a:pPr marL="342900" marR="0" lvl="0" indent="-342900" algn="just" defTabSz="914400" rtl="0" eaLnBrk="0" fontAlgn="base" latinLnBrk="0" hangingPunct="0">
+              <a:lnSpc>
+                <a:spcPct val="150000"/>
+              </a:lnSpc>
+              <a:spcBef>
+                <a:spcPct val="0"/>
+              </a:spcBef>
+              <a:spcAft>
+                <a:spcPct val="0"/>
+              </a:spcAft>
+              <a:buClrTx/>
+              <a:buSzTx/>
+              <a:buFont typeface="Wingdings" panose="05000000000000000000" pitchFamily="2" charset="2"/>
+              <a:buChar char="§"/>
+              <a:tabLst/>
+            </a:pPr>
+            <a:r>
+              <a:rPr lang="en-US" sz="2400" dirty="0">
+                <a:latin typeface="Times New Roman" panose="02020603050405020304" pitchFamily="18" charset="0"/>
+                <a:cs typeface="Times New Roman" panose="02020603050405020304" pitchFamily="18" charset="0"/>
+              </a:rPr>
+              <a:t>Enhance communication patients and doctors</a:t>
+            </a:r>
+          </a:p>
+        </p:txBody>
+      </p:sp>
+      <p:sp>
+        <p:nvSpPr>
+          <p:cNvPr id="9" name="TextBox 8">
+            <a:extLst>
+              <a:ext uri="{FF2B5EF4-FFF2-40B4-BE49-F238E27FC236}">
+                <a16:creationId xmlns:a16="http://schemas.microsoft.com/office/drawing/2014/main" id="{4E7C36B7-EF29-F8CC-BDCA-7DD60C3A6956}"/>
+              </a:ext>
+            </a:extLst>
+          </p:cNvPr>
+          <p:cNvSpPr txBox="1"/>
+          <p:nvPr/>
+        </p:nvSpPr>
+        <p:spPr>
+          <a:xfrm>
+            <a:off x="1066799" y="3170518"/>
+            <a:ext cx="10058399" cy="2985433"/>
+          </a:xfrm>
+          <a:prstGeom prst="rect">
+            <a:avLst/>
+          </a:prstGeom>
+          <a:noFill/>
+        </p:spPr>
+        <p:txBody>
+          <a:bodyPr wrap="square">
+            <a:spAutoFit/>
+          </a:bodyPr>
+          <a:lstStyle/>
+          <a:p>
+            <a:pPr marL="342900" indent="-342900" algn="just">
+              <a:spcAft>
+                <a:spcPts val="800"/>
+              </a:spcAft>
+              <a:buFont typeface="Wingdings" panose="05000000000000000000" pitchFamily="2" charset="2"/>
+              <a:buChar char="§"/>
+            </a:pPr>
+            <a:r>
+              <a:rPr lang="en-US" sz="2400" kern="100" dirty="0">
+                <a:effectLst/>
+                <a:latin typeface="Times New Roman" panose="02020603050405020304" pitchFamily="18" charset="0"/>
+                <a:ea typeface="Calibri" panose="020F0502020204030204" pitchFamily="34" charset="0"/>
+                <a:cs typeface="Times New Roman" panose="02020603050405020304" pitchFamily="18" charset="0"/>
+              </a:rPr>
+              <a:t>Steps to improves model:</a:t>
+            </a:r>
+          </a:p>
+          <a:p>
+            <a:pPr marL="800100" lvl="1" indent="-342900" algn="just">
+              <a:spcAft>
+                <a:spcPts val="800"/>
+              </a:spcAft>
+              <a:buFont typeface="Wingdings" panose="05000000000000000000" pitchFamily="2" charset="2"/>
+              <a:buChar char="§"/>
+            </a:pPr>
+            <a:r>
+              <a:rPr lang="en-US" sz="2400" b="1" kern="100" dirty="0">
+                <a:effectLst/>
+                <a:latin typeface="Times New Roman" panose="02020603050405020304" pitchFamily="18" charset="0"/>
+                <a:ea typeface="Calibri" panose="020F0502020204030204" pitchFamily="34" charset="0"/>
+                <a:cs typeface="Times New Roman" panose="02020603050405020304" pitchFamily="18" charset="0"/>
+              </a:rPr>
+              <a:t>Step 1</a:t>
+            </a:r>
+            <a:r>
+              <a:rPr lang="en-US" sz="2400" kern="100" dirty="0">
+                <a:effectLst/>
+                <a:latin typeface="Times New Roman" panose="02020603050405020304" pitchFamily="18" charset="0"/>
+                <a:ea typeface="Calibri" panose="020F0502020204030204" pitchFamily="34" charset="0"/>
+                <a:cs typeface="Times New Roman" panose="02020603050405020304" pitchFamily="18" charset="0"/>
+              </a:rPr>
+              <a:t>: Virtual healthcare spaces are created to simulate real-life medical settings.</a:t>
+            </a:r>
+          </a:p>
+          <a:p>
+            <a:pPr marL="800100" lvl="1" indent="-342900" algn="just">
+              <a:spcAft>
+                <a:spcPts val="800"/>
+              </a:spcAft>
+              <a:buFont typeface="Wingdings" panose="05000000000000000000" pitchFamily="2" charset="2"/>
+              <a:buChar char="§"/>
+            </a:pPr>
+            <a:r>
+              <a:rPr lang="en-US" sz="2400" b="1" kern="100" dirty="0">
+                <a:effectLst/>
+                <a:latin typeface="Times New Roman" panose="02020603050405020304" pitchFamily="18" charset="0"/>
+                <a:ea typeface="Calibri" panose="020F0502020204030204" pitchFamily="34" charset="0"/>
+                <a:cs typeface="Times New Roman" panose="02020603050405020304" pitchFamily="18" charset="0"/>
+              </a:rPr>
+              <a:t>Step 2</a:t>
+            </a:r>
+            <a:r>
+              <a:rPr lang="en-US" sz="2400" kern="100" dirty="0">
+                <a:effectLst/>
+                <a:latin typeface="Times New Roman" panose="02020603050405020304" pitchFamily="18" charset="0"/>
+                <a:ea typeface="Calibri" panose="020F0502020204030204" pitchFamily="34" charset="0"/>
+                <a:cs typeface="Times New Roman" panose="02020603050405020304" pitchFamily="18" charset="0"/>
+              </a:rPr>
+              <a:t>: Patients and providers connect through immersive platforms for consultations and treatments.</a:t>
+            </a:r>
+          </a:p>
+          <a:p>
+            <a:pPr marL="800100" lvl="1" indent="-342900" algn="just">
+              <a:spcAft>
+                <a:spcPts val="800"/>
+              </a:spcAft>
+              <a:buFont typeface="Wingdings" panose="05000000000000000000" pitchFamily="2" charset="2"/>
+              <a:buChar char="§"/>
+            </a:pPr>
+            <a:r>
+              <a:rPr lang="en-US" sz="2400" b="1" kern="100" dirty="0">
+                <a:effectLst/>
+                <a:latin typeface="Times New Roman" panose="02020603050405020304" pitchFamily="18" charset="0"/>
+                <a:ea typeface="Calibri" panose="020F0502020204030204" pitchFamily="34" charset="0"/>
+                <a:cs typeface="Times New Roman" panose="02020603050405020304" pitchFamily="18" charset="0"/>
+              </a:rPr>
+              <a:t>Step 3</a:t>
+            </a:r>
+            <a:r>
+              <a:rPr lang="en-US" sz="2400" kern="100" dirty="0">
+                <a:effectLst/>
+                <a:latin typeface="Times New Roman" panose="02020603050405020304" pitchFamily="18" charset="0"/>
+                <a:ea typeface="Calibri" panose="020F0502020204030204" pitchFamily="34" charset="0"/>
+                <a:cs typeface="Times New Roman" panose="02020603050405020304" pitchFamily="18" charset="0"/>
+              </a:rPr>
+              <a:t>: Real-time interactions allow for accurate diagnostics and patient care.</a:t>
             </a:r>
           </a:p>
         </p:txBody>
       </p:sp>
     </p:spTree>
+    <p:extLst>
+      <p:ext uri="{BB962C8B-B14F-4D97-AF65-F5344CB8AC3E}">
+        <p14:creationId xmlns:p14="http://schemas.microsoft.com/office/powerpoint/2010/main" val="1553560862"/>
+      </p:ext>
+    </p:extLst>
   </p:cSld>
   <p:clrMapOvr>
     <a:masterClrMapping/>
@@ -4704,6 +5047,2225 @@
 </file>
 
 <file path=ppt/slides/slide11.xml><?xml version="1.0" encoding="utf-8"?>
+<p:sld xmlns:a="http://schemas.openxmlformats.org/drawingml/2006/main" xmlns:r="http://schemas.openxmlformats.org/officeDocument/2006/relationships" xmlns:p="http://schemas.openxmlformats.org/presentationml/2006/main">
+  <p:cSld>
+    <p:spTree>
+      <p:nvGrpSpPr>
+        <p:cNvPr id="1" name="">
+          <a:extLst>
+            <a:ext uri="{FF2B5EF4-FFF2-40B4-BE49-F238E27FC236}">
+              <a16:creationId xmlns:a16="http://schemas.microsoft.com/office/drawing/2014/main" id="{073DA6B7-B2A8-AA5A-1D84-030F6D57643C}"/>
+            </a:ext>
+          </a:extLst>
+        </p:cNvPr>
+        <p:cNvGrpSpPr/>
+        <p:nvPr/>
+      </p:nvGrpSpPr>
+      <p:grpSpPr>
+        <a:xfrm>
+          <a:off x="0" y="0"/>
+          <a:ext cx="0" cy="0"/>
+          <a:chOff x="0" y="0"/>
+          <a:chExt cx="0" cy="0"/>
+        </a:xfrm>
+      </p:grpSpPr>
+      <p:sp>
+        <p:nvSpPr>
+          <p:cNvPr id="2" name="Title 1">
+            <a:extLst>
+              <a:ext uri="{FF2B5EF4-FFF2-40B4-BE49-F238E27FC236}">
+                <a16:creationId xmlns:a16="http://schemas.microsoft.com/office/drawing/2014/main" id="{5137353A-977C-B011-3B61-F1FA1743803A}"/>
+              </a:ext>
+            </a:extLst>
+          </p:cNvPr>
+          <p:cNvSpPr>
+            <a:spLocks noGrp="1"/>
+          </p:cNvSpPr>
+          <p:nvPr>
+            <p:ph type="title" idx="4294967295"/>
+          </p:nvPr>
+        </p:nvSpPr>
+        <p:spPr>
+          <a:xfrm>
+            <a:off x="1066800" y="-291465"/>
+            <a:ext cx="10058400" cy="1286510"/>
+          </a:xfrm>
+        </p:spPr>
+        <p:txBody>
+          <a:bodyPr>
+            <a:normAutofit/>
+          </a:bodyPr>
+          <a:lstStyle/>
+          <a:p>
+            <a:pPr algn="ctr"/>
+            <a:r>
+              <a:rPr lang="en-US" sz="3600" b="1" dirty="0">
+                <a:solidFill>
+                  <a:schemeClr val="tx1"/>
+                </a:solidFill>
+                <a:latin typeface="Times New Roman" panose="02020603050405020304" pitchFamily="18" charset="0"/>
+                <a:cs typeface="Times New Roman" panose="02020603050405020304" pitchFamily="18" charset="0"/>
+              </a:rPr>
+              <a:t>Models</a:t>
+            </a:r>
+            <a:endParaRPr lang="en-US" sz="3600" dirty="0">
+              <a:solidFill>
+                <a:schemeClr val="tx1"/>
+              </a:solidFill>
+            </a:endParaRPr>
+          </a:p>
+        </p:txBody>
+      </p:sp>
+      <p:sp>
+        <p:nvSpPr>
+          <p:cNvPr id="4" name="TextBox 3">
+            <a:extLst>
+              <a:ext uri="{FF2B5EF4-FFF2-40B4-BE49-F238E27FC236}">
+                <a16:creationId xmlns:a16="http://schemas.microsoft.com/office/drawing/2014/main" id="{11147C2D-E101-567D-5240-5080D274241D}"/>
+              </a:ext>
+            </a:extLst>
+          </p:cNvPr>
+          <p:cNvSpPr txBox="1"/>
+          <p:nvPr/>
+        </p:nvSpPr>
+        <p:spPr>
+          <a:xfrm>
+            <a:off x="1066800" y="797351"/>
+            <a:ext cx="10058400" cy="2241960"/>
+          </a:xfrm>
+          <a:prstGeom prst="rect">
+            <a:avLst/>
+          </a:prstGeom>
+          <a:noFill/>
+        </p:spPr>
+        <p:txBody>
+          <a:bodyPr wrap="square">
+            <a:spAutoFit/>
+          </a:bodyPr>
+          <a:lstStyle/>
+          <a:p>
+            <a:pPr marL="342900" marR="0" lvl="0" indent="-342900" algn="just" defTabSz="914400" rtl="0" eaLnBrk="0" fontAlgn="base" latinLnBrk="0" hangingPunct="0">
+              <a:lnSpc>
+                <a:spcPct val="150000"/>
+              </a:lnSpc>
+              <a:spcBef>
+                <a:spcPct val="0"/>
+              </a:spcBef>
+              <a:spcAft>
+                <a:spcPct val="0"/>
+              </a:spcAft>
+              <a:buClrTx/>
+              <a:buSzTx/>
+              <a:buFont typeface="Wingdings" panose="05000000000000000000" pitchFamily="2" charset="2"/>
+              <a:buChar char="§"/>
+              <a:tabLst/>
+            </a:pPr>
+            <a:r>
+              <a:rPr kumimoji="0" lang="en-US" altLang="en-US" sz="2400" b="1" i="0" u="none" strike="noStrike" cap="none" normalizeH="0" baseline="0" dirty="0">
+                <a:ln>
+                  <a:noFill/>
+                </a:ln>
+                <a:effectLst/>
+                <a:latin typeface="Times New Roman" panose="02020603050405020304" pitchFamily="18" charset="0"/>
+                <a:cs typeface="Times New Roman" panose="02020603050405020304" pitchFamily="18" charset="0"/>
+              </a:rPr>
+              <a:t>Benefit :</a:t>
+            </a:r>
+            <a:endParaRPr lang="en-US" sz="2400" dirty="0">
+              <a:latin typeface="Times New Roman" panose="02020603050405020304" pitchFamily="18" charset="0"/>
+              <a:cs typeface="Times New Roman" panose="02020603050405020304" pitchFamily="18" charset="0"/>
+            </a:endParaRPr>
+          </a:p>
+          <a:p>
+            <a:pPr marL="800100" lvl="1" indent="-342900" algn="just" eaLnBrk="0" fontAlgn="base" hangingPunct="0">
+              <a:lnSpc>
+                <a:spcPct val="150000"/>
+              </a:lnSpc>
+              <a:spcBef>
+                <a:spcPct val="0"/>
+              </a:spcBef>
+              <a:spcAft>
+                <a:spcPct val="0"/>
+              </a:spcAft>
+              <a:buFont typeface="Wingdings" panose="05000000000000000000" pitchFamily="2" charset="2"/>
+              <a:buChar char="§"/>
+            </a:pPr>
+            <a:r>
+              <a:rPr kumimoji="0" lang="en-US" altLang="en-US" sz="2400" b="0" i="0" u="none" strike="noStrike" cap="none" normalizeH="0" baseline="0" dirty="0">
+                <a:ln>
+                  <a:noFill/>
+                </a:ln>
+                <a:effectLst/>
+                <a:latin typeface="Times New Roman" panose="02020603050405020304" pitchFamily="18" charset="0"/>
+                <a:cs typeface="Times New Roman" panose="02020603050405020304" pitchFamily="18" charset="0"/>
+              </a:rPr>
+              <a:t>Enhanced patient </a:t>
+            </a:r>
+            <a:r>
+              <a:rPr lang="en-US" altLang="en-US" sz="2400" dirty="0">
+                <a:latin typeface="Times New Roman" panose="02020603050405020304" pitchFamily="18" charset="0"/>
+                <a:cs typeface="Times New Roman" panose="02020603050405020304" pitchFamily="18" charset="0"/>
+              </a:rPr>
+              <a:t>e</a:t>
+            </a:r>
+            <a:r>
+              <a:rPr kumimoji="0" lang="en-US" altLang="en-US" sz="2400" b="0" i="0" u="none" strike="noStrike" cap="none" normalizeH="0" baseline="0" dirty="0">
+                <a:ln>
+                  <a:noFill/>
+                </a:ln>
+                <a:effectLst/>
+                <a:latin typeface="Times New Roman" panose="02020603050405020304" pitchFamily="18" charset="0"/>
+                <a:cs typeface="Times New Roman" panose="02020603050405020304" pitchFamily="18" charset="0"/>
+              </a:rPr>
+              <a:t>ngagement</a:t>
+            </a:r>
+          </a:p>
+          <a:p>
+            <a:pPr marL="800100" lvl="1" indent="-342900" algn="just" eaLnBrk="0" fontAlgn="base" hangingPunct="0">
+              <a:lnSpc>
+                <a:spcPct val="150000"/>
+              </a:lnSpc>
+              <a:spcBef>
+                <a:spcPct val="0"/>
+              </a:spcBef>
+              <a:spcAft>
+                <a:spcPct val="0"/>
+              </a:spcAft>
+              <a:buFont typeface="Wingdings" panose="05000000000000000000" pitchFamily="2" charset="2"/>
+              <a:buChar char="§"/>
+            </a:pPr>
+            <a:r>
+              <a:rPr lang="en-US" altLang="en-US" sz="2400" dirty="0">
+                <a:latin typeface="Times New Roman" panose="02020603050405020304" pitchFamily="18" charset="0"/>
+                <a:cs typeface="Times New Roman" panose="02020603050405020304" pitchFamily="18" charset="0"/>
+              </a:rPr>
+              <a:t>Efficient use of resources </a:t>
+            </a:r>
+          </a:p>
+          <a:p>
+            <a:pPr marL="800100" lvl="1" indent="-342900" algn="just" eaLnBrk="0" fontAlgn="base" hangingPunct="0">
+              <a:lnSpc>
+                <a:spcPct val="150000"/>
+              </a:lnSpc>
+              <a:spcBef>
+                <a:spcPct val="0"/>
+              </a:spcBef>
+              <a:spcAft>
+                <a:spcPct val="0"/>
+              </a:spcAft>
+              <a:buFont typeface="Wingdings" panose="05000000000000000000" pitchFamily="2" charset="2"/>
+              <a:buChar char="§"/>
+            </a:pPr>
+            <a:r>
+              <a:rPr kumimoji="0" lang="en-US" altLang="en-US" sz="2400" b="0" i="0" u="none" strike="noStrike" cap="none" normalizeH="0" baseline="0" dirty="0">
+                <a:ln>
+                  <a:noFill/>
+                </a:ln>
+                <a:effectLst/>
+                <a:latin typeface="Times New Roman" panose="02020603050405020304" pitchFamily="18" charset="0"/>
+                <a:cs typeface="Times New Roman" panose="02020603050405020304" pitchFamily="18" charset="0"/>
+              </a:rPr>
+              <a:t>Improved access to healthcare</a:t>
+            </a:r>
+          </a:p>
+        </p:txBody>
+      </p:sp>
+      <p:sp>
+        <p:nvSpPr>
+          <p:cNvPr id="5" name="Slide Number Placeholder 4">
+            <a:extLst>
+              <a:ext uri="{FF2B5EF4-FFF2-40B4-BE49-F238E27FC236}">
+                <a16:creationId xmlns:a16="http://schemas.microsoft.com/office/drawing/2014/main" id="{64820556-EF8C-0724-8E2C-E3ECEF4C4311}"/>
+              </a:ext>
+            </a:extLst>
+          </p:cNvPr>
+          <p:cNvSpPr>
+            <a:spLocks noGrp="1"/>
+          </p:cNvSpPr>
+          <p:nvPr>
+            <p:ph type="sldNum" sz="quarter" idx="12"/>
+          </p:nvPr>
+        </p:nvSpPr>
+        <p:spPr/>
+        <p:txBody>
+          <a:bodyPr/>
+          <a:lstStyle/>
+          <a:p>
+            <a:fld id="{D57F1E4F-1CFF-5643-939E-217C01CDF565}" type="slidenum">
+              <a:rPr lang="en-US" smtClean="0"/>
+              <a:t>11</a:t>
+            </a:fld>
+            <a:endParaRPr lang="en-US" dirty="0"/>
+          </a:p>
+        </p:txBody>
+      </p:sp>
+      <p:sp>
+        <p:nvSpPr>
+          <p:cNvPr id="6" name="TextBox 5">
+            <a:extLst>
+              <a:ext uri="{FF2B5EF4-FFF2-40B4-BE49-F238E27FC236}">
+                <a16:creationId xmlns:a16="http://schemas.microsoft.com/office/drawing/2014/main" id="{72DE9BE2-5344-736A-B45C-0329771367B7}"/>
+              </a:ext>
+            </a:extLst>
+          </p:cNvPr>
+          <p:cNvSpPr txBox="1"/>
+          <p:nvPr/>
+        </p:nvSpPr>
+        <p:spPr>
+          <a:xfrm>
+            <a:off x="1066800" y="3007147"/>
+            <a:ext cx="10058400" cy="1687963"/>
+          </a:xfrm>
+          <a:prstGeom prst="rect">
+            <a:avLst/>
+          </a:prstGeom>
+          <a:noFill/>
+        </p:spPr>
+        <p:txBody>
+          <a:bodyPr wrap="square">
+            <a:spAutoFit/>
+          </a:bodyPr>
+          <a:lstStyle/>
+          <a:p>
+            <a:pPr marL="342900" marR="0" lvl="0" indent="-342900" algn="just" defTabSz="914400" rtl="0" eaLnBrk="0" fontAlgn="base" latinLnBrk="0" hangingPunct="0">
+              <a:lnSpc>
+                <a:spcPct val="150000"/>
+              </a:lnSpc>
+              <a:spcBef>
+                <a:spcPct val="0"/>
+              </a:spcBef>
+              <a:spcAft>
+                <a:spcPct val="0"/>
+              </a:spcAft>
+              <a:buClrTx/>
+              <a:buSzTx/>
+              <a:buFont typeface="Wingdings" panose="05000000000000000000" pitchFamily="2" charset="2"/>
+              <a:buChar char="§"/>
+              <a:tabLst/>
+            </a:pPr>
+            <a:r>
+              <a:rPr kumimoji="0" lang="en-US" altLang="en-US" sz="2400" b="1" i="0" u="none" strike="noStrike" cap="none" normalizeH="0" baseline="0" dirty="0">
+                <a:ln>
+                  <a:noFill/>
+                </a:ln>
+                <a:effectLst/>
+                <a:latin typeface="Times New Roman" panose="02020603050405020304" pitchFamily="18" charset="0"/>
+                <a:cs typeface="Times New Roman" panose="02020603050405020304" pitchFamily="18" charset="0"/>
+              </a:rPr>
+              <a:t>Challenges :</a:t>
+            </a:r>
+            <a:endParaRPr lang="en-US" sz="2400" dirty="0">
+              <a:latin typeface="Times New Roman" panose="02020603050405020304" pitchFamily="18" charset="0"/>
+              <a:cs typeface="Times New Roman" panose="02020603050405020304" pitchFamily="18" charset="0"/>
+            </a:endParaRPr>
+          </a:p>
+          <a:p>
+            <a:pPr marL="800100" lvl="1" indent="-342900" algn="just" eaLnBrk="0" fontAlgn="base" hangingPunct="0">
+              <a:lnSpc>
+                <a:spcPct val="150000"/>
+              </a:lnSpc>
+              <a:spcBef>
+                <a:spcPct val="0"/>
+              </a:spcBef>
+              <a:spcAft>
+                <a:spcPct val="0"/>
+              </a:spcAft>
+              <a:buFont typeface="Wingdings" panose="05000000000000000000" pitchFamily="2" charset="2"/>
+              <a:buChar char="§"/>
+            </a:pPr>
+            <a:r>
+              <a:rPr kumimoji="0" lang="en-US" altLang="en-US" sz="2400" b="0" i="0" u="none" strike="noStrike" cap="none" normalizeH="0" baseline="0" dirty="0">
+                <a:ln>
+                  <a:noFill/>
+                </a:ln>
+                <a:effectLst/>
+                <a:latin typeface="Times New Roman" panose="02020603050405020304" pitchFamily="18" charset="0"/>
+                <a:cs typeface="Times New Roman" panose="02020603050405020304" pitchFamily="18" charset="0"/>
+              </a:rPr>
+              <a:t>Technological barriers</a:t>
+            </a:r>
+          </a:p>
+          <a:p>
+            <a:pPr marL="800100" lvl="1" indent="-342900" algn="just" eaLnBrk="0" fontAlgn="base" hangingPunct="0">
+              <a:lnSpc>
+                <a:spcPct val="150000"/>
+              </a:lnSpc>
+              <a:spcBef>
+                <a:spcPct val="0"/>
+              </a:spcBef>
+              <a:spcAft>
+                <a:spcPct val="0"/>
+              </a:spcAft>
+              <a:buFont typeface="Wingdings" panose="05000000000000000000" pitchFamily="2" charset="2"/>
+              <a:buChar char="§"/>
+            </a:pPr>
+            <a:r>
+              <a:rPr lang="en-US" altLang="en-US" sz="2400" dirty="0">
+                <a:latin typeface="Times New Roman" panose="02020603050405020304" pitchFamily="18" charset="0"/>
+                <a:cs typeface="Times New Roman" panose="02020603050405020304" pitchFamily="18" charset="0"/>
+              </a:rPr>
+              <a:t>Data privacy and security</a:t>
+            </a:r>
+            <a:endParaRPr kumimoji="0" lang="en-US" altLang="en-US" sz="2400" b="0" i="0" u="none" strike="noStrike" cap="none" normalizeH="0" baseline="0" dirty="0">
+              <a:ln>
+                <a:noFill/>
+              </a:ln>
+              <a:effectLst/>
+              <a:latin typeface="Times New Roman" panose="02020603050405020304" pitchFamily="18" charset="0"/>
+              <a:cs typeface="Times New Roman" panose="02020603050405020304" pitchFamily="18" charset="0"/>
+            </a:endParaRPr>
+          </a:p>
+        </p:txBody>
+      </p:sp>
+    </p:spTree>
+    <p:extLst>
+      <p:ext uri="{BB962C8B-B14F-4D97-AF65-F5344CB8AC3E}">
+        <p14:creationId xmlns:p14="http://schemas.microsoft.com/office/powerpoint/2010/main" val="1019346504"/>
+      </p:ext>
+    </p:extLst>
+  </p:cSld>
+  <p:clrMapOvr>
+    <a:masterClrMapping/>
+  </p:clrMapOvr>
+</p:sld>
+</file>
+
+<file path=ppt/slides/slide12.xml><?xml version="1.0" encoding="utf-8"?>
+<p:sld xmlns:a="http://schemas.openxmlformats.org/drawingml/2006/main" xmlns:r="http://schemas.openxmlformats.org/officeDocument/2006/relationships" xmlns:p="http://schemas.openxmlformats.org/presentationml/2006/main">
+  <p:cSld>
+    <p:spTree>
+      <p:nvGrpSpPr>
+        <p:cNvPr id="1" name="">
+          <a:extLst>
+            <a:ext uri="{FF2B5EF4-FFF2-40B4-BE49-F238E27FC236}">
+              <a16:creationId xmlns:a16="http://schemas.microsoft.com/office/drawing/2014/main" id="{98BCAE20-9946-2729-2D01-A84353CE6950}"/>
+            </a:ext>
+          </a:extLst>
+        </p:cNvPr>
+        <p:cNvGrpSpPr/>
+        <p:nvPr/>
+      </p:nvGrpSpPr>
+      <p:grpSpPr>
+        <a:xfrm>
+          <a:off x="0" y="0"/>
+          <a:ext cx="0" cy="0"/>
+          <a:chOff x="0" y="0"/>
+          <a:chExt cx="0" cy="0"/>
+        </a:xfrm>
+      </p:grpSpPr>
+      <p:sp>
+        <p:nvSpPr>
+          <p:cNvPr id="2" name="Title 1">
+            <a:extLst>
+              <a:ext uri="{FF2B5EF4-FFF2-40B4-BE49-F238E27FC236}">
+                <a16:creationId xmlns:a16="http://schemas.microsoft.com/office/drawing/2014/main" id="{745527BA-E50A-69D4-DA2A-9235E2B162DE}"/>
+              </a:ext>
+            </a:extLst>
+          </p:cNvPr>
+          <p:cNvSpPr>
+            <a:spLocks noGrp="1"/>
+          </p:cNvSpPr>
+          <p:nvPr>
+            <p:ph type="title" idx="4294967295"/>
+          </p:nvPr>
+        </p:nvSpPr>
+        <p:spPr>
+          <a:xfrm>
+            <a:off x="1066800" y="-291465"/>
+            <a:ext cx="10058400" cy="1286510"/>
+          </a:xfrm>
+        </p:spPr>
+        <p:txBody>
+          <a:bodyPr>
+            <a:normAutofit/>
+          </a:bodyPr>
+          <a:lstStyle/>
+          <a:p>
+            <a:pPr algn="ctr"/>
+            <a:r>
+              <a:rPr lang="en-US" sz="3600" b="1" dirty="0">
+                <a:solidFill>
+                  <a:schemeClr val="tx1"/>
+                </a:solidFill>
+                <a:latin typeface="Times New Roman" panose="02020603050405020304" pitchFamily="18" charset="0"/>
+                <a:cs typeface="Times New Roman" panose="02020603050405020304" pitchFamily="18" charset="0"/>
+              </a:rPr>
+              <a:t>Models </a:t>
+            </a:r>
+            <a:endParaRPr lang="en-US" sz="3600" dirty="0">
+              <a:solidFill>
+                <a:schemeClr val="tx1"/>
+              </a:solidFill>
+            </a:endParaRPr>
+          </a:p>
+        </p:txBody>
+      </p:sp>
+      <p:sp>
+        <p:nvSpPr>
+          <p:cNvPr id="4" name="TextBox 3">
+            <a:extLst>
+              <a:ext uri="{FF2B5EF4-FFF2-40B4-BE49-F238E27FC236}">
+                <a16:creationId xmlns:a16="http://schemas.microsoft.com/office/drawing/2014/main" id="{25B6D55E-929F-5E67-16FA-503B28170E4D}"/>
+              </a:ext>
+            </a:extLst>
+          </p:cNvPr>
+          <p:cNvSpPr txBox="1"/>
+          <p:nvPr/>
+        </p:nvSpPr>
+        <p:spPr>
+          <a:xfrm>
+            <a:off x="1066800" y="766871"/>
+            <a:ext cx="10058400" cy="579967"/>
+          </a:xfrm>
+          <a:prstGeom prst="rect">
+            <a:avLst/>
+          </a:prstGeom>
+          <a:noFill/>
+        </p:spPr>
+        <p:txBody>
+          <a:bodyPr wrap="square">
+            <a:spAutoFit/>
+          </a:bodyPr>
+          <a:lstStyle/>
+          <a:p>
+            <a:pPr marL="342900" marR="0" lvl="0" indent="-342900" algn="just" defTabSz="914400" rtl="0" eaLnBrk="0" fontAlgn="base" latinLnBrk="0" hangingPunct="0">
+              <a:lnSpc>
+                <a:spcPct val="150000"/>
+              </a:lnSpc>
+              <a:spcBef>
+                <a:spcPct val="0"/>
+              </a:spcBef>
+              <a:spcAft>
+                <a:spcPct val="0"/>
+              </a:spcAft>
+              <a:buClrTx/>
+              <a:buSzTx/>
+              <a:buFont typeface="Wingdings" panose="05000000000000000000" pitchFamily="2" charset="2"/>
+              <a:buChar char="§"/>
+              <a:tabLst/>
+            </a:pPr>
+            <a:r>
+              <a:rPr lang="en-US" altLang="en-US" sz="2400" b="1" dirty="0">
+                <a:latin typeface="Times New Roman" panose="02020603050405020304" pitchFamily="18" charset="0"/>
+                <a:cs typeface="Times New Roman" panose="02020603050405020304" pitchFamily="18" charset="0"/>
+              </a:rPr>
+              <a:t>2</a:t>
+            </a:r>
+            <a:r>
+              <a:rPr lang="en-US" altLang="en-US" sz="2400" b="1" baseline="30000" dirty="0">
+                <a:latin typeface="Times New Roman" panose="02020603050405020304" pitchFamily="18" charset="0"/>
+                <a:cs typeface="Times New Roman" panose="02020603050405020304" pitchFamily="18" charset="0"/>
+              </a:rPr>
+              <a:t>nd</a:t>
+            </a:r>
+            <a:r>
+              <a:rPr kumimoji="0" lang="en-US" altLang="en-US" sz="2400" b="1" i="0" u="none" strike="noStrike" cap="none" normalizeH="0" baseline="0" dirty="0">
+                <a:ln>
+                  <a:noFill/>
+                </a:ln>
+                <a:effectLst/>
+                <a:latin typeface="Times New Roman" panose="02020603050405020304" pitchFamily="18" charset="0"/>
+                <a:cs typeface="Times New Roman" panose="02020603050405020304" pitchFamily="18" charset="0"/>
+              </a:rPr>
+              <a:t> </a:t>
+            </a:r>
+            <a:r>
+              <a:rPr lang="en-US" altLang="en-US" sz="2400" b="1" dirty="0">
+                <a:latin typeface="Times New Roman" panose="02020603050405020304" pitchFamily="18" charset="0"/>
+                <a:cs typeface="Times New Roman" panose="02020603050405020304" pitchFamily="18" charset="0"/>
+              </a:rPr>
+              <a:t>M</a:t>
+            </a:r>
+            <a:r>
+              <a:rPr kumimoji="0" lang="en-US" altLang="en-US" sz="2400" b="1" i="0" u="none" strike="noStrike" cap="none" normalizeH="0" baseline="0" dirty="0">
+                <a:ln>
+                  <a:noFill/>
+                </a:ln>
+                <a:effectLst/>
+                <a:latin typeface="Times New Roman" panose="02020603050405020304" pitchFamily="18" charset="0"/>
+                <a:cs typeface="Times New Roman" panose="02020603050405020304" pitchFamily="18" charset="0"/>
+              </a:rPr>
+              <a:t>odel: Virtual care system</a:t>
+            </a:r>
+            <a:r>
+              <a:rPr lang="en-US" sz="2400" b="1" dirty="0">
+                <a:latin typeface="Times New Roman" panose="02020603050405020304" pitchFamily="18" charset="0"/>
+                <a:cs typeface="Times New Roman" panose="02020603050405020304" pitchFamily="18" charset="0"/>
+              </a:rPr>
+              <a:t> model:</a:t>
+            </a:r>
+          </a:p>
+        </p:txBody>
+      </p:sp>
+      <p:sp>
+        <p:nvSpPr>
+          <p:cNvPr id="5" name="Slide Number Placeholder 4">
+            <a:extLst>
+              <a:ext uri="{FF2B5EF4-FFF2-40B4-BE49-F238E27FC236}">
+                <a16:creationId xmlns:a16="http://schemas.microsoft.com/office/drawing/2014/main" id="{F2A3671B-98C3-37FD-5CF6-6D9231E70E8D}"/>
+              </a:ext>
+            </a:extLst>
+          </p:cNvPr>
+          <p:cNvSpPr>
+            <a:spLocks noGrp="1"/>
+          </p:cNvSpPr>
+          <p:nvPr>
+            <p:ph type="sldNum" sz="quarter" idx="12"/>
+          </p:nvPr>
+        </p:nvSpPr>
+        <p:spPr/>
+        <p:txBody>
+          <a:bodyPr/>
+          <a:lstStyle/>
+          <a:p>
+            <a:fld id="{D57F1E4F-1CFF-5643-939E-217C01CDF565}" type="slidenum">
+              <a:rPr lang="en-US" smtClean="0"/>
+              <a:t>12</a:t>
+            </a:fld>
+            <a:endParaRPr lang="en-US" dirty="0"/>
+          </a:p>
+        </p:txBody>
+      </p:sp>
+      <p:sp>
+        <p:nvSpPr>
+          <p:cNvPr id="7" name="TextBox 6">
+            <a:extLst>
+              <a:ext uri="{FF2B5EF4-FFF2-40B4-BE49-F238E27FC236}">
+                <a16:creationId xmlns:a16="http://schemas.microsoft.com/office/drawing/2014/main" id="{9234B737-B679-13CE-64EB-E5CA79BBB5D4}"/>
+              </a:ext>
+            </a:extLst>
+          </p:cNvPr>
+          <p:cNvSpPr txBox="1"/>
+          <p:nvPr/>
+        </p:nvSpPr>
+        <p:spPr>
+          <a:xfrm>
+            <a:off x="1442720" y="1162883"/>
+            <a:ext cx="9682478" cy="2241960"/>
+          </a:xfrm>
+          <a:prstGeom prst="rect">
+            <a:avLst/>
+          </a:prstGeom>
+          <a:noFill/>
+        </p:spPr>
+        <p:txBody>
+          <a:bodyPr wrap="square">
+            <a:spAutoFit/>
+          </a:bodyPr>
+          <a:lstStyle/>
+          <a:p>
+            <a:pPr marL="342900" marR="0" lvl="0" indent="-342900" algn="just" defTabSz="914400" rtl="0" eaLnBrk="0" fontAlgn="base" latinLnBrk="0" hangingPunct="0">
+              <a:lnSpc>
+                <a:spcPct val="150000"/>
+              </a:lnSpc>
+              <a:spcBef>
+                <a:spcPct val="0"/>
+              </a:spcBef>
+              <a:spcAft>
+                <a:spcPct val="0"/>
+              </a:spcAft>
+              <a:buClrTx/>
+              <a:buSzTx/>
+              <a:buFont typeface="Wingdings" panose="05000000000000000000" pitchFamily="2" charset="2"/>
+              <a:buChar char="§"/>
+              <a:tabLst/>
+            </a:pPr>
+            <a:r>
+              <a:rPr kumimoji="0" lang="en-US" altLang="en-US" sz="2400" b="0" i="0" u="none" strike="noStrike" cap="none" normalizeH="0" baseline="0" dirty="0">
+                <a:ln>
+                  <a:noFill/>
+                </a:ln>
+                <a:effectLst/>
+                <a:latin typeface="Times New Roman" panose="02020603050405020304" pitchFamily="18" charset="0"/>
+                <a:cs typeface="Times New Roman" panose="02020603050405020304" pitchFamily="18" charset="0"/>
+              </a:rPr>
+              <a:t>Remote healthcare</a:t>
+            </a:r>
+          </a:p>
+          <a:p>
+            <a:pPr marL="342900" marR="0" lvl="0" indent="-342900" algn="just" defTabSz="914400" rtl="0" eaLnBrk="0" fontAlgn="base" latinLnBrk="0" hangingPunct="0">
+              <a:lnSpc>
+                <a:spcPct val="150000"/>
+              </a:lnSpc>
+              <a:spcBef>
+                <a:spcPct val="0"/>
+              </a:spcBef>
+              <a:spcAft>
+                <a:spcPct val="0"/>
+              </a:spcAft>
+              <a:buClrTx/>
+              <a:buSzTx/>
+              <a:buFont typeface="Wingdings" panose="05000000000000000000" pitchFamily="2" charset="2"/>
+              <a:buChar char="§"/>
+              <a:tabLst/>
+            </a:pPr>
+            <a:r>
+              <a:rPr lang="en-US" sz="2400" dirty="0">
+                <a:latin typeface="Times New Roman" panose="02020603050405020304" pitchFamily="18" charset="0"/>
+                <a:cs typeface="Times New Roman" panose="02020603050405020304" pitchFamily="18" charset="0"/>
+              </a:rPr>
+              <a:t>Used advanced technologies</a:t>
+            </a:r>
+          </a:p>
+          <a:p>
+            <a:pPr marL="342900" marR="0" lvl="0" indent="-342900" algn="just" defTabSz="914400" rtl="0" eaLnBrk="0" fontAlgn="base" latinLnBrk="0" hangingPunct="0">
+              <a:lnSpc>
+                <a:spcPct val="150000"/>
+              </a:lnSpc>
+              <a:spcBef>
+                <a:spcPct val="0"/>
+              </a:spcBef>
+              <a:spcAft>
+                <a:spcPct val="0"/>
+              </a:spcAft>
+              <a:buClrTx/>
+              <a:buSzTx/>
+              <a:buFont typeface="Wingdings" panose="05000000000000000000" pitchFamily="2" charset="2"/>
+              <a:buChar char="§"/>
+              <a:tabLst/>
+            </a:pPr>
+            <a:r>
+              <a:rPr lang="en-US" sz="2400" dirty="0">
+                <a:latin typeface="Times New Roman" panose="02020603050405020304" pitchFamily="18" charset="0"/>
+                <a:cs typeface="Times New Roman" panose="02020603050405020304" pitchFamily="18" charset="0"/>
+              </a:rPr>
+              <a:t>Virtual consultations</a:t>
+            </a:r>
+          </a:p>
+          <a:p>
+            <a:pPr marL="342900" marR="0" lvl="0" indent="-342900" algn="just" defTabSz="914400" rtl="0" eaLnBrk="0" fontAlgn="base" latinLnBrk="0" hangingPunct="0">
+              <a:lnSpc>
+                <a:spcPct val="150000"/>
+              </a:lnSpc>
+              <a:spcBef>
+                <a:spcPct val="0"/>
+              </a:spcBef>
+              <a:spcAft>
+                <a:spcPct val="0"/>
+              </a:spcAft>
+              <a:buClrTx/>
+              <a:buSzTx/>
+              <a:buFont typeface="Wingdings" panose="05000000000000000000" pitchFamily="2" charset="2"/>
+              <a:buChar char="§"/>
+              <a:tabLst/>
+            </a:pPr>
+            <a:r>
+              <a:rPr lang="en-US" sz="2400" dirty="0">
+                <a:latin typeface="Times New Roman" panose="02020603050405020304" pitchFamily="18" charset="0"/>
+                <a:cs typeface="Times New Roman" panose="02020603050405020304" pitchFamily="18" charset="0"/>
+              </a:rPr>
+              <a:t>Efficient care</a:t>
+            </a:r>
+          </a:p>
+        </p:txBody>
+      </p:sp>
+      <p:sp>
+        <p:nvSpPr>
+          <p:cNvPr id="9" name="TextBox 8">
+            <a:extLst>
+              <a:ext uri="{FF2B5EF4-FFF2-40B4-BE49-F238E27FC236}">
+                <a16:creationId xmlns:a16="http://schemas.microsoft.com/office/drawing/2014/main" id="{70C35650-B2D4-6590-7114-0A2295B5E414}"/>
+              </a:ext>
+            </a:extLst>
+          </p:cNvPr>
+          <p:cNvSpPr txBox="1"/>
+          <p:nvPr/>
+        </p:nvSpPr>
+        <p:spPr>
+          <a:xfrm>
+            <a:off x="1066799" y="3353398"/>
+            <a:ext cx="10058399" cy="2985433"/>
+          </a:xfrm>
+          <a:prstGeom prst="rect">
+            <a:avLst/>
+          </a:prstGeom>
+          <a:noFill/>
+        </p:spPr>
+        <p:txBody>
+          <a:bodyPr wrap="square">
+            <a:spAutoFit/>
+          </a:bodyPr>
+          <a:lstStyle/>
+          <a:p>
+            <a:pPr marL="342900" indent="-342900" algn="just">
+              <a:spcAft>
+                <a:spcPts val="800"/>
+              </a:spcAft>
+              <a:buFont typeface="Wingdings" panose="05000000000000000000" pitchFamily="2" charset="2"/>
+              <a:buChar char="§"/>
+            </a:pPr>
+            <a:r>
+              <a:rPr lang="en-US" sz="2400" kern="100" dirty="0">
+                <a:effectLst/>
+                <a:latin typeface="Times New Roman" panose="02020603050405020304" pitchFamily="18" charset="0"/>
+                <a:ea typeface="Calibri" panose="020F0502020204030204" pitchFamily="34" charset="0"/>
+                <a:cs typeface="Times New Roman" panose="02020603050405020304" pitchFamily="18" charset="0"/>
+              </a:rPr>
+              <a:t>Steps to improves model:</a:t>
+            </a:r>
+          </a:p>
+          <a:p>
+            <a:pPr marL="800100" lvl="1" indent="-342900" algn="just">
+              <a:spcAft>
+                <a:spcPts val="800"/>
+              </a:spcAft>
+              <a:buFont typeface="Wingdings" panose="05000000000000000000" pitchFamily="2" charset="2"/>
+              <a:buChar char="§"/>
+            </a:pPr>
+            <a:r>
+              <a:rPr lang="en-US" sz="2400" b="1" kern="100" dirty="0">
+                <a:effectLst/>
+                <a:latin typeface="Times New Roman" panose="02020603050405020304" pitchFamily="18" charset="0"/>
+                <a:ea typeface="Calibri" panose="020F0502020204030204" pitchFamily="34" charset="0"/>
+                <a:cs typeface="Times New Roman" panose="02020603050405020304" pitchFamily="18" charset="0"/>
+              </a:rPr>
+              <a:t>Step 1</a:t>
+            </a:r>
+            <a:r>
+              <a:rPr lang="en-US" sz="2400" kern="100" dirty="0">
+                <a:effectLst/>
+                <a:latin typeface="Times New Roman" panose="02020603050405020304" pitchFamily="18" charset="0"/>
+                <a:ea typeface="Calibri" panose="020F0502020204030204" pitchFamily="34" charset="0"/>
+                <a:cs typeface="Times New Roman" panose="02020603050405020304" pitchFamily="18" charset="0"/>
+              </a:rPr>
+              <a:t>: Develop a virtual platform where healthcare services are accessible from anywhere</a:t>
+            </a:r>
+          </a:p>
+          <a:p>
+            <a:pPr marL="800100" lvl="1" indent="-342900" algn="just">
+              <a:spcAft>
+                <a:spcPts val="800"/>
+              </a:spcAft>
+              <a:buFont typeface="Wingdings" panose="05000000000000000000" pitchFamily="2" charset="2"/>
+              <a:buChar char="§"/>
+            </a:pPr>
+            <a:r>
+              <a:rPr lang="en-US" sz="2400" b="1" kern="100" dirty="0">
+                <a:effectLst/>
+                <a:latin typeface="Times New Roman" panose="02020603050405020304" pitchFamily="18" charset="0"/>
+                <a:ea typeface="Calibri" panose="020F0502020204030204" pitchFamily="34" charset="0"/>
+                <a:cs typeface="Times New Roman" panose="02020603050405020304" pitchFamily="18" charset="0"/>
+              </a:rPr>
+              <a:t>Step 2</a:t>
+            </a:r>
+            <a:r>
+              <a:rPr lang="en-US" sz="2400" kern="100" dirty="0">
+                <a:effectLst/>
+                <a:latin typeface="Times New Roman" panose="02020603050405020304" pitchFamily="18" charset="0"/>
+                <a:ea typeface="Calibri" panose="020F0502020204030204" pitchFamily="34" charset="0"/>
+                <a:cs typeface="Times New Roman" panose="02020603050405020304" pitchFamily="18" charset="0"/>
+              </a:rPr>
+              <a:t>: AI tools assist healthcare providers in diagnosing and treating patients more effectively.</a:t>
+            </a:r>
+          </a:p>
+          <a:p>
+            <a:pPr marL="800100" lvl="1" indent="-342900" algn="just">
+              <a:spcAft>
+                <a:spcPts val="800"/>
+              </a:spcAft>
+              <a:buFont typeface="Wingdings" panose="05000000000000000000" pitchFamily="2" charset="2"/>
+              <a:buChar char="§"/>
+            </a:pPr>
+            <a:r>
+              <a:rPr lang="en-US" sz="2400" b="1" kern="100" dirty="0">
+                <a:effectLst/>
+                <a:latin typeface="Times New Roman" panose="02020603050405020304" pitchFamily="18" charset="0"/>
+                <a:ea typeface="Calibri" panose="020F0502020204030204" pitchFamily="34" charset="0"/>
+                <a:cs typeface="Times New Roman" panose="02020603050405020304" pitchFamily="18" charset="0"/>
+              </a:rPr>
+              <a:t>Step 3</a:t>
+            </a:r>
+            <a:r>
+              <a:rPr lang="en-US" sz="2400" kern="100" dirty="0">
+                <a:effectLst/>
+                <a:latin typeface="Times New Roman" panose="02020603050405020304" pitchFamily="18" charset="0"/>
+                <a:ea typeface="Calibri" panose="020F0502020204030204" pitchFamily="34" charset="0"/>
+                <a:cs typeface="Times New Roman" panose="02020603050405020304" pitchFamily="18" charset="0"/>
+              </a:rPr>
+              <a:t>: Secure communication tools ensure safe and private interactions between patients and providers.</a:t>
+            </a:r>
+          </a:p>
+        </p:txBody>
+      </p:sp>
+    </p:spTree>
+    <p:extLst>
+      <p:ext uri="{BB962C8B-B14F-4D97-AF65-F5344CB8AC3E}">
+        <p14:creationId xmlns:p14="http://schemas.microsoft.com/office/powerpoint/2010/main" val="1854292242"/>
+      </p:ext>
+    </p:extLst>
+  </p:cSld>
+  <p:clrMapOvr>
+    <a:masterClrMapping/>
+  </p:clrMapOvr>
+</p:sld>
+</file>
+
+<file path=ppt/slides/slide13.xml><?xml version="1.0" encoding="utf-8"?>
+<p:sld xmlns:a="http://schemas.openxmlformats.org/drawingml/2006/main" xmlns:r="http://schemas.openxmlformats.org/officeDocument/2006/relationships" xmlns:p="http://schemas.openxmlformats.org/presentationml/2006/main">
+  <p:cSld>
+    <p:spTree>
+      <p:nvGrpSpPr>
+        <p:cNvPr id="1" name="">
+          <a:extLst>
+            <a:ext uri="{FF2B5EF4-FFF2-40B4-BE49-F238E27FC236}">
+              <a16:creationId xmlns:a16="http://schemas.microsoft.com/office/drawing/2014/main" id="{B5E9FD52-5D6E-A9CC-9EB3-FA300A24483B}"/>
+            </a:ext>
+          </a:extLst>
+        </p:cNvPr>
+        <p:cNvGrpSpPr/>
+        <p:nvPr/>
+      </p:nvGrpSpPr>
+      <p:grpSpPr>
+        <a:xfrm>
+          <a:off x="0" y="0"/>
+          <a:ext cx="0" cy="0"/>
+          <a:chOff x="0" y="0"/>
+          <a:chExt cx="0" cy="0"/>
+        </a:xfrm>
+      </p:grpSpPr>
+      <p:sp>
+        <p:nvSpPr>
+          <p:cNvPr id="2" name="Title 1">
+            <a:extLst>
+              <a:ext uri="{FF2B5EF4-FFF2-40B4-BE49-F238E27FC236}">
+                <a16:creationId xmlns:a16="http://schemas.microsoft.com/office/drawing/2014/main" id="{535B2B71-1370-0B71-945B-A87CFF849FB9}"/>
+              </a:ext>
+            </a:extLst>
+          </p:cNvPr>
+          <p:cNvSpPr>
+            <a:spLocks noGrp="1"/>
+          </p:cNvSpPr>
+          <p:nvPr>
+            <p:ph type="title" idx="4294967295"/>
+          </p:nvPr>
+        </p:nvSpPr>
+        <p:spPr>
+          <a:xfrm>
+            <a:off x="1066800" y="-291465"/>
+            <a:ext cx="10058400" cy="1286510"/>
+          </a:xfrm>
+        </p:spPr>
+        <p:txBody>
+          <a:bodyPr>
+            <a:normAutofit/>
+          </a:bodyPr>
+          <a:lstStyle/>
+          <a:p>
+            <a:pPr algn="ctr"/>
+            <a:r>
+              <a:rPr lang="en-US" sz="3600" b="1" dirty="0">
+                <a:solidFill>
+                  <a:schemeClr val="tx1"/>
+                </a:solidFill>
+                <a:latin typeface="Times New Roman" panose="02020603050405020304" pitchFamily="18" charset="0"/>
+                <a:cs typeface="Times New Roman" panose="02020603050405020304" pitchFamily="18" charset="0"/>
+              </a:rPr>
+              <a:t>Models</a:t>
+            </a:r>
+            <a:endParaRPr lang="en-US" sz="3600" dirty="0">
+              <a:solidFill>
+                <a:schemeClr val="tx1"/>
+              </a:solidFill>
+            </a:endParaRPr>
+          </a:p>
+        </p:txBody>
+      </p:sp>
+      <p:sp>
+        <p:nvSpPr>
+          <p:cNvPr id="4" name="TextBox 3">
+            <a:extLst>
+              <a:ext uri="{FF2B5EF4-FFF2-40B4-BE49-F238E27FC236}">
+                <a16:creationId xmlns:a16="http://schemas.microsoft.com/office/drawing/2014/main" id="{9EFAEAB0-7AC2-7107-A1A1-D52DC36386C3}"/>
+              </a:ext>
+            </a:extLst>
+          </p:cNvPr>
+          <p:cNvSpPr txBox="1"/>
+          <p:nvPr/>
+        </p:nvSpPr>
+        <p:spPr>
+          <a:xfrm>
+            <a:off x="1066800" y="797351"/>
+            <a:ext cx="10058400" cy="2241960"/>
+          </a:xfrm>
+          <a:prstGeom prst="rect">
+            <a:avLst/>
+          </a:prstGeom>
+          <a:noFill/>
+        </p:spPr>
+        <p:txBody>
+          <a:bodyPr wrap="square">
+            <a:spAutoFit/>
+          </a:bodyPr>
+          <a:lstStyle/>
+          <a:p>
+            <a:pPr marL="342900" marR="0" lvl="0" indent="-342900" algn="just" defTabSz="914400" rtl="0" eaLnBrk="0" fontAlgn="base" latinLnBrk="0" hangingPunct="0">
+              <a:lnSpc>
+                <a:spcPct val="150000"/>
+              </a:lnSpc>
+              <a:spcBef>
+                <a:spcPct val="0"/>
+              </a:spcBef>
+              <a:spcAft>
+                <a:spcPct val="0"/>
+              </a:spcAft>
+              <a:buClrTx/>
+              <a:buSzTx/>
+              <a:buFont typeface="Wingdings" panose="05000000000000000000" pitchFamily="2" charset="2"/>
+              <a:buChar char="§"/>
+              <a:tabLst/>
+            </a:pPr>
+            <a:r>
+              <a:rPr kumimoji="0" lang="en-US" altLang="en-US" sz="2400" b="1" i="0" u="none" strike="noStrike" cap="none" normalizeH="0" baseline="0" dirty="0">
+                <a:ln>
+                  <a:noFill/>
+                </a:ln>
+                <a:effectLst/>
+                <a:latin typeface="Times New Roman" panose="02020603050405020304" pitchFamily="18" charset="0"/>
+                <a:cs typeface="Times New Roman" panose="02020603050405020304" pitchFamily="18" charset="0"/>
+              </a:rPr>
+              <a:t>Benefit :</a:t>
+            </a:r>
+            <a:endParaRPr lang="en-US" sz="2400" dirty="0">
+              <a:latin typeface="Times New Roman" panose="02020603050405020304" pitchFamily="18" charset="0"/>
+              <a:cs typeface="Times New Roman" panose="02020603050405020304" pitchFamily="18" charset="0"/>
+            </a:endParaRPr>
+          </a:p>
+          <a:p>
+            <a:pPr marL="800100" lvl="1" indent="-342900" algn="just" eaLnBrk="0" fontAlgn="base" hangingPunct="0">
+              <a:lnSpc>
+                <a:spcPct val="150000"/>
+              </a:lnSpc>
+              <a:spcBef>
+                <a:spcPct val="0"/>
+              </a:spcBef>
+              <a:spcAft>
+                <a:spcPct val="0"/>
+              </a:spcAft>
+              <a:buFont typeface="Wingdings" panose="05000000000000000000" pitchFamily="2" charset="2"/>
+              <a:buChar char="§"/>
+            </a:pPr>
+            <a:r>
+              <a:rPr kumimoji="0" lang="en-US" altLang="en-US" sz="2400" b="0" i="0" u="none" strike="noStrike" cap="none" normalizeH="0" baseline="0" dirty="0">
+                <a:ln>
+                  <a:noFill/>
+                </a:ln>
+                <a:effectLst/>
+                <a:latin typeface="Times New Roman" panose="02020603050405020304" pitchFamily="18" charset="0"/>
+                <a:cs typeface="Times New Roman" panose="02020603050405020304" pitchFamily="18" charset="0"/>
+              </a:rPr>
+              <a:t>Increased accessibility</a:t>
+            </a:r>
+          </a:p>
+          <a:p>
+            <a:pPr marL="800100" lvl="1" indent="-342900" algn="just" eaLnBrk="0" fontAlgn="base" hangingPunct="0">
+              <a:lnSpc>
+                <a:spcPct val="150000"/>
+              </a:lnSpc>
+              <a:spcBef>
+                <a:spcPct val="0"/>
+              </a:spcBef>
+              <a:spcAft>
+                <a:spcPct val="0"/>
+              </a:spcAft>
+              <a:buFont typeface="Wingdings" panose="05000000000000000000" pitchFamily="2" charset="2"/>
+              <a:buChar char="§"/>
+            </a:pPr>
+            <a:r>
+              <a:rPr lang="en-US" altLang="en-US" sz="2400" dirty="0">
+                <a:latin typeface="Times New Roman" panose="02020603050405020304" pitchFamily="18" charset="0"/>
+                <a:cs typeface="Times New Roman" panose="02020603050405020304" pitchFamily="18" charset="0"/>
+              </a:rPr>
+              <a:t>Cost efficiency</a:t>
+            </a:r>
+          </a:p>
+          <a:p>
+            <a:pPr marL="800100" lvl="1" indent="-342900" algn="just" eaLnBrk="0" fontAlgn="base" hangingPunct="0">
+              <a:lnSpc>
+                <a:spcPct val="150000"/>
+              </a:lnSpc>
+              <a:spcBef>
+                <a:spcPct val="0"/>
+              </a:spcBef>
+              <a:spcAft>
+                <a:spcPct val="0"/>
+              </a:spcAft>
+              <a:buFont typeface="Wingdings" panose="05000000000000000000" pitchFamily="2" charset="2"/>
+              <a:buChar char="§"/>
+            </a:pPr>
+            <a:r>
+              <a:rPr kumimoji="0" lang="en-US" altLang="en-US" sz="2400" b="0" i="0" u="none" strike="noStrike" cap="none" normalizeH="0" baseline="0" dirty="0">
+                <a:ln>
+                  <a:noFill/>
+                </a:ln>
+                <a:effectLst/>
+                <a:latin typeface="Times New Roman" panose="02020603050405020304" pitchFamily="18" charset="0"/>
+                <a:cs typeface="Times New Roman" panose="02020603050405020304" pitchFamily="18" charset="0"/>
+              </a:rPr>
+              <a:t>Reduced healthcare overload</a:t>
+            </a:r>
+          </a:p>
+        </p:txBody>
+      </p:sp>
+      <p:sp>
+        <p:nvSpPr>
+          <p:cNvPr id="5" name="Slide Number Placeholder 4">
+            <a:extLst>
+              <a:ext uri="{FF2B5EF4-FFF2-40B4-BE49-F238E27FC236}">
+                <a16:creationId xmlns:a16="http://schemas.microsoft.com/office/drawing/2014/main" id="{D8C4FF79-20CF-A277-0626-CE46E8624F34}"/>
+              </a:ext>
+            </a:extLst>
+          </p:cNvPr>
+          <p:cNvSpPr>
+            <a:spLocks noGrp="1"/>
+          </p:cNvSpPr>
+          <p:nvPr>
+            <p:ph type="sldNum" sz="quarter" idx="12"/>
+          </p:nvPr>
+        </p:nvSpPr>
+        <p:spPr/>
+        <p:txBody>
+          <a:bodyPr/>
+          <a:lstStyle/>
+          <a:p>
+            <a:fld id="{D57F1E4F-1CFF-5643-939E-217C01CDF565}" type="slidenum">
+              <a:rPr lang="en-US" smtClean="0"/>
+              <a:t>13</a:t>
+            </a:fld>
+            <a:endParaRPr lang="en-US" dirty="0"/>
+          </a:p>
+        </p:txBody>
+      </p:sp>
+      <p:sp>
+        <p:nvSpPr>
+          <p:cNvPr id="6" name="TextBox 5">
+            <a:extLst>
+              <a:ext uri="{FF2B5EF4-FFF2-40B4-BE49-F238E27FC236}">
+                <a16:creationId xmlns:a16="http://schemas.microsoft.com/office/drawing/2014/main" id="{D3CD98D5-DD1C-954C-04BE-F732FDDECE4B}"/>
+              </a:ext>
+            </a:extLst>
+          </p:cNvPr>
+          <p:cNvSpPr txBox="1"/>
+          <p:nvPr/>
+        </p:nvSpPr>
+        <p:spPr>
+          <a:xfrm>
+            <a:off x="1066800" y="3007147"/>
+            <a:ext cx="10058400" cy="2241960"/>
+          </a:xfrm>
+          <a:prstGeom prst="rect">
+            <a:avLst/>
+          </a:prstGeom>
+          <a:noFill/>
+        </p:spPr>
+        <p:txBody>
+          <a:bodyPr wrap="square">
+            <a:spAutoFit/>
+          </a:bodyPr>
+          <a:lstStyle/>
+          <a:p>
+            <a:pPr marL="342900" marR="0" lvl="0" indent="-342900" algn="just" defTabSz="914400" rtl="0" eaLnBrk="0" fontAlgn="base" latinLnBrk="0" hangingPunct="0">
+              <a:lnSpc>
+                <a:spcPct val="150000"/>
+              </a:lnSpc>
+              <a:spcBef>
+                <a:spcPct val="0"/>
+              </a:spcBef>
+              <a:spcAft>
+                <a:spcPct val="0"/>
+              </a:spcAft>
+              <a:buClrTx/>
+              <a:buSzTx/>
+              <a:buFont typeface="Wingdings" panose="05000000000000000000" pitchFamily="2" charset="2"/>
+              <a:buChar char="§"/>
+              <a:tabLst/>
+            </a:pPr>
+            <a:r>
+              <a:rPr kumimoji="0" lang="en-US" altLang="en-US" sz="2400" b="1" i="0" u="none" strike="noStrike" cap="none" normalizeH="0" baseline="0" dirty="0">
+                <a:ln>
+                  <a:noFill/>
+                </a:ln>
+                <a:effectLst/>
+                <a:latin typeface="Times New Roman" panose="02020603050405020304" pitchFamily="18" charset="0"/>
+                <a:cs typeface="Times New Roman" panose="02020603050405020304" pitchFamily="18" charset="0"/>
+              </a:rPr>
+              <a:t>Challenges :</a:t>
+            </a:r>
+            <a:endParaRPr lang="en-US" sz="2400" dirty="0">
+              <a:latin typeface="Times New Roman" panose="02020603050405020304" pitchFamily="18" charset="0"/>
+              <a:cs typeface="Times New Roman" panose="02020603050405020304" pitchFamily="18" charset="0"/>
+            </a:endParaRPr>
+          </a:p>
+          <a:p>
+            <a:pPr marL="800100" lvl="1" indent="-342900" algn="just" eaLnBrk="0" fontAlgn="base" hangingPunct="0">
+              <a:lnSpc>
+                <a:spcPct val="150000"/>
+              </a:lnSpc>
+              <a:spcBef>
+                <a:spcPct val="0"/>
+              </a:spcBef>
+              <a:spcAft>
+                <a:spcPct val="0"/>
+              </a:spcAft>
+              <a:buFont typeface="Wingdings" panose="05000000000000000000" pitchFamily="2" charset="2"/>
+              <a:buChar char="§"/>
+            </a:pPr>
+            <a:r>
+              <a:rPr kumimoji="0" lang="en-US" altLang="en-US" sz="2400" b="0" i="0" u="none" strike="noStrike" cap="none" normalizeH="0" baseline="0" dirty="0">
+                <a:ln>
+                  <a:noFill/>
+                </a:ln>
+                <a:effectLst/>
+                <a:latin typeface="Times New Roman" panose="02020603050405020304" pitchFamily="18" charset="0"/>
+                <a:cs typeface="Times New Roman" panose="02020603050405020304" pitchFamily="18" charset="0"/>
+              </a:rPr>
+              <a:t>Digital </a:t>
+            </a:r>
+            <a:r>
+              <a:rPr lang="en-US" altLang="en-US" sz="2400" dirty="0">
+                <a:latin typeface="Times New Roman" panose="02020603050405020304" pitchFamily="18" charset="0"/>
+                <a:cs typeface="Times New Roman" panose="02020603050405020304" pitchFamily="18" charset="0"/>
+              </a:rPr>
+              <a:t>divide</a:t>
+            </a:r>
+          </a:p>
+          <a:p>
+            <a:pPr marL="800100" lvl="1" indent="-342900" algn="just" eaLnBrk="0" fontAlgn="base" hangingPunct="0">
+              <a:lnSpc>
+                <a:spcPct val="150000"/>
+              </a:lnSpc>
+              <a:spcBef>
+                <a:spcPct val="0"/>
+              </a:spcBef>
+              <a:spcAft>
+                <a:spcPct val="0"/>
+              </a:spcAft>
+              <a:buFont typeface="Wingdings" panose="05000000000000000000" pitchFamily="2" charset="2"/>
+              <a:buChar char="§"/>
+            </a:pPr>
+            <a:r>
+              <a:rPr lang="en-US" altLang="en-US" sz="2400" dirty="0">
+                <a:latin typeface="Times New Roman" panose="02020603050405020304" pitchFamily="18" charset="0"/>
+                <a:cs typeface="Times New Roman" panose="02020603050405020304" pitchFamily="18" charset="0"/>
+              </a:rPr>
+              <a:t>Technology adoption </a:t>
+            </a:r>
+          </a:p>
+          <a:p>
+            <a:pPr marL="800100" lvl="1" indent="-342900" algn="just" eaLnBrk="0" fontAlgn="base" hangingPunct="0">
+              <a:lnSpc>
+                <a:spcPct val="150000"/>
+              </a:lnSpc>
+              <a:spcBef>
+                <a:spcPct val="0"/>
+              </a:spcBef>
+              <a:spcAft>
+                <a:spcPct val="0"/>
+              </a:spcAft>
+              <a:buFont typeface="Wingdings" panose="05000000000000000000" pitchFamily="2" charset="2"/>
+              <a:buChar char="§"/>
+            </a:pPr>
+            <a:r>
+              <a:rPr kumimoji="0" lang="en-US" altLang="en-US" sz="2400" b="0" i="0" u="none" strike="noStrike" cap="none" normalizeH="0" baseline="0" dirty="0">
+                <a:ln>
+                  <a:noFill/>
+                </a:ln>
+                <a:effectLst/>
+                <a:latin typeface="Times New Roman" panose="02020603050405020304" pitchFamily="18" charset="0"/>
+                <a:cs typeface="Times New Roman" panose="02020603050405020304" pitchFamily="18" charset="0"/>
+              </a:rPr>
+              <a:t>Regulatory </a:t>
+            </a:r>
+            <a:r>
+              <a:rPr lang="en-US" altLang="en-US" sz="2400" dirty="0">
+                <a:latin typeface="Times New Roman" panose="02020603050405020304" pitchFamily="18" charset="0"/>
+                <a:cs typeface="Times New Roman" panose="02020603050405020304" pitchFamily="18" charset="0"/>
+              </a:rPr>
+              <a:t>compliance</a:t>
+            </a:r>
+            <a:endParaRPr kumimoji="0" lang="en-US" altLang="en-US" sz="2400" b="0" i="0" u="none" strike="noStrike" cap="none" normalizeH="0" baseline="0" dirty="0">
+              <a:ln>
+                <a:noFill/>
+              </a:ln>
+              <a:effectLst/>
+              <a:latin typeface="Times New Roman" panose="02020603050405020304" pitchFamily="18" charset="0"/>
+              <a:cs typeface="Times New Roman" panose="02020603050405020304" pitchFamily="18" charset="0"/>
+            </a:endParaRPr>
+          </a:p>
+        </p:txBody>
+      </p:sp>
+    </p:spTree>
+    <p:extLst>
+      <p:ext uri="{BB962C8B-B14F-4D97-AF65-F5344CB8AC3E}">
+        <p14:creationId xmlns:p14="http://schemas.microsoft.com/office/powerpoint/2010/main" val="3372161792"/>
+      </p:ext>
+    </p:extLst>
+  </p:cSld>
+  <p:clrMapOvr>
+    <a:masterClrMapping/>
+  </p:clrMapOvr>
+</p:sld>
+</file>
+
+<file path=ppt/slides/slide14.xml><?xml version="1.0" encoding="utf-8"?>
+<p:sld xmlns:a="http://schemas.openxmlformats.org/drawingml/2006/main" xmlns:r="http://schemas.openxmlformats.org/officeDocument/2006/relationships" xmlns:p="http://schemas.openxmlformats.org/presentationml/2006/main">
+  <p:cSld>
+    <p:spTree>
+      <p:nvGrpSpPr>
+        <p:cNvPr id="1" name="">
+          <a:extLst>
+            <a:ext uri="{FF2B5EF4-FFF2-40B4-BE49-F238E27FC236}">
+              <a16:creationId xmlns:a16="http://schemas.microsoft.com/office/drawing/2014/main" id="{F4D4727F-EFCF-192F-17EF-4CE202FBA017}"/>
+            </a:ext>
+          </a:extLst>
+        </p:cNvPr>
+        <p:cNvGrpSpPr/>
+        <p:nvPr/>
+      </p:nvGrpSpPr>
+      <p:grpSpPr>
+        <a:xfrm>
+          <a:off x="0" y="0"/>
+          <a:ext cx="0" cy="0"/>
+          <a:chOff x="0" y="0"/>
+          <a:chExt cx="0" cy="0"/>
+        </a:xfrm>
+      </p:grpSpPr>
+      <p:sp>
+        <p:nvSpPr>
+          <p:cNvPr id="2" name="Title 1">
+            <a:extLst>
+              <a:ext uri="{FF2B5EF4-FFF2-40B4-BE49-F238E27FC236}">
+                <a16:creationId xmlns:a16="http://schemas.microsoft.com/office/drawing/2014/main" id="{90B857CE-4288-970F-9978-5219CF28F2D0}"/>
+              </a:ext>
+            </a:extLst>
+          </p:cNvPr>
+          <p:cNvSpPr>
+            <a:spLocks noGrp="1"/>
+          </p:cNvSpPr>
+          <p:nvPr>
+            <p:ph type="title" idx="4294967295"/>
+          </p:nvPr>
+        </p:nvSpPr>
+        <p:spPr>
+          <a:xfrm>
+            <a:off x="1066800" y="-484505"/>
+            <a:ext cx="10058400" cy="1286510"/>
+          </a:xfrm>
+        </p:spPr>
+        <p:txBody>
+          <a:bodyPr>
+            <a:normAutofit/>
+          </a:bodyPr>
+          <a:lstStyle/>
+          <a:p>
+            <a:pPr algn="ctr"/>
+            <a:r>
+              <a:rPr lang="en-US" sz="3600" b="1" dirty="0">
+                <a:solidFill>
+                  <a:schemeClr val="tx1"/>
+                </a:solidFill>
+                <a:latin typeface="Times New Roman" panose="02020603050405020304" pitchFamily="18" charset="0"/>
+                <a:cs typeface="Times New Roman" panose="02020603050405020304" pitchFamily="18" charset="0"/>
+              </a:rPr>
+              <a:t>Models </a:t>
+            </a:r>
+            <a:endParaRPr lang="en-US" sz="3600" dirty="0">
+              <a:solidFill>
+                <a:schemeClr val="tx1"/>
+              </a:solidFill>
+            </a:endParaRPr>
+          </a:p>
+        </p:txBody>
+      </p:sp>
+      <p:sp>
+        <p:nvSpPr>
+          <p:cNvPr id="4" name="TextBox 3">
+            <a:extLst>
+              <a:ext uri="{FF2B5EF4-FFF2-40B4-BE49-F238E27FC236}">
+                <a16:creationId xmlns:a16="http://schemas.microsoft.com/office/drawing/2014/main" id="{CA3FFFC2-82C9-1ED8-A18F-B8E562DBA985}"/>
+              </a:ext>
+            </a:extLst>
+          </p:cNvPr>
+          <p:cNvSpPr txBox="1"/>
+          <p:nvPr/>
+        </p:nvSpPr>
+        <p:spPr>
+          <a:xfrm>
+            <a:off x="1066800" y="502711"/>
+            <a:ext cx="10058400" cy="579967"/>
+          </a:xfrm>
+          <a:prstGeom prst="rect">
+            <a:avLst/>
+          </a:prstGeom>
+          <a:noFill/>
+        </p:spPr>
+        <p:txBody>
+          <a:bodyPr wrap="square">
+            <a:spAutoFit/>
+          </a:bodyPr>
+          <a:lstStyle/>
+          <a:p>
+            <a:pPr marL="342900" marR="0" lvl="0" indent="-342900" algn="just" defTabSz="914400" rtl="0" eaLnBrk="0" fontAlgn="base" latinLnBrk="0" hangingPunct="0">
+              <a:lnSpc>
+                <a:spcPct val="150000"/>
+              </a:lnSpc>
+              <a:spcBef>
+                <a:spcPct val="0"/>
+              </a:spcBef>
+              <a:spcAft>
+                <a:spcPct val="0"/>
+              </a:spcAft>
+              <a:buClrTx/>
+              <a:buSzTx/>
+              <a:buFont typeface="Wingdings" panose="05000000000000000000" pitchFamily="2" charset="2"/>
+              <a:buChar char="§"/>
+              <a:tabLst/>
+            </a:pPr>
+            <a:r>
+              <a:rPr lang="en-US" altLang="en-US" sz="2400" b="1" dirty="0">
+                <a:latin typeface="Times New Roman" panose="02020603050405020304" pitchFamily="18" charset="0"/>
+                <a:cs typeface="Times New Roman" panose="02020603050405020304" pitchFamily="18" charset="0"/>
+              </a:rPr>
+              <a:t>3</a:t>
+            </a:r>
+            <a:r>
+              <a:rPr lang="en-US" altLang="en-US" sz="2400" b="1" baseline="30000" dirty="0">
+                <a:latin typeface="Times New Roman" panose="02020603050405020304" pitchFamily="18" charset="0"/>
+                <a:cs typeface="Times New Roman" panose="02020603050405020304" pitchFamily="18" charset="0"/>
+              </a:rPr>
+              <a:t>rd</a:t>
+            </a:r>
+            <a:r>
+              <a:rPr kumimoji="0" lang="en-US" altLang="en-US" sz="2400" b="1" i="0" u="none" strike="noStrike" cap="none" normalizeH="0" baseline="0" dirty="0">
+                <a:ln>
+                  <a:noFill/>
+                </a:ln>
+                <a:effectLst/>
+                <a:latin typeface="Times New Roman" panose="02020603050405020304" pitchFamily="18" charset="0"/>
+                <a:cs typeface="Times New Roman" panose="02020603050405020304" pitchFamily="18" charset="0"/>
+              </a:rPr>
+              <a:t> </a:t>
+            </a:r>
+            <a:r>
+              <a:rPr lang="en-US" altLang="en-US" sz="2400" b="1" dirty="0">
+                <a:latin typeface="Times New Roman" panose="02020603050405020304" pitchFamily="18" charset="0"/>
+                <a:cs typeface="Times New Roman" panose="02020603050405020304" pitchFamily="18" charset="0"/>
+              </a:rPr>
+              <a:t>M</a:t>
+            </a:r>
+            <a:r>
+              <a:rPr kumimoji="0" lang="en-US" altLang="en-US" sz="2400" b="1" i="0" u="none" strike="noStrike" cap="none" normalizeH="0" baseline="0" dirty="0">
+                <a:ln>
+                  <a:noFill/>
+                </a:ln>
+                <a:effectLst/>
+                <a:latin typeface="Times New Roman" panose="02020603050405020304" pitchFamily="18" charset="0"/>
+                <a:cs typeface="Times New Roman" panose="02020603050405020304" pitchFamily="18" charset="0"/>
+              </a:rPr>
+              <a:t>odel: Digital health unity </a:t>
+            </a:r>
+            <a:r>
+              <a:rPr lang="en-US" sz="2400" b="1" dirty="0">
+                <a:latin typeface="Times New Roman" panose="02020603050405020304" pitchFamily="18" charset="0"/>
+                <a:cs typeface="Times New Roman" panose="02020603050405020304" pitchFamily="18" charset="0"/>
+              </a:rPr>
+              <a:t>model:</a:t>
+            </a:r>
+          </a:p>
+        </p:txBody>
+      </p:sp>
+      <p:sp>
+        <p:nvSpPr>
+          <p:cNvPr id="5" name="Slide Number Placeholder 4">
+            <a:extLst>
+              <a:ext uri="{FF2B5EF4-FFF2-40B4-BE49-F238E27FC236}">
+                <a16:creationId xmlns:a16="http://schemas.microsoft.com/office/drawing/2014/main" id="{1C940B14-94E6-ECC6-A335-D44BB9F61CDC}"/>
+              </a:ext>
+            </a:extLst>
+          </p:cNvPr>
+          <p:cNvSpPr>
+            <a:spLocks noGrp="1"/>
+          </p:cNvSpPr>
+          <p:nvPr>
+            <p:ph type="sldNum" sz="quarter" idx="12"/>
+          </p:nvPr>
+        </p:nvSpPr>
+        <p:spPr/>
+        <p:txBody>
+          <a:bodyPr/>
+          <a:lstStyle/>
+          <a:p>
+            <a:fld id="{D57F1E4F-1CFF-5643-939E-217C01CDF565}" type="slidenum">
+              <a:rPr lang="en-US" smtClean="0"/>
+              <a:t>14</a:t>
+            </a:fld>
+            <a:endParaRPr lang="en-US" dirty="0"/>
+          </a:p>
+        </p:txBody>
+      </p:sp>
+      <p:sp>
+        <p:nvSpPr>
+          <p:cNvPr id="7" name="TextBox 6">
+            <a:extLst>
+              <a:ext uri="{FF2B5EF4-FFF2-40B4-BE49-F238E27FC236}">
+                <a16:creationId xmlns:a16="http://schemas.microsoft.com/office/drawing/2014/main" id="{C468A3B4-9206-2EDA-6186-254B720477B3}"/>
+              </a:ext>
+            </a:extLst>
+          </p:cNvPr>
+          <p:cNvSpPr txBox="1"/>
+          <p:nvPr/>
+        </p:nvSpPr>
+        <p:spPr>
+          <a:xfrm>
+            <a:off x="1442720" y="817443"/>
+            <a:ext cx="9682478" cy="2241960"/>
+          </a:xfrm>
+          <a:prstGeom prst="rect">
+            <a:avLst/>
+          </a:prstGeom>
+          <a:noFill/>
+        </p:spPr>
+        <p:txBody>
+          <a:bodyPr wrap="square">
+            <a:spAutoFit/>
+          </a:bodyPr>
+          <a:lstStyle/>
+          <a:p>
+            <a:pPr marL="342900" marR="0" lvl="0" indent="-342900" algn="just" defTabSz="914400" rtl="0" eaLnBrk="0" fontAlgn="base" latinLnBrk="0" hangingPunct="0">
+              <a:lnSpc>
+                <a:spcPct val="150000"/>
+              </a:lnSpc>
+              <a:spcBef>
+                <a:spcPct val="0"/>
+              </a:spcBef>
+              <a:spcAft>
+                <a:spcPct val="0"/>
+              </a:spcAft>
+              <a:buClrTx/>
+              <a:buSzTx/>
+              <a:buFont typeface="Wingdings" panose="05000000000000000000" pitchFamily="2" charset="2"/>
+              <a:buChar char="§"/>
+              <a:tabLst/>
+            </a:pPr>
+            <a:r>
+              <a:rPr kumimoji="0" lang="en-US" altLang="en-US" sz="2400" b="0" i="0" u="none" strike="noStrike" cap="none" normalizeH="0" baseline="0" dirty="0">
+                <a:ln>
+                  <a:noFill/>
+                </a:ln>
+                <a:effectLst/>
+                <a:latin typeface="Times New Roman" panose="02020603050405020304" pitchFamily="18" charset="0"/>
+                <a:cs typeface="Times New Roman" panose="02020603050405020304" pitchFamily="18" charset="0"/>
+              </a:rPr>
+              <a:t>Integrated </a:t>
+            </a:r>
+            <a:r>
+              <a:rPr lang="en-US" altLang="en-US" sz="2400" dirty="0">
+                <a:latin typeface="Times New Roman" panose="02020603050405020304" pitchFamily="18" charset="0"/>
+                <a:cs typeface="Times New Roman" panose="02020603050405020304" pitchFamily="18" charset="0"/>
+              </a:rPr>
+              <a:t>technologies</a:t>
+            </a:r>
+            <a:endParaRPr kumimoji="0" lang="en-US" altLang="en-US" sz="2400" b="0" i="0" u="none" strike="noStrike" cap="none" normalizeH="0" baseline="0" dirty="0">
+              <a:ln>
+                <a:noFill/>
+              </a:ln>
+              <a:effectLst/>
+              <a:latin typeface="Times New Roman" panose="02020603050405020304" pitchFamily="18" charset="0"/>
+              <a:cs typeface="Times New Roman" panose="02020603050405020304" pitchFamily="18" charset="0"/>
+            </a:endParaRPr>
+          </a:p>
+          <a:p>
+            <a:pPr marL="342900" marR="0" lvl="0" indent="-342900" algn="just" defTabSz="914400" rtl="0" eaLnBrk="0" fontAlgn="base" latinLnBrk="0" hangingPunct="0">
+              <a:lnSpc>
+                <a:spcPct val="150000"/>
+              </a:lnSpc>
+              <a:spcBef>
+                <a:spcPct val="0"/>
+              </a:spcBef>
+              <a:spcAft>
+                <a:spcPct val="0"/>
+              </a:spcAft>
+              <a:buClrTx/>
+              <a:buSzTx/>
+              <a:buFont typeface="Wingdings" panose="05000000000000000000" pitchFamily="2" charset="2"/>
+              <a:buChar char="§"/>
+              <a:tabLst/>
+            </a:pPr>
+            <a:r>
+              <a:rPr lang="en-US" sz="2400" dirty="0">
+                <a:latin typeface="Times New Roman" panose="02020603050405020304" pitchFamily="18" charset="0"/>
+                <a:cs typeface="Times New Roman" panose="02020603050405020304" pitchFamily="18" charset="0"/>
+              </a:rPr>
+              <a:t>Data connection</a:t>
+            </a:r>
+          </a:p>
+          <a:p>
+            <a:pPr marL="342900" marR="0" lvl="0" indent="-342900" algn="just" defTabSz="914400" rtl="0" eaLnBrk="0" fontAlgn="base" latinLnBrk="0" hangingPunct="0">
+              <a:lnSpc>
+                <a:spcPct val="150000"/>
+              </a:lnSpc>
+              <a:spcBef>
+                <a:spcPct val="0"/>
+              </a:spcBef>
+              <a:spcAft>
+                <a:spcPct val="0"/>
+              </a:spcAft>
+              <a:buClrTx/>
+              <a:buSzTx/>
+              <a:buFont typeface="Wingdings" panose="05000000000000000000" pitchFamily="2" charset="2"/>
+              <a:buChar char="§"/>
+              <a:tabLst/>
+            </a:pPr>
+            <a:r>
+              <a:rPr lang="en-US" sz="2400" dirty="0">
+                <a:latin typeface="Times New Roman" panose="02020603050405020304" pitchFamily="18" charset="0"/>
+                <a:cs typeface="Times New Roman" panose="02020603050405020304" pitchFamily="18" charset="0"/>
+              </a:rPr>
+              <a:t>Security and privacy</a:t>
+            </a:r>
+          </a:p>
+          <a:p>
+            <a:pPr marL="342900" marR="0" lvl="0" indent="-342900" algn="just" defTabSz="914400" rtl="0" eaLnBrk="0" fontAlgn="base" latinLnBrk="0" hangingPunct="0">
+              <a:lnSpc>
+                <a:spcPct val="150000"/>
+              </a:lnSpc>
+              <a:spcBef>
+                <a:spcPct val="0"/>
+              </a:spcBef>
+              <a:spcAft>
+                <a:spcPct val="0"/>
+              </a:spcAft>
+              <a:buClrTx/>
+              <a:buSzTx/>
+              <a:buFont typeface="Wingdings" panose="05000000000000000000" pitchFamily="2" charset="2"/>
+              <a:buChar char="§"/>
+              <a:tabLst/>
+            </a:pPr>
+            <a:r>
+              <a:rPr lang="en-US" sz="2400" dirty="0">
+                <a:latin typeface="Times New Roman" panose="02020603050405020304" pitchFamily="18" charset="0"/>
+                <a:cs typeface="Times New Roman" panose="02020603050405020304" pitchFamily="18" charset="0"/>
+              </a:rPr>
+              <a:t>Better healthcare</a:t>
+            </a:r>
+          </a:p>
+        </p:txBody>
+      </p:sp>
+      <p:sp>
+        <p:nvSpPr>
+          <p:cNvPr id="9" name="TextBox 8">
+            <a:extLst>
+              <a:ext uri="{FF2B5EF4-FFF2-40B4-BE49-F238E27FC236}">
+                <a16:creationId xmlns:a16="http://schemas.microsoft.com/office/drawing/2014/main" id="{D21CAC03-8657-F4D0-8C4A-7BAF2C5965CF}"/>
+              </a:ext>
+            </a:extLst>
+          </p:cNvPr>
+          <p:cNvSpPr txBox="1"/>
+          <p:nvPr/>
+        </p:nvSpPr>
+        <p:spPr>
+          <a:xfrm>
+            <a:off x="1066799" y="2916518"/>
+            <a:ext cx="10058399" cy="3457357"/>
+          </a:xfrm>
+          <a:prstGeom prst="rect">
+            <a:avLst/>
+          </a:prstGeom>
+          <a:noFill/>
+        </p:spPr>
+        <p:txBody>
+          <a:bodyPr wrap="square">
+            <a:spAutoFit/>
+          </a:bodyPr>
+          <a:lstStyle/>
+          <a:p>
+            <a:pPr marL="342900" indent="-342900" algn="just">
+              <a:spcAft>
+                <a:spcPts val="800"/>
+              </a:spcAft>
+              <a:buFont typeface="Wingdings" panose="05000000000000000000" pitchFamily="2" charset="2"/>
+              <a:buChar char="§"/>
+            </a:pPr>
+            <a:r>
+              <a:rPr lang="en-US" sz="2400" kern="100" dirty="0">
+                <a:effectLst/>
+                <a:latin typeface="Times New Roman" panose="02020603050405020304" pitchFamily="18" charset="0"/>
+                <a:ea typeface="Calibri" panose="020F0502020204030204" pitchFamily="34" charset="0"/>
+                <a:cs typeface="Times New Roman" panose="02020603050405020304" pitchFamily="18" charset="0"/>
+              </a:rPr>
+              <a:t>Steps to improves model:</a:t>
+            </a:r>
+          </a:p>
+          <a:p>
+            <a:pPr marL="800100" lvl="1" indent="-342900" algn="just">
+              <a:spcAft>
+                <a:spcPts val="800"/>
+              </a:spcAft>
+              <a:buFont typeface="Wingdings" panose="05000000000000000000" pitchFamily="2" charset="2"/>
+              <a:buChar char="§"/>
+            </a:pPr>
+            <a:r>
+              <a:rPr lang="en-US" sz="2400" b="1" dirty="0">
+                <a:effectLst/>
+                <a:latin typeface="Times New Roman" panose="02020603050405020304" pitchFamily="18" charset="0"/>
+                <a:ea typeface="Calibri" panose="020F0502020204030204" pitchFamily="34" charset="0"/>
+                <a:cs typeface="Times New Roman" panose="02020603050405020304" pitchFamily="18" charset="0"/>
+              </a:rPr>
+              <a:t>Step 1: </a:t>
+            </a:r>
+            <a:r>
+              <a:rPr lang="en-US" sz="2400" dirty="0">
+                <a:effectLst/>
+                <a:latin typeface="Times New Roman" panose="02020603050405020304" pitchFamily="18" charset="0"/>
+                <a:ea typeface="Calibri" panose="020F0502020204030204" pitchFamily="34" charset="0"/>
+                <a:cs typeface="Times New Roman" panose="02020603050405020304" pitchFamily="18" charset="0"/>
+              </a:rPr>
+              <a:t>Integrate digital health technologies into one connected platform.</a:t>
+            </a:r>
+            <a:endParaRPr lang="en-US" sz="2400" b="1" dirty="0">
+              <a:latin typeface="Times New Roman" panose="02020603050405020304" pitchFamily="18" charset="0"/>
+              <a:ea typeface="Calibri" panose="020F0502020204030204" pitchFamily="34" charset="0"/>
+              <a:cs typeface="Times New Roman" panose="02020603050405020304" pitchFamily="18" charset="0"/>
+            </a:endParaRPr>
+          </a:p>
+          <a:p>
+            <a:pPr marL="800100" lvl="1" indent="-342900" algn="just">
+              <a:spcAft>
+                <a:spcPts val="800"/>
+              </a:spcAft>
+              <a:buFont typeface="Wingdings" panose="05000000000000000000" pitchFamily="2" charset="2"/>
+              <a:buChar char="§"/>
+            </a:pPr>
+            <a:r>
+              <a:rPr lang="en-US" sz="2400" b="1" dirty="0">
+                <a:effectLst/>
+                <a:latin typeface="Times New Roman" panose="02020603050405020304" pitchFamily="18" charset="0"/>
+                <a:ea typeface="Calibri" panose="020F0502020204030204" pitchFamily="34" charset="0"/>
+                <a:cs typeface="Times New Roman" panose="02020603050405020304" pitchFamily="18" charset="0"/>
+              </a:rPr>
+              <a:t>Step 2: </a:t>
+            </a:r>
+            <a:r>
+              <a:rPr lang="en-US" sz="2400" dirty="0">
+                <a:effectLst/>
+                <a:latin typeface="Times New Roman" panose="02020603050405020304" pitchFamily="18" charset="0"/>
+                <a:ea typeface="Calibri" panose="020F0502020204030204" pitchFamily="34" charset="0"/>
+                <a:cs typeface="Times New Roman" panose="02020603050405020304" pitchFamily="18" charset="0"/>
+              </a:rPr>
+              <a:t>AI and IoT devices work together to collect and analyze patient data for better decision-making.</a:t>
+            </a:r>
+            <a:endParaRPr lang="en-US" sz="2400" b="1" dirty="0">
+              <a:latin typeface="Times New Roman" panose="02020603050405020304" pitchFamily="18" charset="0"/>
+              <a:ea typeface="Calibri" panose="020F0502020204030204" pitchFamily="34" charset="0"/>
+              <a:cs typeface="Times New Roman" panose="02020603050405020304" pitchFamily="18" charset="0"/>
+            </a:endParaRPr>
+          </a:p>
+          <a:p>
+            <a:pPr marL="800100" lvl="1" indent="-342900" algn="just">
+              <a:spcAft>
+                <a:spcPts val="800"/>
+              </a:spcAft>
+              <a:buFont typeface="Wingdings" panose="05000000000000000000" pitchFamily="2" charset="2"/>
+              <a:buChar char="§"/>
+            </a:pPr>
+            <a:r>
+              <a:rPr lang="en-US" sz="2400" b="1" dirty="0">
+                <a:effectLst/>
+                <a:latin typeface="Times New Roman" panose="02020603050405020304" pitchFamily="18" charset="0"/>
+                <a:ea typeface="Calibri" panose="020F0502020204030204" pitchFamily="34" charset="0"/>
+                <a:cs typeface="Times New Roman" panose="02020603050405020304" pitchFamily="18" charset="0"/>
+              </a:rPr>
+              <a:t>Step 3: </a:t>
+            </a:r>
+            <a:r>
+              <a:rPr lang="en-US" sz="2400" dirty="0">
+                <a:effectLst/>
+                <a:latin typeface="Times New Roman" panose="02020603050405020304" pitchFamily="18" charset="0"/>
+                <a:ea typeface="Calibri" panose="020F0502020204030204" pitchFamily="34" charset="0"/>
+                <a:cs typeface="Times New Roman" panose="02020603050405020304" pitchFamily="18" charset="0"/>
+              </a:rPr>
+              <a:t>Blockchain ensures the security and privacy of patient data while enabling safe information sharing.</a:t>
+            </a:r>
+            <a:endParaRPr lang="en-US" sz="2400" b="1" dirty="0">
+              <a:latin typeface="Times New Roman" panose="02020603050405020304" pitchFamily="18" charset="0"/>
+              <a:ea typeface="Calibri" panose="020F0502020204030204" pitchFamily="34" charset="0"/>
+              <a:cs typeface="Times New Roman" panose="02020603050405020304" pitchFamily="18" charset="0"/>
+            </a:endParaRPr>
+          </a:p>
+          <a:p>
+            <a:pPr marL="800100" lvl="1" indent="-342900" algn="just">
+              <a:spcAft>
+                <a:spcPts val="800"/>
+              </a:spcAft>
+              <a:buFont typeface="Wingdings" panose="05000000000000000000" pitchFamily="2" charset="2"/>
+              <a:buChar char="§"/>
+            </a:pPr>
+            <a:r>
+              <a:rPr lang="en-US" sz="2400" b="1" dirty="0">
+                <a:effectLst/>
+                <a:latin typeface="Times New Roman" panose="02020603050405020304" pitchFamily="18" charset="0"/>
+                <a:ea typeface="Calibri" panose="020F0502020204030204" pitchFamily="34" charset="0"/>
+                <a:cs typeface="Times New Roman" panose="02020603050405020304" pitchFamily="18" charset="0"/>
+              </a:rPr>
+              <a:t>Step 4: </a:t>
+            </a:r>
+            <a:r>
+              <a:rPr lang="en-US" sz="2400" dirty="0">
+                <a:effectLst/>
+                <a:latin typeface="Times New Roman" panose="02020603050405020304" pitchFamily="18" charset="0"/>
+                <a:ea typeface="Calibri" panose="020F0502020204030204" pitchFamily="34" charset="0"/>
+                <a:cs typeface="Times New Roman" panose="02020603050405020304" pitchFamily="18" charset="0"/>
+              </a:rPr>
+              <a:t>Healthcare providers, patients, and other stakeholders collaborate seamlessly to improve health outcomes and access to care.</a:t>
+            </a:r>
+            <a:endParaRPr lang="en-US" sz="2400" kern="100" dirty="0">
+              <a:effectLst/>
+              <a:latin typeface="Times New Roman" panose="02020603050405020304" pitchFamily="18" charset="0"/>
+              <a:ea typeface="Calibri" panose="020F0502020204030204" pitchFamily="34" charset="0"/>
+              <a:cs typeface="Times New Roman" panose="02020603050405020304" pitchFamily="18" charset="0"/>
+            </a:endParaRPr>
+          </a:p>
+        </p:txBody>
+      </p:sp>
+    </p:spTree>
+    <p:extLst>
+      <p:ext uri="{BB962C8B-B14F-4D97-AF65-F5344CB8AC3E}">
+        <p14:creationId xmlns:p14="http://schemas.microsoft.com/office/powerpoint/2010/main" val="1679666787"/>
+      </p:ext>
+    </p:extLst>
+  </p:cSld>
+  <p:clrMapOvr>
+    <a:masterClrMapping/>
+  </p:clrMapOvr>
+</p:sld>
+</file>
+
+<file path=ppt/slides/slide15.xml><?xml version="1.0" encoding="utf-8"?>
+<p:sld xmlns:a="http://schemas.openxmlformats.org/drawingml/2006/main" xmlns:r="http://schemas.openxmlformats.org/officeDocument/2006/relationships" xmlns:p="http://schemas.openxmlformats.org/presentationml/2006/main">
+  <p:cSld>
+    <p:spTree>
+      <p:nvGrpSpPr>
+        <p:cNvPr id="1" name="">
+          <a:extLst>
+            <a:ext uri="{FF2B5EF4-FFF2-40B4-BE49-F238E27FC236}">
+              <a16:creationId xmlns:a16="http://schemas.microsoft.com/office/drawing/2014/main" id="{4B97FC20-6806-715F-8BF7-893B8107C811}"/>
+            </a:ext>
+          </a:extLst>
+        </p:cNvPr>
+        <p:cNvGrpSpPr/>
+        <p:nvPr/>
+      </p:nvGrpSpPr>
+      <p:grpSpPr>
+        <a:xfrm>
+          <a:off x="0" y="0"/>
+          <a:ext cx="0" cy="0"/>
+          <a:chOff x="0" y="0"/>
+          <a:chExt cx="0" cy="0"/>
+        </a:xfrm>
+      </p:grpSpPr>
+      <p:sp>
+        <p:nvSpPr>
+          <p:cNvPr id="2" name="Title 1">
+            <a:extLst>
+              <a:ext uri="{FF2B5EF4-FFF2-40B4-BE49-F238E27FC236}">
+                <a16:creationId xmlns:a16="http://schemas.microsoft.com/office/drawing/2014/main" id="{26B35366-321E-DB98-CADE-2A1A3AA5BA3A}"/>
+              </a:ext>
+            </a:extLst>
+          </p:cNvPr>
+          <p:cNvSpPr>
+            <a:spLocks noGrp="1"/>
+          </p:cNvSpPr>
+          <p:nvPr>
+            <p:ph type="title" idx="4294967295"/>
+          </p:nvPr>
+        </p:nvSpPr>
+        <p:spPr>
+          <a:xfrm>
+            <a:off x="1066800" y="-291465"/>
+            <a:ext cx="10058400" cy="1286510"/>
+          </a:xfrm>
+        </p:spPr>
+        <p:txBody>
+          <a:bodyPr>
+            <a:normAutofit/>
+          </a:bodyPr>
+          <a:lstStyle/>
+          <a:p>
+            <a:pPr algn="ctr"/>
+            <a:r>
+              <a:rPr lang="en-US" sz="3600" b="1" dirty="0">
+                <a:solidFill>
+                  <a:schemeClr val="tx1"/>
+                </a:solidFill>
+                <a:latin typeface="Times New Roman" panose="02020603050405020304" pitchFamily="18" charset="0"/>
+                <a:cs typeface="Times New Roman" panose="02020603050405020304" pitchFamily="18" charset="0"/>
+              </a:rPr>
+              <a:t>Models</a:t>
+            </a:r>
+            <a:endParaRPr lang="en-US" sz="3600" dirty="0">
+              <a:solidFill>
+                <a:schemeClr val="tx1"/>
+              </a:solidFill>
+            </a:endParaRPr>
+          </a:p>
+        </p:txBody>
+      </p:sp>
+      <p:sp>
+        <p:nvSpPr>
+          <p:cNvPr id="4" name="TextBox 3">
+            <a:extLst>
+              <a:ext uri="{FF2B5EF4-FFF2-40B4-BE49-F238E27FC236}">
+                <a16:creationId xmlns:a16="http://schemas.microsoft.com/office/drawing/2014/main" id="{1A63E4C3-2E32-776B-47E1-F07BA7BA77A1}"/>
+              </a:ext>
+            </a:extLst>
+          </p:cNvPr>
+          <p:cNvSpPr txBox="1"/>
+          <p:nvPr/>
+        </p:nvSpPr>
+        <p:spPr>
+          <a:xfrm>
+            <a:off x="1066800" y="797351"/>
+            <a:ext cx="10058400" cy="2241960"/>
+          </a:xfrm>
+          <a:prstGeom prst="rect">
+            <a:avLst/>
+          </a:prstGeom>
+          <a:noFill/>
+        </p:spPr>
+        <p:txBody>
+          <a:bodyPr wrap="square">
+            <a:spAutoFit/>
+          </a:bodyPr>
+          <a:lstStyle/>
+          <a:p>
+            <a:pPr marL="342900" marR="0" lvl="0" indent="-342900" algn="just" defTabSz="914400" rtl="0" eaLnBrk="0" fontAlgn="base" latinLnBrk="0" hangingPunct="0">
+              <a:lnSpc>
+                <a:spcPct val="150000"/>
+              </a:lnSpc>
+              <a:spcBef>
+                <a:spcPct val="0"/>
+              </a:spcBef>
+              <a:spcAft>
+                <a:spcPct val="0"/>
+              </a:spcAft>
+              <a:buClrTx/>
+              <a:buSzTx/>
+              <a:buFont typeface="Wingdings" panose="05000000000000000000" pitchFamily="2" charset="2"/>
+              <a:buChar char="§"/>
+              <a:tabLst/>
+            </a:pPr>
+            <a:r>
+              <a:rPr kumimoji="0" lang="en-US" altLang="en-US" sz="2400" b="1" i="0" u="none" strike="noStrike" cap="none" normalizeH="0" baseline="0" dirty="0">
+                <a:ln>
+                  <a:noFill/>
+                </a:ln>
+                <a:effectLst/>
+                <a:latin typeface="Times New Roman" panose="02020603050405020304" pitchFamily="18" charset="0"/>
+                <a:cs typeface="Times New Roman" panose="02020603050405020304" pitchFamily="18" charset="0"/>
+              </a:rPr>
+              <a:t>Benefit :</a:t>
+            </a:r>
+            <a:endParaRPr lang="en-US" sz="2400" dirty="0">
+              <a:latin typeface="Times New Roman" panose="02020603050405020304" pitchFamily="18" charset="0"/>
+              <a:cs typeface="Times New Roman" panose="02020603050405020304" pitchFamily="18" charset="0"/>
+            </a:endParaRPr>
+          </a:p>
+          <a:p>
+            <a:pPr marL="800100" lvl="1" indent="-342900" algn="just" eaLnBrk="0" fontAlgn="base" hangingPunct="0">
+              <a:lnSpc>
+                <a:spcPct val="150000"/>
+              </a:lnSpc>
+              <a:spcBef>
+                <a:spcPct val="0"/>
+              </a:spcBef>
+              <a:spcAft>
+                <a:spcPct val="0"/>
+              </a:spcAft>
+              <a:buFont typeface="Wingdings" panose="05000000000000000000" pitchFamily="2" charset="2"/>
+              <a:buChar char="§"/>
+            </a:pPr>
+            <a:r>
+              <a:rPr kumimoji="0" lang="en-US" altLang="en-US" sz="2400" b="0" i="0" u="none" strike="noStrike" cap="none" normalizeH="0" baseline="0" dirty="0">
+                <a:ln>
+                  <a:noFill/>
+                </a:ln>
+                <a:effectLst/>
+                <a:latin typeface="Times New Roman" panose="02020603050405020304" pitchFamily="18" charset="0"/>
+                <a:cs typeface="Times New Roman" panose="02020603050405020304" pitchFamily="18" charset="0"/>
+              </a:rPr>
+              <a:t>Improved access to healthcare</a:t>
+            </a:r>
+          </a:p>
+          <a:p>
+            <a:pPr marL="800100" lvl="1" indent="-342900" algn="just" eaLnBrk="0" fontAlgn="base" hangingPunct="0">
+              <a:lnSpc>
+                <a:spcPct val="150000"/>
+              </a:lnSpc>
+              <a:spcBef>
+                <a:spcPct val="0"/>
+              </a:spcBef>
+              <a:spcAft>
+                <a:spcPct val="0"/>
+              </a:spcAft>
+              <a:buFont typeface="Wingdings" panose="05000000000000000000" pitchFamily="2" charset="2"/>
+              <a:buChar char="§"/>
+            </a:pPr>
+            <a:r>
+              <a:rPr lang="en-US" altLang="en-US" sz="2400" dirty="0">
+                <a:latin typeface="Times New Roman" panose="02020603050405020304" pitchFamily="18" charset="0"/>
+                <a:cs typeface="Times New Roman" panose="02020603050405020304" pitchFamily="18" charset="0"/>
+              </a:rPr>
+              <a:t>Enhanced security and privacy</a:t>
+            </a:r>
+            <a:endParaRPr kumimoji="0" lang="en-US" altLang="en-US" sz="2400" b="0" i="0" u="none" strike="noStrike" cap="none" normalizeH="0" baseline="0" dirty="0">
+              <a:ln>
+                <a:noFill/>
+              </a:ln>
+              <a:effectLst/>
+              <a:latin typeface="Times New Roman" panose="02020603050405020304" pitchFamily="18" charset="0"/>
+              <a:cs typeface="Times New Roman" panose="02020603050405020304" pitchFamily="18" charset="0"/>
+            </a:endParaRPr>
+          </a:p>
+          <a:p>
+            <a:pPr marL="800100" lvl="1" indent="-342900" algn="just" eaLnBrk="0" fontAlgn="base" hangingPunct="0">
+              <a:lnSpc>
+                <a:spcPct val="150000"/>
+              </a:lnSpc>
+              <a:spcBef>
+                <a:spcPct val="0"/>
+              </a:spcBef>
+              <a:spcAft>
+                <a:spcPct val="0"/>
+              </a:spcAft>
+              <a:buFont typeface="Wingdings" panose="05000000000000000000" pitchFamily="2" charset="2"/>
+              <a:buChar char="§"/>
+            </a:pPr>
+            <a:r>
+              <a:rPr kumimoji="0" lang="en-US" altLang="en-US" sz="2400" b="0" i="0" u="none" strike="noStrike" cap="none" normalizeH="0" baseline="0" dirty="0">
+                <a:ln>
+                  <a:noFill/>
+                </a:ln>
+                <a:effectLst/>
+                <a:latin typeface="Times New Roman" panose="02020603050405020304" pitchFamily="18" charset="0"/>
+                <a:cs typeface="Times New Roman" panose="02020603050405020304" pitchFamily="18" charset="0"/>
+              </a:rPr>
+              <a:t>Increased </a:t>
+            </a:r>
+            <a:r>
+              <a:rPr lang="en-US" altLang="en-US" sz="2400" dirty="0">
+                <a:latin typeface="Times New Roman" panose="02020603050405020304" pitchFamily="18" charset="0"/>
+                <a:cs typeface="Times New Roman" panose="02020603050405020304" pitchFamily="18" charset="0"/>
+              </a:rPr>
+              <a:t>efficiency and cost savings</a:t>
+            </a:r>
+            <a:endParaRPr kumimoji="0" lang="en-US" altLang="en-US" sz="2400" b="0" i="0" u="none" strike="noStrike" cap="none" normalizeH="0" baseline="0" dirty="0">
+              <a:ln>
+                <a:noFill/>
+              </a:ln>
+              <a:effectLst/>
+              <a:latin typeface="Times New Roman" panose="02020603050405020304" pitchFamily="18" charset="0"/>
+              <a:cs typeface="Times New Roman" panose="02020603050405020304" pitchFamily="18" charset="0"/>
+            </a:endParaRPr>
+          </a:p>
+        </p:txBody>
+      </p:sp>
+      <p:sp>
+        <p:nvSpPr>
+          <p:cNvPr id="5" name="Slide Number Placeholder 4">
+            <a:extLst>
+              <a:ext uri="{FF2B5EF4-FFF2-40B4-BE49-F238E27FC236}">
+                <a16:creationId xmlns:a16="http://schemas.microsoft.com/office/drawing/2014/main" id="{A2B9C99B-4101-6EFA-CEA5-E1B273AA769D}"/>
+              </a:ext>
+            </a:extLst>
+          </p:cNvPr>
+          <p:cNvSpPr>
+            <a:spLocks noGrp="1"/>
+          </p:cNvSpPr>
+          <p:nvPr>
+            <p:ph type="sldNum" sz="quarter" idx="12"/>
+          </p:nvPr>
+        </p:nvSpPr>
+        <p:spPr/>
+        <p:txBody>
+          <a:bodyPr/>
+          <a:lstStyle/>
+          <a:p>
+            <a:fld id="{D57F1E4F-1CFF-5643-939E-217C01CDF565}" type="slidenum">
+              <a:rPr lang="en-US" smtClean="0"/>
+              <a:t>15</a:t>
+            </a:fld>
+            <a:endParaRPr lang="en-US" dirty="0"/>
+          </a:p>
+        </p:txBody>
+      </p:sp>
+      <p:sp>
+        <p:nvSpPr>
+          <p:cNvPr id="6" name="TextBox 5">
+            <a:extLst>
+              <a:ext uri="{FF2B5EF4-FFF2-40B4-BE49-F238E27FC236}">
+                <a16:creationId xmlns:a16="http://schemas.microsoft.com/office/drawing/2014/main" id="{0F5DDFC2-649E-821D-39AD-DDFA27CBC01B}"/>
+              </a:ext>
+            </a:extLst>
+          </p:cNvPr>
+          <p:cNvSpPr txBox="1"/>
+          <p:nvPr/>
+        </p:nvSpPr>
+        <p:spPr>
+          <a:xfrm>
+            <a:off x="1066800" y="3007147"/>
+            <a:ext cx="10058400" cy="2241960"/>
+          </a:xfrm>
+          <a:prstGeom prst="rect">
+            <a:avLst/>
+          </a:prstGeom>
+          <a:noFill/>
+        </p:spPr>
+        <p:txBody>
+          <a:bodyPr wrap="square">
+            <a:spAutoFit/>
+          </a:bodyPr>
+          <a:lstStyle/>
+          <a:p>
+            <a:pPr marL="342900" marR="0" lvl="0" indent="-342900" algn="just" defTabSz="914400" rtl="0" eaLnBrk="0" fontAlgn="base" latinLnBrk="0" hangingPunct="0">
+              <a:lnSpc>
+                <a:spcPct val="150000"/>
+              </a:lnSpc>
+              <a:spcBef>
+                <a:spcPct val="0"/>
+              </a:spcBef>
+              <a:spcAft>
+                <a:spcPct val="0"/>
+              </a:spcAft>
+              <a:buClrTx/>
+              <a:buSzTx/>
+              <a:buFont typeface="Wingdings" panose="05000000000000000000" pitchFamily="2" charset="2"/>
+              <a:buChar char="§"/>
+              <a:tabLst/>
+            </a:pPr>
+            <a:r>
+              <a:rPr kumimoji="0" lang="en-US" altLang="en-US" sz="2400" b="1" i="0" u="none" strike="noStrike" cap="none" normalizeH="0" baseline="0" dirty="0">
+                <a:ln>
+                  <a:noFill/>
+                </a:ln>
+                <a:effectLst/>
+                <a:latin typeface="Times New Roman" panose="02020603050405020304" pitchFamily="18" charset="0"/>
+                <a:cs typeface="Times New Roman" panose="02020603050405020304" pitchFamily="18" charset="0"/>
+              </a:rPr>
+              <a:t>Challenges :</a:t>
+            </a:r>
+            <a:endParaRPr lang="en-US" sz="2400" dirty="0">
+              <a:latin typeface="Times New Roman" panose="02020603050405020304" pitchFamily="18" charset="0"/>
+              <a:cs typeface="Times New Roman" panose="02020603050405020304" pitchFamily="18" charset="0"/>
+            </a:endParaRPr>
+          </a:p>
+          <a:p>
+            <a:pPr marL="800100" lvl="1" indent="-342900" algn="just" eaLnBrk="0" fontAlgn="base" hangingPunct="0">
+              <a:lnSpc>
+                <a:spcPct val="150000"/>
+              </a:lnSpc>
+              <a:spcBef>
+                <a:spcPct val="0"/>
+              </a:spcBef>
+              <a:spcAft>
+                <a:spcPct val="0"/>
+              </a:spcAft>
+              <a:buFont typeface="Wingdings" panose="05000000000000000000" pitchFamily="2" charset="2"/>
+              <a:buChar char="§"/>
+            </a:pPr>
+            <a:r>
+              <a:rPr kumimoji="0" lang="en-US" altLang="en-US" sz="2400" b="0" i="0" u="none" strike="noStrike" cap="none" normalizeH="0" baseline="0" dirty="0">
+                <a:ln>
+                  <a:noFill/>
+                </a:ln>
+                <a:effectLst/>
+                <a:latin typeface="Times New Roman" panose="02020603050405020304" pitchFamily="18" charset="0"/>
+                <a:cs typeface="Times New Roman" panose="02020603050405020304" pitchFamily="18" charset="0"/>
+              </a:rPr>
+              <a:t>Data privacy concerns</a:t>
+            </a:r>
+            <a:endParaRPr lang="en-US" altLang="en-US" sz="2400" dirty="0">
+              <a:latin typeface="Times New Roman" panose="02020603050405020304" pitchFamily="18" charset="0"/>
+              <a:cs typeface="Times New Roman" panose="02020603050405020304" pitchFamily="18" charset="0"/>
+            </a:endParaRPr>
+          </a:p>
+          <a:p>
+            <a:pPr marL="800100" lvl="1" indent="-342900" algn="just" eaLnBrk="0" fontAlgn="base" hangingPunct="0">
+              <a:lnSpc>
+                <a:spcPct val="150000"/>
+              </a:lnSpc>
+              <a:spcBef>
+                <a:spcPct val="0"/>
+              </a:spcBef>
+              <a:spcAft>
+                <a:spcPct val="0"/>
+              </a:spcAft>
+              <a:buFont typeface="Wingdings" panose="05000000000000000000" pitchFamily="2" charset="2"/>
+              <a:buChar char="§"/>
+            </a:pPr>
+            <a:r>
+              <a:rPr lang="en-US" altLang="en-US" sz="2400" dirty="0">
+                <a:latin typeface="Times New Roman" panose="02020603050405020304" pitchFamily="18" charset="0"/>
+                <a:cs typeface="Times New Roman" panose="02020603050405020304" pitchFamily="18" charset="0"/>
+              </a:rPr>
+              <a:t>Technology access </a:t>
+            </a:r>
+          </a:p>
+          <a:p>
+            <a:pPr marL="800100" lvl="1" indent="-342900" algn="just" eaLnBrk="0" fontAlgn="base" hangingPunct="0">
+              <a:lnSpc>
+                <a:spcPct val="150000"/>
+              </a:lnSpc>
+              <a:spcBef>
+                <a:spcPct val="0"/>
+              </a:spcBef>
+              <a:spcAft>
+                <a:spcPct val="0"/>
+              </a:spcAft>
+              <a:buFont typeface="Wingdings" panose="05000000000000000000" pitchFamily="2" charset="2"/>
+              <a:buChar char="§"/>
+            </a:pPr>
+            <a:r>
+              <a:rPr kumimoji="0" lang="en-US" altLang="en-US" sz="2400" b="0" i="0" u="none" strike="noStrike" cap="none" normalizeH="0" baseline="0" dirty="0">
+                <a:ln>
+                  <a:noFill/>
+                </a:ln>
+                <a:effectLst/>
+                <a:latin typeface="Times New Roman" panose="02020603050405020304" pitchFamily="18" charset="0"/>
+                <a:cs typeface="Times New Roman" panose="02020603050405020304" pitchFamily="18" charset="0"/>
+              </a:rPr>
+              <a:t>Regulatory </a:t>
+            </a:r>
+            <a:r>
+              <a:rPr lang="en-US" altLang="en-US" sz="2400" dirty="0">
+                <a:latin typeface="Times New Roman" panose="02020603050405020304" pitchFamily="18" charset="0"/>
+                <a:cs typeface="Times New Roman" panose="02020603050405020304" pitchFamily="18" charset="0"/>
+              </a:rPr>
+              <a:t>compliance</a:t>
+            </a:r>
+            <a:endParaRPr kumimoji="0" lang="en-US" altLang="en-US" sz="2400" b="0" i="0" u="none" strike="noStrike" cap="none" normalizeH="0" baseline="0" dirty="0">
+              <a:ln>
+                <a:noFill/>
+              </a:ln>
+              <a:effectLst/>
+              <a:latin typeface="Times New Roman" panose="02020603050405020304" pitchFamily="18" charset="0"/>
+              <a:cs typeface="Times New Roman" panose="02020603050405020304" pitchFamily="18" charset="0"/>
+            </a:endParaRPr>
+          </a:p>
+        </p:txBody>
+      </p:sp>
+    </p:spTree>
+    <p:extLst>
+      <p:ext uri="{BB962C8B-B14F-4D97-AF65-F5344CB8AC3E}">
+        <p14:creationId xmlns:p14="http://schemas.microsoft.com/office/powerpoint/2010/main" val="805022629"/>
+      </p:ext>
+    </p:extLst>
+  </p:cSld>
+  <p:clrMapOvr>
+    <a:masterClrMapping/>
+  </p:clrMapOvr>
+</p:sld>
+</file>
+
+<file path=ppt/slides/slide16.xml><?xml version="1.0" encoding="utf-8"?>
 <p:sld xmlns:a="http://schemas.openxmlformats.org/drawingml/2006/main" xmlns:r="http://schemas.openxmlformats.org/officeDocument/2006/relationships" xmlns:p="http://schemas.openxmlformats.org/presentationml/2006/main">
   <p:cSld>
     <p:spTree>
@@ -4730,7 +7292,12 @@
             <p:ph type="title"/>
           </p:nvPr>
         </p:nvSpPr>
-        <p:spPr/>
+        <p:spPr>
+          <a:xfrm>
+            <a:off x="1097280" y="276443"/>
+            <a:ext cx="10058400" cy="1450757"/>
+          </a:xfrm>
+        </p:spPr>
         <p:txBody>
           <a:bodyPr>
             <a:normAutofit/>
@@ -4746,207 +7313,68 @@
                 <a:latin typeface="Times New Roman" panose="02020603050405020304" pitchFamily="18" charset="0"/>
                 <a:cs typeface="Times New Roman" panose="02020603050405020304" pitchFamily="18" charset="0"/>
               </a:rPr>
-              <a:t>Conclusion</a:t>
-            </a:r>
-          </a:p>
-        </p:txBody>
-      </p:sp>
-      <p:sp>
-        <p:nvSpPr>
-          <p:cNvPr id="3" name="Content Placeholder 2"/>
-          <p:cNvSpPr>
-            <a:spLocks noGrp="1"/>
-          </p:cNvSpPr>
-          <p:nvPr>
-            <p:ph idx="1"/>
-          </p:nvPr>
+              <a:t>Discussions</a:t>
+            </a:r>
+          </a:p>
+        </p:txBody>
+      </p:sp>
+      <p:sp>
+        <p:nvSpPr>
+          <p:cNvPr id="6" name="Slide Number Placeholder 5"/>
+          <p:cNvSpPr>
+            <a:spLocks noGrp="1"/>
+          </p:cNvSpPr>
+          <p:nvPr>
+            <p:ph type="sldNum" sz="quarter" idx="12"/>
+          </p:nvPr>
+        </p:nvSpPr>
+        <p:spPr/>
+        <p:txBody>
+          <a:bodyPr/>
+          <a:lstStyle/>
+          <a:p>
+            <a:fld id="{E97799C9-84D9-46D2-A11E-BCF8A720529D}" type="slidenum">
+              <a:rPr lang="en-US" smtClean="0"/>
+              <a:t>16</a:t>
+            </a:fld>
+            <a:endParaRPr lang="en-US" dirty="0"/>
+          </a:p>
+        </p:txBody>
+      </p:sp>
+      <p:sp>
+        <p:nvSpPr>
+          <p:cNvPr id="9" name="TextBox 8"/>
+          <p:cNvSpPr txBox="1"/>
+          <p:nvPr/>
         </p:nvSpPr>
         <p:spPr>
           <a:xfrm>
-            <a:off x="1097280" y="1723813"/>
-            <a:ext cx="10114915" cy="4614051"/>
+            <a:off x="1097280" y="1612899"/>
+            <a:ext cx="9963785" cy="3060701"/>
           </a:xfrm>
+          <a:prstGeom prst="rect">
+            <a:avLst/>
+          </a:prstGeom>
+          <a:noFill/>
         </p:spPr>
         <p:txBody>
-          <a:bodyPr>
+          <a:bodyPr wrap="square" rtlCol="0">
             <a:noAutofit/>
           </a:bodyPr>
           <a:lstStyle/>
           <a:p>
             <a:pPr algn="just">
-              <a:buFont typeface="Arial" panose="020B0604020202020204" pitchFamily="34" charset="0"/>
-              <a:buChar char="•"/>
+              <a:lnSpc>
+                <a:spcPct val="150000"/>
+              </a:lnSpc>
             </a:pPr>
             <a:r>
               <a:rPr lang="en-US" sz="2400" dirty="0">
-                <a:solidFill>
-                  <a:schemeClr val="tx1"/>
-                </a:solidFill>
-                <a:latin typeface="Times New Roman" panose="02020603050405020304" pitchFamily="18" charset="0"/>
-                <a:cs typeface="Times New Roman" panose="02020603050405020304" pitchFamily="18" charset="0"/>
-              </a:rPr>
-              <a:t> Healthcare in the metaverse leverages VR, AR, AI, and blockchain to enhance the patient care, improve medical training, and enable virtual consultations. While promising, challenges like data privacy, regulation, and access must be resolved for its full potential to be realized. </a:t>
-            </a:r>
-          </a:p>
-          <a:p>
-            <a:pPr algn="just">
-              <a:buFont typeface="Arial" panose="020B0604020202020204" pitchFamily="34" charset="0"/>
-              <a:buChar char="•"/>
-            </a:pPr>
-            <a:r>
-              <a:rPr lang="en-IN" sz="2400" b="1" dirty="0">
-                <a:solidFill>
-                  <a:schemeClr val="tx1"/>
-                </a:solidFill>
-                <a:latin typeface="Times New Roman" panose="02020603050405020304" pitchFamily="18" charset="0"/>
-                <a:cs typeface="Times New Roman" panose="02020603050405020304" pitchFamily="18" charset="0"/>
-              </a:rPr>
-              <a:t> Future Scope:</a:t>
-            </a:r>
-            <a:endParaRPr lang="en-IN" sz="2400" dirty="0">
-              <a:solidFill>
-                <a:schemeClr val="tx1"/>
-              </a:solidFill>
-              <a:latin typeface="Times New Roman" panose="02020603050405020304" pitchFamily="18" charset="0"/>
-              <a:cs typeface="Times New Roman" panose="02020603050405020304" pitchFamily="18" charset="0"/>
-            </a:endParaRPr>
-          </a:p>
-          <a:p>
-            <a:pPr marL="800100" lvl="1" indent="-342900" algn="just">
-              <a:lnSpc>
-                <a:spcPct val="100000"/>
-              </a:lnSpc>
-              <a:buFont typeface="Arial" panose="020B0604020202020204" pitchFamily="34" charset="0"/>
-              <a:buChar char="•"/>
-            </a:pPr>
-            <a:r>
-              <a:rPr lang="en-US" sz="2400" dirty="0">
-                <a:solidFill>
-                  <a:schemeClr val="tx1"/>
-                </a:solidFill>
-                <a:latin typeface="Times New Roman" panose="02020603050405020304" pitchFamily="18" charset="0"/>
-                <a:cs typeface="Times New Roman" panose="02020603050405020304" pitchFamily="18" charset="0"/>
-              </a:rPr>
-              <a:t>AI-Powered Health Assistants</a:t>
-            </a:r>
-          </a:p>
-          <a:p>
-            <a:pPr marL="800100" lvl="1" indent="-342900" algn="just">
-              <a:lnSpc>
-                <a:spcPct val="100000"/>
-              </a:lnSpc>
-              <a:buFont typeface="Arial" panose="020B0604020202020204" pitchFamily="34" charset="0"/>
-              <a:buChar char="•"/>
-            </a:pPr>
-            <a:r>
-              <a:rPr lang="en-US" sz="2400" dirty="0">
-                <a:solidFill>
-                  <a:schemeClr val="tx1"/>
-                </a:solidFill>
-                <a:latin typeface="Times New Roman" panose="02020603050405020304" pitchFamily="18" charset="0"/>
-                <a:cs typeface="Times New Roman" panose="02020603050405020304" pitchFamily="18" charset="0"/>
-              </a:rPr>
-              <a:t>Virtual Rehabilitation Programs</a:t>
-            </a:r>
-          </a:p>
-          <a:p>
-            <a:pPr marL="800100" lvl="1" indent="-342900" algn="just">
-              <a:lnSpc>
-                <a:spcPct val="100000"/>
-              </a:lnSpc>
-              <a:buFont typeface="Arial" panose="020B0604020202020204" pitchFamily="34" charset="0"/>
-              <a:buChar char="•"/>
-            </a:pPr>
-            <a:r>
-              <a:rPr lang="en-US" sz="2400" dirty="0">
-                <a:solidFill>
-                  <a:schemeClr val="tx1"/>
-                </a:solidFill>
-                <a:latin typeface="Times New Roman" panose="02020603050405020304" pitchFamily="18" charset="0"/>
-                <a:cs typeface="Times New Roman" panose="02020603050405020304" pitchFamily="18" charset="0"/>
-              </a:rPr>
-              <a:t>Wearable Tech Integration</a:t>
-            </a:r>
-          </a:p>
-          <a:p>
-            <a:pPr marL="800100" lvl="1" indent="-342900" algn="just">
-              <a:lnSpc>
-                <a:spcPct val="100000"/>
-              </a:lnSpc>
-              <a:buFont typeface="Arial" panose="020B0604020202020204" pitchFamily="34" charset="0"/>
-              <a:buChar char="•"/>
-            </a:pPr>
-            <a:r>
-              <a:rPr lang="en-US" sz="2400" dirty="0">
-                <a:solidFill>
-                  <a:schemeClr val="tx1"/>
-                </a:solidFill>
-                <a:latin typeface="Times New Roman" panose="02020603050405020304" pitchFamily="18" charset="0"/>
-                <a:cs typeface="Times New Roman" panose="02020603050405020304" pitchFamily="18" charset="0"/>
-              </a:rPr>
-              <a:t>Global Healthcare Access</a:t>
-            </a:r>
-          </a:p>
-          <a:p>
-            <a:pPr marL="800100" lvl="1" indent="-342900" algn="just">
-              <a:lnSpc>
-                <a:spcPct val="100000"/>
-              </a:lnSpc>
-              <a:buFont typeface="Arial" panose="020B0604020202020204" pitchFamily="34" charset="0"/>
-              <a:buChar char="•"/>
-            </a:pPr>
-            <a:r>
-              <a:rPr lang="en-US" sz="2400" dirty="0">
-                <a:solidFill>
-                  <a:schemeClr val="tx1"/>
-                </a:solidFill>
-                <a:latin typeface="Times New Roman" panose="02020603050405020304" pitchFamily="18" charset="0"/>
-                <a:cs typeface="Times New Roman" panose="02020603050405020304" pitchFamily="18" charset="0"/>
-              </a:rPr>
-              <a:t>Decentralized Healthcare</a:t>
-            </a:r>
-          </a:p>
-          <a:p>
-            <a:pPr marL="800100" lvl="1" indent="-342900" algn="just">
-              <a:lnSpc>
-                <a:spcPct val="100000"/>
-              </a:lnSpc>
-              <a:buFont typeface="Arial" panose="020B0604020202020204" pitchFamily="34" charset="0"/>
-              <a:buChar char="•"/>
-            </a:pPr>
-            <a:r>
-              <a:rPr lang="en-US" sz="2400" dirty="0">
-                <a:solidFill>
-                  <a:schemeClr val="tx1"/>
-                </a:solidFill>
-                <a:latin typeface="Times New Roman" panose="02020603050405020304" pitchFamily="18" charset="0"/>
-                <a:cs typeface="Times New Roman" panose="02020603050405020304" pitchFamily="18" charset="0"/>
-              </a:rPr>
-              <a:t>Advancements in Connectivity</a:t>
-            </a:r>
-          </a:p>
-        </p:txBody>
-      </p:sp>
-      <p:sp>
-        <p:nvSpPr>
-          <p:cNvPr id="6" name="Slide Number Placeholder 5"/>
-          <p:cNvSpPr>
-            <a:spLocks noGrp="1"/>
-          </p:cNvSpPr>
-          <p:nvPr>
-            <p:ph type="sldNum" sz="quarter" idx="12"/>
-          </p:nvPr>
-        </p:nvSpPr>
-        <p:spPr/>
-        <p:txBody>
-          <a:bodyPr/>
-          <a:lstStyle/>
-          <a:p>
-            <a:fld id="{E97799C9-84D9-46D2-A11E-BCF8A720529D}" type="slidenum">
-              <a:rPr lang="en-US" smtClean="0"/>
-              <a:t>11</a:t>
-            </a:fld>
-            <a:endParaRPr lang="en-US" dirty="0"/>
+                <a:latin typeface="Times New Roman" panose="02020603050405020304" pitchFamily="18" charset="0"/>
+                <a:cs typeface="Times New Roman" panose="02020603050405020304" pitchFamily="18" charset="0"/>
+              </a:rPr>
+              <a:t>The metaverse can revolutionize healthcare with VR, AR, AI, and blockchain, improving accessibility, patient control, and medical training. It enables remote care and virtual simulations for doctors, but challenges like data privacy and access need to be addressed. Future advancements may include virtual health assistants and better global healthcare.</a:t>
+            </a:r>
           </a:p>
         </p:txBody>
       </p:sp>
@@ -4958,7 +7386,7 @@
 </p:sld>
 </file>
 
-<file path=ppt/slides/slide12.xml><?xml version="1.0" encoding="utf-8"?>
+<file path=ppt/slides/slide17.xml><?xml version="1.0" encoding="utf-8"?>
 <p:sld xmlns:a="http://schemas.openxmlformats.org/drawingml/2006/main" xmlns:r="http://schemas.openxmlformats.org/officeDocument/2006/relationships" xmlns:p="http://schemas.openxmlformats.org/presentationml/2006/main">
   <p:cSld>
     <p:spTree>
@@ -4985,12 +7413,7 @@
             <p:ph type="title"/>
           </p:nvPr>
         </p:nvSpPr>
-        <p:spPr>
-          <a:xfrm>
-            <a:off x="1097280" y="235803"/>
-            <a:ext cx="10058400" cy="1450757"/>
-          </a:xfrm>
-        </p:spPr>
+        <p:spPr/>
         <p:txBody>
           <a:bodyPr>
             <a:normAutofit/>
@@ -5006,7 +7429,7 @@
                 <a:latin typeface="Times New Roman" panose="02020603050405020304" pitchFamily="18" charset="0"/>
                 <a:cs typeface="Times New Roman" panose="02020603050405020304" pitchFamily="18" charset="0"/>
               </a:rPr>
-              <a:t>References</a:t>
+              <a:t>Conclusion</a:t>
             </a:r>
           </a:p>
         </p:txBody>
@@ -5023,8 +7446,8 @@
         </p:nvSpPr>
         <p:spPr>
           <a:xfrm>
-            <a:off x="1097280" y="1798320"/>
-            <a:ext cx="10115203" cy="4429760"/>
+            <a:off x="1097280" y="1723813"/>
+            <a:ext cx="10114915" cy="4614051"/>
           </a:xfrm>
         </p:spPr>
         <p:txBody>
@@ -5033,148 +7456,139 @@
           </a:bodyPr>
           <a:lstStyle/>
           <a:p>
-            <a:pPr marL="0" indent="0" algn="just">
-              <a:lnSpc>
-                <a:spcPct val="100000"/>
-              </a:lnSpc>
-              <a:buFont typeface="+mj-lt"/>
-              <a:buNone/>
+            <a:pPr algn="just">
+              <a:buFont typeface="Wingdings" panose="05000000000000000000" pitchFamily="2" charset="2"/>
+              <a:buChar char="§"/>
             </a:pPr>
             <a:r>
-              <a:rPr lang="en-US" altLang="en-IN" dirty="0">
+              <a:rPr lang="en-US" sz="2400" dirty="0">
                 <a:solidFill>
                   <a:schemeClr val="tx1"/>
                 </a:solidFill>
                 <a:latin typeface="Times New Roman" panose="02020603050405020304" pitchFamily="18" charset="0"/>
                 <a:cs typeface="Times New Roman" panose="02020603050405020304" pitchFamily="18" charset="0"/>
               </a:rPr>
-              <a:t>[1] Lu C, Yang M, Li M, Li Y, Wu F-X, Wang J. Predicting Human lncRNA-Disease Associations Based on Geometric Matrix Completion. IEEE J Biomed Health Informatics.2020;24(8):2420-2429. </a:t>
-            </a:r>
-            <a:r>
-              <a:rPr lang="en-US" altLang="en-IN" dirty="0">
+              <a:t> </a:t>
+            </a:r>
+            <a:r>
+              <a:rPr lang="en-US" sz="2400" dirty="0">
+                <a:latin typeface="Times New Roman" panose="02020603050405020304" pitchFamily="18" charset="0"/>
+                <a:cs typeface="Times New Roman" panose="02020603050405020304" pitchFamily="18" charset="0"/>
+              </a:rPr>
+              <a:t>Healthcare in the metaverse uses VR, AR, AI, and blockchain to improve patient care, medical training, and virtual doctor visits. While it shows great potential, challenges like data privacy, regulations, and access need to be addressed.</a:t>
+            </a:r>
+          </a:p>
+          <a:p>
+            <a:pPr algn="just">
+              <a:buFont typeface="Wingdings" panose="05000000000000000000" pitchFamily="2" charset="2"/>
+              <a:buChar char="§"/>
+            </a:pPr>
+            <a:r>
+              <a:rPr lang="en-IN" sz="2400" b="1" dirty="0">
                 <a:solidFill>
                   <a:schemeClr val="tx1"/>
                 </a:solidFill>
                 <a:latin typeface="Times New Roman" panose="02020603050405020304" pitchFamily="18" charset="0"/>
                 <a:cs typeface="Times New Roman" panose="02020603050405020304" pitchFamily="18" charset="0"/>
-                <a:hlinkClick r:id="rId2">
-                  <a:extLst>
-                    <a:ext uri="{A12FA001-AC4F-418D-AE19-62706E023703}">
-                      <ahyp:hlinkClr xmlns:ahyp="http://schemas.microsoft.com/office/drawing/2018/hyperlinkcolor" val="tx"/>
-                    </a:ext>
-                  </a:extLst>
-                </a:hlinkClick>
-              </a:rPr>
-              <a:t>https://doi.org/10.1109/JBHI.2019.2958389</a:t>
-            </a:r>
-            <a:endParaRPr lang="en-US" altLang="en-IN" dirty="0">
-              <a:solidFill>
-                <a:schemeClr val="tx1"/>
-              </a:solidFill>
-              <a:latin typeface="Times New Roman" panose="02020603050405020304" pitchFamily="18" charset="0"/>
-              <a:cs typeface="Times New Roman" panose="02020603050405020304" pitchFamily="18" charset="0"/>
-            </a:endParaRPr>
-          </a:p>
-          <a:p>
-            <a:pPr marL="0" indent="0" algn="just">
-              <a:lnSpc>
-                <a:spcPct val="100000"/>
-              </a:lnSpc>
-              <a:buFont typeface="+mj-lt"/>
-              <a:buNone/>
+              </a:rPr>
+              <a:t> Future Scope:</a:t>
+            </a:r>
+          </a:p>
+          <a:p>
+            <a:pPr lvl="3" algn="just">
+              <a:buFont typeface="Wingdings" panose="05000000000000000000" pitchFamily="2" charset="2"/>
+              <a:buChar char="§"/>
             </a:pPr>
             <a:r>
-              <a:rPr lang="en-US" altLang="en-IN" dirty="0">
+              <a:rPr lang="en-US" sz="2400" dirty="0">
                 <a:solidFill>
                   <a:schemeClr val="tx1"/>
                 </a:solidFill>
                 <a:latin typeface="Times New Roman" panose="02020603050405020304" pitchFamily="18" charset="0"/>
                 <a:cs typeface="Times New Roman" panose="02020603050405020304" pitchFamily="18" charset="0"/>
               </a:rPr>
-              <a:t>[2] Li G, Luo J, Xiao Q, Liang C, Ding P, Cao B. Predicting MicroRNA-Disease Associations Using Network Topological Similarity Based on Deep Walk. IEEE Access. 2017;5:24032–24039. </a:t>
-            </a:r>
-            <a:r>
-              <a:rPr lang="en-US" altLang="en-IN" dirty="0">
+              <a:t>AI health assistants</a:t>
+            </a:r>
+          </a:p>
+          <a:p>
+            <a:pPr lvl="3" algn="just">
+              <a:buFont typeface="Wingdings" panose="05000000000000000000" pitchFamily="2" charset="2"/>
+              <a:buChar char="§"/>
+            </a:pPr>
+            <a:r>
+              <a:rPr lang="en-US" sz="2400" dirty="0">
                 <a:solidFill>
                   <a:schemeClr val="tx1"/>
                 </a:solidFill>
                 <a:latin typeface="Times New Roman" panose="02020603050405020304" pitchFamily="18" charset="0"/>
                 <a:cs typeface="Times New Roman" panose="02020603050405020304" pitchFamily="18" charset="0"/>
-                <a:hlinkClick r:id="rId3">
-                  <a:extLst>
-                    <a:ext uri="{A12FA001-AC4F-418D-AE19-62706E023703}">
-                      <ahyp:hlinkClr xmlns:ahyp="http://schemas.microsoft.com/office/drawing/2018/hyperlinkcolor" val="tx"/>
-                    </a:ext>
-                  </a:extLst>
-                </a:hlinkClick>
-              </a:rPr>
-              <a:t>https://doi.org/10.1109/ACCESS.2017.2766758</a:t>
-            </a:r>
-            <a:r>
-              <a:rPr lang="en-US" altLang="en-IN" dirty="0">
+              </a:rPr>
+              <a:t>Virtual rehabilitation programs</a:t>
+            </a:r>
+          </a:p>
+          <a:p>
+            <a:pPr lvl="3" algn="just">
+              <a:buFont typeface="Wingdings" panose="05000000000000000000" pitchFamily="2" charset="2"/>
+              <a:buChar char="§"/>
+            </a:pPr>
+            <a:r>
+              <a:rPr lang="en-US" sz="2400" dirty="0">
                 <a:solidFill>
                   <a:schemeClr val="tx1"/>
                 </a:solidFill>
                 <a:latin typeface="Times New Roman" panose="02020603050405020304" pitchFamily="18" charset="0"/>
                 <a:cs typeface="Times New Roman" panose="02020603050405020304" pitchFamily="18" charset="0"/>
               </a:rPr>
-              <a:t>.</a:t>
-            </a:r>
-          </a:p>
-          <a:p>
-            <a:pPr marL="0" indent="0" algn="just">
-              <a:lnSpc>
-                <a:spcPct val="100000"/>
-              </a:lnSpc>
-              <a:buFont typeface="+mj-lt"/>
-              <a:buNone/>
+              <a:t>Wearable tech</a:t>
+            </a:r>
+          </a:p>
+          <a:p>
+            <a:pPr lvl="3" algn="just">
+              <a:buFont typeface="Wingdings" panose="05000000000000000000" pitchFamily="2" charset="2"/>
+              <a:buChar char="§"/>
             </a:pPr>
             <a:r>
-              <a:rPr lang="en-US" altLang="en-IN" dirty="0">
+              <a:rPr lang="en-US" sz="2400" dirty="0">
                 <a:solidFill>
                   <a:schemeClr val="tx1"/>
                 </a:solidFill>
                 <a:latin typeface="Times New Roman" panose="02020603050405020304" pitchFamily="18" charset="0"/>
                 <a:cs typeface="Times New Roman" panose="02020603050405020304" pitchFamily="18" charset="0"/>
               </a:rPr>
-              <a:t>[3] Wickrama Singh N, Jayaraman PP, Zelcer J, Furkan ARM, Ulapane N, Kaul R, Vaughan S. A vision for leveraging the concept of digital twins to support the provision of personalized cancer care. IEEE Internet Compute. 2021;26:17–24.</a:t>
-            </a:r>
-          </a:p>
-          <a:p>
-            <a:pPr marL="0" indent="0" algn="just">
-              <a:lnSpc>
-                <a:spcPct val="100000"/>
-              </a:lnSpc>
-              <a:buFont typeface="+mj-lt"/>
-              <a:buNone/>
+              <a:t>Global healthcare access</a:t>
+            </a:r>
+          </a:p>
+          <a:p>
+            <a:pPr lvl="3" algn="just">
+              <a:buFont typeface="Wingdings" panose="05000000000000000000" pitchFamily="2" charset="2"/>
+              <a:buChar char="§"/>
             </a:pPr>
             <a:r>
-              <a:rPr lang="en-US" altLang="en-IN" dirty="0">
+              <a:rPr lang="en-US" sz="2400" dirty="0">
                 <a:solidFill>
                   <a:schemeClr val="tx1"/>
                 </a:solidFill>
                 <a:latin typeface="Times New Roman" panose="02020603050405020304" pitchFamily="18" charset="0"/>
                 <a:cs typeface="Times New Roman" panose="02020603050405020304" pitchFamily="18" charset="0"/>
               </a:rPr>
-              <a:t>[4] </a:t>
-            </a:r>
-            <a:r>
-              <a:rPr lang="en-US" altLang="en-IN" sz="2000" dirty="0">
+              <a:t>Decentralized healthcare</a:t>
+            </a:r>
+          </a:p>
+          <a:p>
+            <a:pPr lvl="3" algn="just">
+              <a:buFont typeface="Wingdings" panose="05000000000000000000" pitchFamily="2" charset="2"/>
+              <a:buChar char="§"/>
+            </a:pPr>
+            <a:r>
+              <a:rPr lang="en-US" sz="2400" dirty="0">
                 <a:solidFill>
                   <a:schemeClr val="tx1"/>
                 </a:solidFill>
                 <a:latin typeface="Times New Roman" panose="02020603050405020304" pitchFamily="18" charset="0"/>
                 <a:cs typeface="Times New Roman" panose="02020603050405020304" pitchFamily="18" charset="0"/>
               </a:rPr>
-              <a:t>Zhang, G., Dai, Y., Wu, J. et al. Swarm Learning-based Secure and Fair Model Sharing For Metaverse Healthcare. Mobile Net Appl 28, 1498–1509 (2023). https://doi.org/10.1007/s11036-023-02236-1.</a:t>
-            </a:r>
-            <a:endParaRPr lang="en-US" altLang="en-IN" dirty="0">
-              <a:solidFill>
-                <a:schemeClr val="tx1"/>
-              </a:solidFill>
-              <a:latin typeface="Times New Roman" panose="02020603050405020304" pitchFamily="18" charset="0"/>
-              <a:cs typeface="Times New Roman" panose="02020603050405020304" pitchFamily="18" charset="0"/>
-            </a:endParaRPr>
+              <a:t>Better connectivity</a:t>
+            </a:r>
           </a:p>
         </p:txBody>
       </p:sp>
@@ -5195,7 +7609,7 @@
           <a:p>
             <a:fld id="{E97799C9-84D9-46D2-A11E-BCF8A720529D}" type="slidenum">
               <a:rPr lang="en-US" smtClean="0"/>
-              <a:t>12</a:t>
+              <a:t>17</a:t>
             </a:fld>
             <a:endParaRPr lang="en-US" dirty="0"/>
           </a:p>
@@ -5209,7 +7623,7 @@
 </p:sld>
 </file>
 
-<file path=ppt/slides/slide13.xml><?xml version="1.0" encoding="utf-8"?>
+<file path=ppt/slides/slide18.xml><?xml version="1.0" encoding="utf-8"?>
 <p:sld xmlns:a="http://schemas.openxmlformats.org/drawingml/2006/main" xmlns:r="http://schemas.openxmlformats.org/officeDocument/2006/relationships" xmlns:p="http://schemas.openxmlformats.org/presentationml/2006/main">
   <p:cSld>
     <p:spTree>
@@ -5236,7 +7650,12 @@
             <p:ph type="title"/>
           </p:nvPr>
         </p:nvSpPr>
-        <p:spPr/>
+        <p:spPr>
+          <a:xfrm>
+            <a:off x="1097280" y="235803"/>
+            <a:ext cx="10058400" cy="1450757"/>
+          </a:xfrm>
+        </p:spPr>
         <p:txBody>
           <a:bodyPr>
             <a:normAutofit/>
@@ -5245,7 +7664,7 @@
           <a:p>
             <a:pPr algn="ctr"/>
             <a:r>
-              <a:rPr lang="en-US" sz="3600" b="1" dirty="0">
+              <a:rPr lang="en-IN" sz="3600" b="1" dirty="0">
                 <a:solidFill>
                   <a:schemeClr val="tx1"/>
                 </a:solidFill>
@@ -5267,44 +7686,142 @@
             <p:ph idx="1"/>
           </p:nvPr>
         </p:nvSpPr>
-        <p:spPr/>
+        <p:spPr>
+          <a:xfrm>
+            <a:off x="1097280" y="1717040"/>
+            <a:ext cx="10115203" cy="4429760"/>
+          </a:xfrm>
+        </p:spPr>
         <p:txBody>
           <a:bodyPr>
             <a:noAutofit/>
           </a:bodyPr>
           <a:lstStyle/>
           <a:p>
-            <a:pPr algn="just">
+            <a:pPr marL="0" indent="0" algn="just">
               <a:lnSpc>
                 <a:spcPct val="100000"/>
               </a:lnSpc>
+              <a:buFont typeface="+mj-lt"/>
+              <a:buNone/>
             </a:pPr>
             <a:r>
-              <a:rPr lang="en-US" sz="2400" dirty="0">
+              <a:rPr lang="en-US" altLang="en-IN" sz="2200" dirty="0">
                 <a:solidFill>
                   <a:schemeClr val="tx1"/>
                 </a:solidFill>
                 <a:latin typeface="Times New Roman" panose="02020603050405020304" pitchFamily="18" charset="0"/>
                 <a:cs typeface="Times New Roman" panose="02020603050405020304" pitchFamily="18" charset="0"/>
               </a:rPr>
-              <a:t>[5] W. López-Ojeda, R.A. Hurley The medical Metaverse, part 1: introduction, definitions, and new horizons for neuropsychiatry J. Neuropsychiatry Clin. Neurosis., 35 (1) (2023).</a:t>
-            </a:r>
-          </a:p>
-          <a:p>
-            <a:pPr algn="just">
+              <a:t>[1] Lu C, Yang M, Li M, Li Y, Wu F-X, Wang J. Predicting Human lncRNA-Disease Associations Based on Geometric Matrix Completion. IEEE J Biomed Health Informatics.2020;24(8):2420-2429. </a:t>
+            </a:r>
+            <a:r>
+              <a:rPr lang="en-US" altLang="en-IN" sz="2200" dirty="0">
+                <a:solidFill>
+                  <a:schemeClr val="tx1"/>
+                </a:solidFill>
+                <a:latin typeface="Times New Roman" panose="02020603050405020304" pitchFamily="18" charset="0"/>
+                <a:cs typeface="Times New Roman" panose="02020603050405020304" pitchFamily="18" charset="0"/>
+                <a:hlinkClick r:id="rId2">
+                  <a:extLst>
+                    <a:ext uri="{A12FA001-AC4F-418D-AE19-62706E023703}">
+                      <ahyp:hlinkClr xmlns:ahyp="http://schemas.microsoft.com/office/drawing/2018/hyperlinkcolor" val="tx"/>
+                    </a:ext>
+                  </a:extLst>
+                </a:hlinkClick>
+              </a:rPr>
+              <a:t>https://doi.org/10.1109/JBHI.2019.2958389</a:t>
+            </a:r>
+            <a:endParaRPr lang="en-US" altLang="en-IN" sz="2200" dirty="0">
+              <a:solidFill>
+                <a:schemeClr val="tx1"/>
+              </a:solidFill>
+              <a:latin typeface="Times New Roman" panose="02020603050405020304" pitchFamily="18" charset="0"/>
+              <a:cs typeface="Times New Roman" panose="02020603050405020304" pitchFamily="18" charset="0"/>
+            </a:endParaRPr>
+          </a:p>
+          <a:p>
+            <a:pPr marL="0" indent="0" algn="just">
               <a:lnSpc>
                 <a:spcPct val="100000"/>
               </a:lnSpc>
+              <a:buFont typeface="+mj-lt"/>
+              <a:buNone/>
             </a:pPr>
             <a:r>
-              <a:rPr lang="en-US" sz="2400" dirty="0">
+              <a:rPr lang="en-US" altLang="en-IN" sz="2200" dirty="0">
                 <a:solidFill>
                   <a:schemeClr val="tx1"/>
                 </a:solidFill>
                 <a:latin typeface="Times New Roman" panose="02020603050405020304" pitchFamily="18" charset="0"/>
                 <a:cs typeface="Times New Roman" panose="02020603050405020304" pitchFamily="18" charset="0"/>
               </a:rPr>
-              <a:t>[6] S. Ali, Abdullah, T.P.T. Armand, et al. Metaverse in healthcare integrated with explainable ai and blockchain: enabling immersive Ness, ensuring trust, and providing patient data security Sensors, 23 (2) (2023), p. 565.</a:t>
+              <a:t>[2] Li G, Luo J, Xiao Q, Liang C, Ding P, Cao B. Predicting MicroRNA-Disease Associations Using Network Topological Similarity Based on Deep Walk. IEEE Access. 2017;5:24032–24039. </a:t>
+            </a:r>
+            <a:r>
+              <a:rPr lang="en-US" altLang="en-IN" sz="2200" dirty="0">
+                <a:solidFill>
+                  <a:schemeClr val="tx1"/>
+                </a:solidFill>
+                <a:latin typeface="Times New Roman" panose="02020603050405020304" pitchFamily="18" charset="0"/>
+                <a:cs typeface="Times New Roman" panose="02020603050405020304" pitchFamily="18" charset="0"/>
+                <a:hlinkClick r:id="rId3">
+                  <a:extLst>
+                    <a:ext uri="{A12FA001-AC4F-418D-AE19-62706E023703}">
+                      <ahyp:hlinkClr xmlns:ahyp="http://schemas.microsoft.com/office/drawing/2018/hyperlinkcolor" val="tx"/>
+                    </a:ext>
+                  </a:extLst>
+                </a:hlinkClick>
+              </a:rPr>
+              <a:t>https://doi.org/10.1109/ACCESS.2017.2766758</a:t>
+            </a:r>
+            <a:r>
+              <a:rPr lang="en-US" altLang="en-IN" sz="2200" dirty="0">
+                <a:solidFill>
+                  <a:schemeClr val="tx1"/>
+                </a:solidFill>
+                <a:latin typeface="Times New Roman" panose="02020603050405020304" pitchFamily="18" charset="0"/>
+                <a:cs typeface="Times New Roman" panose="02020603050405020304" pitchFamily="18" charset="0"/>
+              </a:rPr>
+              <a:t>.</a:t>
+            </a:r>
+          </a:p>
+          <a:p>
+            <a:pPr marL="0" indent="0" algn="just">
+              <a:lnSpc>
+                <a:spcPct val="100000"/>
+              </a:lnSpc>
+              <a:buFont typeface="+mj-lt"/>
+              <a:buNone/>
+            </a:pPr>
+            <a:r>
+              <a:rPr lang="en-US" altLang="en-IN" sz="2200" dirty="0">
+                <a:solidFill>
+                  <a:schemeClr val="tx1"/>
+                </a:solidFill>
+                <a:latin typeface="Times New Roman" panose="02020603050405020304" pitchFamily="18" charset="0"/>
+                <a:cs typeface="Times New Roman" panose="02020603050405020304" pitchFamily="18" charset="0"/>
+              </a:rPr>
+              <a:t>[3] Wickrama Singh N, Jayaraman PP, Zelcer J, Furkan ARM, Ulapane N, Kaul R, Vaughan S. A vision for leveraging the concept of digital twins to support the provision of personalized cancer care. IEEE Internet Compute. 2021;26:17–24.</a:t>
+            </a:r>
+          </a:p>
+          <a:p>
+            <a:pPr marL="0" indent="0" algn="just">
+              <a:lnSpc>
+                <a:spcPct val="100000"/>
+              </a:lnSpc>
+              <a:buFont typeface="+mj-lt"/>
+              <a:buNone/>
+            </a:pPr>
+            <a:r>
+              <a:rPr lang="en-US" altLang="en-IN" sz="2200" dirty="0">
+                <a:solidFill>
+                  <a:schemeClr val="tx1"/>
+                </a:solidFill>
+                <a:latin typeface="Times New Roman" panose="02020603050405020304" pitchFamily="18" charset="0"/>
+                <a:cs typeface="Times New Roman" panose="02020603050405020304" pitchFamily="18" charset="0"/>
+              </a:rPr>
+              <a:t>[4] Zhang, G., Dai, Y., Wu, J. et al. Swarm Learning-based Secure and Fair Model Sharing For Metaverse Healthcare. Mobile Net Appl 28, 1498–1509 (2023). https://doi.org/10.1007/s11036-023-02236-1.</a:t>
             </a:r>
           </a:p>
         </p:txBody>
@@ -5326,7 +7843,7 @@
           <a:p>
             <a:fld id="{E97799C9-84D9-46D2-A11E-BCF8A720529D}" type="slidenum">
               <a:rPr lang="en-US" smtClean="0"/>
-              <a:t>13</a:t>
+              <a:t>18</a:t>
             </a:fld>
             <a:endParaRPr lang="en-US" dirty="0"/>
           </a:p>
@@ -5340,7 +7857,7 @@
 </p:sld>
 </file>
 
-<file path=ppt/slides/slide14.xml><?xml version="1.0" encoding="utf-8"?>
+<file path=ppt/slides/slide19.xml><?xml version="1.0" encoding="utf-8"?>
 <p:sld xmlns:a="http://schemas.openxmlformats.org/drawingml/2006/main" xmlns:r="http://schemas.openxmlformats.org/officeDocument/2006/relationships" xmlns:p="http://schemas.openxmlformats.org/presentationml/2006/main">
   <p:cSld>
     <p:spTree>
@@ -5359,6 +7876,89 @@
       </p:grpSpPr>
       <p:sp>
         <p:nvSpPr>
+          <p:cNvPr id="2" name="Title 1"/>
+          <p:cNvSpPr>
+            <a:spLocks noGrp="1"/>
+          </p:cNvSpPr>
+          <p:nvPr>
+            <p:ph type="title"/>
+          </p:nvPr>
+        </p:nvSpPr>
+        <p:spPr/>
+        <p:txBody>
+          <a:bodyPr>
+            <a:normAutofit/>
+          </a:bodyPr>
+          <a:lstStyle/>
+          <a:p>
+            <a:pPr algn="ctr"/>
+            <a:r>
+              <a:rPr lang="en-US" sz="3600" b="1" dirty="0">
+                <a:solidFill>
+                  <a:schemeClr val="tx1"/>
+                </a:solidFill>
+                <a:latin typeface="Times New Roman" panose="02020603050405020304" pitchFamily="18" charset="0"/>
+                <a:cs typeface="Times New Roman" panose="02020603050405020304" pitchFamily="18" charset="0"/>
+              </a:rPr>
+              <a:t>References</a:t>
+            </a:r>
+          </a:p>
+        </p:txBody>
+      </p:sp>
+      <p:sp>
+        <p:nvSpPr>
+          <p:cNvPr id="3" name="Content Placeholder 2"/>
+          <p:cNvSpPr>
+            <a:spLocks noGrp="1"/>
+          </p:cNvSpPr>
+          <p:nvPr>
+            <p:ph idx="1"/>
+          </p:nvPr>
+        </p:nvSpPr>
+        <p:spPr/>
+        <p:txBody>
+          <a:bodyPr>
+            <a:noAutofit/>
+          </a:bodyPr>
+          <a:lstStyle/>
+          <a:p>
+            <a:pPr algn="just">
+              <a:lnSpc>
+                <a:spcPct val="100000"/>
+              </a:lnSpc>
+            </a:pPr>
+            <a:r>
+              <a:rPr lang="en-US" sz="2200" dirty="0">
+                <a:solidFill>
+                  <a:schemeClr val="tx1"/>
+                </a:solidFill>
+                <a:latin typeface="Times New Roman" panose="02020603050405020304" pitchFamily="18" charset="0"/>
+                <a:cs typeface="Times New Roman" panose="02020603050405020304" pitchFamily="18" charset="0"/>
+              </a:rPr>
+              <a:t>[5] W. López-Ojeda, R.A. Hurley The medical Metaverse, part 1: introduction, definitions, and new horizons for neuropsychiatry J. Neuropsychiatry Clin. Neurosis., 35 (1) (2023).</a:t>
+            </a:r>
+          </a:p>
+          <a:p>
+            <a:pPr algn="just">
+              <a:lnSpc>
+                <a:spcPct val="100000"/>
+              </a:lnSpc>
+            </a:pPr>
+            <a:r>
+              <a:rPr lang="en-US" sz="2200" dirty="0">
+                <a:solidFill>
+                  <a:schemeClr val="tx1"/>
+                </a:solidFill>
+                <a:latin typeface="Times New Roman" panose="02020603050405020304" pitchFamily="18" charset="0"/>
+                <a:cs typeface="Times New Roman" panose="02020603050405020304" pitchFamily="18" charset="0"/>
+              </a:rPr>
+              <a:t>[6] S. Ali, Abdullah, T.P.T. Armand, et al. Metaverse in healthcare integrated with explainable ai and blockchain: enabling immersive Ness, ensuring trust, and providing patient data security Sensors, 23 (2) (2023), p. 565.</a:t>
+            </a:r>
+          </a:p>
+        </p:txBody>
+      </p:sp>
+      <p:sp>
+        <p:nvSpPr>
           <p:cNvPr id="6" name="Slide Number Placeholder 5"/>
           <p:cNvSpPr>
             <a:spLocks noGrp="1"/>
@@ -5374,41 +7974,9 @@
           <a:p>
             <a:fld id="{E97799C9-84D9-46D2-A11E-BCF8A720529D}" type="slidenum">
               <a:rPr lang="en-US" smtClean="0"/>
-              <a:t>14</a:t>
+              <a:t>19</a:t>
             </a:fld>
             <a:endParaRPr lang="en-US" dirty="0"/>
-          </a:p>
-        </p:txBody>
-      </p:sp>
-      <p:sp>
-        <p:nvSpPr>
-          <p:cNvPr id="7" name="TextBox 6"/>
-          <p:cNvSpPr txBox="1"/>
-          <p:nvPr/>
-        </p:nvSpPr>
-        <p:spPr>
-          <a:xfrm>
-            <a:off x="4141694" y="2598003"/>
-            <a:ext cx="2904565" cy="830997"/>
-          </a:xfrm>
-          <a:prstGeom prst="rect">
-            <a:avLst/>
-          </a:prstGeom>
-          <a:noFill/>
-        </p:spPr>
-        <p:txBody>
-          <a:bodyPr wrap="square" rtlCol="0">
-            <a:spAutoFit/>
-          </a:bodyPr>
-          <a:lstStyle/>
-          <a:p>
-            <a:r>
-              <a:rPr lang="en-IN" sz="4800" dirty="0">
-                <a:latin typeface="Times New Roman" panose="02020603050405020304" pitchFamily="18" charset="0"/>
-                <a:cs typeface="Times New Roman" panose="02020603050405020304" pitchFamily="18" charset="0"/>
-              </a:rPr>
-              <a:t>Thank You</a:t>
-            </a:r>
           </a:p>
         </p:txBody>
       </p:sp>
@@ -5480,7 +8048,7 @@
         </p:nvSpPr>
         <p:spPr>
           <a:xfrm>
-            <a:off x="1097280" y="1882140"/>
+            <a:off x="1097280" y="1729740"/>
             <a:ext cx="9601200" cy="4001770"/>
           </a:xfrm>
         </p:spPr>
@@ -5491,36 +8059,42 @@
           <a:lstStyle/>
           <a:p>
             <a:pPr>
+              <a:lnSpc>
+                <a:spcPct val="100000"/>
+              </a:lnSpc>
               <a:buFont typeface="Wingdings" panose="05000000000000000000" pitchFamily="2" charset="2"/>
               <a:buChar char="Ø"/>
             </a:pPr>
             <a:r>
-              <a:rPr lang="en-US" altLang="en-IN" sz="2400" dirty="0">
+              <a:rPr lang="en-US" altLang="en-IN" sz="2200" dirty="0">
                 <a:solidFill>
                   <a:schemeClr val="tx1"/>
                 </a:solidFill>
                 <a:latin typeface="Times New Roman" panose="02020603050405020304" pitchFamily="18" charset="0"/>
                 <a:cs typeface="Times New Roman" panose="02020603050405020304" pitchFamily="18" charset="0"/>
               </a:rPr>
-              <a:t>Abstract</a:t>
+              <a:t> Abstract</a:t>
             </a:r>
           </a:p>
           <a:p>
             <a:pPr>
+              <a:lnSpc>
+                <a:spcPct val="100000"/>
+              </a:lnSpc>
               <a:buFont typeface="Wingdings" panose="05000000000000000000" pitchFamily="2" charset="2"/>
               <a:buChar char="Ø"/>
             </a:pPr>
             <a:r>
-              <a:rPr lang="en-US" altLang="en-IN" sz="2400" dirty="0">
+              <a:rPr lang="en-US" altLang="en-IN" sz="2200" dirty="0">
                 <a:solidFill>
                   <a:schemeClr val="tx1"/>
                 </a:solidFill>
                 <a:latin typeface="Times New Roman" panose="02020603050405020304" pitchFamily="18" charset="0"/>
                 <a:cs typeface="Times New Roman" panose="02020603050405020304" pitchFamily="18" charset="0"/>
               </a:rPr>
-              <a:t>Introduction</a:t>
-            </a:r>
-            <a:endParaRPr lang="en-IN" sz="2400" dirty="0">
+              <a:t> Introduction</a:t>
+            </a:r>
+            <a:endParaRPr lang="en-IN" sz="2200" dirty="0">
               <a:solidFill>
                 <a:schemeClr val="tx1"/>
               </a:solidFill>
@@ -5530,11 +8104,14 @@
           </a:p>
           <a:p>
             <a:pPr>
+              <a:lnSpc>
+                <a:spcPct val="100000"/>
+              </a:lnSpc>
               <a:buFont typeface="Wingdings" panose="05000000000000000000" pitchFamily="2" charset="2"/>
               <a:buChar char="Ø"/>
             </a:pPr>
             <a:r>
-              <a:rPr lang="en-US" altLang="en-IN" sz="2400" dirty="0">
+              <a:rPr lang="en-US" altLang="en-IN" sz="2200" dirty="0">
                 <a:solidFill>
                   <a:schemeClr val="tx1"/>
                 </a:solidFill>
@@ -5542,9 +8119,9 @@
                 <a:cs typeface="Times New Roman" panose="02020603050405020304" pitchFamily="18" charset="0"/>
                 <a:sym typeface="+mn-ea"/>
               </a:rPr>
-              <a:t>Literature Survey</a:t>
-            </a:r>
-            <a:endParaRPr lang="en-IN" sz="2400" dirty="0">
+              <a:t> Literature Survey</a:t>
+            </a:r>
+            <a:endParaRPr lang="en-IN" sz="2200" dirty="0">
               <a:solidFill>
                 <a:schemeClr val="tx1"/>
               </a:solidFill>
@@ -5554,52 +8131,80 @@
           </a:p>
           <a:p>
             <a:pPr>
+              <a:lnSpc>
+                <a:spcPct val="100000"/>
+              </a:lnSpc>
               <a:buFont typeface="Wingdings" panose="05000000000000000000" pitchFamily="2" charset="2"/>
               <a:buChar char="Ø"/>
             </a:pPr>
             <a:r>
-              <a:rPr lang="en-US" altLang="en-IN" sz="2400" dirty="0">
+              <a:rPr lang="en-US" altLang="en-IN" sz="2200" dirty="0">
                 <a:solidFill>
                   <a:schemeClr val="tx1"/>
                 </a:solidFill>
                 <a:latin typeface="Times New Roman" panose="02020603050405020304" pitchFamily="18" charset="0"/>
                 <a:cs typeface="Times New Roman" panose="02020603050405020304" pitchFamily="18" charset="0"/>
               </a:rPr>
-              <a:t>Objective</a:t>
+              <a:t> Objective</a:t>
             </a:r>
           </a:p>
           <a:p>
             <a:pPr>
+              <a:lnSpc>
+                <a:spcPct val="100000"/>
+              </a:lnSpc>
               <a:buFont typeface="Wingdings" panose="05000000000000000000" pitchFamily="2" charset="2"/>
               <a:buChar char="Ø"/>
             </a:pPr>
             <a:r>
-              <a:rPr lang="en-US" altLang="en-IN" sz="2400" dirty="0">
+              <a:rPr lang="en-US" altLang="en-IN" sz="2200" dirty="0">
                 <a:solidFill>
                   <a:schemeClr val="tx1"/>
                 </a:solidFill>
                 <a:latin typeface="Times New Roman" panose="02020603050405020304" pitchFamily="18" charset="0"/>
                 <a:cs typeface="Times New Roman" panose="02020603050405020304" pitchFamily="18" charset="0"/>
               </a:rPr>
-              <a:t>Methodology</a:t>
+              <a:t> Methodology</a:t>
             </a:r>
           </a:p>
           <a:p>
             <a:pPr>
+              <a:lnSpc>
+                <a:spcPct val="100000"/>
+              </a:lnSpc>
               <a:buFont typeface="Wingdings" panose="05000000000000000000" pitchFamily="2" charset="2"/>
               <a:buChar char="Ø"/>
             </a:pPr>
             <a:r>
-              <a:rPr lang="en-US" altLang="en-IN" sz="2400" dirty="0">
+              <a:rPr lang="en-US" altLang="en-IN" sz="2200" dirty="0">
                 <a:solidFill>
                   <a:schemeClr val="tx1"/>
                 </a:solidFill>
                 <a:latin typeface="Times New Roman" panose="02020603050405020304" pitchFamily="18" charset="0"/>
                 <a:cs typeface="Times New Roman" panose="02020603050405020304" pitchFamily="18" charset="0"/>
               </a:rPr>
-              <a:t>Discussion</a:t>
-            </a:r>
-            <a:endParaRPr lang="en-IN" sz="2400" dirty="0">
+              <a:t> Models</a:t>
+            </a:r>
+          </a:p>
+          <a:p>
+            <a:pPr>
+              <a:lnSpc>
+                <a:spcPct val="100000"/>
+              </a:lnSpc>
+              <a:buFont typeface="Wingdings" panose="05000000000000000000" pitchFamily="2" charset="2"/>
+              <a:buChar char="Ø"/>
+            </a:pPr>
+            <a:r>
+              <a:rPr lang="en-US" altLang="en-IN" sz="2200" dirty="0">
+                <a:solidFill>
+                  <a:schemeClr val="tx1"/>
+                </a:solidFill>
+                <a:latin typeface="Times New Roman" panose="02020603050405020304" pitchFamily="18" charset="0"/>
+                <a:cs typeface="Times New Roman" panose="02020603050405020304" pitchFamily="18" charset="0"/>
+              </a:rPr>
+              <a:t> Discussion</a:t>
+            </a:r>
+            <a:endParaRPr lang="en-IN" sz="2200" dirty="0">
               <a:solidFill>
                 <a:schemeClr val="tx1"/>
               </a:solidFill>
@@ -5609,34 +8214,40 @@
           </a:p>
           <a:p>
             <a:pPr>
+              <a:lnSpc>
+                <a:spcPct val="100000"/>
+              </a:lnSpc>
               <a:buFont typeface="Wingdings" panose="05000000000000000000" pitchFamily="2" charset="2"/>
               <a:buChar char="Ø"/>
             </a:pPr>
             <a:r>
-              <a:rPr lang="en-IN" sz="2400" dirty="0">
+              <a:rPr lang="en-IN" sz="2200" dirty="0">
                 <a:solidFill>
                   <a:schemeClr val="tx1"/>
                 </a:solidFill>
                 <a:latin typeface="Times New Roman" panose="02020603050405020304" pitchFamily="18" charset="0"/>
                 <a:cs typeface="Times New Roman" panose="02020603050405020304" pitchFamily="18" charset="0"/>
               </a:rPr>
-              <a:t>Conclusion</a:t>
+              <a:t> Conclusion</a:t>
             </a:r>
           </a:p>
           <a:p>
             <a:pPr>
+              <a:lnSpc>
+                <a:spcPct val="100000"/>
+              </a:lnSpc>
               <a:buFont typeface="Wingdings" panose="05000000000000000000" pitchFamily="2" charset="2"/>
               <a:buChar char="Ø"/>
             </a:pPr>
             <a:r>
-              <a:rPr lang="en-IN" sz="2400" dirty="0">
+              <a:rPr lang="en-IN" sz="2200" dirty="0">
                 <a:solidFill>
                   <a:schemeClr val="tx1"/>
                 </a:solidFill>
                 <a:latin typeface="Times New Roman" panose="02020603050405020304" pitchFamily="18" charset="0"/>
                 <a:cs typeface="Times New Roman" panose="02020603050405020304" pitchFamily="18" charset="0"/>
               </a:rPr>
-              <a:t>References</a:t>
+              <a:t> References</a:t>
             </a:r>
           </a:p>
         </p:txBody>
@@ -5661,6 +8272,86 @@
               <a:t>2</a:t>
             </a:fld>
             <a:endParaRPr lang="en-US" dirty="0"/>
+          </a:p>
+        </p:txBody>
+      </p:sp>
+    </p:spTree>
+  </p:cSld>
+  <p:clrMapOvr>
+    <a:masterClrMapping/>
+  </p:clrMapOvr>
+</p:sld>
+</file>
+
+<file path=ppt/slides/slide20.xml><?xml version="1.0" encoding="utf-8"?>
+<p:sld xmlns:a="http://schemas.openxmlformats.org/drawingml/2006/main" xmlns:r="http://schemas.openxmlformats.org/officeDocument/2006/relationships" xmlns:p="http://schemas.openxmlformats.org/presentationml/2006/main">
+  <p:cSld>
+    <p:spTree>
+      <p:nvGrpSpPr>
+        <p:cNvPr id="1" name=""/>
+        <p:cNvGrpSpPr/>
+        <p:nvPr/>
+      </p:nvGrpSpPr>
+      <p:grpSpPr>
+        <a:xfrm>
+          <a:off x="0" y="0"/>
+          <a:ext cx="0" cy="0"/>
+          <a:chOff x="0" y="0"/>
+          <a:chExt cx="0" cy="0"/>
+        </a:xfrm>
+      </p:grpSpPr>
+      <p:sp>
+        <p:nvSpPr>
+          <p:cNvPr id="6" name="Slide Number Placeholder 5"/>
+          <p:cNvSpPr>
+            <a:spLocks noGrp="1"/>
+          </p:cNvSpPr>
+          <p:nvPr>
+            <p:ph type="sldNum" sz="quarter" idx="12"/>
+          </p:nvPr>
+        </p:nvSpPr>
+        <p:spPr/>
+        <p:txBody>
+          <a:bodyPr/>
+          <a:lstStyle/>
+          <a:p>
+            <a:fld id="{E97799C9-84D9-46D2-A11E-BCF8A720529D}" type="slidenum">
+              <a:rPr lang="en-US" smtClean="0"/>
+              <a:t>20</a:t>
+            </a:fld>
+            <a:endParaRPr lang="en-US" dirty="0"/>
+          </a:p>
+        </p:txBody>
+      </p:sp>
+      <p:sp>
+        <p:nvSpPr>
+          <p:cNvPr id="7" name="TextBox 6"/>
+          <p:cNvSpPr txBox="1"/>
+          <p:nvPr/>
+        </p:nvSpPr>
+        <p:spPr>
+          <a:xfrm>
+            <a:off x="4141694" y="2598003"/>
+            <a:ext cx="2904565" cy="830997"/>
+          </a:xfrm>
+          <a:prstGeom prst="rect">
+            <a:avLst/>
+          </a:prstGeom>
+          <a:noFill/>
+        </p:spPr>
+        <p:txBody>
+          <a:bodyPr wrap="square" rtlCol="0">
+            <a:spAutoFit/>
+          </a:bodyPr>
+          <a:lstStyle/>
+          <a:p>
+            <a:r>
+              <a:rPr lang="en-IN" sz="4800" dirty="0">
+                <a:latin typeface="Times New Roman" panose="02020603050405020304" pitchFamily="18" charset="0"/>
+                <a:cs typeface="Times New Roman" panose="02020603050405020304" pitchFamily="18" charset="0"/>
+              </a:rPr>
+              <a:t>Thank You</a:t>
+            </a:r>
           </a:p>
         </p:txBody>
       </p:sp>
@@ -5744,14 +8435,18 @@
             </a:pPr>
             <a:r>
               <a:rPr lang="en-US" sz="2400" dirty="0">
-                <a:solidFill>
-                  <a:schemeClr val="tx1"/>
-                </a:solidFill>
-                <a:latin typeface="Times New Roman" panose="02020603050405020304" pitchFamily="18" charset="0"/>
-                <a:cs typeface="Times New Roman" panose="02020603050405020304" pitchFamily="18" charset="0"/>
-              </a:rPr>
-              <a:t>The metaverse is expected to change healthcare using virtual reality (VR) and augmented reality (AR) and improving patient care, medical training, and access to services. With technologies like AI, blockchain, and IoT, it enables advanced, realistic training, and new treatments. However, challenges like data privacy, rules, and equal access must be solved. In the future, we could see better diagnostics, virtual health assistants, and easier access to healthcare worldwide, creating a more connected and patient-focused system.</a:t>
-            </a:r>
+                <a:latin typeface="Times New Roman" panose="02020603050405020304" pitchFamily="18" charset="0"/>
+                <a:cs typeface="Times New Roman" panose="02020603050405020304" pitchFamily="18" charset="0"/>
+              </a:rPr>
+              <a:t>The metaverse can improve healthcare with virtual reality (VR) and augmented reality (AR). These technologies can enhance patient care, medical training, and access to services. Tools like AI, blockchain, and IoT can make training realistic and introduce new treatments. However, challenges like data privacy, regulations, and equal access need to be addressed. In the future, we might see better health diagnostics, virtual health assistants, and easier access to healthcare globally, making the system more connected and patient-focused.</a:t>
+            </a:r>
+            <a:endParaRPr lang="en-US" sz="2800" dirty="0">
+              <a:solidFill>
+                <a:schemeClr val="tx1"/>
+              </a:solidFill>
+              <a:latin typeface="Times New Roman" panose="02020603050405020304" pitchFamily="18" charset="0"/>
+              <a:cs typeface="Times New Roman" panose="02020603050405020304" pitchFamily="18" charset="0"/>
+            </a:endParaRPr>
           </a:p>
         </p:txBody>
       </p:sp>
@@ -5864,14 +8559,18 @@
             </a:pPr>
             <a:r>
               <a:rPr lang="en-US" sz="2400" dirty="0">
-                <a:solidFill>
-                  <a:schemeClr val="tx1"/>
-                </a:solidFill>
-                <a:latin typeface="Times New Roman" panose="02020603050405020304" pitchFamily="18" charset="0"/>
-                <a:cs typeface="Times New Roman" panose="02020603050405020304" pitchFamily="18" charset="0"/>
-              </a:rPr>
-              <a:t>The metaverse is set to transform healthcare by creating virtual, interactive experiences. Using augmented reality (AR) and virtual reality (VR), doctors can hold online consultations, making it easier for patients to get medical care from anywhere. In these virtual spaces, healthcare professionals can also practice their skills through realistic simulations without any risk. Additionally, virtual rehabilitation programs can offer patients personalized and engaging therapy sessions.</a:t>
-            </a:r>
+                <a:latin typeface="Times New Roman" panose="02020603050405020304" pitchFamily="18" charset="0"/>
+                <a:cs typeface="Times New Roman" panose="02020603050405020304" pitchFamily="18" charset="0"/>
+              </a:rPr>
+              <a:t>The metaverse will change healthcare by creating virtual spaces. With augmented reality (AR) and virtual reality (VR), doctors can do online checkups, making it easier for patients to get care from anywhere. Doctors and nurses can also practice their skills safely in virtual simulations. Patients can use virtual programs for personalized and fun therapy sessions.</a:t>
+            </a:r>
+            <a:endParaRPr lang="en-US" sz="2800" dirty="0">
+              <a:solidFill>
+                <a:schemeClr val="tx1"/>
+              </a:solidFill>
+              <a:latin typeface="Times New Roman" panose="02020603050405020304" pitchFamily="18" charset="0"/>
+              <a:cs typeface="Times New Roman" panose="02020603050405020304" pitchFamily="18" charset="0"/>
+            </a:endParaRPr>
           </a:p>
         </p:txBody>
       </p:sp>
@@ -5982,23 +8681,55 @@
           </a:p>
         </p:txBody>
       </p:sp>
+      <p:sp>
+        <p:nvSpPr>
+          <p:cNvPr id="4" name="Text Box 3"/>
+          <p:cNvSpPr txBox="1"/>
+          <p:nvPr/>
+        </p:nvSpPr>
+        <p:spPr>
+          <a:xfrm>
+            <a:off x="5160010" y="982980"/>
+            <a:ext cx="4064000" cy="368300"/>
+          </a:xfrm>
+          <a:prstGeom prst="rect">
+            <a:avLst/>
+          </a:prstGeom>
+          <a:noFill/>
+        </p:spPr>
+        <p:txBody>
+          <a:bodyPr wrap="square" rtlCol="0">
+            <a:spAutoFit/>
+          </a:bodyPr>
+          <a:lstStyle/>
+          <a:p>
+            <a:endParaRPr lang="en-US" dirty="0"/>
+          </a:p>
+        </p:txBody>
+      </p:sp>
       <p:graphicFrame>
         <p:nvGraphicFramePr>
-          <p:cNvPr id="7" name="Table 9"/>
+          <p:cNvPr id="5" name="Table 4">
+            <a:extLst>
+              <a:ext uri="{FF2B5EF4-FFF2-40B4-BE49-F238E27FC236}">
+                <a16:creationId xmlns:a16="http://schemas.microsoft.com/office/drawing/2014/main" id="{B1C19A7C-5F60-502F-A7CC-55360B768C90}"/>
+              </a:ext>
+            </a:extLst>
+          </p:cNvPr>
           <p:cNvGraphicFramePr>
             <a:graphicFrameLocks noGrp="1"/>
           </p:cNvGraphicFramePr>
           <p:nvPr>
             <p:extLst>
               <p:ext uri="{D42A27DB-BD31-4B8C-83A1-F6EECF244321}">
-                <p14:modId xmlns:p14="http://schemas.microsoft.com/office/powerpoint/2010/main" val="3635177147"/>
+                <p14:modId xmlns:p14="http://schemas.microsoft.com/office/powerpoint/2010/main" val="3660719932"/>
               </p:ext>
             </p:extLst>
           </p:nvPr>
         </p:nvGraphicFramePr>
         <p:xfrm>
-          <a:off x="622299" y="982980"/>
-          <a:ext cx="11113135" cy="5249113"/>
+          <a:off x="1183005" y="994410"/>
+          <a:ext cx="9991724" cy="5193594"/>
         </p:xfrm>
         <a:graphic>
           <a:graphicData uri="http://schemas.openxmlformats.org/drawingml/2006/table">
@@ -6007,36 +8738,36 @@
                 <a:tableStyleId>{5C22544A-7EE6-4342-B048-85BDC9FD1C3A}</a:tableStyleId>
               </a:tblPr>
               <a:tblGrid>
-                <a:gridCol w="2670810">
+                <a:gridCol w="2497931">
                   <a:extLst>
                     <a:ext uri="{9D8B030D-6E8A-4147-A177-3AD203B41FA5}">
-                      <a16:colId xmlns:a16="http://schemas.microsoft.com/office/drawing/2014/main" val="20000"/>
+                      <a16:colId xmlns:a16="http://schemas.microsoft.com/office/drawing/2014/main" val="862388075"/>
                     </a:ext>
                   </a:extLst>
                 </a:gridCol>
-                <a:gridCol w="2814320">
+                <a:gridCol w="2497931">
                   <a:extLst>
                     <a:ext uri="{9D8B030D-6E8A-4147-A177-3AD203B41FA5}">
-                      <a16:colId xmlns:a16="http://schemas.microsoft.com/office/drawing/2014/main" val="20001"/>
+                      <a16:colId xmlns:a16="http://schemas.microsoft.com/office/drawing/2014/main" val="115451295"/>
                     </a:ext>
                   </a:extLst>
                 </a:gridCol>
-                <a:gridCol w="2813685">
+                <a:gridCol w="2497931">
                   <a:extLst>
                     <a:ext uri="{9D8B030D-6E8A-4147-A177-3AD203B41FA5}">
-                      <a16:colId xmlns:a16="http://schemas.microsoft.com/office/drawing/2014/main" val="20002"/>
+                      <a16:colId xmlns:a16="http://schemas.microsoft.com/office/drawing/2014/main" val="2308599678"/>
                     </a:ext>
                   </a:extLst>
                 </a:gridCol>
-                <a:gridCol w="2814320">
+                <a:gridCol w="2497931">
                   <a:extLst>
                     <a:ext uri="{9D8B030D-6E8A-4147-A177-3AD203B41FA5}">
-                      <a16:colId xmlns:a16="http://schemas.microsoft.com/office/drawing/2014/main" val="20003"/>
+                      <a16:colId xmlns:a16="http://schemas.microsoft.com/office/drawing/2014/main" val="4182724821"/>
                     </a:ext>
                   </a:extLst>
                 </a:gridCol>
               </a:tblGrid>
-              <a:tr h="514430">
+              <a:tr h="523068">
                 <a:tc>
                   <a:txBody>
                     <a:bodyPr/>
@@ -6131,27 +8862,17 @@
                 </a:tc>
                 <a:extLst>
                   <a:ext uri="{0D108BD9-81ED-4DB2-BD59-A6C34878D82A}">
-                    <a16:rowId xmlns:a16="http://schemas.microsoft.com/office/drawing/2014/main" val="10000"/>
+                    <a16:rowId xmlns:a16="http://schemas.microsoft.com/office/drawing/2014/main" val="2790680076"/>
                   </a:ext>
                 </a:extLst>
               </a:tr>
-              <a:tr h="2031673">
+              <a:tr h="1408602">
                 <a:tc>
                   <a:txBody>
                     <a:bodyPr/>
                     <a:lstStyle/>
                     <a:p>
                       <a:pPr algn="ctr"/>
-                      <a:r>
-                        <a:rPr lang="en-US" altLang="en-IN" b="0" dirty="0">
-                          <a:solidFill>
-                            <a:schemeClr val="tx1"/>
-                          </a:solidFill>
-                          <a:latin typeface="Times New Roman" panose="02020603050405020304" pitchFamily="18" charset="0"/>
-                          <a:cs typeface="Times New Roman" panose="02020603050405020304" pitchFamily="18" charset="0"/>
-                        </a:rPr>
-                        <a:t>Lu C et al. </a:t>
-                      </a:r>
                       <a:r>
                         <a:rPr lang="en-US" altLang="en-IN" sz="1800" b="0" dirty="0">
                           <a:solidFill>
@@ -6160,7 +8881,20 @@
                           <a:latin typeface="Times New Roman" panose="02020603050405020304" pitchFamily="18" charset="0"/>
                           <a:cs typeface="Times New Roman" panose="02020603050405020304" pitchFamily="18" charset="0"/>
                         </a:rPr>
-                        <a:t>[1]</a:t>
+                        <a:t>     </a:t>
+                      </a:r>
+                    </a:p>
+                    <a:p>
+                      <a:pPr algn="ctr"/>
+                      <a:r>
+                        <a:rPr lang="en-US" altLang="en-IN" sz="1800" b="0" dirty="0">
+                          <a:solidFill>
+                            <a:schemeClr val="tx1"/>
+                          </a:solidFill>
+                          <a:latin typeface="Times New Roman" panose="02020603050405020304" pitchFamily="18" charset="0"/>
+                          <a:cs typeface="Times New Roman" panose="02020603050405020304" pitchFamily="18" charset="0"/>
+                        </a:rPr>
+                        <a:t>       Lu C et al. [1]</a:t>
                       </a:r>
                     </a:p>
                   </a:txBody>
@@ -6171,7 +8905,7 @@
                     <a:bodyPr/>
                     <a:lstStyle/>
                     <a:p>
-                      <a:pPr algn="just"/>
+                      <a:pPr algn="ctr"/>
                       <a:r>
                         <a:rPr lang="en-US" altLang="en-IN" sz="1800" dirty="0">
                           <a:solidFill>
@@ -6180,7 +8914,7 @@
                           <a:latin typeface="Times New Roman" panose="02020603050405020304" pitchFamily="18" charset="0"/>
                           <a:cs typeface="Times New Roman" panose="02020603050405020304" pitchFamily="18" charset="0"/>
                         </a:rPr>
-                        <a:t>Denoising Autoencoder Method (DAE) and Bidirectional Recurrent Neural Network(RNN)</a:t>
+                        <a:t>Denoising Autoencoder (DAE) and Bidirectional Recurrent Neural Network(RNN)</a:t>
                       </a:r>
                     </a:p>
                   </a:txBody>
@@ -6191,69 +8925,14 @@
                     <a:bodyPr/>
                     <a:lstStyle/>
                     <a:p>
-                      <a:pPr marL="0" marR="0" lvl="0" indent="0" algn="just" defTabSz="914400" rtl="0" eaLnBrk="1" fontAlgn="auto" latinLnBrk="0" hangingPunct="1">
-                        <a:lnSpc>
-                          <a:spcPct val="100000"/>
-                        </a:lnSpc>
-                        <a:spcBef>
-                          <a:spcPts val="0"/>
-                        </a:spcBef>
-                        <a:spcAft>
-                          <a:spcPts val="0"/>
-                        </a:spcAft>
-                        <a:buClrTx/>
-                        <a:buSzTx/>
-                        <a:buFontTx/>
-                        <a:buNone/>
-                        <a:tabLst/>
-                        <a:defRPr/>
-                      </a:pPr>
+                      <a:pPr algn="ctr"/>
                       <a:r>
-                        <a:rPr lang="en-US" sz="1800" dirty="0">
-                          <a:solidFill>
-                            <a:schemeClr val="tx1"/>
-                          </a:solidFill>
+                        <a:rPr lang="en-US" dirty="0">
                           <a:latin typeface="Times New Roman" panose="02020603050405020304" pitchFamily="18" charset="0"/>
                           <a:cs typeface="Times New Roman" panose="02020603050405020304" pitchFamily="18" charset="0"/>
                         </a:rPr>
-                        <a:t>DAE enhances feature extraction,</a:t>
+                        <a:t>DAE improves feature extraction, RNN predicts risks.</a:t>
                       </a:r>
-                    </a:p>
-                    <a:p>
-                      <a:pPr marL="0" marR="0" lvl="0" indent="0" algn="just" defTabSz="914400" rtl="0" eaLnBrk="1" fontAlgn="auto" latinLnBrk="0" hangingPunct="1">
-                        <a:lnSpc>
-                          <a:spcPct val="100000"/>
-                        </a:lnSpc>
-                        <a:spcBef>
-                          <a:spcPts val="0"/>
-                        </a:spcBef>
-                        <a:spcAft>
-                          <a:spcPts val="0"/>
-                        </a:spcAft>
-                        <a:buClrTx/>
-                        <a:buSzTx/>
-                        <a:buFontTx/>
-                        <a:buNone/>
-                        <a:tabLst/>
-                        <a:defRPr/>
-                      </a:pPr>
-                      <a:r>
-                        <a:rPr lang="en-US" sz="1800" dirty="0">
-                          <a:solidFill>
-                            <a:schemeClr val="tx1"/>
-                          </a:solidFill>
-                          <a:latin typeface="Times New Roman" panose="02020603050405020304" pitchFamily="18" charset="0"/>
-                          <a:cs typeface="Times New Roman" panose="02020603050405020304" pitchFamily="18" charset="0"/>
-                        </a:rPr>
-                        <a:t>RNN predicts hereditary risks.</a:t>
-                      </a:r>
-                      <a:endParaRPr lang="en-US" altLang="en-IN" sz="1800" dirty="0">
-                        <a:solidFill>
-                          <a:schemeClr val="tx1"/>
-                        </a:solidFill>
-                        <a:latin typeface="Times New Roman" panose="02020603050405020304" pitchFamily="18" charset="0"/>
-                        <a:cs typeface="Times New Roman" panose="02020603050405020304" pitchFamily="18" charset="0"/>
-                      </a:endParaRPr>
                     </a:p>
                   </a:txBody>
                   <a:tcPr/>
@@ -6263,54 +8942,25 @@
                     <a:bodyPr/>
                     <a:lstStyle/>
                     <a:p>
-                      <a:pPr marL="0" indent="0" algn="ctr">
-                        <a:buFont typeface="Arial" panose="020B0604020202020204" pitchFamily="34" charset="0"/>
-                        <a:buNone/>
-                      </a:pPr>
+                      <a:pPr algn="ctr"/>
                       <a:r>
                         <a:rPr lang="en-US" dirty="0">
-                          <a:solidFill>
-                            <a:schemeClr val="tx1"/>
-                          </a:solidFill>
                           <a:latin typeface="Times New Roman" panose="02020603050405020304" pitchFamily="18" charset="0"/>
                           <a:cs typeface="Times New Roman" panose="02020603050405020304" pitchFamily="18" charset="0"/>
                         </a:rPr>
-                        <a:t>Predicting hereditary diseases,</a:t>
+                        <a:t>Hereditary disease prediction, accuracy improvement.</a:t>
                       </a:r>
-                    </a:p>
-                    <a:p>
-                      <a:pPr marL="0" indent="0" algn="ctr">
-                        <a:buFont typeface="Arial" panose="020B0604020202020204" pitchFamily="34" charset="0"/>
-                        <a:buNone/>
-                      </a:pPr>
-                      <a:r>
-                        <a:rPr lang="en-US" dirty="0">
-                          <a:solidFill>
-                            <a:schemeClr val="tx1"/>
-                          </a:solidFill>
-                          <a:latin typeface="Times New Roman" panose="02020603050405020304" pitchFamily="18" charset="0"/>
-                          <a:cs typeface="Times New Roman" panose="02020603050405020304" pitchFamily="18" charset="0"/>
-                        </a:rPr>
-                        <a:t>Improving prediction accuracy</a:t>
-                      </a:r>
-                      <a:endParaRPr lang="en-US" altLang="en-IN" sz="1800" dirty="0">
-                        <a:solidFill>
-                          <a:schemeClr val="tx1"/>
-                        </a:solidFill>
-                        <a:latin typeface="Times New Roman" panose="02020603050405020304" pitchFamily="18" charset="0"/>
-                        <a:cs typeface="Times New Roman" panose="02020603050405020304" pitchFamily="18" charset="0"/>
-                      </a:endParaRPr>
                     </a:p>
                   </a:txBody>
                   <a:tcPr/>
                 </a:tc>
                 <a:extLst>
                   <a:ext uri="{0D108BD9-81ED-4DB2-BD59-A6C34878D82A}">
-                    <a16:rowId xmlns:a16="http://schemas.microsoft.com/office/drawing/2014/main" val="10001"/>
+                    <a16:rowId xmlns:a16="http://schemas.microsoft.com/office/drawing/2014/main" val="3985945953"/>
                   </a:ext>
                 </a:extLst>
               </a:tr>
-              <a:tr h="375391">
+              <a:tr h="741680">
                 <a:tc>
                   <a:txBody>
                     <a:bodyPr/>
@@ -6318,14 +8968,14 @@
                     <a:p>
                       <a:pPr algn="ctr"/>
                       <a:r>
-                        <a:rPr lang="en-US" altLang="en-IN" dirty="0">
+                        <a:rPr lang="en-US" altLang="en-IN" sz="1800" dirty="0">
                           <a:solidFill>
                             <a:schemeClr val="tx1"/>
                           </a:solidFill>
                           <a:latin typeface="Times New Roman" panose="02020603050405020304" pitchFamily="18" charset="0"/>
                           <a:cs typeface="Times New Roman" panose="02020603050405020304" pitchFamily="18" charset="0"/>
                         </a:rPr>
-                        <a:t>Li G et al. </a:t>
+                        <a:t>      Li G et al. </a:t>
                       </a:r>
                       <a:r>
                         <a:rPr lang="en-US" sz="1800" b="0" dirty="0">
@@ -6403,29 +9053,16 @@
                         <a:t>Learn Significance Features</a:t>
                       </a:r>
                     </a:p>
-                    <a:p>
-                      <a:pPr marL="0" indent="0" algn="ctr">
-                        <a:buFont typeface="Arial" panose="020B0604020202020204" pitchFamily="34" charset="0"/>
-                        <a:buNone/>
-                      </a:pPr>
-                      <a:endParaRPr lang="en-US" altLang="en-IN" sz="1800" dirty="0">
-                        <a:solidFill>
-                          <a:schemeClr val="tx1"/>
-                        </a:solidFill>
-                        <a:latin typeface="Times New Roman" panose="02020603050405020304" pitchFamily="18" charset="0"/>
-                        <a:cs typeface="Times New Roman" panose="02020603050405020304" pitchFamily="18" charset="0"/>
-                      </a:endParaRPr>
-                    </a:p>
                   </a:txBody>
                   <a:tcPr/>
                 </a:tc>
                 <a:extLst>
                   <a:ext uri="{0D108BD9-81ED-4DB2-BD59-A6C34878D82A}">
-                    <a16:rowId xmlns:a16="http://schemas.microsoft.com/office/drawing/2014/main" val="10002"/>
+                    <a16:rowId xmlns:a16="http://schemas.microsoft.com/office/drawing/2014/main" val="2933726289"/>
                   </a:ext>
                 </a:extLst>
               </a:tr>
-              <a:tr h="2062930">
+              <a:tr h="1249680">
                 <a:tc>
                   <a:txBody>
                     <a:bodyPr/>
@@ -6433,14 +9070,14 @@
                     <a:p>
                       <a:pPr algn="ctr"/>
                       <a:r>
-                        <a:rPr lang="en-US" altLang="en-IN" dirty="0">
+                        <a:rPr lang="en-US" altLang="en-IN" sz="1800" dirty="0">
                           <a:solidFill>
                             <a:schemeClr val="tx1"/>
                           </a:solidFill>
                           <a:latin typeface="Times New Roman" panose="02020603050405020304" pitchFamily="18" charset="0"/>
                           <a:cs typeface="Times New Roman" panose="02020603050405020304" pitchFamily="18" charset="0"/>
                         </a:rPr>
-                        <a:t>Wickrama N</a:t>
+                        <a:t>     Wickrama N</a:t>
                       </a:r>
                       <a:r>
                         <a:rPr lang="en-US" sz="1800" kern="1200" dirty="0">
@@ -6493,26 +9130,14 @@
                     <a:bodyPr/>
                     <a:lstStyle/>
                     <a:p>
-                      <a:pPr algn="ctr">
-                        <a:buNone/>
-                      </a:pPr>
+                      <a:pPr algn="ctr"/>
                       <a:r>
                         <a:rPr lang="en-US" dirty="0">
-                          <a:solidFill>
-                            <a:schemeClr val="tx1"/>
-                          </a:solidFill>
                           <a:latin typeface="Times New Roman" panose="02020603050405020304" pitchFamily="18" charset="0"/>
                           <a:cs typeface="Times New Roman" panose="02020603050405020304" pitchFamily="18" charset="0"/>
                         </a:rPr>
-                        <a:t>Autoencoders extract features; incremental learning continuously updates them.</a:t>
+                        <a:t>Autoencoders extract, incremental learning updates.</a:t>
                       </a:r>
-                      <a:endParaRPr lang="en-US" altLang="en-IN" sz="1800" dirty="0">
-                        <a:solidFill>
-                          <a:schemeClr val="tx1"/>
-                        </a:solidFill>
-                        <a:latin typeface="Times New Roman" panose="02020603050405020304" pitchFamily="18" charset="0"/>
-                        <a:cs typeface="Times New Roman" panose="02020603050405020304" pitchFamily="18" charset="0"/>
-                      </a:endParaRPr>
                     </a:p>
                   </a:txBody>
                   <a:tcPr/>
@@ -6524,27 +9149,11 @@
                     <a:p>
                       <a:pPr algn="ctr"/>
                       <a:r>
-                        <a:rPr lang="en-US" altLang="en-IN" sz="1800" dirty="0">
-                          <a:solidFill>
-                            <a:schemeClr val="tx1"/>
-                          </a:solidFill>
+                        <a:rPr lang="en-US" dirty="0">
                           <a:latin typeface="Times New Roman" panose="02020603050405020304" pitchFamily="18" charset="0"/>
                           <a:cs typeface="Times New Roman" panose="02020603050405020304" pitchFamily="18" charset="0"/>
                         </a:rPr>
-                        <a:t>To extract and compress features from input data,</a:t>
-                      </a:r>
-                    </a:p>
-                    <a:p>
-                      <a:pPr algn="ctr"/>
-                      <a:r>
-                        <a:rPr lang="en-US" altLang="en-IN" sz="1800" dirty="0">
-                          <a:solidFill>
-                            <a:schemeClr val="tx1"/>
-                          </a:solidFill>
-                          <a:latin typeface="Times New Roman" panose="02020603050405020304" pitchFamily="18" charset="0"/>
-                          <a:cs typeface="Times New Roman" panose="02020603050405020304" pitchFamily="18" charset="0"/>
-                        </a:rPr>
-                        <a:t>Continuous Adaption</a:t>
+                        <a:t>Feature extraction, continuous adaptation.</a:t>
                       </a:r>
                     </a:p>
                   </a:txBody>
@@ -6552,7 +9161,114 @@
                 </a:tc>
                 <a:extLst>
                   <a:ext uri="{0D108BD9-81ED-4DB2-BD59-A6C34878D82A}">
-                    <a16:rowId xmlns:a16="http://schemas.microsoft.com/office/drawing/2014/main" val="10003"/>
+                    <a16:rowId xmlns:a16="http://schemas.microsoft.com/office/drawing/2014/main" val="3149619294"/>
+                  </a:ext>
+                </a:extLst>
+              </a:tr>
+              <a:tr h="1270564">
+                <a:tc>
+                  <a:txBody>
+                    <a:bodyPr/>
+                    <a:lstStyle/>
+                    <a:p>
+                      <a:pPr algn="ctr">
+                        <a:buNone/>
+                      </a:pPr>
+                      <a:r>
+                        <a:rPr lang="en-US" sz="1800" b="0" kern="1200" dirty="0">
+                          <a:solidFill>
+                            <a:schemeClr val="dk1"/>
+                          </a:solidFill>
+                          <a:effectLst/>
+                          <a:latin typeface="Times New Roman" panose="02020603050405020304" pitchFamily="18" charset="0"/>
+                          <a:ea typeface="+mn-ea"/>
+                          <a:cs typeface="Times New Roman" panose="02020603050405020304" pitchFamily="18" charset="0"/>
+                        </a:rPr>
+                        <a:t>Zhang et al. </a:t>
+                      </a:r>
+                      <a:r>
+                        <a:rPr lang="en-US" sz="1800" b="0" dirty="0">
+                          <a:solidFill>
+                            <a:schemeClr val="tx1"/>
+                          </a:solidFill>
+                          <a:latin typeface="Times New Roman" panose="02020603050405020304" pitchFamily="18" charset="0"/>
+                          <a:cs typeface="Times New Roman" panose="02020603050405020304" pitchFamily="18" charset="0"/>
+                        </a:rPr>
+                        <a:t>[4]</a:t>
+                      </a:r>
+                    </a:p>
+                  </a:txBody>
+                  <a:tcPr/>
+                </a:tc>
+                <a:tc>
+                  <a:txBody>
+                    <a:bodyPr/>
+                    <a:lstStyle/>
+                    <a:p>
+                      <a:pPr algn="ctr">
+                        <a:buNone/>
+                      </a:pPr>
+                      <a:r>
+                        <a:rPr lang="en-US" sz="1800" dirty="0">
+                          <a:solidFill>
+                            <a:schemeClr val="tx1"/>
+                          </a:solidFill>
+                          <a:latin typeface="Times New Roman" panose="02020603050405020304" pitchFamily="18" charset="0"/>
+                          <a:cs typeface="Times New Roman" panose="02020603050405020304" pitchFamily="18" charset="0"/>
+                        </a:rPr>
+                        <a:t>Decentralized Autonomous Organization (DAO) Blockchain Network</a:t>
+                      </a:r>
+                    </a:p>
+                  </a:txBody>
+                  <a:tcPr/>
+                </a:tc>
+                <a:tc>
+                  <a:txBody>
+                    <a:bodyPr/>
+                    <a:lstStyle/>
+                    <a:p>
+                      <a:pPr algn="ctr">
+                        <a:buNone/>
+                      </a:pPr>
+                      <a:r>
+                        <a:rPr lang="en-US" sz="1800" dirty="0">
+                          <a:solidFill>
+                            <a:schemeClr val="tx1"/>
+                          </a:solidFill>
+                          <a:latin typeface="Times New Roman" panose="02020603050405020304" pitchFamily="18" charset="0"/>
+                          <a:cs typeface="Times New Roman" panose="02020603050405020304" pitchFamily="18" charset="0"/>
+                        </a:rPr>
+                        <a:t>DAO blockchain ensures fairness</a:t>
+                      </a:r>
+                    </a:p>
+                  </a:txBody>
+                  <a:tcPr/>
+                </a:tc>
+                <a:tc>
+                  <a:txBody>
+                    <a:bodyPr/>
+                    <a:lstStyle/>
+                    <a:p>
+                      <a:pPr algn="ctr">
+                        <a:buNone/>
+                      </a:pPr>
+                      <a:r>
+                        <a:rPr lang="en-US" sz="1800" dirty="0">
+                          <a:solidFill>
+                            <a:schemeClr val="tx1"/>
+                          </a:solidFill>
+                          <a:latin typeface="Times New Roman" panose="02020603050405020304" pitchFamily="18" charset="0"/>
+                          <a:cs typeface="Times New Roman" panose="02020603050405020304" pitchFamily="18" charset="0"/>
+                        </a:rPr>
+                        <a:t>To improve the fairness of model-sharing</a:t>
+                      </a:r>
+                    </a:p>
+                  </a:txBody>
+                  <a:tcPr/>
+                </a:tc>
+                <a:extLst>
+                  <a:ext uri="{0D108BD9-81ED-4DB2-BD59-A6C34878D82A}">
+                    <a16:rowId xmlns:a16="http://schemas.microsoft.com/office/drawing/2014/main" val="3431686640"/>
                   </a:ext>
                 </a:extLst>
               </a:tr>
@@ -6560,32 +9276,6 @@
           </a:graphicData>
         </a:graphic>
       </p:graphicFrame>
-      <p:sp>
-        <p:nvSpPr>
-          <p:cNvPr id="4" name="Text Box 3"/>
-          <p:cNvSpPr txBox="1"/>
-          <p:nvPr/>
-        </p:nvSpPr>
-        <p:spPr>
-          <a:xfrm>
-            <a:off x="5160010" y="982980"/>
-            <a:ext cx="4064000" cy="368300"/>
-          </a:xfrm>
-          <a:prstGeom prst="rect">
-            <a:avLst/>
-          </a:prstGeom>
-          <a:noFill/>
-        </p:spPr>
-        <p:txBody>
-          <a:bodyPr wrap="square" rtlCol="0">
-            <a:spAutoFit/>
-          </a:bodyPr>
-          <a:lstStyle/>
-          <a:p>
-            <a:endParaRPr lang="en-US" dirty="0"/>
-          </a:p>
-        </p:txBody>
-      </p:sp>
     </p:spTree>
   </p:cSld>
   <p:clrMapOvr>
@@ -6644,14 +9334,14 @@
             </p:custDataLst>
             <p:extLst>
               <p:ext uri="{D42A27DB-BD31-4B8C-83A1-F6EECF244321}">
-                <p14:modId xmlns:p14="http://schemas.microsoft.com/office/powerpoint/2010/main" val="4156345258"/>
+                <p14:modId xmlns:p14="http://schemas.microsoft.com/office/powerpoint/2010/main" val="3850792325"/>
               </p:ext>
             </p:extLst>
           </p:nvPr>
         </p:nvGraphicFramePr>
         <p:xfrm>
-          <a:off x="652780" y="1097280"/>
-          <a:ext cx="11096625" cy="4572524"/>
+          <a:off x="652780" y="335280"/>
+          <a:ext cx="11096625" cy="2723404"/>
         </p:xfrm>
         <a:graphic>
           <a:graphicData uri="http://schemas.openxmlformats.org/drawingml/2006/table">
@@ -6837,114 +9527,7 @@
                   </a:ext>
                 </a:extLst>
               </a:tr>
-              <a:tr h="1373217">
-                <a:tc>
-                  <a:txBody>
-                    <a:bodyPr/>
-                    <a:lstStyle/>
-                    <a:p>
-                      <a:pPr algn="ctr">
-                        <a:buNone/>
-                      </a:pPr>
-                      <a:r>
-                        <a:rPr lang="en-US" sz="1800" b="0" kern="1200" dirty="0">
-                          <a:solidFill>
-                            <a:schemeClr val="dk1"/>
-                          </a:solidFill>
-                          <a:effectLst/>
-                          <a:latin typeface="Times New Roman" panose="02020603050405020304" pitchFamily="18" charset="0"/>
-                          <a:ea typeface="+mn-ea"/>
-                          <a:cs typeface="Times New Roman" panose="02020603050405020304" pitchFamily="18" charset="0"/>
-                        </a:rPr>
-                        <a:t>Zhang et al. </a:t>
-                      </a:r>
-                      <a:r>
-                        <a:rPr lang="en-US" b="0" dirty="0">
-                          <a:solidFill>
-                            <a:schemeClr val="tx1"/>
-                          </a:solidFill>
-                          <a:latin typeface="Times New Roman" panose="02020603050405020304" pitchFamily="18" charset="0"/>
-                          <a:cs typeface="Times New Roman" panose="02020603050405020304" pitchFamily="18" charset="0"/>
-                        </a:rPr>
-                        <a:t>[4]</a:t>
-                      </a:r>
-                    </a:p>
-                  </a:txBody>
-                  <a:tcPr/>
-                </a:tc>
-                <a:tc>
-                  <a:txBody>
-                    <a:bodyPr/>
-                    <a:lstStyle/>
-                    <a:p>
-                      <a:pPr>
-                        <a:buNone/>
-                      </a:pPr>
-                      <a:r>
-                        <a:rPr lang="en-US" dirty="0">
-                          <a:solidFill>
-                            <a:schemeClr val="tx1"/>
-                          </a:solidFill>
-                          <a:latin typeface="Times New Roman" panose="02020603050405020304" pitchFamily="18" charset="0"/>
-                          <a:cs typeface="Times New Roman" panose="02020603050405020304" pitchFamily="18" charset="0"/>
-                        </a:rPr>
-                        <a:t>Decentralized Autonomous Organization (DAO) Blockchain Network</a:t>
-                      </a:r>
-                    </a:p>
-                  </a:txBody>
-                  <a:tcPr/>
-                </a:tc>
-                <a:tc>
-                  <a:txBody>
-                    <a:bodyPr/>
-                    <a:lstStyle/>
-                    <a:p>
-                      <a:pPr>
-                        <a:buNone/>
-                      </a:pPr>
-                      <a:r>
-                        <a:rPr lang="en-US" dirty="0">
-                          <a:solidFill>
-                            <a:schemeClr val="tx1"/>
-                          </a:solidFill>
-                          <a:latin typeface="Times New Roman" panose="02020603050405020304" pitchFamily="18" charset="0"/>
-                          <a:cs typeface="Times New Roman" panose="02020603050405020304" pitchFamily="18" charset="0"/>
-                        </a:rPr>
-                        <a:t>DAO blockchain ensures fair distribution of medical resources and benefits</a:t>
-                      </a:r>
-                    </a:p>
-                  </a:txBody>
-                  <a:tcPr/>
-                </a:tc>
-                <a:tc>
-                  <a:txBody>
-                    <a:bodyPr/>
-                    <a:lstStyle/>
-                    <a:p>
-                      <a:pPr>
-                        <a:buNone/>
-                      </a:pPr>
-                      <a:r>
-                        <a:rPr lang="en-US" dirty="0">
-                          <a:solidFill>
-                            <a:schemeClr val="tx1"/>
-                          </a:solidFill>
-                          <a:latin typeface="Times New Roman" panose="02020603050405020304" pitchFamily="18" charset="0"/>
-                          <a:cs typeface="Times New Roman" panose="02020603050405020304" pitchFamily="18" charset="0"/>
-                        </a:rPr>
-                        <a:t>To improve the fairness and efficiency of model-sharing</a:t>
-                      </a:r>
-                    </a:p>
-                  </a:txBody>
-                  <a:tcPr/>
-                </a:tc>
-                <a:extLst>
-                  <a:ext uri="{0D108BD9-81ED-4DB2-BD59-A6C34878D82A}">
-                    <a16:rowId xmlns:a16="http://schemas.microsoft.com/office/drawing/2014/main" val="10001"/>
-                  </a:ext>
-                </a:extLst>
-              </a:tr>
-              <a:tr h="1330960">
+              <a:tr h="855057">
                 <a:tc>
                   <a:txBody>
                     <a:bodyPr/>
@@ -6984,7 +9567,7 @@
                     <a:bodyPr/>
                     <a:lstStyle/>
                     <a:p>
-                      <a:pPr>
+                      <a:pPr algn="ctr">
                         <a:buNone/>
                       </a:pPr>
                       <a:r>
@@ -7006,26 +9589,14 @@
                     <a:bodyPr/>
                     <a:lstStyle/>
                     <a:p>
-                      <a:pPr>
-                        <a:buNone/>
-                      </a:pPr>
+                      <a:pPr algn="ctr"/>
                       <a:r>
                         <a:rPr lang="en-US" dirty="0">
-                          <a:solidFill>
-                            <a:schemeClr val="tx1"/>
-                          </a:solidFill>
                           <a:latin typeface="Times New Roman" panose="02020603050405020304" pitchFamily="18" charset="0"/>
                           <a:cs typeface="Times New Roman" panose="02020603050405020304" pitchFamily="18" charset="0"/>
                         </a:rPr>
-                        <a:t>improving access to services and aligning medical service delivery with patient clinical needs</a:t>
+                        <a:t>Enhancing patient-centered care.</a:t>
                       </a:r>
-                      <a:endParaRPr lang="en-US" baseline="30000" dirty="0">
-                        <a:solidFill>
-                          <a:schemeClr val="tx1"/>
-                        </a:solidFill>
-                        <a:latin typeface="Times New Roman" panose="02020603050405020304" pitchFamily="18" charset="0"/>
-                        <a:cs typeface="Times New Roman" panose="02020603050405020304" pitchFamily="18" charset="0"/>
-                      </a:endParaRPr>
                     </a:p>
                   </a:txBody>
                   <a:tcPr/>
@@ -7035,7 +9606,7 @@
                     <a:bodyPr/>
                     <a:lstStyle/>
                     <a:p>
-                      <a:pPr algn="just">
+                      <a:pPr algn="ctr">
                         <a:buNone/>
                       </a:pPr>
                       <a:r>
@@ -7050,7 +9621,7 @@
                       </a:r>
                     </a:p>
                     <a:p>
-                      <a:pPr algn="just">
+                      <a:pPr algn="ctr">
                         <a:buNone/>
                       </a:pPr>
                       <a:r>
@@ -7113,7 +9684,7 @@
                     <a:bodyPr/>
                     <a:lstStyle/>
                     <a:p>
-                      <a:pPr>
+                      <a:pPr algn="ctr">
                         <a:buNone/>
                       </a:pPr>
                       <a:r>
@@ -7135,18 +9706,29 @@
                     <a:bodyPr/>
                     <a:lstStyle/>
                     <a:p>
-                      <a:pPr>
+                      <a:pPr marL="0" marR="0" lvl="0" indent="0" algn="ctr" defTabSz="914400" rtl="0" eaLnBrk="1" fontAlgn="auto" latinLnBrk="0" hangingPunct="1">
+                        <a:lnSpc>
+                          <a:spcPct val="100000"/>
+                        </a:lnSpc>
+                        <a:spcBef>
+                          <a:spcPts val="0"/>
+                        </a:spcBef>
+                        <a:spcAft>
+                          <a:spcPts val="0"/>
+                        </a:spcAft>
+                        <a:buClrTx/>
+                        <a:buSzTx/>
+                        <a:buFontTx/>
                         <a:buNone/>
+                        <a:tabLst/>
+                        <a:defRPr/>
                       </a:pPr>
                       <a:r>
                         <a:rPr lang="en-US" dirty="0">
-                          <a:solidFill>
-                            <a:schemeClr val="tx1"/>
-                          </a:solidFill>
                           <a:latin typeface="Times New Roman" panose="02020603050405020304" pitchFamily="18" charset="0"/>
                           <a:cs typeface="Times New Roman" panose="02020603050405020304" pitchFamily="18" charset="0"/>
                         </a:rPr>
-                        <a:t>Secure and Private interaction between healthcare providers and patients</a:t>
+                        <a:t>Secure patient-provider communication.</a:t>
                       </a:r>
                     </a:p>
                   </a:txBody>
@@ -7157,18 +9739,29 @@
                     <a:bodyPr/>
                     <a:lstStyle/>
                     <a:p>
-                      <a:pPr>
+                      <a:pPr marL="0" marR="0" lvl="0" indent="0" algn="ctr" defTabSz="914400" rtl="0" eaLnBrk="1" fontAlgn="auto" latinLnBrk="0" hangingPunct="1">
+                        <a:lnSpc>
+                          <a:spcPct val="100000"/>
+                        </a:lnSpc>
+                        <a:spcBef>
+                          <a:spcPts val="0"/>
+                        </a:spcBef>
+                        <a:spcAft>
+                          <a:spcPts val="0"/>
+                        </a:spcAft>
+                        <a:buClrTx/>
+                        <a:buSzTx/>
+                        <a:buFontTx/>
                         <a:buNone/>
+                        <a:tabLst/>
+                        <a:defRPr/>
                       </a:pPr>
                       <a:r>
                         <a:rPr lang="en-US" dirty="0">
-                          <a:solidFill>
-                            <a:schemeClr val="tx1"/>
-                          </a:solidFill>
                           <a:latin typeface="Times New Roman" panose="02020603050405020304" pitchFamily="18" charset="0"/>
                           <a:cs typeface="Times New Roman" panose="02020603050405020304" pitchFamily="18" charset="0"/>
                         </a:rPr>
-                        <a:t>To enhance the security and privacy of healthcare interactions</a:t>
+                        <a:t>Strengthening healthcare data privacy.</a:t>
                       </a:r>
                     </a:p>
                   </a:txBody>
@@ -7335,7 +9928,7 @@
           </a:bodyPr>
           <a:lstStyle/>
           <a:p>
-            <a:pPr eaLnBrk="0" fontAlgn="base" hangingPunct="0">
+            <a:pPr marL="0" indent="0" algn="just" eaLnBrk="0" fontAlgn="base" hangingPunct="0">
               <a:lnSpc>
                 <a:spcPct val="150000"/>
               </a:lnSpc>
@@ -7345,195 +9938,16 @@
               <a:spcAft>
                 <a:spcPct val="0"/>
               </a:spcAft>
-              <a:buClrTx/>
-              <a:buSzTx/>
-              <a:buFont typeface="Arial" panose="020B0604020202020204" pitchFamily="34" charset="0"/>
-              <a:buChar char="•"/>
+              <a:buNone/>
             </a:pPr>
             <a:r>
-              <a:rPr kumimoji="0" lang="en-US" altLang="en-US" sz="2400" b="0" i="0" u="none" strike="noStrike" cap="none" normalizeH="0" baseline="0" dirty="0">
-                <a:ln>
-                  <a:noFill/>
-                </a:ln>
-                <a:solidFill>
-                  <a:schemeClr val="tx1"/>
-                </a:solidFill>
-                <a:effectLst/>
-                <a:latin typeface="Times New Roman" panose="02020603050405020304" pitchFamily="18" charset="0"/>
-                <a:cs typeface="Times New Roman" panose="02020603050405020304" pitchFamily="18" charset="0"/>
-              </a:rPr>
-              <a:t> The metaverse enhances healthcare with virtual, interactive experiences.</a:t>
-            </a:r>
-          </a:p>
-          <a:p>
-            <a:pPr eaLnBrk="0" fontAlgn="base" hangingPunct="0">
-              <a:lnSpc>
-                <a:spcPct val="150000"/>
-              </a:lnSpc>
-              <a:spcBef>
-                <a:spcPct val="0"/>
-              </a:spcBef>
-              <a:spcAft>
-                <a:spcPct val="0"/>
-              </a:spcAft>
-              <a:buClrTx/>
-              <a:buSzTx/>
-              <a:buFont typeface="Arial" panose="020B0604020202020204" pitchFamily="34" charset="0"/>
-              <a:buChar char="•"/>
-            </a:pPr>
-            <a:r>
-              <a:rPr lang="en-US" altLang="en-US" sz="2400" dirty="0">
-                <a:solidFill>
-                  <a:schemeClr val="tx1"/>
-                </a:solidFill>
-                <a:latin typeface="Times New Roman" panose="02020603050405020304" pitchFamily="18" charset="0"/>
-                <a:cs typeface="Times New Roman" panose="02020603050405020304" pitchFamily="18" charset="0"/>
-              </a:rPr>
-              <a:t> </a:t>
-            </a:r>
-            <a:r>
-              <a:rPr kumimoji="0" lang="en-US" altLang="en-US" sz="2400" b="0" i="0" u="none" strike="noStrike" cap="none" normalizeH="0" baseline="0" dirty="0">
-                <a:ln>
-                  <a:noFill/>
-                </a:ln>
-                <a:solidFill>
-                  <a:schemeClr val="tx1"/>
-                </a:solidFill>
-                <a:effectLst/>
-                <a:latin typeface="Times New Roman" panose="02020603050405020304" pitchFamily="18" charset="0"/>
-                <a:cs typeface="Times New Roman" panose="02020603050405020304" pitchFamily="18" charset="0"/>
-              </a:rPr>
-              <a:t>It boosts patient engagement and involvement in their care.</a:t>
-            </a:r>
-          </a:p>
-          <a:p>
-            <a:pPr eaLnBrk="0" fontAlgn="base" hangingPunct="0">
-              <a:lnSpc>
-                <a:spcPct val="150000"/>
-              </a:lnSpc>
-              <a:spcBef>
-                <a:spcPct val="0"/>
-              </a:spcBef>
-              <a:spcAft>
-                <a:spcPct val="0"/>
-              </a:spcAft>
-              <a:buClrTx/>
-              <a:buSzTx/>
-              <a:buFont typeface="Arial" panose="020B0604020202020204" pitchFamily="34" charset="0"/>
-              <a:buChar char="•"/>
-            </a:pPr>
-            <a:r>
-              <a:rPr kumimoji="0" lang="en-US" altLang="en-US" sz="2400" b="0" i="0" u="none" strike="noStrike" cap="none" normalizeH="0" baseline="0" dirty="0">
-                <a:ln>
-                  <a:noFill/>
-                </a:ln>
-                <a:solidFill>
-                  <a:schemeClr val="tx1"/>
-                </a:solidFill>
-                <a:effectLst/>
-                <a:latin typeface="Times New Roman" panose="02020603050405020304" pitchFamily="18" charset="0"/>
-                <a:cs typeface="Times New Roman" panose="02020603050405020304" pitchFamily="18" charset="0"/>
-              </a:rPr>
-              <a:t> Medical education improves through the virtual training environments. </a:t>
-            </a:r>
-          </a:p>
-          <a:p>
-            <a:pPr eaLnBrk="0" fontAlgn="base" hangingPunct="0">
-              <a:lnSpc>
-                <a:spcPct val="150000"/>
-              </a:lnSpc>
-              <a:spcBef>
-                <a:spcPct val="0"/>
-              </a:spcBef>
-              <a:spcAft>
-                <a:spcPct val="0"/>
-              </a:spcAft>
-              <a:buClrTx/>
-              <a:buSzTx/>
-              <a:buFont typeface="Arial" panose="020B0604020202020204" pitchFamily="34" charset="0"/>
-              <a:buChar char="•"/>
-            </a:pPr>
-            <a:r>
-              <a:rPr lang="en-US" altLang="en-US" sz="2400" dirty="0">
-                <a:solidFill>
-                  <a:schemeClr val="tx1"/>
-                </a:solidFill>
-                <a:latin typeface="Times New Roman" panose="02020603050405020304" pitchFamily="18" charset="0"/>
-                <a:cs typeface="Times New Roman" panose="02020603050405020304" pitchFamily="18" charset="0"/>
-              </a:rPr>
-              <a:t> </a:t>
-            </a:r>
-            <a:r>
-              <a:rPr kumimoji="0" lang="en-US" altLang="en-US" sz="2400" b="0" i="0" u="none" strike="noStrike" cap="none" normalizeH="0" baseline="0" dirty="0">
-                <a:ln>
-                  <a:noFill/>
-                </a:ln>
-                <a:solidFill>
-                  <a:schemeClr val="tx1"/>
-                </a:solidFill>
-                <a:effectLst/>
-                <a:latin typeface="Times New Roman" panose="02020603050405020304" pitchFamily="18" charset="0"/>
-                <a:cs typeface="Times New Roman" panose="02020603050405020304" pitchFamily="18" charset="0"/>
-              </a:rPr>
-              <a:t>Blockchain technology ensures data security and privacy.</a:t>
-            </a:r>
-          </a:p>
-          <a:p>
-            <a:pPr eaLnBrk="0" fontAlgn="base" hangingPunct="0">
-              <a:lnSpc>
-                <a:spcPct val="150000"/>
-              </a:lnSpc>
-              <a:spcBef>
-                <a:spcPct val="0"/>
-              </a:spcBef>
-              <a:spcAft>
-                <a:spcPct val="0"/>
-              </a:spcAft>
-              <a:buClrTx/>
-              <a:buSzTx/>
-              <a:buFont typeface="Arial" panose="020B0604020202020204" pitchFamily="34" charset="0"/>
-              <a:buChar char="•"/>
-            </a:pPr>
-            <a:r>
-              <a:rPr lang="en-US" altLang="en-US" sz="2400" dirty="0">
-                <a:solidFill>
-                  <a:schemeClr val="tx1"/>
-                </a:solidFill>
-                <a:latin typeface="Times New Roman" panose="02020603050405020304" pitchFamily="18" charset="0"/>
-                <a:cs typeface="Times New Roman" panose="02020603050405020304" pitchFamily="18" charset="0"/>
-              </a:rPr>
-              <a:t> </a:t>
-            </a:r>
-            <a:r>
-              <a:rPr kumimoji="0" lang="en-US" altLang="en-US" sz="2400" b="0" i="0" u="none" strike="noStrike" cap="none" normalizeH="0" baseline="0" dirty="0">
-                <a:ln>
-                  <a:noFill/>
-                </a:ln>
-                <a:solidFill>
-                  <a:schemeClr val="tx1"/>
-                </a:solidFill>
-                <a:effectLst/>
-                <a:latin typeface="Times New Roman" panose="02020603050405020304" pitchFamily="18" charset="0"/>
-                <a:cs typeface="Times New Roman" panose="02020603050405020304" pitchFamily="18" charset="0"/>
-              </a:rPr>
-              <a:t>The goal is a more efficient, accessible, and patient-centered healthcare system. </a:t>
-            </a:r>
-          </a:p>
-          <a:p>
-            <a:pPr algn="just" eaLnBrk="0" fontAlgn="base" hangingPunct="0">
-              <a:lnSpc>
-                <a:spcPct val="150000"/>
-              </a:lnSpc>
-              <a:spcBef>
-                <a:spcPct val="0"/>
-              </a:spcBef>
-              <a:spcAft>
-                <a:spcPct val="0"/>
-              </a:spcAft>
-              <a:buFont typeface="Arial" panose="020B0604020202020204" pitchFamily="34" charset="0"/>
-              <a:buChar char="•"/>
-            </a:pPr>
-            <a:endParaRPr kumimoji="0" lang="en-US" altLang="en-US" sz="2400" b="0" i="0" u="none" strike="noStrike" cap="none" normalizeH="0" baseline="0" dirty="0">
+              <a:rPr lang="en-US" sz="2400" dirty="0">
+                <a:latin typeface="Times New Roman" panose="02020603050405020304" pitchFamily="18" charset="0"/>
+                <a:cs typeface="Times New Roman" panose="02020603050405020304" pitchFamily="18" charset="0"/>
+              </a:rPr>
+              <a:t>The main goal of integrating the metaverse into healthcare is to improve patient care, medical training, and accessibility using VR, AR, AI, and blockchain. Key objectives include enhancing patient experiences through virtual consultations, advancing medical training with realistic simulations, increasing healthcare accessibility remotely, ensuring data security with blockchain, and promoting collaboration among healthcare providers to improve outcomes.</a:t>
+            </a:r>
+            <a:endParaRPr kumimoji="0" lang="en-US" altLang="en-US" sz="2800" b="0" i="0" u="none" strike="noStrike" cap="none" normalizeH="0" baseline="0" dirty="0">
               <a:ln>
                 <a:noFill/>
               </a:ln>
@@ -7645,7 +10059,7 @@
         </p:nvSpPr>
         <p:spPr>
           <a:xfrm>
-            <a:off x="1183005" y="1779270"/>
+            <a:off x="1183005" y="1758950"/>
             <a:ext cx="9973310" cy="4548188"/>
           </a:xfrm>
           <a:prstGeom prst="rect">
@@ -7660,159 +10074,169 @@
           <a:lstStyle/>
           <a:p>
             <a:pPr marL="342900" indent="-342900" algn="just">
-              <a:lnSpc>
-                <a:spcPct val="100000"/>
-              </a:lnSpc>
-              <a:buFont typeface="Arial" panose="020B0604020202020204" pitchFamily="34" charset="0"/>
-              <a:buChar char="•"/>
+              <a:buFont typeface="Wingdings" panose="05000000000000000000" pitchFamily="2" charset="2"/>
+              <a:buChar char="§"/>
             </a:pPr>
             <a:r>
               <a:rPr lang="en-US" sz="2400" dirty="0">
                 <a:latin typeface="Times New Roman" panose="02020603050405020304" pitchFamily="18" charset="0"/>
                 <a:cs typeface="Times New Roman" panose="02020603050405020304" pitchFamily="18" charset="0"/>
               </a:rPr>
-              <a:t>The methodology of the metaverse in healthcare involves combining advanced technologies like virtual reality (VR), augmented reality (AR), artificial intelligence (AI), blockchain, and the Internet of Things (IoT) to create immersive, secure, and interactive healthcare experiences. </a:t>
+              <a:t>The metaverse in healthcare uses advanced technologies like VR, AR, AI, blockchain, and IoT to create interactive and secure healthcare experiences.</a:t>
             </a:r>
           </a:p>
           <a:p>
             <a:pPr marL="342900" indent="-342900" algn="just">
-              <a:lnSpc>
-                <a:spcPct val="100000"/>
-              </a:lnSpc>
-              <a:buFont typeface="Arial" panose="020B0604020202020204" pitchFamily="34" charset="0"/>
-              <a:buChar char="•"/>
+              <a:buFont typeface="Wingdings" panose="05000000000000000000" pitchFamily="2" charset="2"/>
+              <a:buChar char="§"/>
             </a:pPr>
             <a:r>
               <a:rPr lang="en-US" sz="2400" dirty="0">
                 <a:latin typeface="Times New Roman" panose="02020603050405020304" pitchFamily="18" charset="0"/>
                 <a:cs typeface="Times New Roman" panose="02020603050405020304" pitchFamily="18" charset="0"/>
               </a:rPr>
-              <a:t>Here are some potential factors of Metaverse in Healthcare:</a:t>
-            </a:r>
-          </a:p>
-          <a:p>
-            <a:pPr marL="914400" lvl="1" indent="-457200" algn="just">
-              <a:lnSpc>
-                <a:spcPct val="100000"/>
-              </a:lnSpc>
-              <a:buFont typeface="+mj-lt"/>
-              <a:buAutoNum type="arabicPeriod"/>
+              <a:t>Here are some key aspects:</a:t>
+            </a:r>
+          </a:p>
+          <a:p>
+            <a:pPr marL="800100" lvl="1" indent="-342900" algn="just">
+              <a:buFont typeface="Wingdings" panose="05000000000000000000" pitchFamily="2" charset="2"/>
+              <a:buChar char="§"/>
             </a:pPr>
             <a:r>
+              <a:rPr lang="en-US" sz="2400" b="1" dirty="0">
+                <a:latin typeface="Times New Roman" panose="02020603050405020304" pitchFamily="18" charset="0"/>
+                <a:cs typeface="Times New Roman" panose="02020603050405020304" pitchFamily="18" charset="0"/>
+              </a:rPr>
+              <a:t>Virtual Environments</a:t>
+            </a:r>
+            <a:r>
               <a:rPr lang="en-US" sz="2400" dirty="0">
                 <a:latin typeface="Times New Roman" panose="02020603050405020304" pitchFamily="18" charset="0"/>
                 <a:cs typeface="Times New Roman" panose="02020603050405020304" pitchFamily="18" charset="0"/>
               </a:rPr>
-              <a:t>Virtual Environments</a:t>
-            </a:r>
-          </a:p>
-          <a:p>
-            <a:pPr marL="914400" lvl="1" indent="-457200" algn="just">
-              <a:lnSpc>
-                <a:spcPct val="100000"/>
-              </a:lnSpc>
-              <a:buFont typeface="+mj-lt"/>
-              <a:buAutoNum type="arabicPeriod"/>
+              <a:t>: Online spaces for healthcare interactions.</a:t>
+            </a:r>
+          </a:p>
+          <a:p>
+            <a:pPr marL="800100" lvl="1" indent="-342900" algn="just">
+              <a:buFont typeface="Wingdings" panose="05000000000000000000" pitchFamily="2" charset="2"/>
+              <a:buChar char="§"/>
             </a:pPr>
             <a:r>
+              <a:rPr lang="en-US" sz="2400" b="1" dirty="0">
+                <a:latin typeface="Times New Roman" panose="02020603050405020304" pitchFamily="18" charset="0"/>
+                <a:cs typeface="Times New Roman" panose="02020603050405020304" pitchFamily="18" charset="0"/>
+              </a:rPr>
+              <a:t>Intelligent Systems</a:t>
+            </a:r>
+            <a:r>
               <a:rPr lang="en-US" sz="2400" dirty="0">
                 <a:latin typeface="Times New Roman" panose="02020603050405020304" pitchFamily="18" charset="0"/>
                 <a:cs typeface="Times New Roman" panose="02020603050405020304" pitchFamily="18" charset="0"/>
               </a:rPr>
-              <a:t>Intelligent Systems</a:t>
-            </a:r>
-          </a:p>
-          <a:p>
-            <a:pPr marL="914400" lvl="1" indent="-457200" algn="just">
-              <a:lnSpc>
-                <a:spcPct val="100000"/>
-              </a:lnSpc>
-              <a:buFont typeface="+mj-lt"/>
-              <a:buAutoNum type="arabicPeriod"/>
+              <a:t>: Smart technologies that assist in decision-making.</a:t>
+            </a:r>
+          </a:p>
+          <a:p>
+            <a:pPr marL="800100" lvl="1" indent="-342900" algn="just">
+              <a:buFont typeface="Wingdings" panose="05000000000000000000" pitchFamily="2" charset="2"/>
+              <a:buChar char="§"/>
             </a:pPr>
             <a:r>
+              <a:rPr lang="en-US" sz="2400" b="1" dirty="0">
+                <a:latin typeface="Times New Roman" panose="02020603050405020304" pitchFamily="18" charset="0"/>
+                <a:cs typeface="Times New Roman" panose="02020603050405020304" pitchFamily="18" charset="0"/>
+              </a:rPr>
+              <a:t>Real-Time Data Collection</a:t>
+            </a:r>
+            <a:r>
               <a:rPr lang="en-US" sz="2400" dirty="0">
                 <a:latin typeface="Times New Roman" panose="02020603050405020304" pitchFamily="18" charset="0"/>
                 <a:cs typeface="Times New Roman" panose="02020603050405020304" pitchFamily="18" charset="0"/>
               </a:rPr>
-              <a:t>Real-Time Data Collection</a:t>
-            </a:r>
-          </a:p>
-          <a:p>
-            <a:pPr marL="914400" lvl="1" indent="-457200" algn="just">
-              <a:lnSpc>
-                <a:spcPct val="100000"/>
-              </a:lnSpc>
-              <a:buFont typeface="+mj-lt"/>
-              <a:buAutoNum type="arabicPeriod"/>
+              <a:t>: Gathering data instantly for better care.</a:t>
+            </a:r>
+          </a:p>
+          <a:p>
+            <a:pPr marL="800100" lvl="1" indent="-342900" algn="just">
+              <a:buFont typeface="Wingdings" panose="05000000000000000000" pitchFamily="2" charset="2"/>
+              <a:buChar char="§"/>
             </a:pPr>
             <a:r>
+              <a:rPr lang="en-US" sz="2400" b="1" dirty="0">
+                <a:latin typeface="Times New Roman" panose="02020603050405020304" pitchFamily="18" charset="0"/>
+                <a:cs typeface="Times New Roman" panose="02020603050405020304" pitchFamily="18" charset="0"/>
+              </a:rPr>
+              <a:t>Patient-Centered Care</a:t>
+            </a:r>
+            <a:r>
               <a:rPr lang="en-US" sz="2400" dirty="0">
                 <a:latin typeface="Times New Roman" panose="02020603050405020304" pitchFamily="18" charset="0"/>
                 <a:cs typeface="Times New Roman" panose="02020603050405020304" pitchFamily="18" charset="0"/>
               </a:rPr>
-              <a:t>Patient-Centered Care</a:t>
-            </a:r>
-          </a:p>
-          <a:p>
-            <a:pPr marL="914400" lvl="1" indent="-457200" algn="just">
-              <a:lnSpc>
-                <a:spcPct val="100000"/>
-              </a:lnSpc>
-              <a:buFont typeface="+mj-lt"/>
-              <a:buAutoNum type="arabicPeriod"/>
+              <a:t>: Focusing on the patient's needs.</a:t>
+            </a:r>
+          </a:p>
+          <a:p>
+            <a:pPr marL="800100" lvl="1" indent="-342900" algn="just">
+              <a:buFont typeface="Wingdings" panose="05000000000000000000" pitchFamily="2" charset="2"/>
+              <a:buChar char="§"/>
             </a:pPr>
             <a:r>
+              <a:rPr lang="en-US" sz="2400" b="1" dirty="0">
+                <a:latin typeface="Times New Roman" panose="02020603050405020304" pitchFamily="18" charset="0"/>
+                <a:cs typeface="Times New Roman" panose="02020603050405020304" pitchFamily="18" charset="0"/>
+              </a:rPr>
+              <a:t>Data Security</a:t>
+            </a:r>
+            <a:r>
               <a:rPr lang="en-US" sz="2400" dirty="0">
                 <a:latin typeface="Times New Roman" panose="02020603050405020304" pitchFamily="18" charset="0"/>
                 <a:cs typeface="Times New Roman" panose="02020603050405020304" pitchFamily="18" charset="0"/>
               </a:rPr>
-              <a:t>Data Security </a:t>
-            </a:r>
-          </a:p>
-          <a:p>
-            <a:pPr marL="914400" lvl="1" indent="-457200" algn="just">
-              <a:lnSpc>
-                <a:spcPct val="100000"/>
-              </a:lnSpc>
-              <a:buFont typeface="+mj-lt"/>
-              <a:buAutoNum type="arabicPeriod"/>
+              <a:t>: Keeping healthcare data safe.</a:t>
+            </a:r>
+          </a:p>
+          <a:p>
+            <a:pPr marL="800100" lvl="1" indent="-342900" algn="just">
+              <a:buFont typeface="Wingdings" panose="05000000000000000000" pitchFamily="2" charset="2"/>
+              <a:buChar char="§"/>
             </a:pPr>
             <a:r>
+              <a:rPr lang="en-US" sz="2400" b="1" dirty="0">
+                <a:latin typeface="Times New Roman" panose="02020603050405020304" pitchFamily="18" charset="0"/>
+                <a:cs typeface="Times New Roman" panose="02020603050405020304" pitchFamily="18" charset="0"/>
+              </a:rPr>
+              <a:t>Telemedicine and Remote Procedures</a:t>
+            </a:r>
+            <a:r>
               <a:rPr lang="en-US" sz="2400" dirty="0">
                 <a:latin typeface="Times New Roman" panose="02020603050405020304" pitchFamily="18" charset="0"/>
                 <a:cs typeface="Times New Roman" panose="02020603050405020304" pitchFamily="18" charset="0"/>
               </a:rPr>
-              <a:t>Telemedicine and Remote Procedures</a:t>
-            </a:r>
-          </a:p>
-          <a:p>
-            <a:pPr marL="914400" lvl="1" indent="-457200" algn="just">
-              <a:lnSpc>
-                <a:spcPct val="100000"/>
-              </a:lnSpc>
-              <a:buFont typeface="+mj-lt"/>
-              <a:buAutoNum type="arabicPeriod"/>
+              <a:t>: Remote consultations and treatments.</a:t>
+            </a:r>
+          </a:p>
+          <a:p>
+            <a:pPr marL="800100" lvl="1" indent="-342900" algn="just">
+              <a:buFont typeface="Wingdings" panose="05000000000000000000" pitchFamily="2" charset="2"/>
+              <a:buChar char="§"/>
             </a:pPr>
             <a:r>
+              <a:rPr lang="en-US" sz="2400" b="1" dirty="0">
+                <a:latin typeface="Times New Roman" panose="02020603050405020304" pitchFamily="18" charset="0"/>
+                <a:cs typeface="Times New Roman" panose="02020603050405020304" pitchFamily="18" charset="0"/>
+              </a:rPr>
+              <a:t>Medical Training</a:t>
+            </a:r>
+            <a:r>
               <a:rPr lang="en-US" sz="2400" dirty="0">
                 <a:latin typeface="Times New Roman" panose="02020603050405020304" pitchFamily="18" charset="0"/>
                 <a:cs typeface="Times New Roman" panose="02020603050405020304" pitchFamily="18" charset="0"/>
               </a:rPr>
-              <a:t>Medical Training</a:t>
-            </a:r>
-          </a:p>
-          <a:p>
-            <a:pPr marL="457200" lvl="1" indent="0" algn="just">
-              <a:lnSpc>
-                <a:spcPct val="100000"/>
-              </a:lnSpc>
-              <a:buNone/>
-            </a:pPr>
-            <a:endParaRPr lang="en-US" dirty="0">
-              <a:latin typeface="Times New Roman" panose="02020603050405020304" pitchFamily="18" charset="0"/>
-              <a:cs typeface="Times New Roman" panose="02020603050405020304" pitchFamily="18" charset="0"/>
-            </a:endParaRPr>
+              <a:t>: Virtual training for healthcare professionals.</a:t>
+            </a:r>
           </a:p>
         </p:txBody>
       </p:sp>
@@ -7923,7 +10347,7 @@
         <p:spPr>
           <a:xfrm>
             <a:off x="1066800" y="797351"/>
-            <a:ext cx="10058400" cy="5565947"/>
+            <a:ext cx="10058400" cy="6119945"/>
           </a:xfrm>
           <a:prstGeom prst="rect">
             <a:avLst/>
@@ -7936,7 +10360,7 @@
           </a:bodyPr>
           <a:lstStyle/>
           <a:p>
-            <a:pPr marL="285750" marR="0" lvl="0" indent="-285750" algn="just" defTabSz="914400" rtl="0" eaLnBrk="0" fontAlgn="base" latinLnBrk="0" hangingPunct="0">
+            <a:pPr marL="342900" marR="0" lvl="0" indent="-342900" algn="just" defTabSz="914400" rtl="0" eaLnBrk="0" fontAlgn="base" latinLnBrk="0" hangingPunct="0">
               <a:lnSpc>
                 <a:spcPct val="150000"/>
               </a:lnSpc>
@@ -7948,8 +10372,8 @@
               </a:spcAft>
               <a:buClrTx/>
               <a:buSzTx/>
-              <a:buFont typeface="Arial" panose="020B0604020202020204" pitchFamily="34" charset="0"/>
-              <a:buChar char="•"/>
+              <a:buFont typeface="Wingdings" panose="05000000000000000000" pitchFamily="2" charset="2"/>
+              <a:buChar char="§"/>
               <a:tabLst/>
             </a:pPr>
             <a:r>
@@ -7961,7 +10385,135 @@
                 <a:latin typeface="Times New Roman" panose="02020603050405020304" pitchFamily="18" charset="0"/>
                 <a:cs typeface="Times New Roman" panose="02020603050405020304" pitchFamily="18" charset="0"/>
               </a:rPr>
-              <a:t>Here are some potential names for models integrating the metaverse into healthcare:</a:t>
+              <a:t>Here are some potential names for models using the metaverse into healthcare:</a:t>
+            </a:r>
+          </a:p>
+          <a:p>
+            <a:pPr marL="800100" lvl="1" indent="-342900">
+              <a:lnSpc>
+                <a:spcPct val="150000"/>
+              </a:lnSpc>
+              <a:buFont typeface="Wingdings" panose="05000000000000000000" pitchFamily="2" charset="2"/>
+              <a:buChar char="§"/>
+            </a:pPr>
+            <a:r>
+              <a:rPr lang="en-US" sz="2400" dirty="0">
+                <a:latin typeface="Times New Roman" panose="02020603050405020304" pitchFamily="18" charset="0"/>
+                <a:cs typeface="Times New Roman" panose="02020603050405020304" pitchFamily="18" charset="0"/>
+              </a:rPr>
+              <a:t>Metaverse Health Connection Model</a:t>
+            </a:r>
+          </a:p>
+          <a:p>
+            <a:pPr marL="800100" lvl="1" indent="-342900">
+              <a:lnSpc>
+                <a:spcPct val="150000"/>
+              </a:lnSpc>
+              <a:buFont typeface="Wingdings" panose="05000000000000000000" pitchFamily="2" charset="2"/>
+              <a:buChar char="§"/>
+            </a:pPr>
+            <a:r>
+              <a:rPr lang="en-US" sz="2400" dirty="0">
+                <a:latin typeface="Times New Roman" panose="02020603050405020304" pitchFamily="18" charset="0"/>
+                <a:cs typeface="Times New Roman" panose="02020603050405020304" pitchFamily="18" charset="0"/>
+              </a:rPr>
+              <a:t>Virtual Care System Model</a:t>
+            </a:r>
+          </a:p>
+          <a:p>
+            <a:pPr marL="800100" lvl="1" indent="-342900">
+              <a:lnSpc>
+                <a:spcPct val="150000"/>
+              </a:lnSpc>
+              <a:buFont typeface="Wingdings" panose="05000000000000000000" pitchFamily="2" charset="2"/>
+              <a:buChar char="§"/>
+            </a:pPr>
+            <a:r>
+              <a:rPr lang="en-US" sz="2400" dirty="0">
+                <a:latin typeface="Times New Roman" panose="02020603050405020304" pitchFamily="18" charset="0"/>
+                <a:cs typeface="Times New Roman" panose="02020603050405020304" pitchFamily="18" charset="0"/>
+              </a:rPr>
+              <a:t>Immersive Healthcare Plan</a:t>
+            </a:r>
+          </a:p>
+          <a:p>
+            <a:pPr marL="800100" lvl="1" indent="-342900">
+              <a:lnSpc>
+                <a:spcPct val="150000"/>
+              </a:lnSpc>
+              <a:buFont typeface="Wingdings" panose="05000000000000000000" pitchFamily="2" charset="2"/>
+              <a:buChar char="§"/>
+            </a:pPr>
+            <a:r>
+              <a:rPr lang="en-US" sz="2400" dirty="0">
+                <a:latin typeface="Times New Roman" panose="02020603050405020304" pitchFamily="18" charset="0"/>
+                <a:cs typeface="Times New Roman" panose="02020603050405020304" pitchFamily="18" charset="0"/>
+              </a:rPr>
+              <a:t>Augmented Medical Interface Model</a:t>
+            </a:r>
+          </a:p>
+          <a:p>
+            <a:pPr marL="800100" lvl="1" indent="-342900">
+              <a:lnSpc>
+                <a:spcPct val="150000"/>
+              </a:lnSpc>
+              <a:buFont typeface="Wingdings" panose="05000000000000000000" pitchFamily="2" charset="2"/>
+              <a:buChar char="§"/>
+            </a:pPr>
+            <a:r>
+              <a:rPr lang="en-US" sz="2400" dirty="0">
+                <a:latin typeface="Times New Roman" panose="02020603050405020304" pitchFamily="18" charset="0"/>
+                <a:cs typeface="Times New Roman" panose="02020603050405020304" pitchFamily="18" charset="0"/>
+              </a:rPr>
+              <a:t>Digital Health Unity Model</a:t>
+            </a:r>
+          </a:p>
+          <a:p>
+            <a:pPr marL="800100" lvl="1" indent="-342900">
+              <a:lnSpc>
+                <a:spcPct val="150000"/>
+              </a:lnSpc>
+              <a:buFont typeface="Wingdings" panose="05000000000000000000" pitchFamily="2" charset="2"/>
+              <a:buChar char="§"/>
+            </a:pPr>
+            <a:r>
+              <a:rPr lang="en-US" sz="2400" dirty="0">
+                <a:latin typeface="Times New Roman" panose="02020603050405020304" pitchFamily="18" charset="0"/>
+                <a:cs typeface="Times New Roman" panose="02020603050405020304" pitchFamily="18" charset="0"/>
+              </a:rPr>
+              <a:t>Metaverse Medical Integration Model</a:t>
+            </a:r>
+          </a:p>
+          <a:p>
+            <a:pPr marL="800100" lvl="1" indent="-342900">
+              <a:lnSpc>
+                <a:spcPct val="150000"/>
+              </a:lnSpc>
+              <a:buFont typeface="Wingdings" panose="05000000000000000000" pitchFamily="2" charset="2"/>
+              <a:buChar char="§"/>
+            </a:pPr>
+            <a:r>
+              <a:rPr lang="en-US" sz="2400" dirty="0">
+                <a:latin typeface="Times New Roman" panose="02020603050405020304" pitchFamily="18" charset="0"/>
+                <a:cs typeface="Times New Roman" panose="02020603050405020304" pitchFamily="18" charset="0"/>
+              </a:rPr>
+              <a:t>Virtual Health Innovation Plan</a:t>
+            </a:r>
+          </a:p>
+          <a:p>
+            <a:pPr marL="800100" lvl="1" indent="-342900">
+              <a:lnSpc>
+                <a:spcPct val="150000"/>
+              </a:lnSpc>
+              <a:buFont typeface="Wingdings" panose="05000000000000000000" pitchFamily="2" charset="2"/>
+              <a:buChar char="§"/>
+            </a:pPr>
+            <a:r>
+              <a:rPr lang="en-US" sz="2400" dirty="0">
+                <a:latin typeface="Times New Roman" panose="02020603050405020304" pitchFamily="18" charset="0"/>
+                <a:cs typeface="Times New Roman" panose="02020603050405020304" pitchFamily="18" charset="0"/>
+              </a:rPr>
+              <a:t>Interactive Health Metaverse Model</a:t>
             </a:r>
           </a:p>
           <a:p>
@@ -7975,190 +10527,9 @@
               <a:spcAft>
                 <a:spcPct val="0"/>
               </a:spcAft>
-              <a:buFont typeface="Arial" panose="020B0604020202020204" pitchFamily="34" charset="0"/>
-              <a:buChar char="•"/>
+              <a:buFont typeface="Wingdings" panose="05000000000000000000" pitchFamily="2" charset="2"/>
+              <a:buChar char="§"/>
             </a:pPr>
-            <a:r>
-              <a:rPr kumimoji="0" lang="en-US" altLang="en-US" sz="2400" b="0" i="0" u="none" strike="noStrike" cap="none" normalizeH="0" baseline="0" dirty="0">
-                <a:ln>
-                  <a:noFill/>
-                </a:ln>
-                <a:effectLst/>
-                <a:latin typeface="Times New Roman" panose="02020603050405020304" pitchFamily="18" charset="0"/>
-                <a:cs typeface="Times New Roman" panose="02020603050405020304" pitchFamily="18" charset="0"/>
-              </a:rPr>
-              <a:t>Metaverse Health Nexus Model</a:t>
-            </a:r>
-          </a:p>
-          <a:p>
-            <a:pPr marL="800100" lvl="1" indent="-342900" algn="just" eaLnBrk="0" fontAlgn="base" hangingPunct="0">
-              <a:lnSpc>
-                <a:spcPct val="150000"/>
-              </a:lnSpc>
-              <a:spcBef>
-                <a:spcPct val="0"/>
-              </a:spcBef>
-              <a:spcAft>
-                <a:spcPct val="0"/>
-              </a:spcAft>
-              <a:buFont typeface="Arial" panose="020B0604020202020204" pitchFamily="34" charset="0"/>
-              <a:buChar char="•"/>
-            </a:pPr>
-            <a:r>
-              <a:rPr kumimoji="0" lang="en-US" altLang="en-US" sz="2400" b="0" i="0" u="none" strike="noStrike" cap="none" normalizeH="0" baseline="0" dirty="0">
-                <a:ln>
-                  <a:noFill/>
-                </a:ln>
-                <a:effectLst/>
-                <a:latin typeface="Times New Roman" panose="02020603050405020304" pitchFamily="18" charset="0"/>
-                <a:cs typeface="Times New Roman" panose="02020603050405020304" pitchFamily="18" charset="0"/>
-              </a:rPr>
-              <a:t>Virtual Care Ecosystem Model</a:t>
-            </a:r>
-          </a:p>
-          <a:p>
-            <a:pPr marL="800100" lvl="1" indent="-342900" algn="just" eaLnBrk="0" fontAlgn="base" hangingPunct="0">
-              <a:lnSpc>
-                <a:spcPct val="150000"/>
-              </a:lnSpc>
-              <a:spcBef>
-                <a:spcPct val="0"/>
-              </a:spcBef>
-              <a:spcAft>
-                <a:spcPct val="0"/>
-              </a:spcAft>
-              <a:buFont typeface="Arial" panose="020B0604020202020204" pitchFamily="34" charset="0"/>
-              <a:buChar char="•"/>
-            </a:pPr>
-            <a:r>
-              <a:rPr kumimoji="0" lang="en-US" altLang="en-US" sz="2400" b="0" i="0" u="none" strike="noStrike" cap="none" normalizeH="0" baseline="0" dirty="0">
-                <a:ln>
-                  <a:noFill/>
-                </a:ln>
-                <a:effectLst/>
-                <a:latin typeface="Times New Roman" panose="02020603050405020304" pitchFamily="18" charset="0"/>
-                <a:cs typeface="Times New Roman" panose="02020603050405020304" pitchFamily="18" charset="0"/>
-              </a:rPr>
-              <a:t>Immersive Healthcare Framework</a:t>
-            </a:r>
-          </a:p>
-          <a:p>
-            <a:pPr marL="800100" lvl="1" indent="-342900" algn="just" eaLnBrk="0" fontAlgn="base" hangingPunct="0">
-              <a:lnSpc>
-                <a:spcPct val="150000"/>
-              </a:lnSpc>
-              <a:spcBef>
-                <a:spcPct val="0"/>
-              </a:spcBef>
-              <a:spcAft>
-                <a:spcPct val="0"/>
-              </a:spcAft>
-              <a:buFont typeface="Arial" panose="020B0604020202020204" pitchFamily="34" charset="0"/>
-              <a:buChar char="•"/>
-            </a:pPr>
-            <a:r>
-              <a:rPr lang="en-US" altLang="en-US" sz="2400" dirty="0">
-                <a:latin typeface="Times New Roman" panose="02020603050405020304" pitchFamily="18" charset="0"/>
-                <a:cs typeface="Times New Roman" panose="02020603050405020304" pitchFamily="18" charset="0"/>
-              </a:rPr>
-              <a:t>Augmented Medical Interface Model</a:t>
-            </a:r>
-          </a:p>
-          <a:p>
-            <a:pPr marL="800100" lvl="1" indent="-342900" algn="just" eaLnBrk="0" fontAlgn="base" hangingPunct="0">
-              <a:lnSpc>
-                <a:spcPct val="150000"/>
-              </a:lnSpc>
-              <a:spcBef>
-                <a:spcPct val="0"/>
-              </a:spcBef>
-              <a:spcAft>
-                <a:spcPct val="0"/>
-              </a:spcAft>
-              <a:buFont typeface="Arial" panose="020B0604020202020204" pitchFamily="34" charset="0"/>
-              <a:buChar char="•"/>
-            </a:pPr>
-            <a:r>
-              <a:rPr kumimoji="0" lang="en-US" altLang="en-US" sz="2400" b="0" i="0" u="none" strike="noStrike" cap="none" normalizeH="0" baseline="0" dirty="0">
-                <a:ln>
-                  <a:noFill/>
-                </a:ln>
-                <a:effectLst/>
-                <a:latin typeface="Times New Roman" panose="02020603050405020304" pitchFamily="18" charset="0"/>
-                <a:cs typeface="Times New Roman" panose="02020603050405020304" pitchFamily="18" charset="0"/>
-              </a:rPr>
-              <a:t>Digital Health Convergence Model</a:t>
-            </a:r>
-          </a:p>
-          <a:p>
-            <a:pPr marL="800100" lvl="1" indent="-342900" algn="just" eaLnBrk="0" fontAlgn="base" hangingPunct="0">
-              <a:lnSpc>
-                <a:spcPct val="150000"/>
-              </a:lnSpc>
-              <a:spcBef>
-                <a:spcPct val="0"/>
-              </a:spcBef>
-              <a:spcAft>
-                <a:spcPct val="0"/>
-              </a:spcAft>
-              <a:buFont typeface="Arial" panose="020B0604020202020204" pitchFamily="34" charset="0"/>
-              <a:buChar char="•"/>
-            </a:pPr>
-            <a:r>
-              <a:rPr lang="en-US" altLang="en-US" sz="2400" dirty="0">
-                <a:latin typeface="Times New Roman" panose="02020603050405020304" pitchFamily="18" charset="0"/>
-                <a:cs typeface="Times New Roman" panose="02020603050405020304" pitchFamily="18" charset="0"/>
-              </a:rPr>
-              <a:t>Metaverse Medical Integration Model</a:t>
-            </a:r>
-          </a:p>
-          <a:p>
-            <a:pPr marL="800100" lvl="1" indent="-342900" algn="just" eaLnBrk="0" fontAlgn="base" hangingPunct="0">
-              <a:lnSpc>
-                <a:spcPct val="150000"/>
-              </a:lnSpc>
-              <a:spcBef>
-                <a:spcPct val="0"/>
-              </a:spcBef>
-              <a:spcAft>
-                <a:spcPct val="0"/>
-              </a:spcAft>
-              <a:buFont typeface="Arial" panose="020B0604020202020204" pitchFamily="34" charset="0"/>
-              <a:buChar char="•"/>
-            </a:pPr>
-            <a:r>
-              <a:rPr kumimoji="0" lang="en-US" altLang="en-US" sz="2400" b="0" i="0" u="none" strike="noStrike" cap="none" normalizeH="0" baseline="0" dirty="0">
-                <a:ln>
-                  <a:noFill/>
-                </a:ln>
-                <a:effectLst/>
-                <a:latin typeface="Times New Roman" panose="02020603050405020304" pitchFamily="18" charset="0"/>
-                <a:cs typeface="Times New Roman" panose="02020603050405020304" pitchFamily="18" charset="0"/>
-              </a:rPr>
-              <a:t>Virtual Health Innovation Framework</a:t>
-            </a:r>
-          </a:p>
-          <a:p>
-            <a:pPr marL="800100" lvl="1" indent="-342900" algn="just" eaLnBrk="0" fontAlgn="base" hangingPunct="0">
-              <a:lnSpc>
-                <a:spcPct val="150000"/>
-              </a:lnSpc>
-              <a:spcBef>
-                <a:spcPct val="0"/>
-              </a:spcBef>
-              <a:spcAft>
-                <a:spcPct val="0"/>
-              </a:spcAft>
-              <a:buFont typeface="Arial" panose="020B0604020202020204" pitchFamily="34" charset="0"/>
-              <a:buChar char="•"/>
-            </a:pPr>
-            <a:r>
-              <a:rPr lang="en-US" altLang="en-US" sz="2400" dirty="0">
-                <a:latin typeface="Times New Roman" panose="02020603050405020304" pitchFamily="18" charset="0"/>
-                <a:cs typeface="Times New Roman" panose="02020603050405020304" pitchFamily="18" charset="0"/>
-              </a:rPr>
-              <a:t>Interactive Health Metaverse Model</a:t>
-            </a:r>
             <a:endParaRPr kumimoji="0" lang="en-US" altLang="en-US" sz="2400" b="0" i="0" u="none" strike="noStrike" cap="none" normalizeH="0" baseline="0" dirty="0">
               <a:ln>
                 <a:noFill/>

--- a/Seminar PPT/23MDS003 - Seminar.pptx
+++ b/Seminar PPT/23MDS003 - Seminar.pptx
@@ -5,7 +5,7 @@
     <p:sldMasterId id="2147483648" r:id="rId1"/>
   </p:sldMasterIdLst>
   <p:notesMasterIdLst>
-    <p:notesMasterId r:id="rId22"/>
+    <p:notesMasterId r:id="rId23"/>
   </p:notesMasterIdLst>
   <p:sldIdLst>
     <p:sldId id="256" r:id="rId2"/>
@@ -25,9 +25,10 @@
     <p:sldId id="334" r:id="rId16"/>
     <p:sldId id="263" r:id="rId17"/>
     <p:sldId id="264" r:id="rId18"/>
-    <p:sldId id="265" r:id="rId19"/>
-    <p:sldId id="325" r:id="rId20"/>
-    <p:sldId id="270" r:id="rId21"/>
+    <p:sldId id="335" r:id="rId19"/>
+    <p:sldId id="265" r:id="rId20"/>
+    <p:sldId id="325" r:id="rId21"/>
+    <p:sldId id="270" r:id="rId22"/>
   </p:sldIdLst>
   <p:sldSz cx="12192000" cy="6858000"/>
   <p:notesSz cx="6858000" cy="9144000"/>
@@ -216,7 +217,7 @@
           <a:p>
             <a:fld id="{3C5A54E6-2B09-4E9A-81C4-DE64D00C8B28}" type="datetimeFigureOut">
               <a:rPr lang="en-IN" smtClean="0"/>
-              <a:t>26-11-2024</a:t>
+              <a:t>12-12-2024</a:t>
             </a:fld>
             <a:endParaRPr lang="en-IN"/>
           </a:p>
@@ -919,7 +920,7 @@
           <a:p>
             <a:fld id="{9F58C53D-0397-42C9-A2C4-8D5F960D53C0}" type="datetime1">
               <a:rPr lang="en-US" smtClean="0"/>
-              <a:t>11/26/2024</a:t>
+              <a:t>12/12/2024</a:t>
             </a:fld>
             <a:endParaRPr lang="en-US" dirty="0"/>
           </a:p>
@@ -1126,7 +1127,7 @@
           <a:p>
             <a:fld id="{A1835794-F2BA-450B-8061-BD3242FEAD7D}" type="datetime1">
               <a:rPr lang="en-US" smtClean="0"/>
-              <a:t>11/26/2024</a:t>
+              <a:t>12/12/2024</a:t>
             </a:fld>
             <a:endParaRPr lang="en-US" dirty="0"/>
           </a:p>
@@ -1381,7 +1382,7 @@
           <a:p>
             <a:fld id="{090E4160-2BFE-4558-B870-00510EECAC11}" type="datetime1">
               <a:rPr lang="en-US" smtClean="0"/>
-              <a:t>11/26/2024</a:t>
+              <a:t>12/12/2024</a:t>
             </a:fld>
             <a:endParaRPr lang="en-US" dirty="0"/>
           </a:p>
@@ -1554,7 +1555,7 @@
           <a:p>
             <a:fld id="{8233F0BD-090A-400A-A474-BF306731B21A}" type="datetime1">
               <a:rPr lang="en-US" smtClean="0"/>
-              <a:t>11/26/2024</a:t>
+              <a:t>12/12/2024</a:t>
             </a:fld>
             <a:endParaRPr lang="en-US" dirty="0"/>
           </a:p>
@@ -1896,7 +1897,7 @@
           <a:p>
             <a:fld id="{9F881C79-DFF7-4630-8059-F67E2379C76A}" type="datetime1">
               <a:rPr lang="en-US" smtClean="0"/>
-              <a:t>11/26/2024</a:t>
+              <a:t>12/12/2024</a:t>
             </a:fld>
             <a:endParaRPr lang="en-US" dirty="0"/>
           </a:p>
@@ -2170,7 +2171,7 @@
           <a:p>
             <a:fld id="{A72D2B0C-FFE4-4540-8465-57912EA6DB1D}" type="datetime1">
               <a:rPr lang="en-US" smtClean="0"/>
-              <a:t>11/26/2024</a:t>
+              <a:t>12/12/2024</a:t>
             </a:fld>
             <a:endParaRPr lang="en-US" dirty="0"/>
           </a:p>
@@ -2548,7 +2549,7 @@
           <a:p>
             <a:fld id="{F9FC5B83-2BE4-4DCB-AEF8-C8C177588A20}" type="datetime1">
               <a:rPr lang="en-US" smtClean="0"/>
-              <a:t>11/26/2024</a:t>
+              <a:t>12/12/2024</a:t>
             </a:fld>
             <a:endParaRPr lang="en-US" dirty="0"/>
           </a:p>
@@ -2665,7 +2666,7 @@
           <a:p>
             <a:fld id="{22AB0CEA-0F33-465F-8B25-237B67DF228C}" type="datetime1">
               <a:rPr lang="en-US" smtClean="0"/>
-              <a:t>11/26/2024</a:t>
+              <a:t>12/12/2024</a:t>
             </a:fld>
             <a:endParaRPr lang="en-US" dirty="0"/>
           </a:p>
@@ -2835,7 +2836,7 @@
           <a:p>
             <a:fld id="{6443E64A-4301-4687-ACC5-CABE28C45753}" type="datetime1">
               <a:rPr lang="en-US" smtClean="0"/>
-              <a:t>11/26/2024</a:t>
+              <a:t>12/12/2024</a:t>
             </a:fld>
             <a:endParaRPr lang="en-US" dirty="0"/>
           </a:p>
@@ -3188,7 +3189,7 @@
           <a:p>
             <a:fld id="{C674147F-5A53-4BF4-BFC1-1BEE170AF421}" type="datetime1">
               <a:rPr lang="en-US" smtClean="0"/>
-              <a:t>11/26/2024</a:t>
+              <a:t>12/12/2024</a:t>
             </a:fld>
             <a:endParaRPr lang="en-US" dirty="0"/>
           </a:p>
@@ -3569,7 +3570,7 @@
           <a:p>
             <a:fld id="{EB3CC151-F0B1-4A76-B5CF-291643C5CC69}" type="datetime1">
               <a:rPr lang="en-US" smtClean="0"/>
-              <a:t>11/26/2024</a:t>
+              <a:t>12/12/2024</a:t>
             </a:fld>
             <a:endParaRPr lang="en-US" dirty="0"/>
           </a:p>
@@ -3855,7 +3856,7 @@
           <a:p>
             <a:fld id="{A7F3C914-FE37-4F1C-93F3-62FB9E40AA94}" type="datetime1">
               <a:rPr lang="en-US" smtClean="0"/>
-              <a:t>11/26/2024</a:t>
+              <a:t>12/12/2024</a:t>
             </a:fld>
             <a:endParaRPr lang="en-US" dirty="0"/>
           </a:p>
@@ -4677,7 +4678,7 @@
         </p:nvSpPr>
         <p:spPr>
           <a:xfrm>
-            <a:off x="1066800" y="797351"/>
+            <a:off x="1066800" y="959911"/>
             <a:ext cx="10058400" cy="579967"/>
           </a:xfrm>
           <a:prstGeom prst="rect">
@@ -4811,8 +4812,8 @@
         </p:nvSpPr>
         <p:spPr>
           <a:xfrm>
-            <a:off x="1442720" y="1416883"/>
-            <a:ext cx="9682478" cy="1687963"/>
+            <a:off x="1442720" y="1670883"/>
+            <a:ext cx="9682478" cy="1200329"/>
           </a:xfrm>
           <a:prstGeom prst="rect">
             <a:avLst/>
@@ -4826,9 +4827,6 @@
           <a:lstStyle/>
           <a:p>
             <a:pPr marL="342900" marR="0" lvl="0" indent="-342900" algn="just" defTabSz="914400" rtl="0" eaLnBrk="0" fontAlgn="base" latinLnBrk="0" hangingPunct="0">
-              <a:lnSpc>
-                <a:spcPct val="150000"/>
-              </a:lnSpc>
               <a:spcBef>
                 <a:spcPct val="0"/>
               </a:spcBef>
@@ -4848,16 +4846,51 @@
                 </a:ln>
                 <a:effectLst/>
                 <a:latin typeface="Times New Roman" panose="02020603050405020304" pitchFamily="18" charset="0"/>
-                <a:cs typeface="Times New Roman" panose="02020603050405020304" pitchFamily="18" charset="0"/>
-              </a:rPr>
-              <a:t>Uses VR and AR,</a:t>
-            </a:r>
+                <a:ea typeface="Tahoma" panose="020B0604030504040204" pitchFamily="34" charset="0"/>
+                <a:cs typeface="Times New Roman" panose="02020603050405020304" pitchFamily="18" charset="0"/>
+              </a:rPr>
+              <a:t>Uses </a:t>
+            </a:r>
+            <a:r>
+              <a:rPr lang="en-US" altLang="en-US" sz="2400" dirty="0">
+                <a:latin typeface="Times New Roman" panose="02020603050405020304" pitchFamily="18" charset="0"/>
+                <a:ea typeface="Tahoma" panose="020B0604030504040204" pitchFamily="34" charset="0"/>
+                <a:cs typeface="Times New Roman" panose="02020603050405020304" pitchFamily="18" charset="0"/>
+              </a:rPr>
+              <a:t>virtual reality</a:t>
+            </a:r>
+            <a:r>
+              <a:rPr kumimoji="0" lang="en-US" altLang="en-US" sz="2400" b="0" i="0" u="none" strike="noStrike" cap="none" normalizeH="0" baseline="0" dirty="0">
+                <a:ln>
+                  <a:noFill/>
+                </a:ln>
+                <a:effectLst/>
+                <a:latin typeface="Times New Roman" panose="02020603050405020304" pitchFamily="18" charset="0"/>
+                <a:ea typeface="Tahoma" panose="020B0604030504040204" pitchFamily="34" charset="0"/>
+                <a:cs typeface="Times New Roman" panose="02020603050405020304" pitchFamily="18" charset="0"/>
+              </a:rPr>
+              <a:t> and </a:t>
+            </a:r>
+            <a:r>
+              <a:rPr lang="en-US" altLang="en-US" sz="2400" dirty="0">
+                <a:latin typeface="Times New Roman" panose="02020603050405020304" pitchFamily="18" charset="0"/>
+                <a:ea typeface="Tahoma" panose="020B0604030504040204" pitchFamily="34" charset="0"/>
+                <a:cs typeface="Times New Roman" panose="02020603050405020304" pitchFamily="18" charset="0"/>
+              </a:rPr>
+              <a:t>augmented reality</a:t>
+            </a:r>
+            <a:endParaRPr kumimoji="0" lang="en-US" altLang="en-US" sz="2400" b="0" i="0" u="none" strike="noStrike" cap="none" normalizeH="0" baseline="0" dirty="0">
+              <a:ln>
+                <a:noFill/>
+              </a:ln>
+              <a:effectLst/>
+              <a:latin typeface="Times New Roman" panose="02020603050405020304" pitchFamily="18" charset="0"/>
+              <a:ea typeface="Tahoma" panose="020B0604030504040204" pitchFamily="34" charset="0"/>
+              <a:cs typeface="Times New Roman" panose="02020603050405020304" pitchFamily="18" charset="0"/>
+            </a:endParaRPr>
           </a:p>
           <a:p>
             <a:pPr marL="342900" marR="0" lvl="0" indent="-342900" algn="just" defTabSz="914400" rtl="0" eaLnBrk="0" fontAlgn="base" latinLnBrk="0" hangingPunct="0">
-              <a:lnSpc>
-                <a:spcPct val="150000"/>
-              </a:lnSpc>
               <a:spcBef>
                 <a:spcPct val="0"/>
               </a:spcBef>
@@ -4873,16 +4906,14 @@
             <a:r>
               <a:rPr lang="en-US" sz="2400" dirty="0">
                 <a:latin typeface="Times New Roman" panose="02020603050405020304" pitchFamily="18" charset="0"/>
-                <a:cs typeface="Times New Roman" panose="02020603050405020304" pitchFamily="18" charset="0"/>
-              </a:rPr>
-              <a:t>Improve Access</a:t>
+                <a:ea typeface="Tahoma" panose="020B0604030504040204" pitchFamily="34" charset="0"/>
+                <a:cs typeface="Times New Roman" panose="02020603050405020304" pitchFamily="18" charset="0"/>
+              </a:rPr>
+              <a:t>Improve access</a:t>
             </a:r>
           </a:p>
           <a:p>
             <a:pPr marL="342900" marR="0" lvl="0" indent="-342900" algn="just" defTabSz="914400" rtl="0" eaLnBrk="0" fontAlgn="base" latinLnBrk="0" hangingPunct="0">
-              <a:lnSpc>
-                <a:spcPct val="150000"/>
-              </a:lnSpc>
               <a:spcBef>
                 <a:spcPct val="0"/>
               </a:spcBef>
@@ -4898,6 +4929,7 @@
             <a:r>
               <a:rPr lang="en-US" sz="2400" dirty="0">
                 <a:latin typeface="Times New Roman" panose="02020603050405020304" pitchFamily="18" charset="0"/>
+                <a:ea typeface="Tahoma" panose="020B0604030504040204" pitchFamily="34" charset="0"/>
                 <a:cs typeface="Times New Roman" panose="02020603050405020304" pitchFamily="18" charset="0"/>
               </a:rPr>
               <a:t>Enhance communication patients and doctors</a:t>
@@ -4919,8 +4951,8 @@
         </p:nvSpPr>
         <p:spPr>
           <a:xfrm>
-            <a:off x="1066799" y="3170518"/>
-            <a:ext cx="10058399" cy="2985433"/>
+            <a:off x="1066799" y="2875878"/>
+            <a:ext cx="10058399" cy="2878480"/>
           </a:xfrm>
           <a:prstGeom prst="rect">
             <a:avLst/>
@@ -4934,6 +4966,9 @@
           <a:lstStyle/>
           <a:p>
             <a:pPr marL="342900" indent="-342900" algn="just">
+              <a:lnSpc>
+                <a:spcPct val="150000"/>
+              </a:lnSpc>
               <a:spcAft>
                 <a:spcPts val="800"/>
               </a:spcAft>
@@ -4941,7 +4976,7 @@
               <a:buChar char="§"/>
             </a:pPr>
             <a:r>
-              <a:rPr lang="en-US" sz="2400" kern="100" dirty="0">
+              <a:rPr lang="en-US" sz="2200" kern="100" dirty="0">
                 <a:effectLst/>
                 <a:latin typeface="Times New Roman" panose="02020603050405020304" pitchFamily="18" charset="0"/>
                 <a:ea typeface="Calibri" panose="020F0502020204030204" pitchFamily="34" charset="0"/>
@@ -4952,6 +4987,9 @@
           </a:p>
           <a:p>
             <a:pPr marL="800100" lvl="1" indent="-342900" algn="just">
+              <a:lnSpc>
+                <a:spcPct val="150000"/>
+              </a:lnSpc>
               <a:spcAft>
                 <a:spcPts val="800"/>
               </a:spcAft>
@@ -4959,7 +4997,7 @@
               <a:buChar char="§"/>
             </a:pPr>
             <a:r>
-              <a:rPr lang="en-US" sz="2400" b="1" kern="100" dirty="0">
+              <a:rPr lang="en-US" sz="2200" b="1" kern="100" dirty="0">
                 <a:effectLst/>
                 <a:latin typeface="Times New Roman" panose="02020603050405020304" pitchFamily="18" charset="0"/>
                 <a:ea typeface="Calibri" panose="020F0502020204030204" pitchFamily="34" charset="0"/>
@@ -4968,17 +5006,20 @@
               <a:t>Step 1</a:t>
             </a:r>
             <a:r>
-              <a:rPr lang="en-US" sz="2400" kern="100" dirty="0">
+              <a:rPr lang="en-US" sz="2200" kern="100" dirty="0">
                 <a:effectLst/>
                 <a:latin typeface="Times New Roman" panose="02020603050405020304" pitchFamily="18" charset="0"/>
                 <a:ea typeface="Calibri" panose="020F0502020204030204" pitchFamily="34" charset="0"/>
                 <a:cs typeface="Times New Roman" panose="02020603050405020304" pitchFamily="18" charset="0"/>
               </a:rPr>
-              <a:t>: Virtual healthcare spaces are created to simulate real-life medical settings.</a:t>
+              <a:t>: Virtual healthcare spaces: Simulate environments for medical settings.</a:t>
             </a:r>
           </a:p>
           <a:p>
             <a:pPr marL="800100" lvl="1" indent="-342900" algn="just">
+              <a:lnSpc>
+                <a:spcPct val="150000"/>
+              </a:lnSpc>
               <a:spcAft>
                 <a:spcPts val="800"/>
               </a:spcAft>
@@ -4986,7 +5027,7 @@
               <a:buChar char="§"/>
             </a:pPr>
             <a:r>
-              <a:rPr lang="en-US" sz="2400" b="1" kern="100" dirty="0">
+              <a:rPr lang="en-US" sz="2200" b="1" kern="100" dirty="0">
                 <a:effectLst/>
                 <a:latin typeface="Times New Roman" panose="02020603050405020304" pitchFamily="18" charset="0"/>
                 <a:ea typeface="Calibri" panose="020F0502020204030204" pitchFamily="34" charset="0"/>
@@ -4995,7 +5036,7 @@
               <a:t>Step 2</a:t>
             </a:r>
             <a:r>
-              <a:rPr lang="en-US" sz="2400" kern="100" dirty="0">
+              <a:rPr lang="en-US" sz="2200" kern="100" dirty="0">
                 <a:effectLst/>
                 <a:latin typeface="Times New Roman" panose="02020603050405020304" pitchFamily="18" charset="0"/>
                 <a:ea typeface="Calibri" panose="020F0502020204030204" pitchFamily="34" charset="0"/>
@@ -5006,6 +5047,9 @@
           </a:p>
           <a:p>
             <a:pPr marL="800100" lvl="1" indent="-342900" algn="just">
+              <a:lnSpc>
+                <a:spcPct val="150000"/>
+              </a:lnSpc>
               <a:spcAft>
                 <a:spcPts val="800"/>
               </a:spcAft>
@@ -5013,7 +5057,7 @@
               <a:buChar char="§"/>
             </a:pPr>
             <a:r>
-              <a:rPr lang="en-US" sz="2400" b="1" kern="100" dirty="0">
+              <a:rPr lang="en-US" sz="2200" b="1" kern="100" dirty="0">
                 <a:effectLst/>
                 <a:latin typeface="Times New Roman" panose="02020603050405020304" pitchFamily="18" charset="0"/>
                 <a:ea typeface="Calibri" panose="020F0502020204030204" pitchFamily="34" charset="0"/>
@@ -5022,7 +5066,7 @@
               <a:t>Step 3</a:t>
             </a:r>
             <a:r>
-              <a:rPr lang="en-US" sz="2400" kern="100" dirty="0">
+              <a:rPr lang="en-US" sz="2200" kern="100" dirty="0">
                 <a:effectLst/>
                 <a:latin typeface="Times New Roman" panose="02020603050405020304" pitchFamily="18" charset="0"/>
                 <a:ea typeface="Calibri" panose="020F0502020204030204" pitchFamily="34" charset="0"/>
@@ -5130,7 +5174,7 @@
         </p:nvSpPr>
         <p:spPr>
           <a:xfrm>
-            <a:off x="1066800" y="797351"/>
+            <a:off x="1066800" y="949751"/>
             <a:ext cx="10058400" cy="2241960"/>
           </a:xfrm>
           <a:prstGeom prst="rect">
@@ -5313,8 +5357,8 @@
         </p:nvSpPr>
         <p:spPr>
           <a:xfrm>
-            <a:off x="1066800" y="3007147"/>
-            <a:ext cx="10058400" cy="1687963"/>
+            <a:off x="1066800" y="3383067"/>
+            <a:ext cx="10058400" cy="2308324"/>
           </a:xfrm>
           <a:prstGeom prst="rect">
             <a:avLst/>
@@ -5328,9 +5372,6 @@
           <a:lstStyle/>
           <a:p>
             <a:pPr marL="342900" marR="0" lvl="0" indent="-342900" algn="just" defTabSz="914400" rtl="0" eaLnBrk="0" fontAlgn="base" latinLnBrk="0" hangingPunct="0">
-              <a:lnSpc>
-                <a:spcPct val="150000"/>
-              </a:lnSpc>
               <a:spcBef>
                 <a:spcPct val="0"/>
               </a:spcBef>
@@ -5361,9 +5402,6 @@
           </a:p>
           <a:p>
             <a:pPr marL="800100" lvl="1" indent="-342900" algn="just" eaLnBrk="0" fontAlgn="base" hangingPunct="0">
-              <a:lnSpc>
-                <a:spcPct val="150000"/>
-              </a:lnSpc>
               <a:spcBef>
                 <a:spcPct val="0"/>
               </a:spcBef>
@@ -5386,10 +5424,7 @@
             </a:r>
           </a:p>
           <a:p>
-            <a:pPr marL="800100" lvl="1" indent="-342900" algn="just" eaLnBrk="0" fontAlgn="base" hangingPunct="0">
-              <a:lnSpc>
-                <a:spcPct val="150000"/>
-              </a:lnSpc>
+            <a:pPr marL="1257300" lvl="2" indent="-342900" algn="just" eaLnBrk="0" fontAlgn="base" hangingPunct="0">
               <a:spcBef>
                 <a:spcPct val="0"/>
               </a:spcBef>
@@ -5404,7 +5439,74 @@
                 <a:latin typeface="Times New Roman" panose="02020603050405020304" pitchFamily="18" charset="0"/>
                 <a:cs typeface="Times New Roman" panose="02020603050405020304" pitchFamily="18" charset="0"/>
               </a:rPr>
+              <a:t>Ex: </a:t>
+            </a:r>
+            <a:r>
+              <a:rPr lang="en-US" sz="2400" dirty="0">
+                <a:latin typeface="Times New Roman" panose="02020603050405020304" pitchFamily="18" charset="0"/>
+                <a:cs typeface="Times New Roman" panose="02020603050405020304" pitchFamily="18" charset="0"/>
+              </a:rPr>
+              <a:t>Limited access to high-speed internet for remote areas.</a:t>
+            </a:r>
+            <a:endParaRPr kumimoji="0" lang="en-US" altLang="en-US" sz="2400" b="0" i="0" u="none" strike="noStrike" cap="none" normalizeH="0" baseline="0" dirty="0">
+              <a:ln>
+                <a:noFill/>
+              </a:ln>
+              <a:effectLst/>
+              <a:latin typeface="Times New Roman" panose="02020603050405020304" pitchFamily="18" charset="0"/>
+              <a:cs typeface="Times New Roman" panose="02020603050405020304" pitchFamily="18" charset="0"/>
+            </a:endParaRPr>
+          </a:p>
+          <a:p>
+            <a:pPr marL="800100" lvl="1" indent="-342900" algn="just" eaLnBrk="0" fontAlgn="base" hangingPunct="0">
+              <a:spcBef>
+                <a:spcPct val="0"/>
+              </a:spcBef>
+              <a:spcAft>
+                <a:spcPct val="0"/>
+              </a:spcAft>
+              <a:buFont typeface="Wingdings" panose="05000000000000000000" pitchFamily="2" charset="2"/>
+              <a:buChar char="§"/>
+            </a:pPr>
+            <a:r>
+              <a:rPr lang="en-US" altLang="en-US" sz="2400" dirty="0">
+                <a:latin typeface="Times New Roman" panose="02020603050405020304" pitchFamily="18" charset="0"/>
+                <a:cs typeface="Times New Roman" panose="02020603050405020304" pitchFamily="18" charset="0"/>
+              </a:rPr>
               <a:t>Data privacy and security</a:t>
+            </a:r>
+          </a:p>
+          <a:p>
+            <a:pPr marL="1257300" lvl="2" indent="-342900" algn="just" eaLnBrk="0" fontAlgn="base" hangingPunct="0">
+              <a:spcBef>
+                <a:spcPct val="0"/>
+              </a:spcBef>
+              <a:spcAft>
+                <a:spcPct val="0"/>
+              </a:spcAft>
+              <a:buFont typeface="Wingdings" panose="05000000000000000000" pitchFamily="2" charset="2"/>
+              <a:buChar char="§"/>
+            </a:pPr>
+            <a:r>
+              <a:rPr lang="en-US" altLang="en-US" sz="2400" dirty="0">
+                <a:latin typeface="Times New Roman" panose="02020603050405020304" pitchFamily="18" charset="0"/>
+                <a:cs typeface="Times New Roman" panose="02020603050405020304" pitchFamily="18" charset="0"/>
+              </a:rPr>
+              <a:t>Ex: </a:t>
+            </a:r>
+            <a:r>
+              <a:rPr lang="en-US" sz="2400" dirty="0">
+                <a:latin typeface="Times New Roman" panose="02020603050405020304" pitchFamily="18" charset="0"/>
+                <a:cs typeface="Times New Roman" panose="02020603050405020304" pitchFamily="18" charset="0"/>
+              </a:rPr>
+              <a:t>Ensuring patient data protection in virtual environments using encryption and blockchain.</a:t>
+            </a:r>
+            <a:r>
+              <a:rPr lang="en-US" altLang="en-US" sz="2400" dirty="0">
+                <a:latin typeface="Times New Roman" panose="02020603050405020304" pitchFamily="18" charset="0"/>
+                <a:cs typeface="Times New Roman" panose="02020603050405020304" pitchFamily="18" charset="0"/>
+              </a:rPr>
+              <a:t> </a:t>
             </a:r>
             <a:endParaRPr kumimoji="0" lang="en-US" altLang="en-US" sz="2400" b="0" i="0" u="none" strike="noStrike" cap="none" normalizeH="0" baseline="0" dirty="0">
               <a:ln>
@@ -5514,7 +5616,7 @@
         </p:nvSpPr>
         <p:spPr>
           <a:xfrm>
-            <a:off x="1066800" y="766871"/>
+            <a:off x="1066800" y="827831"/>
             <a:ext cx="10058400" cy="579967"/>
           </a:xfrm>
           <a:prstGeom prst="rect">
@@ -5640,8 +5742,8 @@
         </p:nvSpPr>
         <p:spPr>
           <a:xfrm>
-            <a:off x="1442720" y="1162883"/>
-            <a:ext cx="9682478" cy="2241960"/>
+            <a:off x="1442720" y="1366083"/>
+            <a:ext cx="9682478" cy="2123658"/>
           </a:xfrm>
           <a:prstGeom prst="rect">
             <a:avLst/>
@@ -5655,9 +5757,6 @@
           <a:lstStyle/>
           <a:p>
             <a:pPr marL="342900" marR="0" lvl="0" indent="-342900" algn="just" defTabSz="914400" rtl="0" eaLnBrk="0" fontAlgn="base" latinLnBrk="0" hangingPunct="0">
-              <a:lnSpc>
-                <a:spcPct val="150000"/>
-              </a:lnSpc>
               <a:spcBef>
                 <a:spcPct val="0"/>
               </a:spcBef>
@@ -5671,7 +5770,7 @@
               <a:tabLst/>
             </a:pPr>
             <a:r>
-              <a:rPr kumimoji="0" lang="en-US" altLang="en-US" sz="2400" b="0" i="0" u="none" strike="noStrike" cap="none" normalizeH="0" baseline="0" dirty="0">
+              <a:rPr kumimoji="0" lang="en-US" altLang="en-US" sz="2200" b="0" i="0" u="none" strike="noStrike" cap="none" normalizeH="0" baseline="0" dirty="0">
                 <a:ln>
                   <a:noFill/>
                 </a:ln>
@@ -5683,10 +5782,41 @@
             </a:r>
           </a:p>
           <a:p>
+            <a:pPr marL="800100" lvl="1" indent="-342900" algn="just" defTabSz="914400" eaLnBrk="0" fontAlgn="base" hangingPunct="0">
+              <a:spcBef>
+                <a:spcPct val="0"/>
+              </a:spcBef>
+              <a:spcAft>
+                <a:spcPct val="0"/>
+              </a:spcAft>
+              <a:buFont typeface="Wingdings" panose="05000000000000000000" pitchFamily="2" charset="2"/>
+              <a:buChar char="§"/>
+            </a:pPr>
+            <a:r>
+              <a:rPr lang="en-US" altLang="en-US" sz="2200" dirty="0">
+                <a:latin typeface="Times New Roman" panose="02020603050405020304" pitchFamily="18" charset="0"/>
+                <a:cs typeface="Times New Roman" panose="02020603050405020304" pitchFamily="18" charset="0"/>
+              </a:rPr>
+              <a:t>Ex: </a:t>
+            </a:r>
+            <a:r>
+              <a:rPr lang="en-US" sz="2200" dirty="0">
+                <a:latin typeface="Times New Roman" panose="02020603050405020304" pitchFamily="18" charset="0"/>
+                <a:cs typeface="Times New Roman" panose="02020603050405020304" pitchFamily="18" charset="0"/>
+              </a:rPr>
+              <a:t>Patients receive health check-ups via telemedicine apps.</a:t>
+            </a:r>
+            <a:endParaRPr kumimoji="0" lang="en-US" altLang="en-US" sz="2200" b="0" i="0" u="none" strike="noStrike" cap="none" normalizeH="0" baseline="0" dirty="0">
+              <a:ln>
+                <a:noFill/>
+              </a:ln>
+              <a:effectLst/>
+              <a:latin typeface="Times New Roman" panose="02020603050405020304" pitchFamily="18" charset="0"/>
+              <a:cs typeface="Times New Roman" panose="02020603050405020304" pitchFamily="18" charset="0"/>
+            </a:endParaRPr>
+          </a:p>
+          <a:p>
             <a:pPr marL="342900" marR="0" lvl="0" indent="-342900" algn="just" defTabSz="914400" rtl="0" eaLnBrk="0" fontAlgn="base" latinLnBrk="0" hangingPunct="0">
-              <a:lnSpc>
-                <a:spcPct val="150000"/>
-              </a:lnSpc>
               <a:spcBef>
                 <a:spcPct val="0"/>
               </a:spcBef>
@@ -5700,7 +5830,7 @@
               <a:tabLst/>
             </a:pPr>
             <a:r>
-              <a:rPr lang="en-US" sz="2400" dirty="0">
+              <a:rPr lang="en-US" sz="2200" dirty="0">
                 <a:latin typeface="Times New Roman" panose="02020603050405020304" pitchFamily="18" charset="0"/>
                 <a:cs typeface="Times New Roman" panose="02020603050405020304" pitchFamily="18" charset="0"/>
               </a:rPr>
@@ -5708,10 +5838,26 @@
             </a:r>
           </a:p>
           <a:p>
+            <a:pPr marL="800100" lvl="1" indent="-342900" algn="just" defTabSz="914400" eaLnBrk="0" fontAlgn="base" hangingPunct="0">
+              <a:spcBef>
+                <a:spcPct val="0"/>
+              </a:spcBef>
+              <a:spcAft>
+                <a:spcPct val="0"/>
+              </a:spcAft>
+              <a:buFont typeface="Wingdings" panose="05000000000000000000" pitchFamily="2" charset="2"/>
+              <a:buChar char="§"/>
+            </a:pPr>
+            <a:r>
+              <a:rPr lang="en-US" sz="2200" dirty="0">
+                <a:latin typeface="Times New Roman" panose="02020603050405020304" pitchFamily="18" charset="0"/>
+                <a:cs typeface="Times New Roman" panose="02020603050405020304" pitchFamily="18" charset="0"/>
+              </a:rPr>
+              <a:t>Ex: AI-driven tools analyze patient data for diagnosis.</a:t>
+            </a:r>
+          </a:p>
+          <a:p>
             <a:pPr marL="342900" marR="0" lvl="0" indent="-342900" algn="just" defTabSz="914400" rtl="0" eaLnBrk="0" fontAlgn="base" latinLnBrk="0" hangingPunct="0">
-              <a:lnSpc>
-                <a:spcPct val="150000"/>
-              </a:lnSpc>
               <a:spcBef>
                 <a:spcPct val="0"/>
               </a:spcBef>
@@ -5725,7 +5871,7 @@
               <a:tabLst/>
             </a:pPr>
             <a:r>
-              <a:rPr lang="en-US" sz="2400" dirty="0">
+              <a:rPr lang="en-US" sz="2200" dirty="0">
                 <a:latin typeface="Times New Roman" panose="02020603050405020304" pitchFamily="18" charset="0"/>
                 <a:cs typeface="Times New Roman" panose="02020603050405020304" pitchFamily="18" charset="0"/>
               </a:rPr>
@@ -5733,28 +5879,22 @@
             </a:r>
           </a:p>
           <a:p>
-            <a:pPr marL="342900" marR="0" lvl="0" indent="-342900" algn="just" defTabSz="914400" rtl="0" eaLnBrk="0" fontAlgn="base" latinLnBrk="0" hangingPunct="0">
-              <a:lnSpc>
-                <a:spcPct val="150000"/>
-              </a:lnSpc>
+            <a:pPr marL="800100" lvl="1" indent="-342900" algn="just" defTabSz="914400" eaLnBrk="0" fontAlgn="base" hangingPunct="0">
               <a:spcBef>
                 <a:spcPct val="0"/>
               </a:spcBef>
               <a:spcAft>
                 <a:spcPct val="0"/>
               </a:spcAft>
-              <a:buClrTx/>
-              <a:buSzTx/>
               <a:buFont typeface="Wingdings" panose="05000000000000000000" pitchFamily="2" charset="2"/>
               <a:buChar char="§"/>
-              <a:tabLst/>
             </a:pPr>
             <a:r>
-              <a:rPr lang="en-US" sz="2400" dirty="0">
-                <a:latin typeface="Times New Roman" panose="02020603050405020304" pitchFamily="18" charset="0"/>
-                <a:cs typeface="Times New Roman" panose="02020603050405020304" pitchFamily="18" charset="0"/>
-              </a:rPr>
-              <a:t>Efficient care</a:t>
+              <a:rPr lang="en-US" sz="2200" dirty="0">
+                <a:latin typeface="Times New Roman" panose="02020603050405020304" pitchFamily="18" charset="0"/>
+                <a:cs typeface="Times New Roman" panose="02020603050405020304" pitchFamily="18" charset="0"/>
+              </a:rPr>
+              <a:t>Ex: Doctors conduct video calls for routine consultations.</a:t>
             </a:r>
           </a:p>
         </p:txBody>
@@ -5773,8 +5913,8 @@
         </p:nvSpPr>
         <p:spPr>
           <a:xfrm>
-            <a:off x="1066799" y="3353398"/>
-            <a:ext cx="10058399" cy="2985433"/>
+            <a:off x="1066799" y="3495638"/>
+            <a:ext cx="10058399" cy="2431435"/>
           </a:xfrm>
           <a:prstGeom prst="rect">
             <a:avLst/>
@@ -5795,7 +5935,7 @@
               <a:buChar char="§"/>
             </a:pPr>
             <a:r>
-              <a:rPr lang="en-US" sz="2400" kern="100" dirty="0">
+              <a:rPr lang="en-US" sz="2200" kern="100" dirty="0">
                 <a:effectLst/>
                 <a:latin typeface="Times New Roman" panose="02020603050405020304" pitchFamily="18" charset="0"/>
                 <a:ea typeface="Calibri" panose="020F0502020204030204" pitchFamily="34" charset="0"/>
@@ -5813,7 +5953,7 @@
               <a:buChar char="§"/>
             </a:pPr>
             <a:r>
-              <a:rPr lang="en-US" sz="2400" b="1" kern="100" dirty="0">
+              <a:rPr lang="en-US" sz="2200" b="1" kern="100" dirty="0">
                 <a:effectLst/>
                 <a:latin typeface="Times New Roman" panose="02020603050405020304" pitchFamily="18" charset="0"/>
                 <a:ea typeface="Calibri" panose="020F0502020204030204" pitchFamily="34" charset="0"/>
@@ -5822,13 +5962,47 @@
               <a:t>Step 1</a:t>
             </a:r>
             <a:r>
-              <a:rPr lang="en-US" sz="2400" kern="100" dirty="0">
+              <a:rPr lang="en-US" sz="2200" kern="100" dirty="0">
                 <a:effectLst/>
                 <a:latin typeface="Times New Roman" panose="02020603050405020304" pitchFamily="18" charset="0"/>
                 <a:ea typeface="Calibri" panose="020F0502020204030204" pitchFamily="34" charset="0"/>
                 <a:cs typeface="Times New Roman" panose="02020603050405020304" pitchFamily="18" charset="0"/>
               </a:rPr>
-              <a:t>: Develop a virtual platform where healthcare services are accessible from anywhere</a:t>
+              <a:t>: </a:t>
+            </a:r>
+            <a:r>
+              <a:rPr lang="en-US" sz="2200" kern="100" dirty="0">
+                <a:latin typeface="Times New Roman" panose="02020603050405020304" pitchFamily="18" charset="0"/>
+                <a:ea typeface="Calibri" panose="020F0502020204030204" pitchFamily="34" charset="0"/>
+                <a:cs typeface="Times New Roman" panose="02020603050405020304" pitchFamily="18" charset="0"/>
+              </a:rPr>
+              <a:t>V</a:t>
+            </a:r>
+            <a:r>
+              <a:rPr lang="en-US" sz="2200" kern="100" dirty="0">
+                <a:effectLst/>
+                <a:latin typeface="Times New Roman" panose="02020603050405020304" pitchFamily="18" charset="0"/>
+                <a:ea typeface="Calibri" panose="020F0502020204030204" pitchFamily="34" charset="0"/>
+                <a:cs typeface="Times New Roman" panose="02020603050405020304" pitchFamily="18" charset="0"/>
+              </a:rPr>
+              <a:t>irtual platform:</a:t>
+            </a:r>
+            <a:r>
+              <a:rPr lang="en-US" sz="2200" kern="100" dirty="0">
+                <a:latin typeface="Times New Roman" panose="02020603050405020304" pitchFamily="18" charset="0"/>
+                <a:ea typeface="Calibri" panose="020F0502020204030204" pitchFamily="34" charset="0"/>
+                <a:cs typeface="Times New Roman" panose="02020603050405020304" pitchFamily="18" charset="0"/>
+              </a:rPr>
+              <a:t> H</a:t>
+            </a:r>
+            <a:r>
+              <a:rPr lang="en-US" sz="2200" kern="100" dirty="0">
+                <a:effectLst/>
+                <a:latin typeface="Times New Roman" panose="02020603050405020304" pitchFamily="18" charset="0"/>
+                <a:ea typeface="Calibri" panose="020F0502020204030204" pitchFamily="34" charset="0"/>
+                <a:cs typeface="Times New Roman" panose="02020603050405020304" pitchFamily="18" charset="0"/>
+              </a:rPr>
+              <a:t>ealthcare services are accessible from anywhere</a:t>
             </a:r>
           </a:p>
           <a:p>
@@ -5840,7 +6014,7 @@
               <a:buChar char="§"/>
             </a:pPr>
             <a:r>
-              <a:rPr lang="en-US" sz="2400" b="1" kern="100" dirty="0">
+              <a:rPr lang="en-US" sz="2200" b="1" kern="100" dirty="0">
                 <a:effectLst/>
                 <a:latin typeface="Times New Roman" panose="02020603050405020304" pitchFamily="18" charset="0"/>
                 <a:ea typeface="Calibri" panose="020F0502020204030204" pitchFamily="34" charset="0"/>
@@ -5849,13 +6023,13 @@
               <a:t>Step 2</a:t>
             </a:r>
             <a:r>
-              <a:rPr lang="en-US" sz="2400" kern="100" dirty="0">
+              <a:rPr lang="en-US" sz="2200" kern="100" dirty="0">
                 <a:effectLst/>
                 <a:latin typeface="Times New Roman" panose="02020603050405020304" pitchFamily="18" charset="0"/>
                 <a:ea typeface="Calibri" panose="020F0502020204030204" pitchFamily="34" charset="0"/>
                 <a:cs typeface="Times New Roman" panose="02020603050405020304" pitchFamily="18" charset="0"/>
               </a:rPr>
-              <a:t>: AI tools assist healthcare providers in diagnosing and treating patients more effectively.</a:t>
+              <a:t>: AI assistant: healthcare providers in diagnosing and treating patients more effectively.</a:t>
             </a:r>
           </a:p>
           <a:p>
@@ -5867,7 +6041,7 @@
               <a:buChar char="§"/>
             </a:pPr>
             <a:r>
-              <a:rPr lang="en-US" sz="2400" b="1" kern="100" dirty="0">
+              <a:rPr lang="en-US" sz="2200" b="1" kern="100" dirty="0">
                 <a:effectLst/>
                 <a:latin typeface="Times New Roman" panose="02020603050405020304" pitchFamily="18" charset="0"/>
                 <a:ea typeface="Calibri" panose="020F0502020204030204" pitchFamily="34" charset="0"/>
@@ -5876,7 +6050,7 @@
               <a:t>Step 3</a:t>
             </a:r>
             <a:r>
-              <a:rPr lang="en-US" sz="2400" kern="100" dirty="0">
+              <a:rPr lang="en-US" sz="2200" kern="100" dirty="0">
                 <a:effectLst/>
                 <a:latin typeface="Times New Roman" panose="02020603050405020304" pitchFamily="18" charset="0"/>
                 <a:ea typeface="Calibri" panose="020F0502020204030204" pitchFamily="34" charset="0"/>
@@ -6149,8 +6323,8 @@
         </p:nvSpPr>
         <p:spPr>
           <a:xfrm>
-            <a:off x="1066800" y="3007147"/>
-            <a:ext cx="10058400" cy="2241960"/>
+            <a:off x="1066800" y="3230667"/>
+            <a:ext cx="10058400" cy="1687963"/>
           </a:xfrm>
           <a:prstGeom prst="rect">
             <a:avLst/>
@@ -6210,23 +6384,16 @@
               <a:buChar char="§"/>
             </a:pPr>
             <a:r>
-              <a:rPr kumimoji="0" lang="en-US" altLang="en-US" sz="2400" b="0" i="0" u="none" strike="noStrike" cap="none" normalizeH="0" baseline="0" dirty="0">
-                <a:ln>
-                  <a:noFill/>
-                </a:ln>
-                <a:effectLst/>
-                <a:latin typeface="Times New Roman" panose="02020603050405020304" pitchFamily="18" charset="0"/>
-                <a:cs typeface="Times New Roman" panose="02020603050405020304" pitchFamily="18" charset="0"/>
-              </a:rPr>
-              <a:t>Digital </a:t>
-            </a:r>
-            <a:r>
               <a:rPr lang="en-US" altLang="en-US" sz="2400" dirty="0">
                 <a:latin typeface="Times New Roman" panose="02020603050405020304" pitchFamily="18" charset="0"/>
                 <a:cs typeface="Times New Roman" panose="02020603050405020304" pitchFamily="18" charset="0"/>
               </a:rPr>
-              <a:t>divide</a:t>
-            </a:r>
+              <a:t>Technology adoption </a:t>
+            </a:r>
+            <a:endParaRPr lang="en-US" sz="2400" dirty="0">
+              <a:latin typeface="Times New Roman" panose="02020603050405020304" pitchFamily="18" charset="0"/>
+              <a:cs typeface="Times New Roman" panose="02020603050405020304" pitchFamily="18" charset="0"/>
+            </a:endParaRPr>
           </a:p>
           <a:p>
             <a:pPr marL="800100" lvl="1" indent="-342900" algn="just" eaLnBrk="0" fontAlgn="base" hangingPunct="0">
@@ -6243,53 +6410,12 @@
               <a:buChar char="§"/>
             </a:pPr>
             <a:r>
-              <a:rPr lang="en-US" altLang="en-US" sz="2400" dirty="0">
-                <a:latin typeface="Times New Roman" panose="02020603050405020304" pitchFamily="18" charset="0"/>
-                <a:cs typeface="Times New Roman" panose="02020603050405020304" pitchFamily="18" charset="0"/>
-              </a:rPr>
-              <a:t>Technology adoption </a:t>
-            </a:r>
-          </a:p>
-          <a:p>
-            <a:pPr marL="800100" lvl="1" indent="-342900" algn="just" eaLnBrk="0" fontAlgn="base" hangingPunct="0">
-              <a:lnSpc>
-                <a:spcPct val="150000"/>
-              </a:lnSpc>
-              <a:spcBef>
-                <a:spcPct val="0"/>
-              </a:spcBef>
-              <a:spcAft>
-                <a:spcPct val="0"/>
-              </a:spcAft>
-              <a:buFont typeface="Wingdings" panose="05000000000000000000" pitchFamily="2" charset="2"/>
-              <a:buChar char="§"/>
-            </a:pPr>
-            <a:r>
-              <a:rPr kumimoji="0" lang="en-US" altLang="en-US" sz="2400" b="0" i="0" u="none" strike="noStrike" cap="none" normalizeH="0" baseline="0" dirty="0">
-                <a:ln>
-                  <a:noFill/>
-                </a:ln>
-                <a:effectLst/>
-                <a:latin typeface="Times New Roman" panose="02020603050405020304" pitchFamily="18" charset="0"/>
-                <a:cs typeface="Times New Roman" panose="02020603050405020304" pitchFamily="18" charset="0"/>
-              </a:rPr>
-              <a:t>Regulatory </a:t>
-            </a:r>
-            <a:r>
-              <a:rPr lang="en-US" altLang="en-US" sz="2400" dirty="0">
-                <a:latin typeface="Times New Roman" panose="02020603050405020304" pitchFamily="18" charset="0"/>
-                <a:cs typeface="Times New Roman" panose="02020603050405020304" pitchFamily="18" charset="0"/>
-              </a:rPr>
-              <a:t>compliance</a:t>
-            </a:r>
-            <a:endParaRPr kumimoji="0" lang="en-US" altLang="en-US" sz="2400" b="0" i="0" u="none" strike="noStrike" cap="none" normalizeH="0" baseline="0" dirty="0">
-              <a:ln>
-                <a:noFill/>
-              </a:ln>
-              <a:effectLst/>
-              <a:latin typeface="Times New Roman" panose="02020603050405020304" pitchFamily="18" charset="0"/>
-              <a:cs typeface="Times New Roman" panose="02020603050405020304" pitchFamily="18" charset="0"/>
-            </a:endParaRPr>
+              <a:rPr lang="en-US" sz="2400" dirty="0">
+                <a:latin typeface="Times New Roman" panose="02020603050405020304" pitchFamily="18" charset="0"/>
+                <a:cs typeface="Times New Roman" panose="02020603050405020304" pitchFamily="18" charset="0"/>
+              </a:rPr>
+              <a:t>Digital Divide</a:t>
+            </a:r>
           </a:p>
         </p:txBody>
       </p:sp>
@@ -6390,8 +6516,8 @@
         </p:nvSpPr>
         <p:spPr>
           <a:xfrm>
-            <a:off x="1066800" y="502711"/>
-            <a:ext cx="10058400" cy="579967"/>
+            <a:off x="1066800" y="695751"/>
+            <a:ext cx="10058400" cy="539378"/>
           </a:xfrm>
           <a:prstGeom prst="rect">
             <a:avLst/>
@@ -6421,21 +6547,21 @@
               <a:tabLst/>
             </a:pPr>
             <a:r>
-              <a:rPr lang="en-US" altLang="en-US" sz="2400" b="1" dirty="0">
+              <a:rPr lang="en-US" altLang="en-US" sz="2200" b="1" dirty="0">
                 <a:latin typeface="Times New Roman" panose="02020603050405020304" pitchFamily="18" charset="0"/>
                 <a:cs typeface="Times New Roman" panose="02020603050405020304" pitchFamily="18" charset="0"/>
               </a:rPr>
               <a:t>3</a:t>
             </a:r>
             <a:r>
-              <a:rPr lang="en-US" altLang="en-US" sz="2400" b="1" baseline="30000" dirty="0">
+              <a:rPr lang="en-US" altLang="en-US" sz="2200" b="1" baseline="30000" dirty="0">
                 <a:latin typeface="Times New Roman" panose="02020603050405020304" pitchFamily="18" charset="0"/>
                 <a:cs typeface="Times New Roman" panose="02020603050405020304" pitchFamily="18" charset="0"/>
               </a:rPr>
               <a:t>rd</a:t>
             </a:r>
             <a:r>
-              <a:rPr kumimoji="0" lang="en-US" altLang="en-US" sz="2400" b="1" i="0" u="none" strike="noStrike" cap="none" normalizeH="0" baseline="0" dirty="0">
+              <a:rPr kumimoji="0" lang="en-US" altLang="en-US" sz="2200" b="1" i="0" u="none" strike="noStrike" cap="none" normalizeH="0" baseline="0" dirty="0">
                 <a:ln>
                   <a:noFill/>
                 </a:ln>
@@ -6446,14 +6572,14 @@
               <a:t> </a:t>
             </a:r>
             <a:r>
-              <a:rPr lang="en-US" altLang="en-US" sz="2400" b="1" dirty="0">
+              <a:rPr lang="en-US" altLang="en-US" sz="2200" b="1" dirty="0">
                 <a:latin typeface="Times New Roman" panose="02020603050405020304" pitchFamily="18" charset="0"/>
                 <a:cs typeface="Times New Roman" panose="02020603050405020304" pitchFamily="18" charset="0"/>
               </a:rPr>
               <a:t>M</a:t>
             </a:r>
             <a:r>
-              <a:rPr kumimoji="0" lang="en-US" altLang="en-US" sz="2400" b="1" i="0" u="none" strike="noStrike" cap="none" normalizeH="0" baseline="0" dirty="0">
+              <a:rPr kumimoji="0" lang="en-US" altLang="en-US" sz="2200" b="1" i="0" u="none" strike="noStrike" cap="none" normalizeH="0" baseline="0" dirty="0">
                 <a:ln>
                   <a:noFill/>
                 </a:ln>
@@ -6464,7 +6590,7 @@
               <a:t>odel: Digital health unity </a:t>
             </a:r>
             <a:r>
-              <a:rPr lang="en-US" sz="2400" b="1" dirty="0">
+              <a:rPr lang="en-US" sz="2200" b="1" dirty="0">
                 <a:latin typeface="Times New Roman" panose="02020603050405020304" pitchFamily="18" charset="0"/>
                 <a:cs typeface="Times New Roman" panose="02020603050405020304" pitchFamily="18" charset="0"/>
               </a:rPr>
@@ -6516,8 +6642,8 @@
         </p:nvSpPr>
         <p:spPr>
           <a:xfrm>
-            <a:off x="1442720" y="817443"/>
-            <a:ext cx="9682478" cy="2241960"/>
+            <a:off x="1442720" y="1274643"/>
+            <a:ext cx="9682478" cy="2062872"/>
           </a:xfrm>
           <a:prstGeom prst="rect">
             <a:avLst/>
@@ -6547,7 +6673,7 @@
               <a:tabLst/>
             </a:pPr>
             <a:r>
-              <a:rPr kumimoji="0" lang="en-US" altLang="en-US" sz="2400" b="0" i="0" u="none" strike="noStrike" cap="none" normalizeH="0" baseline="0" dirty="0">
+              <a:rPr kumimoji="0" lang="en-US" altLang="en-US" sz="2200" b="0" i="0" u="none" strike="noStrike" cap="none" normalizeH="0" baseline="0" dirty="0">
                 <a:ln>
                   <a:noFill/>
                 </a:ln>
@@ -6558,20 +6684,12 @@
               <a:t>Integrated </a:t>
             </a:r>
             <a:r>
-              <a:rPr lang="en-US" altLang="en-US" sz="2400" dirty="0">
+              <a:rPr lang="en-US" altLang="en-US" sz="2200" dirty="0">
                 <a:latin typeface="Times New Roman" panose="02020603050405020304" pitchFamily="18" charset="0"/>
                 <a:cs typeface="Times New Roman" panose="02020603050405020304" pitchFamily="18" charset="0"/>
               </a:rPr>
               <a:t>technologies</a:t>
             </a:r>
-            <a:endParaRPr kumimoji="0" lang="en-US" altLang="en-US" sz="2400" b="0" i="0" u="none" strike="noStrike" cap="none" normalizeH="0" baseline="0" dirty="0">
-              <a:ln>
-                <a:noFill/>
-              </a:ln>
-              <a:effectLst/>
-              <a:latin typeface="Times New Roman" panose="02020603050405020304" pitchFamily="18" charset="0"/>
-              <a:cs typeface="Times New Roman" panose="02020603050405020304" pitchFamily="18" charset="0"/>
-            </a:endParaRPr>
           </a:p>
           <a:p>
             <a:pPr marL="342900" marR="0" lvl="0" indent="-342900" algn="just" defTabSz="914400" rtl="0" eaLnBrk="0" fontAlgn="base" latinLnBrk="0" hangingPunct="0">
@@ -6591,7 +6709,7 @@
               <a:tabLst/>
             </a:pPr>
             <a:r>
-              <a:rPr lang="en-US" sz="2400" dirty="0">
+              <a:rPr lang="en-US" sz="2200" dirty="0">
                 <a:latin typeface="Times New Roman" panose="02020603050405020304" pitchFamily="18" charset="0"/>
                 <a:cs typeface="Times New Roman" panose="02020603050405020304" pitchFamily="18" charset="0"/>
               </a:rPr>
@@ -6616,7 +6734,7 @@
               <a:tabLst/>
             </a:pPr>
             <a:r>
-              <a:rPr lang="en-US" sz="2400" dirty="0">
+              <a:rPr lang="en-US" sz="2200" dirty="0">
                 <a:latin typeface="Times New Roman" panose="02020603050405020304" pitchFamily="18" charset="0"/>
                 <a:cs typeface="Times New Roman" panose="02020603050405020304" pitchFamily="18" charset="0"/>
               </a:rPr>
@@ -6641,7 +6759,7 @@
               <a:tabLst/>
             </a:pPr>
             <a:r>
-              <a:rPr lang="en-US" sz="2400" dirty="0">
+              <a:rPr lang="en-US" sz="2200" dirty="0">
                 <a:latin typeface="Times New Roman" panose="02020603050405020304" pitchFamily="18" charset="0"/>
                 <a:cs typeface="Times New Roman" panose="02020603050405020304" pitchFamily="18" charset="0"/>
               </a:rPr>
@@ -6664,8 +6782,8 @@
         </p:nvSpPr>
         <p:spPr>
           <a:xfrm>
-            <a:off x="1066799" y="2916518"/>
-            <a:ext cx="10058399" cy="3457357"/>
+            <a:off x="1066799" y="3353398"/>
+            <a:ext cx="10058399" cy="2878480"/>
           </a:xfrm>
           <a:prstGeom prst="rect">
             <a:avLst/>
@@ -6679,6 +6797,9 @@
           <a:lstStyle/>
           <a:p>
             <a:pPr marL="342900" indent="-342900" algn="just">
+              <a:lnSpc>
+                <a:spcPct val="150000"/>
+              </a:lnSpc>
               <a:spcAft>
                 <a:spcPts val="800"/>
               </a:spcAft>
@@ -6686,7 +6807,7 @@
               <a:buChar char="§"/>
             </a:pPr>
             <a:r>
-              <a:rPr lang="en-US" sz="2400" kern="100" dirty="0">
+              <a:rPr lang="en-US" sz="2200" kern="100" dirty="0">
                 <a:effectLst/>
                 <a:latin typeface="Times New Roman" panose="02020603050405020304" pitchFamily="18" charset="0"/>
                 <a:ea typeface="Calibri" panose="020F0502020204030204" pitchFamily="34" charset="0"/>
@@ -6697,6 +6818,9 @@
           </a:p>
           <a:p>
             <a:pPr marL="800100" lvl="1" indent="-342900" algn="just">
+              <a:lnSpc>
+                <a:spcPct val="150000"/>
+              </a:lnSpc>
               <a:spcAft>
                 <a:spcPts val="800"/>
               </a:spcAft>
@@ -6704,7 +6828,7 @@
               <a:buChar char="§"/>
             </a:pPr>
             <a:r>
-              <a:rPr lang="en-US" sz="2400" b="1" dirty="0">
+              <a:rPr lang="en-US" sz="2200" b="1" dirty="0">
                 <a:effectLst/>
                 <a:latin typeface="Times New Roman" panose="02020603050405020304" pitchFamily="18" charset="0"/>
                 <a:ea typeface="Calibri" panose="020F0502020204030204" pitchFamily="34" charset="0"/>
@@ -6713,7 +6837,7 @@
               <a:t>Step 1: </a:t>
             </a:r>
             <a:r>
-              <a:rPr lang="en-US" sz="2400" dirty="0">
+              <a:rPr lang="en-US" sz="2200" dirty="0">
                 <a:effectLst/>
                 <a:latin typeface="Times New Roman" panose="02020603050405020304" pitchFamily="18" charset="0"/>
                 <a:ea typeface="Calibri" panose="020F0502020204030204" pitchFamily="34" charset="0"/>
@@ -6721,7 +6845,7 @@
               </a:rPr>
               <a:t>Integrate digital health technologies into one connected platform.</a:t>
             </a:r>
-            <a:endParaRPr lang="en-US" sz="2400" b="1" dirty="0">
+            <a:endParaRPr lang="en-US" sz="2200" b="1" dirty="0">
               <a:latin typeface="Times New Roman" panose="02020603050405020304" pitchFamily="18" charset="0"/>
               <a:ea typeface="Calibri" panose="020F0502020204030204" pitchFamily="34" charset="0"/>
               <a:cs typeface="Times New Roman" panose="02020603050405020304" pitchFamily="18" charset="0"/>
@@ -6729,6 +6853,9 @@
           </a:p>
           <a:p>
             <a:pPr marL="800100" lvl="1" indent="-342900" algn="just">
+              <a:lnSpc>
+                <a:spcPct val="150000"/>
+              </a:lnSpc>
               <a:spcAft>
                 <a:spcPts val="800"/>
               </a:spcAft>
@@ -6736,7 +6863,7 @@
               <a:buChar char="§"/>
             </a:pPr>
             <a:r>
-              <a:rPr lang="en-US" sz="2400" b="1" dirty="0">
+              <a:rPr lang="en-US" sz="2200" b="1" dirty="0">
                 <a:effectLst/>
                 <a:latin typeface="Times New Roman" panose="02020603050405020304" pitchFamily="18" charset="0"/>
                 <a:ea typeface="Calibri" panose="020F0502020204030204" pitchFamily="34" charset="0"/>
@@ -6745,7 +6872,7 @@
               <a:t>Step 2: </a:t>
             </a:r>
             <a:r>
-              <a:rPr lang="en-US" sz="2400" dirty="0">
+              <a:rPr lang="en-US" sz="2200" dirty="0">
                 <a:effectLst/>
                 <a:latin typeface="Times New Roman" panose="02020603050405020304" pitchFamily="18" charset="0"/>
                 <a:ea typeface="Calibri" panose="020F0502020204030204" pitchFamily="34" charset="0"/>
@@ -6753,7 +6880,7 @@
               </a:rPr>
               <a:t>AI and IoT devices work together to collect and analyze patient data for better decision-making.</a:t>
             </a:r>
-            <a:endParaRPr lang="en-US" sz="2400" b="1" dirty="0">
+            <a:endParaRPr lang="en-US" sz="2200" b="1" dirty="0">
               <a:latin typeface="Times New Roman" panose="02020603050405020304" pitchFamily="18" charset="0"/>
               <a:ea typeface="Calibri" panose="020F0502020204030204" pitchFamily="34" charset="0"/>
               <a:cs typeface="Times New Roman" panose="02020603050405020304" pitchFamily="18" charset="0"/>
@@ -6761,6 +6888,9 @@
           </a:p>
           <a:p>
             <a:pPr marL="800100" lvl="1" indent="-342900" algn="just">
+              <a:lnSpc>
+                <a:spcPct val="150000"/>
+              </a:lnSpc>
               <a:spcAft>
                 <a:spcPts val="800"/>
               </a:spcAft>
@@ -6768,7 +6898,7 @@
               <a:buChar char="§"/>
             </a:pPr>
             <a:r>
-              <a:rPr lang="en-US" sz="2400" b="1" dirty="0">
+              <a:rPr lang="en-US" sz="2200" b="1" dirty="0">
                 <a:effectLst/>
                 <a:latin typeface="Times New Roman" panose="02020603050405020304" pitchFamily="18" charset="0"/>
                 <a:ea typeface="Calibri" panose="020F0502020204030204" pitchFamily="34" charset="0"/>
@@ -6777,47 +6907,15 @@
               <a:t>Step 3: </a:t>
             </a:r>
             <a:r>
-              <a:rPr lang="en-US" sz="2400" dirty="0">
+              <a:rPr lang="en-US" sz="2200" dirty="0">
                 <a:effectLst/>
                 <a:latin typeface="Times New Roman" panose="02020603050405020304" pitchFamily="18" charset="0"/>
                 <a:ea typeface="Calibri" panose="020F0502020204030204" pitchFamily="34" charset="0"/>
                 <a:cs typeface="Times New Roman" panose="02020603050405020304" pitchFamily="18" charset="0"/>
               </a:rPr>
-              <a:t>Blockchain ensures the security and privacy of patient data while enabling safe information sharing.</a:t>
-            </a:r>
-            <a:endParaRPr lang="en-US" sz="2400" b="1" dirty="0">
-              <a:latin typeface="Times New Roman" panose="02020603050405020304" pitchFamily="18" charset="0"/>
-              <a:ea typeface="Calibri" panose="020F0502020204030204" pitchFamily="34" charset="0"/>
-              <a:cs typeface="Times New Roman" panose="02020603050405020304" pitchFamily="18" charset="0"/>
-            </a:endParaRPr>
-          </a:p>
-          <a:p>
-            <a:pPr marL="800100" lvl="1" indent="-342900" algn="just">
-              <a:spcAft>
-                <a:spcPts val="800"/>
-              </a:spcAft>
-              <a:buFont typeface="Wingdings" panose="05000000000000000000" pitchFamily="2" charset="2"/>
-              <a:buChar char="§"/>
-            </a:pPr>
-            <a:r>
-              <a:rPr lang="en-US" sz="2400" b="1" dirty="0">
-                <a:effectLst/>
-                <a:latin typeface="Times New Roman" panose="02020603050405020304" pitchFamily="18" charset="0"/>
-                <a:ea typeface="Calibri" panose="020F0502020204030204" pitchFamily="34" charset="0"/>
-                <a:cs typeface="Times New Roman" panose="02020603050405020304" pitchFamily="18" charset="0"/>
-              </a:rPr>
-              <a:t>Step 4: </a:t>
-            </a:r>
-            <a:r>
-              <a:rPr lang="en-US" sz="2400" dirty="0">
-                <a:effectLst/>
-                <a:latin typeface="Times New Roman" panose="02020603050405020304" pitchFamily="18" charset="0"/>
-                <a:ea typeface="Calibri" panose="020F0502020204030204" pitchFamily="34" charset="0"/>
-                <a:cs typeface="Times New Roman" panose="02020603050405020304" pitchFamily="18" charset="0"/>
-              </a:rPr>
-              <a:t>Healthcare providers, patients, and other stakeholders collaborate seamlessly to improve health outcomes and access to care.</a:t>
-            </a:r>
-            <a:endParaRPr lang="en-US" sz="2400" kern="100" dirty="0">
+              <a:t>Blockchain ensures the security and privacy of patient data</a:t>
+            </a:r>
+            <a:endParaRPr lang="en-US" sz="2200" kern="100" dirty="0">
               <a:effectLst/>
               <a:latin typeface="Times New Roman" panose="02020603050405020304" pitchFamily="18" charset="0"/>
               <a:ea typeface="Calibri" panose="020F0502020204030204" pitchFamily="34" charset="0"/>
@@ -6924,7 +7022,7 @@
         <p:spPr>
           <a:xfrm>
             <a:off x="1066800" y="797351"/>
-            <a:ext cx="10058400" cy="2241960"/>
+            <a:ext cx="10058400" cy="2062872"/>
           </a:xfrm>
           <a:prstGeom prst="rect">
             <a:avLst/>
@@ -6954,7 +7052,7 @@
               <a:tabLst/>
             </a:pPr>
             <a:r>
-              <a:rPr kumimoji="0" lang="en-US" altLang="en-US" sz="2400" b="1" i="0" u="none" strike="noStrike" cap="none" normalizeH="0" baseline="0" dirty="0">
+              <a:rPr kumimoji="0" lang="en-US" altLang="en-US" sz="2200" b="1" i="0" u="none" strike="noStrike" cap="none" normalizeH="0" baseline="0" dirty="0">
                 <a:ln>
                   <a:noFill/>
                 </a:ln>
@@ -6964,7 +7062,7 @@
               </a:rPr>
               <a:t>Benefit :</a:t>
             </a:r>
-            <a:endParaRPr lang="en-US" sz="2400" dirty="0">
+            <a:endParaRPr lang="en-US" sz="2200" dirty="0">
               <a:latin typeface="Times New Roman" panose="02020603050405020304" pitchFamily="18" charset="0"/>
               <a:cs typeface="Times New Roman" panose="02020603050405020304" pitchFamily="18" charset="0"/>
             </a:endParaRPr>
@@ -6984,7 +7082,7 @@
               <a:buChar char="§"/>
             </a:pPr>
             <a:r>
-              <a:rPr kumimoji="0" lang="en-US" altLang="en-US" sz="2400" b="0" i="0" u="none" strike="noStrike" cap="none" normalizeH="0" baseline="0" dirty="0">
+              <a:rPr kumimoji="0" lang="en-US" altLang="en-US" sz="2200" b="0" i="0" u="none" strike="noStrike" cap="none" normalizeH="0" baseline="0" dirty="0">
                 <a:ln>
                   <a:noFill/>
                 </a:ln>
@@ -7010,20 +7108,12 @@
               <a:buChar char="§"/>
             </a:pPr>
             <a:r>
-              <a:rPr lang="en-US" altLang="en-US" sz="2400" dirty="0">
+              <a:rPr lang="en-US" altLang="en-US" sz="2200" dirty="0">
                 <a:latin typeface="Times New Roman" panose="02020603050405020304" pitchFamily="18" charset="0"/>
                 <a:cs typeface="Times New Roman" panose="02020603050405020304" pitchFamily="18" charset="0"/>
               </a:rPr>
               <a:t>Enhanced security and privacy</a:t>
             </a:r>
-            <a:endParaRPr kumimoji="0" lang="en-US" altLang="en-US" sz="2400" b="0" i="0" u="none" strike="noStrike" cap="none" normalizeH="0" baseline="0" dirty="0">
-              <a:ln>
-                <a:noFill/>
-              </a:ln>
-              <a:effectLst/>
-              <a:latin typeface="Times New Roman" panose="02020603050405020304" pitchFamily="18" charset="0"/>
-              <a:cs typeface="Times New Roman" panose="02020603050405020304" pitchFamily="18" charset="0"/>
-            </a:endParaRPr>
           </a:p>
           <a:p>
             <a:pPr marL="800100" lvl="1" indent="-342900" algn="just" eaLnBrk="0" fontAlgn="base" hangingPunct="0">
@@ -7040,7 +7130,7 @@
               <a:buChar char="§"/>
             </a:pPr>
             <a:r>
-              <a:rPr kumimoji="0" lang="en-US" altLang="en-US" sz="2400" b="0" i="0" u="none" strike="noStrike" cap="none" normalizeH="0" baseline="0" dirty="0">
+              <a:rPr kumimoji="0" lang="en-US" altLang="en-US" sz="2200" b="0" i="0" u="none" strike="noStrike" cap="none" normalizeH="0" baseline="0" dirty="0">
                 <a:ln>
                   <a:noFill/>
                 </a:ln>
@@ -7051,20 +7141,12 @@
               <a:t>Increased </a:t>
             </a:r>
             <a:r>
-              <a:rPr lang="en-US" altLang="en-US" sz="2400" dirty="0">
+              <a:rPr lang="en-US" altLang="en-US" sz="2200" dirty="0">
                 <a:latin typeface="Times New Roman" panose="02020603050405020304" pitchFamily="18" charset="0"/>
                 <a:cs typeface="Times New Roman" panose="02020603050405020304" pitchFamily="18" charset="0"/>
               </a:rPr>
               <a:t>efficiency and cost savings</a:t>
             </a:r>
-            <a:endParaRPr kumimoji="0" lang="en-US" altLang="en-US" sz="2400" b="0" i="0" u="none" strike="noStrike" cap="none" normalizeH="0" baseline="0" dirty="0">
-              <a:ln>
-                <a:noFill/>
-              </a:ln>
-              <a:effectLst/>
-              <a:latin typeface="Times New Roman" panose="02020603050405020304" pitchFamily="18" charset="0"/>
-              <a:cs typeface="Times New Roman" panose="02020603050405020304" pitchFamily="18" charset="0"/>
-            </a:endParaRPr>
           </a:p>
         </p:txBody>
       </p:sp>
@@ -7111,8 +7193,8 @@
         </p:nvSpPr>
         <p:spPr>
           <a:xfrm>
-            <a:off x="1066800" y="3007147"/>
-            <a:ext cx="10058400" cy="2241960"/>
+            <a:off x="1066800" y="3047787"/>
+            <a:ext cx="10058400" cy="1555041"/>
           </a:xfrm>
           <a:prstGeom prst="rect">
             <a:avLst/>
@@ -7142,7 +7224,7 @@
               <a:tabLst/>
             </a:pPr>
             <a:r>
-              <a:rPr kumimoji="0" lang="en-US" altLang="en-US" sz="2400" b="1" i="0" u="none" strike="noStrike" cap="none" normalizeH="0" baseline="0" dirty="0">
+              <a:rPr kumimoji="0" lang="en-US" altLang="en-US" sz="2200" b="1" i="0" u="none" strike="noStrike" cap="none" normalizeH="0" baseline="0" dirty="0">
                 <a:ln>
                   <a:noFill/>
                 </a:ln>
@@ -7152,7 +7234,7 @@
               </a:rPr>
               <a:t>Challenges :</a:t>
             </a:r>
-            <a:endParaRPr lang="en-US" sz="2400" dirty="0">
+            <a:endParaRPr lang="en-US" sz="2200" dirty="0">
               <a:latin typeface="Times New Roman" panose="02020603050405020304" pitchFamily="18" charset="0"/>
               <a:cs typeface="Times New Roman" panose="02020603050405020304" pitchFamily="18" charset="0"/>
             </a:endParaRPr>
@@ -7172,7 +7254,7 @@
               <a:buChar char="§"/>
             </a:pPr>
             <a:r>
-              <a:rPr kumimoji="0" lang="en-US" altLang="en-US" sz="2400" b="0" i="0" u="none" strike="noStrike" cap="none" normalizeH="0" baseline="0" dirty="0">
+              <a:rPr kumimoji="0" lang="en-US" altLang="en-US" sz="2200" b="0" i="0" u="none" strike="noStrike" cap="none" normalizeH="0" baseline="0" dirty="0">
                 <a:ln>
                   <a:noFill/>
                 </a:ln>
@@ -7182,10 +7264,6 @@
               </a:rPr>
               <a:t>Data privacy concerns</a:t>
             </a:r>
-            <a:endParaRPr lang="en-US" altLang="en-US" sz="2400" dirty="0">
-              <a:latin typeface="Times New Roman" panose="02020603050405020304" pitchFamily="18" charset="0"/>
-              <a:cs typeface="Times New Roman" panose="02020603050405020304" pitchFamily="18" charset="0"/>
-            </a:endParaRPr>
           </a:p>
           <a:p>
             <a:pPr marL="800100" lvl="1" indent="-342900" algn="just" eaLnBrk="0" fontAlgn="base" hangingPunct="0">
@@ -7202,29 +7280,7 @@
               <a:buChar char="§"/>
             </a:pPr>
             <a:r>
-              <a:rPr lang="en-US" altLang="en-US" sz="2400" dirty="0">
-                <a:latin typeface="Times New Roman" panose="02020603050405020304" pitchFamily="18" charset="0"/>
-                <a:cs typeface="Times New Roman" panose="02020603050405020304" pitchFamily="18" charset="0"/>
-              </a:rPr>
-              <a:t>Technology access </a:t>
-            </a:r>
-          </a:p>
-          <a:p>
-            <a:pPr marL="800100" lvl="1" indent="-342900" algn="just" eaLnBrk="0" fontAlgn="base" hangingPunct="0">
-              <a:lnSpc>
-                <a:spcPct val="150000"/>
-              </a:lnSpc>
-              <a:spcBef>
-                <a:spcPct val="0"/>
-              </a:spcBef>
-              <a:spcAft>
-                <a:spcPct val="0"/>
-              </a:spcAft>
-              <a:buFont typeface="Wingdings" panose="05000000000000000000" pitchFamily="2" charset="2"/>
-              <a:buChar char="§"/>
-            </a:pPr>
-            <a:r>
-              <a:rPr kumimoji="0" lang="en-US" altLang="en-US" sz="2400" b="0" i="0" u="none" strike="noStrike" cap="none" normalizeH="0" baseline="0" dirty="0">
+              <a:rPr kumimoji="0" lang="en-US" altLang="en-US" sz="2200" b="0" i="0" u="none" strike="noStrike" cap="none" normalizeH="0" baseline="0" dirty="0">
                 <a:ln>
                   <a:noFill/>
                 </a:ln>
@@ -7235,20 +7291,12 @@
               <a:t>Regulatory </a:t>
             </a:r>
             <a:r>
-              <a:rPr lang="en-US" altLang="en-US" sz="2400" dirty="0">
+              <a:rPr lang="en-US" altLang="en-US" sz="2200" dirty="0">
                 <a:latin typeface="Times New Roman" panose="02020603050405020304" pitchFamily="18" charset="0"/>
                 <a:cs typeface="Times New Roman" panose="02020603050405020304" pitchFamily="18" charset="0"/>
               </a:rPr>
               <a:t>compliance</a:t>
             </a:r>
-            <a:endParaRPr kumimoji="0" lang="en-US" altLang="en-US" sz="2400" b="0" i="0" u="none" strike="noStrike" cap="none" normalizeH="0" baseline="0" dirty="0">
-              <a:ln>
-                <a:noFill/>
-              </a:ln>
-              <a:effectLst/>
-              <a:latin typeface="Times New Roman" panose="02020603050405020304" pitchFamily="18" charset="0"/>
-              <a:cs typeface="Times New Roman" panose="02020603050405020304" pitchFamily="18" charset="0"/>
-            </a:endParaRPr>
           </a:p>
         </p:txBody>
       </p:sp>
@@ -7429,7 +7477,7 @@
                 <a:latin typeface="Times New Roman" panose="02020603050405020304" pitchFamily="18" charset="0"/>
                 <a:cs typeface="Times New Roman" panose="02020603050405020304" pitchFamily="18" charset="0"/>
               </a:rPr>
-              <a:t>Conclusion</a:t>
+              <a:t>Conclusion &amp; Future Direction</a:t>
             </a:r>
           </a:p>
         </p:txBody>
@@ -7446,8 +7494,8 @@
         </p:nvSpPr>
         <p:spPr>
           <a:xfrm>
-            <a:off x="1097280" y="1723813"/>
-            <a:ext cx="10114915" cy="4614051"/>
+            <a:off x="1097280" y="1774613"/>
+            <a:ext cx="10114915" cy="4219787"/>
           </a:xfrm>
         </p:spPr>
         <p:txBody>
@@ -7457,6 +7505,9 @@
           <a:lstStyle/>
           <a:p>
             <a:pPr algn="just">
+              <a:lnSpc>
+                <a:spcPct val="100000"/>
+              </a:lnSpc>
               <a:buFont typeface="Wingdings" panose="05000000000000000000" pitchFamily="2" charset="2"/>
               <a:buChar char="§"/>
             </a:pPr>
@@ -7468,34 +7519,14 @@
                 <a:latin typeface="Times New Roman" panose="02020603050405020304" pitchFamily="18" charset="0"/>
                 <a:cs typeface="Times New Roman" panose="02020603050405020304" pitchFamily="18" charset="0"/>
               </a:rPr>
-              <a:t> </a:t>
-            </a:r>
-            <a:r>
-              <a:rPr lang="en-US" sz="2400" dirty="0">
-                <a:latin typeface="Times New Roman" panose="02020603050405020304" pitchFamily="18" charset="0"/>
-                <a:cs typeface="Times New Roman" panose="02020603050405020304" pitchFamily="18" charset="0"/>
-              </a:rPr>
-              <a:t>Healthcare in the metaverse uses VR, AR, AI, and blockchain to improve patient care, medical training, and virtual doctor visits. While it shows great potential, challenges like data privacy, regulations, and access need to be addressed.</a:t>
+              <a:t> Integrating technologies like VR, AR, AI, and blockchain into healthcare can improve patient care, medical training, and accessibility. </a:t>
             </a:r>
           </a:p>
           <a:p>
             <a:pPr algn="just">
-              <a:buFont typeface="Wingdings" panose="05000000000000000000" pitchFamily="2" charset="2"/>
-              <a:buChar char="§"/>
-            </a:pPr>
-            <a:r>
-              <a:rPr lang="en-IN" sz="2400" b="1" dirty="0">
-                <a:solidFill>
-                  <a:schemeClr val="tx1"/>
-                </a:solidFill>
-                <a:latin typeface="Times New Roman" panose="02020603050405020304" pitchFamily="18" charset="0"/>
-                <a:cs typeface="Times New Roman" panose="02020603050405020304" pitchFamily="18" charset="0"/>
-              </a:rPr>
-              <a:t> Future Scope:</a:t>
-            </a:r>
-          </a:p>
-          <a:p>
-            <a:pPr lvl="3" algn="just">
+              <a:lnSpc>
+                <a:spcPct val="100000"/>
+              </a:lnSpc>
               <a:buFont typeface="Wingdings" panose="05000000000000000000" pitchFamily="2" charset="2"/>
               <a:buChar char="§"/>
             </a:pPr>
@@ -7507,11 +7538,14 @@
                 <a:latin typeface="Times New Roman" panose="02020603050405020304" pitchFamily="18" charset="0"/>
                 <a:cs typeface="Times New Roman" panose="02020603050405020304" pitchFamily="18" charset="0"/>
               </a:rPr>
-              <a:t>AI health assistants</a:t>
-            </a:r>
-          </a:p>
-          <a:p>
-            <a:pPr lvl="3" algn="just">
+              <a:t> The Digital Health Unity Model, Virtual Care System Model, and Metaverse Health Connection Model offer seamless data integration, remote services, and better collaboration among healthcare professionals. </a:t>
+            </a:r>
+          </a:p>
+          <a:p>
+            <a:pPr algn="just">
+              <a:lnSpc>
+                <a:spcPct val="100000"/>
+              </a:lnSpc>
               <a:buFont typeface="Wingdings" panose="05000000000000000000" pitchFamily="2" charset="2"/>
               <a:buChar char="§"/>
             </a:pPr>
@@ -7523,71 +7557,7 @@
                 <a:latin typeface="Times New Roman" panose="02020603050405020304" pitchFamily="18" charset="0"/>
                 <a:cs typeface="Times New Roman" panose="02020603050405020304" pitchFamily="18" charset="0"/>
               </a:rPr>
-              <a:t>Virtual rehabilitation programs</a:t>
-            </a:r>
-          </a:p>
-          <a:p>
-            <a:pPr lvl="3" algn="just">
-              <a:buFont typeface="Wingdings" panose="05000000000000000000" pitchFamily="2" charset="2"/>
-              <a:buChar char="§"/>
-            </a:pPr>
-            <a:r>
-              <a:rPr lang="en-US" sz="2400" dirty="0">
-                <a:solidFill>
-                  <a:schemeClr val="tx1"/>
-                </a:solidFill>
-                <a:latin typeface="Times New Roman" panose="02020603050405020304" pitchFamily="18" charset="0"/>
-                <a:cs typeface="Times New Roman" panose="02020603050405020304" pitchFamily="18" charset="0"/>
-              </a:rPr>
-              <a:t>Wearable tech</a:t>
-            </a:r>
-          </a:p>
-          <a:p>
-            <a:pPr lvl="3" algn="just">
-              <a:buFont typeface="Wingdings" panose="05000000000000000000" pitchFamily="2" charset="2"/>
-              <a:buChar char="§"/>
-            </a:pPr>
-            <a:r>
-              <a:rPr lang="en-US" sz="2400" dirty="0">
-                <a:solidFill>
-                  <a:schemeClr val="tx1"/>
-                </a:solidFill>
-                <a:latin typeface="Times New Roman" panose="02020603050405020304" pitchFamily="18" charset="0"/>
-                <a:cs typeface="Times New Roman" panose="02020603050405020304" pitchFamily="18" charset="0"/>
-              </a:rPr>
-              <a:t>Global healthcare access</a:t>
-            </a:r>
-          </a:p>
-          <a:p>
-            <a:pPr lvl="3" algn="just">
-              <a:buFont typeface="Wingdings" panose="05000000000000000000" pitchFamily="2" charset="2"/>
-              <a:buChar char="§"/>
-            </a:pPr>
-            <a:r>
-              <a:rPr lang="en-US" sz="2400" dirty="0">
-                <a:solidFill>
-                  <a:schemeClr val="tx1"/>
-                </a:solidFill>
-                <a:latin typeface="Times New Roman" panose="02020603050405020304" pitchFamily="18" charset="0"/>
-                <a:cs typeface="Times New Roman" panose="02020603050405020304" pitchFamily="18" charset="0"/>
-              </a:rPr>
-              <a:t>Decentralized healthcare</a:t>
-            </a:r>
-          </a:p>
-          <a:p>
-            <a:pPr lvl="3" algn="just">
-              <a:buFont typeface="Wingdings" panose="05000000000000000000" pitchFamily="2" charset="2"/>
-              <a:buChar char="§"/>
-            </a:pPr>
-            <a:r>
-              <a:rPr lang="en-US" sz="2400" dirty="0">
-                <a:solidFill>
-                  <a:schemeClr val="tx1"/>
-                </a:solidFill>
-                <a:latin typeface="Times New Roman" panose="02020603050405020304" pitchFamily="18" charset="0"/>
-                <a:cs typeface="Times New Roman" panose="02020603050405020304" pitchFamily="18" charset="0"/>
-              </a:rPr>
-              <a:t>Better connectivity</a:t>
+              <a:t>However, challenges like data privacy, regulations, and technology access must be addressed. Overcoming these issues can unlock the full potential of the metaverse in healthcare, offering personalized, secure, and cost-effective care to patients globally. These advancements have the power to revolutionize healthcare delivery.</a:t>
             </a:r>
           </a:p>
         </p:txBody>
@@ -7628,7 +7598,13 @@
   <p:cSld>
     <p:spTree>
       <p:nvGrpSpPr>
-        <p:cNvPr id="1" name=""/>
+        <p:cNvPr id="1" name="">
+          <a:extLst>
+            <a:ext uri="{FF2B5EF4-FFF2-40B4-BE49-F238E27FC236}">
+              <a16:creationId xmlns:a16="http://schemas.microsoft.com/office/drawing/2014/main" id="{A47129BF-7DBE-97A5-D364-2C6BEF100519}"/>
+            </a:ext>
+          </a:extLst>
+        </p:cNvPr>
         <p:cNvGrpSpPr/>
         <p:nvPr/>
       </p:nvGrpSpPr>
@@ -7642,7 +7618,13 @@
       </p:grpSpPr>
       <p:sp>
         <p:nvSpPr>
-          <p:cNvPr id="2" name="Title 1"/>
+          <p:cNvPr id="2" name="Title 1">
+            <a:extLst>
+              <a:ext uri="{FF2B5EF4-FFF2-40B4-BE49-F238E27FC236}">
+                <a16:creationId xmlns:a16="http://schemas.microsoft.com/office/drawing/2014/main" id="{1E8D58BE-D1D5-28A1-E6C5-6B7B214A4A77}"/>
+              </a:ext>
+            </a:extLst>
+          </p:cNvPr>
           <p:cNvSpPr>
             <a:spLocks noGrp="1"/>
           </p:cNvSpPr>
@@ -7650,12 +7632,7 @@
             <p:ph type="title"/>
           </p:nvPr>
         </p:nvSpPr>
-        <p:spPr>
-          <a:xfrm>
-            <a:off x="1097280" y="235803"/>
-            <a:ext cx="10058400" cy="1450757"/>
-          </a:xfrm>
-        </p:spPr>
+        <p:spPr/>
         <p:txBody>
           <a:bodyPr>
             <a:normAutofit/>
@@ -7671,14 +7648,20 @@
                 <a:latin typeface="Times New Roman" panose="02020603050405020304" pitchFamily="18" charset="0"/>
                 <a:cs typeface="Times New Roman" panose="02020603050405020304" pitchFamily="18" charset="0"/>
               </a:rPr>
-              <a:t>References</a:t>
-            </a:r>
-          </a:p>
-        </p:txBody>
-      </p:sp>
-      <p:sp>
-        <p:nvSpPr>
-          <p:cNvPr id="3" name="Content Placeholder 2"/>
+              <a:t>Conclusion &amp; Future Direction</a:t>
+            </a:r>
+          </a:p>
+        </p:txBody>
+      </p:sp>
+      <p:sp>
+        <p:nvSpPr>
+          <p:cNvPr id="3" name="Content Placeholder 2">
+            <a:extLst>
+              <a:ext uri="{FF2B5EF4-FFF2-40B4-BE49-F238E27FC236}">
+                <a16:creationId xmlns:a16="http://schemas.microsoft.com/office/drawing/2014/main" id="{D8EC96E5-AE25-18E7-B068-27764E8FD721}"/>
+              </a:ext>
+            </a:extLst>
+          </p:cNvPr>
           <p:cNvSpPr>
             <a:spLocks noGrp="1"/>
           </p:cNvSpPr>
@@ -7688,8 +7671,8 @@
         </p:nvSpPr>
         <p:spPr>
           <a:xfrm>
-            <a:off x="1097280" y="1717040"/>
-            <a:ext cx="10115203" cy="4429760"/>
+            <a:off x="1097280" y="1794933"/>
+            <a:ext cx="10114915" cy="2888827"/>
           </a:xfrm>
         </p:spPr>
         <p:txBody>
@@ -7698,137 +7681,128 @@
           </a:bodyPr>
           <a:lstStyle/>
           <a:p>
-            <a:pPr marL="0" indent="0" algn="just">
-              <a:lnSpc>
-                <a:spcPct val="100000"/>
-              </a:lnSpc>
-              <a:buFont typeface="+mj-lt"/>
-              <a:buNone/>
+            <a:pPr algn="just">
+              <a:buFont typeface="Wingdings" panose="05000000000000000000" pitchFamily="2" charset="2"/>
+              <a:buChar char="§"/>
             </a:pPr>
             <a:r>
-              <a:rPr lang="en-US" altLang="en-IN" sz="2200" dirty="0">
+              <a:rPr lang="en-IN" sz="2400" b="1" dirty="0">
                 <a:solidFill>
                   <a:schemeClr val="tx1"/>
                 </a:solidFill>
                 <a:latin typeface="Times New Roman" panose="02020603050405020304" pitchFamily="18" charset="0"/>
                 <a:cs typeface="Times New Roman" panose="02020603050405020304" pitchFamily="18" charset="0"/>
               </a:rPr>
-              <a:t>[1] Lu C, Yang M, Li M, Li Y, Wu F-X, Wang J. Predicting Human lncRNA-Disease Associations Based on Geometric Matrix Completion. IEEE J Biomed Health Informatics.2020;24(8):2420-2429. </a:t>
-            </a:r>
-            <a:r>
-              <a:rPr lang="en-US" altLang="en-IN" sz="2200" dirty="0">
+              <a:t> Future Scope:</a:t>
+            </a:r>
+          </a:p>
+          <a:p>
+            <a:pPr lvl="3" algn="just">
+              <a:buFont typeface="Wingdings" panose="05000000000000000000" pitchFamily="2" charset="2"/>
+              <a:buChar char="§"/>
+            </a:pPr>
+            <a:r>
+              <a:rPr lang="en-US" sz="2400" dirty="0">
                 <a:solidFill>
                   <a:schemeClr val="tx1"/>
                 </a:solidFill>
                 <a:latin typeface="Times New Roman" panose="02020603050405020304" pitchFamily="18" charset="0"/>
                 <a:cs typeface="Times New Roman" panose="02020603050405020304" pitchFamily="18" charset="0"/>
-                <a:hlinkClick r:id="rId2">
-                  <a:extLst>
-                    <a:ext uri="{A12FA001-AC4F-418D-AE19-62706E023703}">
-                      <ahyp:hlinkClr xmlns:ahyp="http://schemas.microsoft.com/office/drawing/2018/hyperlinkcolor" val="tx"/>
-                    </a:ext>
-                  </a:extLst>
-                </a:hlinkClick>
-              </a:rPr>
-              <a:t>https://doi.org/10.1109/JBHI.2019.2958389</a:t>
-            </a:r>
-            <a:endParaRPr lang="en-US" altLang="en-IN" sz="2200" dirty="0">
-              <a:solidFill>
-                <a:schemeClr val="tx1"/>
-              </a:solidFill>
-              <a:latin typeface="Times New Roman" panose="02020603050405020304" pitchFamily="18" charset="0"/>
-              <a:cs typeface="Times New Roman" panose="02020603050405020304" pitchFamily="18" charset="0"/>
-            </a:endParaRPr>
-          </a:p>
-          <a:p>
-            <a:pPr marL="0" indent="0" algn="just">
-              <a:lnSpc>
-                <a:spcPct val="100000"/>
-              </a:lnSpc>
-              <a:buFont typeface="+mj-lt"/>
-              <a:buNone/>
+              </a:rPr>
+              <a:t>AI health assistants</a:t>
+            </a:r>
+          </a:p>
+          <a:p>
+            <a:pPr lvl="3" algn="just">
+              <a:buFont typeface="Wingdings" panose="05000000000000000000" pitchFamily="2" charset="2"/>
+              <a:buChar char="§"/>
             </a:pPr>
             <a:r>
-              <a:rPr lang="en-US" altLang="en-IN" sz="2200" dirty="0">
+              <a:rPr lang="en-US" sz="2400" dirty="0">
                 <a:solidFill>
                   <a:schemeClr val="tx1"/>
                 </a:solidFill>
                 <a:latin typeface="Times New Roman" panose="02020603050405020304" pitchFamily="18" charset="0"/>
                 <a:cs typeface="Times New Roman" panose="02020603050405020304" pitchFamily="18" charset="0"/>
               </a:rPr>
-              <a:t>[2] Li G, Luo J, Xiao Q, Liang C, Ding P, Cao B. Predicting MicroRNA-Disease Associations Using Network Topological Similarity Based on Deep Walk. IEEE Access. 2017;5:24032–24039. </a:t>
-            </a:r>
-            <a:r>
-              <a:rPr lang="en-US" altLang="en-IN" sz="2200" dirty="0">
+              <a:t>Virtual rehabilitation programs</a:t>
+            </a:r>
+          </a:p>
+          <a:p>
+            <a:pPr lvl="3" algn="just">
+              <a:buFont typeface="Wingdings" panose="05000000000000000000" pitchFamily="2" charset="2"/>
+              <a:buChar char="§"/>
+            </a:pPr>
+            <a:r>
+              <a:rPr lang="en-US" sz="2400" dirty="0">
                 <a:solidFill>
                   <a:schemeClr val="tx1"/>
                 </a:solidFill>
                 <a:latin typeface="Times New Roman" panose="02020603050405020304" pitchFamily="18" charset="0"/>
                 <a:cs typeface="Times New Roman" panose="02020603050405020304" pitchFamily="18" charset="0"/>
-                <a:hlinkClick r:id="rId3">
-                  <a:extLst>
-                    <a:ext uri="{A12FA001-AC4F-418D-AE19-62706E023703}">
-                      <ahyp:hlinkClr xmlns:ahyp="http://schemas.microsoft.com/office/drawing/2018/hyperlinkcolor" val="tx"/>
-                    </a:ext>
-                  </a:extLst>
-                </a:hlinkClick>
-              </a:rPr>
-              <a:t>https://doi.org/10.1109/ACCESS.2017.2766758</a:t>
-            </a:r>
-            <a:r>
-              <a:rPr lang="en-US" altLang="en-IN" sz="2200" dirty="0">
+              </a:rPr>
+              <a:t>Wearable tech</a:t>
+            </a:r>
+          </a:p>
+          <a:p>
+            <a:pPr lvl="3" algn="just">
+              <a:buFont typeface="Wingdings" panose="05000000000000000000" pitchFamily="2" charset="2"/>
+              <a:buChar char="§"/>
+            </a:pPr>
+            <a:r>
+              <a:rPr lang="en-US" sz="2400" dirty="0">
                 <a:solidFill>
                   <a:schemeClr val="tx1"/>
                 </a:solidFill>
                 <a:latin typeface="Times New Roman" panose="02020603050405020304" pitchFamily="18" charset="0"/>
                 <a:cs typeface="Times New Roman" panose="02020603050405020304" pitchFamily="18" charset="0"/>
               </a:rPr>
-              <a:t>.</a:t>
-            </a:r>
-          </a:p>
-          <a:p>
-            <a:pPr marL="0" indent="0" algn="just">
-              <a:lnSpc>
-                <a:spcPct val="100000"/>
-              </a:lnSpc>
-              <a:buFont typeface="+mj-lt"/>
-              <a:buNone/>
+              <a:t>Global healthcare access</a:t>
+            </a:r>
+          </a:p>
+          <a:p>
+            <a:pPr lvl="3" algn="just">
+              <a:buFont typeface="Wingdings" panose="05000000000000000000" pitchFamily="2" charset="2"/>
+              <a:buChar char="§"/>
             </a:pPr>
             <a:r>
-              <a:rPr lang="en-US" altLang="en-IN" sz="2200" dirty="0">
+              <a:rPr lang="en-US" sz="2400" dirty="0">
                 <a:solidFill>
                   <a:schemeClr val="tx1"/>
                 </a:solidFill>
                 <a:latin typeface="Times New Roman" panose="02020603050405020304" pitchFamily="18" charset="0"/>
                 <a:cs typeface="Times New Roman" panose="02020603050405020304" pitchFamily="18" charset="0"/>
               </a:rPr>
-              <a:t>[3] Wickrama Singh N, Jayaraman PP, Zelcer J, Furkan ARM, Ulapane N, Kaul R, Vaughan S. A vision for leveraging the concept of digital twins to support the provision of personalized cancer care. IEEE Internet Compute. 2021;26:17–24.</a:t>
-            </a:r>
-          </a:p>
-          <a:p>
-            <a:pPr marL="0" indent="0" algn="just">
-              <a:lnSpc>
-                <a:spcPct val="100000"/>
-              </a:lnSpc>
-              <a:buFont typeface="+mj-lt"/>
-              <a:buNone/>
+              <a:t>Decentralized healthcare</a:t>
+            </a:r>
+          </a:p>
+          <a:p>
+            <a:pPr lvl="3" algn="just">
+              <a:buFont typeface="Wingdings" panose="05000000000000000000" pitchFamily="2" charset="2"/>
+              <a:buChar char="§"/>
             </a:pPr>
             <a:r>
-              <a:rPr lang="en-US" altLang="en-IN" sz="2200" dirty="0">
+              <a:rPr lang="en-US" sz="2400" dirty="0">
                 <a:solidFill>
                   <a:schemeClr val="tx1"/>
                 </a:solidFill>
                 <a:latin typeface="Times New Roman" panose="02020603050405020304" pitchFamily="18" charset="0"/>
                 <a:cs typeface="Times New Roman" panose="02020603050405020304" pitchFamily="18" charset="0"/>
               </a:rPr>
-              <a:t>[4] Zhang, G., Dai, Y., Wu, J. et al. Swarm Learning-based Secure and Fair Model Sharing For Metaverse Healthcare. Mobile Net Appl 28, 1498–1509 (2023). https://doi.org/10.1007/s11036-023-02236-1.</a:t>
-            </a:r>
-          </a:p>
-        </p:txBody>
-      </p:sp>
-      <p:sp>
-        <p:nvSpPr>
-          <p:cNvPr id="6" name="Slide Number Placeholder 5"/>
+              <a:t>Better connectivity</a:t>
+            </a:r>
+          </a:p>
+        </p:txBody>
+      </p:sp>
+      <p:sp>
+        <p:nvSpPr>
+          <p:cNvPr id="6" name="Slide Number Placeholder 5">
+            <a:extLst>
+              <a:ext uri="{FF2B5EF4-FFF2-40B4-BE49-F238E27FC236}">
+                <a16:creationId xmlns:a16="http://schemas.microsoft.com/office/drawing/2014/main" id="{FB66DE83-E833-9A8F-E4FB-8F9A787E3379}"/>
+              </a:ext>
+            </a:extLst>
+          </p:cNvPr>
           <p:cNvSpPr>
             <a:spLocks noGrp="1"/>
           </p:cNvSpPr>
@@ -7850,6 +7824,11 @@
         </p:txBody>
       </p:sp>
     </p:spTree>
+    <p:extLst>
+      <p:ext uri="{BB962C8B-B14F-4D97-AF65-F5344CB8AC3E}">
+        <p14:creationId xmlns:p14="http://schemas.microsoft.com/office/powerpoint/2010/main" val="336419"/>
+      </p:ext>
+    </p:extLst>
   </p:cSld>
   <p:clrMapOvr>
     <a:masterClrMapping/>
@@ -7884,7 +7863,12 @@
             <p:ph type="title"/>
           </p:nvPr>
         </p:nvSpPr>
-        <p:spPr/>
+        <p:spPr>
+          <a:xfrm>
+            <a:off x="1097280" y="235803"/>
+            <a:ext cx="10058400" cy="1450757"/>
+          </a:xfrm>
+        </p:spPr>
         <p:txBody>
           <a:bodyPr>
             <a:normAutofit/>
@@ -7893,7 +7877,7 @@
           <a:p>
             <a:pPr algn="ctr"/>
             <a:r>
-              <a:rPr lang="en-US" sz="3600" b="1" dirty="0">
+              <a:rPr lang="en-IN" sz="3600" b="1" dirty="0">
                 <a:solidFill>
                   <a:schemeClr val="tx1"/>
                 </a:solidFill>
@@ -7915,44 +7899,142 @@
             <p:ph idx="1"/>
           </p:nvPr>
         </p:nvSpPr>
-        <p:spPr/>
+        <p:spPr>
+          <a:xfrm>
+            <a:off x="1097280" y="1717039"/>
+            <a:ext cx="10115203" cy="4742745"/>
+          </a:xfrm>
+        </p:spPr>
         <p:txBody>
           <a:bodyPr>
             <a:noAutofit/>
           </a:bodyPr>
           <a:lstStyle/>
           <a:p>
-            <a:pPr algn="just">
+            <a:pPr marL="0" indent="0" algn="just">
               <a:lnSpc>
                 <a:spcPct val="100000"/>
               </a:lnSpc>
+              <a:buFont typeface="+mj-lt"/>
+              <a:buNone/>
             </a:pPr>
             <a:r>
-              <a:rPr lang="en-US" sz="2200" dirty="0">
+              <a:rPr lang="en-US" altLang="en-IN" sz="2200" dirty="0">
                 <a:solidFill>
                   <a:schemeClr val="tx1"/>
                 </a:solidFill>
                 <a:latin typeface="Times New Roman" panose="02020603050405020304" pitchFamily="18" charset="0"/>
                 <a:cs typeface="Times New Roman" panose="02020603050405020304" pitchFamily="18" charset="0"/>
               </a:rPr>
-              <a:t>[5] W. López-Ojeda, R.A. Hurley The medical Metaverse, part 1: introduction, definitions, and new horizons for neuropsychiatry J. Neuropsychiatry Clin. Neurosis., 35 (1) (2023).</a:t>
-            </a:r>
-          </a:p>
-          <a:p>
-            <a:pPr algn="just">
+              <a:t>[1] Lu C, Yang M, Li M, Li Y, Wu F-X, Wang J. Predicting Human lncRNA-Disease Associations Based on Geometric Matrix Completion. IEEE J Biomed Health Informatics.2020;24(8):2420-2429. </a:t>
+            </a:r>
+            <a:r>
+              <a:rPr lang="en-US" altLang="en-IN" sz="2200" dirty="0">
+                <a:solidFill>
+                  <a:schemeClr val="tx1"/>
+                </a:solidFill>
+                <a:latin typeface="Times New Roman" panose="02020603050405020304" pitchFamily="18" charset="0"/>
+                <a:cs typeface="Times New Roman" panose="02020603050405020304" pitchFamily="18" charset="0"/>
+                <a:hlinkClick r:id="rId2">
+                  <a:extLst>
+                    <a:ext uri="{A12FA001-AC4F-418D-AE19-62706E023703}">
+                      <ahyp:hlinkClr xmlns:ahyp="http://schemas.microsoft.com/office/drawing/2018/hyperlinkcolor" val="tx"/>
+                    </a:ext>
+                  </a:extLst>
+                </a:hlinkClick>
+              </a:rPr>
+              <a:t>https://doi.org/10.1109/JBHI.2019.2958389</a:t>
+            </a:r>
+            <a:endParaRPr lang="en-US" altLang="en-IN" sz="2200" dirty="0">
+              <a:solidFill>
+                <a:schemeClr val="tx1"/>
+              </a:solidFill>
+              <a:latin typeface="Times New Roman" panose="02020603050405020304" pitchFamily="18" charset="0"/>
+              <a:cs typeface="Times New Roman" panose="02020603050405020304" pitchFamily="18" charset="0"/>
+            </a:endParaRPr>
+          </a:p>
+          <a:p>
+            <a:pPr marL="0" indent="0" algn="just">
               <a:lnSpc>
                 <a:spcPct val="100000"/>
               </a:lnSpc>
+              <a:buFont typeface="+mj-lt"/>
+              <a:buNone/>
             </a:pPr>
             <a:r>
-              <a:rPr lang="en-US" sz="2200" dirty="0">
+              <a:rPr lang="en-US" altLang="en-IN" sz="2200" dirty="0">
                 <a:solidFill>
                   <a:schemeClr val="tx1"/>
                 </a:solidFill>
                 <a:latin typeface="Times New Roman" panose="02020603050405020304" pitchFamily="18" charset="0"/>
                 <a:cs typeface="Times New Roman" panose="02020603050405020304" pitchFamily="18" charset="0"/>
               </a:rPr>
-              <a:t>[6] S. Ali, Abdullah, T.P.T. Armand, et al. Metaverse in healthcare integrated with explainable ai and blockchain: enabling immersive Ness, ensuring trust, and providing patient data security Sensors, 23 (2) (2023), p. 565.</a:t>
+              <a:t>[2] Li G, Luo J, Xiao Q, Liang C, Ding P, Cao B. Predicting MicroRNA-Disease Associations Using Network Topological Similarity Based on Deep Walk. IEEE Access. 2017;5:24032–24039. </a:t>
+            </a:r>
+            <a:r>
+              <a:rPr lang="en-US" altLang="en-IN" sz="2200" dirty="0">
+                <a:solidFill>
+                  <a:schemeClr val="tx1"/>
+                </a:solidFill>
+                <a:latin typeface="Times New Roman" panose="02020603050405020304" pitchFamily="18" charset="0"/>
+                <a:cs typeface="Times New Roman" panose="02020603050405020304" pitchFamily="18" charset="0"/>
+                <a:hlinkClick r:id="rId3">
+                  <a:extLst>
+                    <a:ext uri="{A12FA001-AC4F-418D-AE19-62706E023703}">
+                      <ahyp:hlinkClr xmlns:ahyp="http://schemas.microsoft.com/office/drawing/2018/hyperlinkcolor" val="tx"/>
+                    </a:ext>
+                  </a:extLst>
+                </a:hlinkClick>
+              </a:rPr>
+              <a:t>https://doi.org/10.1109/ACCESS.2017.2766758</a:t>
+            </a:r>
+            <a:r>
+              <a:rPr lang="en-US" altLang="en-IN" sz="2200" dirty="0">
+                <a:solidFill>
+                  <a:schemeClr val="tx1"/>
+                </a:solidFill>
+                <a:latin typeface="Times New Roman" panose="02020603050405020304" pitchFamily="18" charset="0"/>
+                <a:cs typeface="Times New Roman" panose="02020603050405020304" pitchFamily="18" charset="0"/>
+              </a:rPr>
+              <a:t>.</a:t>
+            </a:r>
+          </a:p>
+          <a:p>
+            <a:pPr marL="0" indent="0" algn="just">
+              <a:lnSpc>
+                <a:spcPct val="100000"/>
+              </a:lnSpc>
+              <a:buFont typeface="+mj-lt"/>
+              <a:buNone/>
+            </a:pPr>
+            <a:r>
+              <a:rPr lang="en-US" altLang="en-IN" sz="2200" dirty="0">
+                <a:solidFill>
+                  <a:schemeClr val="tx1"/>
+                </a:solidFill>
+                <a:latin typeface="Times New Roman" panose="02020603050405020304" pitchFamily="18" charset="0"/>
+                <a:cs typeface="Times New Roman" panose="02020603050405020304" pitchFamily="18" charset="0"/>
+              </a:rPr>
+              <a:t>[3] Wickrama Singh N, Jayaraman PP, Zelcer J, Furkan ARM, Ulapane N, Kaul R, Vaughan S. A vision for leveraging the concept of digital twins to support the provision of personalized cancer care. IEEE Internet Compute. 2021;26:17–24.</a:t>
+            </a:r>
+          </a:p>
+          <a:p>
+            <a:pPr marL="0" indent="0" algn="just">
+              <a:lnSpc>
+                <a:spcPct val="100000"/>
+              </a:lnSpc>
+              <a:buFont typeface="+mj-lt"/>
+              <a:buNone/>
+            </a:pPr>
+            <a:r>
+              <a:rPr lang="en-US" altLang="en-IN" sz="2200" dirty="0">
+                <a:solidFill>
+                  <a:schemeClr val="tx1"/>
+                </a:solidFill>
+                <a:latin typeface="Times New Roman" panose="02020603050405020304" pitchFamily="18" charset="0"/>
+                <a:cs typeface="Times New Roman" panose="02020603050405020304" pitchFamily="18" charset="0"/>
+              </a:rPr>
+              <a:t>[4] Zhang, G., Dai, Y., Wu, J. et al. Swarm Learning-based Secure and Fair Model Sharing For Metaverse Healthcare. Mobile Net Appl 28, 1498–1509 (2023). https://doi.org/10.1007/s11036-023-02236-1.</a:t>
             </a:r>
           </a:p>
         </p:txBody>
@@ -8049,7 +8131,7 @@
         <p:spPr>
           <a:xfrm>
             <a:off x="1097280" y="1729740"/>
-            <a:ext cx="9601200" cy="4001770"/>
+            <a:ext cx="9601200" cy="4538980"/>
           </a:xfrm>
         </p:spPr>
         <p:txBody>
@@ -8228,7 +8310,7 @@
                 <a:latin typeface="Times New Roman" panose="02020603050405020304" pitchFamily="18" charset="0"/>
                 <a:cs typeface="Times New Roman" panose="02020603050405020304" pitchFamily="18" charset="0"/>
               </a:rPr>
-              <a:t> Conclusion</a:t>
+              <a:t> Conclusion &amp; Future Direction</a:t>
             </a:r>
           </a:p>
           <a:p>
@@ -8302,6 +8384,89 @@
       </p:grpSpPr>
       <p:sp>
         <p:nvSpPr>
+          <p:cNvPr id="2" name="Title 1"/>
+          <p:cNvSpPr>
+            <a:spLocks noGrp="1"/>
+          </p:cNvSpPr>
+          <p:nvPr>
+            <p:ph type="title"/>
+          </p:nvPr>
+        </p:nvSpPr>
+        <p:spPr/>
+        <p:txBody>
+          <a:bodyPr>
+            <a:normAutofit/>
+          </a:bodyPr>
+          <a:lstStyle/>
+          <a:p>
+            <a:pPr algn="ctr"/>
+            <a:r>
+              <a:rPr lang="en-US" sz="3600" b="1" dirty="0">
+                <a:solidFill>
+                  <a:schemeClr val="tx1"/>
+                </a:solidFill>
+                <a:latin typeface="Times New Roman" panose="02020603050405020304" pitchFamily="18" charset="0"/>
+                <a:cs typeface="Times New Roman" panose="02020603050405020304" pitchFamily="18" charset="0"/>
+              </a:rPr>
+              <a:t>References</a:t>
+            </a:r>
+          </a:p>
+        </p:txBody>
+      </p:sp>
+      <p:sp>
+        <p:nvSpPr>
+          <p:cNvPr id="3" name="Content Placeholder 2"/>
+          <p:cNvSpPr>
+            <a:spLocks noGrp="1"/>
+          </p:cNvSpPr>
+          <p:nvPr>
+            <p:ph idx="1"/>
+          </p:nvPr>
+        </p:nvSpPr>
+        <p:spPr/>
+        <p:txBody>
+          <a:bodyPr>
+            <a:noAutofit/>
+          </a:bodyPr>
+          <a:lstStyle/>
+          <a:p>
+            <a:pPr algn="just">
+              <a:lnSpc>
+                <a:spcPct val="100000"/>
+              </a:lnSpc>
+            </a:pPr>
+            <a:r>
+              <a:rPr lang="en-US" sz="2200" dirty="0">
+                <a:solidFill>
+                  <a:schemeClr val="tx1"/>
+                </a:solidFill>
+                <a:latin typeface="Times New Roman" panose="02020603050405020304" pitchFamily="18" charset="0"/>
+                <a:cs typeface="Times New Roman" panose="02020603050405020304" pitchFamily="18" charset="0"/>
+              </a:rPr>
+              <a:t>[5] W. López-Ojeda, R.A. Hurley The medical Metaverse, part 1: introduction, definitions, and new horizons for neuropsychiatry J. Neuropsychiatry Clin. Neurosis., 35 (1) (2023).</a:t>
+            </a:r>
+          </a:p>
+          <a:p>
+            <a:pPr algn="just">
+              <a:lnSpc>
+                <a:spcPct val="100000"/>
+              </a:lnSpc>
+            </a:pPr>
+            <a:r>
+              <a:rPr lang="en-US" sz="2200" dirty="0">
+                <a:solidFill>
+                  <a:schemeClr val="tx1"/>
+                </a:solidFill>
+                <a:latin typeface="Times New Roman" panose="02020603050405020304" pitchFamily="18" charset="0"/>
+                <a:cs typeface="Times New Roman" panose="02020603050405020304" pitchFamily="18" charset="0"/>
+              </a:rPr>
+              <a:t>[6] S. Ali, Abdullah, T.P.T. Armand, et al. Metaverse in healthcare integrated with explainable ai and blockchain: enabling immersive Ness, ensuring trust, and providing patient data security Sensors, 23 (2) (2023), p. 565.</a:t>
+            </a:r>
+          </a:p>
+        </p:txBody>
+      </p:sp>
+      <p:sp>
+        <p:nvSpPr>
           <p:cNvPr id="6" name="Slide Number Placeholder 5"/>
           <p:cNvSpPr>
             <a:spLocks noGrp="1"/>
@@ -8318,6 +8483,54 @@
             <a:fld id="{E97799C9-84D9-46D2-A11E-BCF8A720529D}" type="slidenum">
               <a:rPr lang="en-US" smtClean="0"/>
               <a:t>20</a:t>
+            </a:fld>
+            <a:endParaRPr lang="en-US" dirty="0"/>
+          </a:p>
+        </p:txBody>
+      </p:sp>
+    </p:spTree>
+  </p:cSld>
+  <p:clrMapOvr>
+    <a:masterClrMapping/>
+  </p:clrMapOvr>
+</p:sld>
+</file>
+
+<file path=ppt/slides/slide21.xml><?xml version="1.0" encoding="utf-8"?>
+<p:sld xmlns:a="http://schemas.openxmlformats.org/drawingml/2006/main" xmlns:r="http://schemas.openxmlformats.org/officeDocument/2006/relationships" xmlns:p="http://schemas.openxmlformats.org/presentationml/2006/main">
+  <p:cSld>
+    <p:spTree>
+      <p:nvGrpSpPr>
+        <p:cNvPr id="1" name=""/>
+        <p:cNvGrpSpPr/>
+        <p:nvPr/>
+      </p:nvGrpSpPr>
+      <p:grpSpPr>
+        <a:xfrm>
+          <a:off x="0" y="0"/>
+          <a:ext cx="0" cy="0"/>
+          <a:chOff x="0" y="0"/>
+          <a:chExt cx="0" cy="0"/>
+        </a:xfrm>
+      </p:grpSpPr>
+      <p:sp>
+        <p:nvSpPr>
+          <p:cNvPr id="6" name="Slide Number Placeholder 5"/>
+          <p:cNvSpPr>
+            <a:spLocks noGrp="1"/>
+          </p:cNvSpPr>
+          <p:nvPr>
+            <p:ph type="sldNum" sz="quarter" idx="12"/>
+          </p:nvPr>
+        </p:nvSpPr>
+        <p:spPr/>
+        <p:txBody>
+          <a:bodyPr/>
+          <a:lstStyle/>
+          <a:p>
+            <a:fld id="{E97799C9-84D9-46D2-A11E-BCF8A720529D}" type="slidenum">
+              <a:rPr lang="en-US" smtClean="0"/>
+              <a:t>21</a:t>
             </a:fld>
             <a:endParaRPr lang="en-US" dirty="0"/>
           </a:p>
@@ -8722,7 +8935,7 @@
           <p:nvPr>
             <p:extLst>
               <p:ext uri="{D42A27DB-BD31-4B8C-83A1-F6EECF244321}">
-                <p14:modId xmlns:p14="http://schemas.microsoft.com/office/powerpoint/2010/main" val="3660719932"/>
+                <p14:modId xmlns:p14="http://schemas.microsoft.com/office/powerpoint/2010/main" val="3899421741"/>
               </p:ext>
             </p:extLst>
           </p:nvPr>
@@ -8894,7 +9107,7 @@
                           <a:latin typeface="Times New Roman" panose="02020603050405020304" pitchFamily="18" charset="0"/>
                           <a:cs typeface="Times New Roman" panose="02020603050405020304" pitchFamily="18" charset="0"/>
                         </a:rPr>
-                        <a:t>       Lu C et al. [1]</a:t>
+                        <a:t>       Lu C et al. 2024 [1]</a:t>
                       </a:r>
                     </a:p>
                   </a:txBody>
@@ -8975,7 +9188,7 @@
                           <a:latin typeface="Times New Roman" panose="02020603050405020304" pitchFamily="18" charset="0"/>
                           <a:cs typeface="Times New Roman" panose="02020603050405020304" pitchFamily="18" charset="0"/>
                         </a:rPr>
-                        <a:t>      Li G et al. </a:t>
+                        <a:t>      Li G et al. 2017 </a:t>
                       </a:r>
                       <a:r>
                         <a:rPr lang="en-US" sz="1800" b="0" dirty="0">
@@ -9089,7 +9302,7 @@
                           <a:ea typeface="+mn-ea"/>
                           <a:cs typeface="Times New Roman" panose="02020603050405020304" pitchFamily="18" charset="0"/>
                         </a:rPr>
-                        <a:t> et al. </a:t>
+                        <a:t> et al. 2021 </a:t>
                       </a:r>
                       <a:r>
                         <a:rPr lang="en-US" sz="1800" b="0" dirty="0">
@@ -9184,7 +9397,7 @@
                           <a:ea typeface="+mn-ea"/>
                           <a:cs typeface="Times New Roman" panose="02020603050405020304" pitchFamily="18" charset="0"/>
                         </a:rPr>
-                        <a:t>Zhang et al. </a:t>
+                        <a:t>Zhang et al. 2023 </a:t>
                       </a:r>
                       <a:r>
                         <a:rPr lang="en-US" sz="1800" b="0" dirty="0">
@@ -9334,7 +9547,7 @@
             </p:custDataLst>
             <p:extLst>
               <p:ext uri="{D42A27DB-BD31-4B8C-83A1-F6EECF244321}">
-                <p14:modId xmlns:p14="http://schemas.microsoft.com/office/powerpoint/2010/main" val="3850792325"/>
+                <p14:modId xmlns:p14="http://schemas.microsoft.com/office/powerpoint/2010/main" val="961215186"/>
               </p:ext>
             </p:extLst>
           </p:nvPr>
@@ -9350,14 +9563,14 @@
                 <a:tableStyleId>{5C22544A-7EE6-4342-B048-85BDC9FD1C3A}</a:tableStyleId>
               </a:tblPr>
               <a:tblGrid>
-                <a:gridCol w="2764790">
+                <a:gridCol w="3208020">
                   <a:extLst>
                     <a:ext uri="{9D8B030D-6E8A-4147-A177-3AD203B41FA5}">
                       <a16:colId xmlns:a16="http://schemas.microsoft.com/office/drawing/2014/main" val="20000"/>
                     </a:ext>
                   </a:extLst>
                 </a:gridCol>
-                <a:gridCol w="3080385">
+                <a:gridCol w="2637155">
                   <a:extLst>
                     <a:ext uri="{9D8B030D-6E8A-4147-A177-3AD203B41FA5}">
                       <a16:colId xmlns:a16="http://schemas.microsoft.com/office/drawing/2014/main" val="20001"/>
@@ -9546,7 +9759,7 @@
                           <a:ea typeface="+mn-ea"/>
                           <a:cs typeface="Times New Roman" panose="02020603050405020304" pitchFamily="18" charset="0"/>
                         </a:rPr>
-                        <a:t>W. Lopez-Ojeda et al. </a:t>
+                        <a:t>W. Lopez-Ojeda et al. 2023 </a:t>
                       </a:r>
                       <a:r>
                         <a:rPr lang="en-US" b="0" dirty="0">
@@ -9663,7 +9876,7 @@
                           <a:ea typeface="+mn-ea"/>
                           <a:cs typeface="Times New Roman" panose="02020603050405020304" pitchFamily="18" charset="0"/>
                         </a:rPr>
-                        <a:t>Ali et al. </a:t>
+                        <a:t>Ali et al. 2023 </a:t>
                       </a:r>
                       <a:r>
                         <a:rPr lang="en-US" b="0" dirty="0">
@@ -9879,8 +10092,8 @@
         </p:nvSpPr>
         <p:spPr bwMode="auto">
           <a:xfrm>
-            <a:off x="1097280" y="1766088"/>
-            <a:ext cx="10115203" cy="3349956"/>
+            <a:off x="1097280" y="1763409"/>
+            <a:ext cx="10115203" cy="3903954"/>
           </a:xfrm>
           <a:prstGeom prst="rect">
             <a:avLst/>
@@ -9928,7 +10141,7 @@
           </a:bodyPr>
           <a:lstStyle/>
           <a:p>
-            <a:pPr marL="0" indent="0" algn="just" eaLnBrk="0" fontAlgn="base" hangingPunct="0">
+            <a:pPr algn="just" eaLnBrk="0" fontAlgn="base" hangingPunct="0">
               <a:lnSpc>
                 <a:spcPct val="150000"/>
               </a:lnSpc>
@@ -9938,14 +10151,37 @@
               <a:spcAft>
                 <a:spcPct val="0"/>
               </a:spcAft>
-              <a:buNone/>
+              <a:buFont typeface="Wingdings" panose="05000000000000000000" pitchFamily="2" charset="2"/>
+              <a:buChar char="§"/>
             </a:pPr>
             <a:r>
               <a:rPr lang="en-US" sz="2400" dirty="0">
                 <a:latin typeface="Times New Roman" panose="02020603050405020304" pitchFamily="18" charset="0"/>
                 <a:cs typeface="Times New Roman" panose="02020603050405020304" pitchFamily="18" charset="0"/>
               </a:rPr>
-              <a:t>The main goal of integrating the metaverse into healthcare is to improve patient care, medical training, and accessibility using VR, AR, AI, and blockchain. Key objectives include enhancing patient experiences through virtual consultations, advancing medical training with realistic simulations, increasing healthcare accessibility remotely, ensuring data security with blockchain, and promoting collaboration among healthcare providers to improve outcomes.</a:t>
+              <a:t> The main goal of integrating the metaverse into healthcare is to improve patient care, medical training, and accessibility using virtual reality, augmented reality, AI, and blockchain. </a:t>
+            </a:r>
+          </a:p>
+          <a:p>
+            <a:pPr algn="just" eaLnBrk="0" fontAlgn="base" hangingPunct="0">
+              <a:lnSpc>
+                <a:spcPct val="150000"/>
+              </a:lnSpc>
+              <a:spcBef>
+                <a:spcPct val="0"/>
+              </a:spcBef>
+              <a:spcAft>
+                <a:spcPct val="0"/>
+              </a:spcAft>
+              <a:buFont typeface="Wingdings" panose="05000000000000000000" pitchFamily="2" charset="2"/>
+              <a:buChar char="§"/>
+            </a:pPr>
+            <a:r>
+              <a:rPr lang="en-US" sz="2400" dirty="0">
+                <a:latin typeface="Times New Roman" panose="02020603050405020304" pitchFamily="18" charset="0"/>
+                <a:cs typeface="Times New Roman" panose="02020603050405020304" pitchFamily="18" charset="0"/>
+              </a:rPr>
+              <a:t> Key objectives include enhancing patient experiences through virtual consultations, advancing medical training with realistic simulations, increasing healthcare accessibility remotely, ensuring data security with blockchain, and promoting collaboration among healthcare providers to improve outcomes.</a:t>
             </a:r>
             <a:endParaRPr kumimoji="0" lang="en-US" altLang="en-US" sz="2800" b="0" i="0" u="none" strike="noStrike" cap="none" normalizeH="0" baseline="0" dirty="0">
               <a:ln>
@@ -10119,6 +10355,27 @@
             </a:r>
           </a:p>
           <a:p>
+            <a:pPr marL="1257300" lvl="2" indent="-342900" algn="just">
+              <a:buFont typeface="Wingdings" panose="05000000000000000000" pitchFamily="2" charset="2"/>
+              <a:buChar char="§"/>
+            </a:pPr>
+            <a:r>
+              <a:rPr lang="en-US" sz="2400" dirty="0">
+                <a:latin typeface="Times New Roman" panose="02020603050405020304" pitchFamily="18" charset="0"/>
+                <a:cs typeface="Times New Roman" panose="02020603050405020304" pitchFamily="18" charset="0"/>
+              </a:rPr>
+              <a:t>Ex: </a:t>
+            </a:r>
+            <a:r>
+              <a:rPr lang="en-US" sz="2400" dirty="0"/>
+              <a:t>Patients use virtual clinics for consultations with doctors.</a:t>
+            </a:r>
+            <a:endParaRPr lang="en-US" sz="2400" dirty="0">
+              <a:latin typeface="Times New Roman" panose="02020603050405020304" pitchFamily="18" charset="0"/>
+              <a:cs typeface="Times New Roman" panose="02020603050405020304" pitchFamily="18" charset="0"/>
+            </a:endParaRPr>
+          </a:p>
+          <a:p>
             <a:pPr marL="800100" lvl="1" indent="-342900" algn="just">
               <a:buFont typeface="Wingdings" panose="05000000000000000000" pitchFamily="2" charset="2"/>
               <a:buChar char="§"/>
@@ -10139,6 +10396,27 @@
             </a:r>
           </a:p>
           <a:p>
+            <a:pPr marL="1257300" lvl="2" indent="-342900" algn="just">
+              <a:buFont typeface="Wingdings" panose="05000000000000000000" pitchFamily="2" charset="2"/>
+              <a:buChar char="§"/>
+            </a:pPr>
+            <a:r>
+              <a:rPr lang="en-US" sz="2400" dirty="0">
+                <a:latin typeface="Times New Roman" panose="02020603050405020304" pitchFamily="18" charset="0"/>
+                <a:cs typeface="Times New Roman" panose="02020603050405020304" pitchFamily="18" charset="0"/>
+              </a:rPr>
+              <a:t>Ex: </a:t>
+            </a:r>
+            <a:r>
+              <a:rPr lang="en-US" sz="2400" dirty="0"/>
+              <a:t>AI-powered tools assist doctors in diagnosing diseases.</a:t>
+            </a:r>
+            <a:endParaRPr lang="en-US" sz="2400" dirty="0">
+              <a:latin typeface="Times New Roman" panose="02020603050405020304" pitchFamily="18" charset="0"/>
+              <a:cs typeface="Times New Roman" panose="02020603050405020304" pitchFamily="18" charset="0"/>
+            </a:endParaRPr>
+          </a:p>
+          <a:p>
             <a:pPr marL="800100" lvl="1" indent="-342900" algn="just">
               <a:buFont typeface="Wingdings" panose="05000000000000000000" pitchFamily="2" charset="2"/>
               <a:buChar char="§"/>
@@ -10159,6 +10437,27 @@
             </a:r>
           </a:p>
           <a:p>
+            <a:pPr marL="1257300" lvl="2" indent="-342900" algn="just">
+              <a:buFont typeface="Wingdings" panose="05000000000000000000" pitchFamily="2" charset="2"/>
+              <a:buChar char="§"/>
+            </a:pPr>
+            <a:r>
+              <a:rPr lang="en-US" sz="2400" dirty="0">
+                <a:latin typeface="Times New Roman" panose="02020603050405020304" pitchFamily="18" charset="0"/>
+                <a:cs typeface="Times New Roman" panose="02020603050405020304" pitchFamily="18" charset="0"/>
+              </a:rPr>
+              <a:t>Ex: </a:t>
+            </a:r>
+            <a:r>
+              <a:rPr lang="en-US" sz="2400" dirty="0"/>
+              <a:t>Wearable devices monitor and share patient vitals instantly.</a:t>
+            </a:r>
+            <a:endParaRPr lang="en-US" sz="2400" dirty="0">
+              <a:latin typeface="Times New Roman" panose="02020603050405020304" pitchFamily="18" charset="0"/>
+              <a:cs typeface="Times New Roman" panose="02020603050405020304" pitchFamily="18" charset="0"/>
+            </a:endParaRPr>
+          </a:p>
+          <a:p>
             <a:pPr marL="800100" lvl="1" indent="-342900" algn="just">
               <a:buFont typeface="Wingdings" panose="05000000000000000000" pitchFamily="2" charset="2"/>
               <a:buChar char="§"/>
@@ -10168,75 +10467,36 @@
                 <a:latin typeface="Times New Roman" panose="02020603050405020304" pitchFamily="18" charset="0"/>
                 <a:cs typeface="Times New Roman" panose="02020603050405020304" pitchFamily="18" charset="0"/>
               </a:rPr>
-              <a:t>Patient-Centered Care</a:t>
+              <a:t>Medical Training</a:t>
             </a:r>
             <a:r>
               <a:rPr lang="en-US" sz="2400" dirty="0">
                 <a:latin typeface="Times New Roman" panose="02020603050405020304" pitchFamily="18" charset="0"/>
                 <a:cs typeface="Times New Roman" panose="02020603050405020304" pitchFamily="18" charset="0"/>
               </a:rPr>
-              <a:t>: Focusing on the patient's needs.</a:t>
-            </a:r>
-          </a:p>
-          <a:p>
-            <a:pPr marL="800100" lvl="1" indent="-342900" algn="just">
+              <a:t>: Virtual training for healthcare professionals.</a:t>
+            </a:r>
+          </a:p>
+          <a:p>
+            <a:pPr marL="1257300" lvl="2" indent="-342900" algn="just">
               <a:buFont typeface="Wingdings" panose="05000000000000000000" pitchFamily="2" charset="2"/>
               <a:buChar char="§"/>
             </a:pPr>
             <a:r>
-              <a:rPr lang="en-US" sz="2400" b="1" dirty="0">
-                <a:latin typeface="Times New Roman" panose="02020603050405020304" pitchFamily="18" charset="0"/>
-                <a:cs typeface="Times New Roman" panose="02020603050405020304" pitchFamily="18" charset="0"/>
-              </a:rPr>
-              <a:t>Data Security</a:t>
-            </a:r>
-            <a:r>
               <a:rPr lang="en-US" sz="2400" dirty="0">
                 <a:latin typeface="Times New Roman" panose="02020603050405020304" pitchFamily="18" charset="0"/>
                 <a:cs typeface="Times New Roman" panose="02020603050405020304" pitchFamily="18" charset="0"/>
               </a:rPr>
-              <a:t>: Keeping healthcare data safe.</a:t>
-            </a:r>
-          </a:p>
-          <a:p>
-            <a:pPr marL="800100" lvl="1" indent="-342900" algn="just">
-              <a:buFont typeface="Wingdings" panose="05000000000000000000" pitchFamily="2" charset="2"/>
-              <a:buChar char="§"/>
-            </a:pPr>
-            <a:r>
-              <a:rPr lang="en-US" sz="2400" b="1" dirty="0">
-                <a:latin typeface="Times New Roman" panose="02020603050405020304" pitchFamily="18" charset="0"/>
-                <a:cs typeface="Times New Roman" panose="02020603050405020304" pitchFamily="18" charset="0"/>
-              </a:rPr>
-              <a:t>Telemedicine and Remote Procedures</a:t>
-            </a:r>
-            <a:r>
-              <a:rPr lang="en-US" sz="2400" dirty="0">
-                <a:latin typeface="Times New Roman" panose="02020603050405020304" pitchFamily="18" charset="0"/>
-                <a:cs typeface="Times New Roman" panose="02020603050405020304" pitchFamily="18" charset="0"/>
-              </a:rPr>
-              <a:t>: Remote consultations and treatments.</a:t>
-            </a:r>
-          </a:p>
-          <a:p>
-            <a:pPr marL="800100" lvl="1" indent="-342900" algn="just">
-              <a:buFont typeface="Wingdings" panose="05000000000000000000" pitchFamily="2" charset="2"/>
-              <a:buChar char="§"/>
-            </a:pPr>
-            <a:r>
-              <a:rPr lang="en-US" sz="2400" b="1" dirty="0">
-                <a:latin typeface="Times New Roman" panose="02020603050405020304" pitchFamily="18" charset="0"/>
-                <a:cs typeface="Times New Roman" panose="02020603050405020304" pitchFamily="18" charset="0"/>
-              </a:rPr>
-              <a:t>Medical Training</a:t>
-            </a:r>
-            <a:r>
-              <a:rPr lang="en-US" sz="2400" dirty="0">
-                <a:latin typeface="Times New Roman" panose="02020603050405020304" pitchFamily="18" charset="0"/>
-                <a:cs typeface="Times New Roman" panose="02020603050405020304" pitchFamily="18" charset="0"/>
-              </a:rPr>
-              <a:t>: Virtual training for healthcare professionals.</a:t>
-            </a:r>
+              <a:t>Ex: </a:t>
+            </a:r>
+            <a:r>
+              <a:rPr lang="en-US" sz="2400" dirty="0"/>
+              <a:t>Medical students practice surgeries using VR simulations.</a:t>
+            </a:r>
+            <a:endParaRPr lang="en-US" sz="2400" dirty="0">
+              <a:latin typeface="Times New Roman" panose="02020603050405020304" pitchFamily="18" charset="0"/>
+              <a:cs typeface="Times New Roman" panose="02020603050405020304" pitchFamily="18" charset="0"/>
+            </a:endParaRPr>
           </a:p>
         </p:txBody>
       </p:sp>
@@ -10346,8 +10606,8 @@
         </p:nvSpPr>
         <p:spPr>
           <a:xfrm>
-            <a:off x="1066800" y="797351"/>
-            <a:ext cx="10058400" cy="6119945"/>
+            <a:off x="1066800" y="1031031"/>
+            <a:ext cx="10058400" cy="1938992"/>
           </a:xfrm>
           <a:prstGeom prst="rect">
             <a:avLst/>
@@ -10361,9 +10621,6 @@
           <a:lstStyle/>
           <a:p>
             <a:pPr marL="342900" marR="0" lvl="0" indent="-342900" algn="just" defTabSz="914400" rtl="0" eaLnBrk="0" fontAlgn="base" latinLnBrk="0" hangingPunct="0">
-              <a:lnSpc>
-                <a:spcPct val="150000"/>
-              </a:lnSpc>
               <a:spcBef>
                 <a:spcPct val="0"/>
               </a:spcBef>
@@ -10385,14 +10642,11 @@
                 <a:latin typeface="Times New Roman" panose="02020603050405020304" pitchFamily="18" charset="0"/>
                 <a:cs typeface="Times New Roman" panose="02020603050405020304" pitchFamily="18" charset="0"/>
               </a:rPr>
-              <a:t>Here are some potential names for models using the metaverse into healthcare:</a:t>
+              <a:t>These are the three models that are most commonly used in the metaverse in healthcare:</a:t>
             </a:r>
           </a:p>
           <a:p>
             <a:pPr marL="800100" lvl="1" indent="-342900">
-              <a:lnSpc>
-                <a:spcPct val="150000"/>
-              </a:lnSpc>
               <a:buFont typeface="Wingdings" panose="05000000000000000000" pitchFamily="2" charset="2"/>
               <a:buChar char="§"/>
             </a:pPr>
@@ -10406,9 +10660,6 @@
           </a:p>
           <a:p>
             <a:pPr marL="800100" lvl="1" indent="-342900">
-              <a:lnSpc>
-                <a:spcPct val="150000"/>
-              </a:lnSpc>
               <a:buFont typeface="Wingdings" panose="05000000000000000000" pitchFamily="2" charset="2"/>
               <a:buChar char="§"/>
             </a:pPr>
@@ -10422,9 +10673,6 @@
           </a:p>
           <a:p>
             <a:pPr marL="800100" lvl="1" indent="-342900">
-              <a:lnSpc>
-                <a:spcPct val="150000"/>
-              </a:lnSpc>
               <a:buFont typeface="Wingdings" panose="05000000000000000000" pitchFamily="2" charset="2"/>
               <a:buChar char="§"/>
             </a:pPr>
@@ -10433,111 +10681,8 @@
                 <a:latin typeface="Times New Roman" panose="02020603050405020304" pitchFamily="18" charset="0"/>
                 <a:cs typeface="Times New Roman" panose="02020603050405020304" pitchFamily="18" charset="0"/>
               </a:rPr>
-              <a:t>Immersive Healthcare Plan</a:t>
-            </a:r>
-          </a:p>
-          <a:p>
-            <a:pPr marL="800100" lvl="1" indent="-342900">
-              <a:lnSpc>
-                <a:spcPct val="150000"/>
-              </a:lnSpc>
-              <a:buFont typeface="Wingdings" panose="05000000000000000000" pitchFamily="2" charset="2"/>
-              <a:buChar char="§"/>
-            </a:pPr>
-            <a:r>
-              <a:rPr lang="en-US" sz="2400" dirty="0">
-                <a:latin typeface="Times New Roman" panose="02020603050405020304" pitchFamily="18" charset="0"/>
-                <a:cs typeface="Times New Roman" panose="02020603050405020304" pitchFamily="18" charset="0"/>
-              </a:rPr>
-              <a:t>Augmented Medical Interface Model</a:t>
-            </a:r>
-          </a:p>
-          <a:p>
-            <a:pPr marL="800100" lvl="1" indent="-342900">
-              <a:lnSpc>
-                <a:spcPct val="150000"/>
-              </a:lnSpc>
-              <a:buFont typeface="Wingdings" panose="05000000000000000000" pitchFamily="2" charset="2"/>
-              <a:buChar char="§"/>
-            </a:pPr>
-            <a:r>
-              <a:rPr lang="en-US" sz="2400" dirty="0">
-                <a:latin typeface="Times New Roman" panose="02020603050405020304" pitchFamily="18" charset="0"/>
-                <a:cs typeface="Times New Roman" panose="02020603050405020304" pitchFamily="18" charset="0"/>
-              </a:rPr>
               <a:t>Digital Health Unity Model</a:t>
             </a:r>
-          </a:p>
-          <a:p>
-            <a:pPr marL="800100" lvl="1" indent="-342900">
-              <a:lnSpc>
-                <a:spcPct val="150000"/>
-              </a:lnSpc>
-              <a:buFont typeface="Wingdings" panose="05000000000000000000" pitchFamily="2" charset="2"/>
-              <a:buChar char="§"/>
-            </a:pPr>
-            <a:r>
-              <a:rPr lang="en-US" sz="2400" dirty="0">
-                <a:latin typeface="Times New Roman" panose="02020603050405020304" pitchFamily="18" charset="0"/>
-                <a:cs typeface="Times New Roman" panose="02020603050405020304" pitchFamily="18" charset="0"/>
-              </a:rPr>
-              <a:t>Metaverse Medical Integration Model</a:t>
-            </a:r>
-          </a:p>
-          <a:p>
-            <a:pPr marL="800100" lvl="1" indent="-342900">
-              <a:lnSpc>
-                <a:spcPct val="150000"/>
-              </a:lnSpc>
-              <a:buFont typeface="Wingdings" panose="05000000000000000000" pitchFamily="2" charset="2"/>
-              <a:buChar char="§"/>
-            </a:pPr>
-            <a:r>
-              <a:rPr lang="en-US" sz="2400" dirty="0">
-                <a:latin typeface="Times New Roman" panose="02020603050405020304" pitchFamily="18" charset="0"/>
-                <a:cs typeface="Times New Roman" panose="02020603050405020304" pitchFamily="18" charset="0"/>
-              </a:rPr>
-              <a:t>Virtual Health Innovation Plan</a:t>
-            </a:r>
-          </a:p>
-          <a:p>
-            <a:pPr marL="800100" lvl="1" indent="-342900">
-              <a:lnSpc>
-                <a:spcPct val="150000"/>
-              </a:lnSpc>
-              <a:buFont typeface="Wingdings" panose="05000000000000000000" pitchFamily="2" charset="2"/>
-              <a:buChar char="§"/>
-            </a:pPr>
-            <a:r>
-              <a:rPr lang="en-US" sz="2400" dirty="0">
-                <a:latin typeface="Times New Roman" panose="02020603050405020304" pitchFamily="18" charset="0"/>
-                <a:cs typeface="Times New Roman" panose="02020603050405020304" pitchFamily="18" charset="0"/>
-              </a:rPr>
-              <a:t>Interactive Health Metaverse Model</a:t>
-            </a:r>
-          </a:p>
-          <a:p>
-            <a:pPr marL="800100" lvl="1" indent="-342900" algn="just" eaLnBrk="0" fontAlgn="base" hangingPunct="0">
-              <a:lnSpc>
-                <a:spcPct val="150000"/>
-              </a:lnSpc>
-              <a:spcBef>
-                <a:spcPct val="0"/>
-              </a:spcBef>
-              <a:spcAft>
-                <a:spcPct val="0"/>
-              </a:spcAft>
-              <a:buFont typeface="Wingdings" panose="05000000000000000000" pitchFamily="2" charset="2"/>
-              <a:buChar char="§"/>
-            </a:pPr>
-            <a:endParaRPr kumimoji="0" lang="en-US" altLang="en-US" sz="2400" b="0" i="0" u="none" strike="noStrike" cap="none" normalizeH="0" baseline="0" dirty="0">
-              <a:ln>
-                <a:noFill/>
-              </a:ln>
-              <a:effectLst/>
-              <a:latin typeface="Times New Roman" panose="02020603050405020304" pitchFamily="18" charset="0"/>
-              <a:cs typeface="Times New Roman" panose="02020603050405020304" pitchFamily="18" charset="0"/>
-            </a:endParaRPr>
           </a:p>
         </p:txBody>
       </p:sp>
@@ -10567,6 +10712,133 @@
               <a:t>9</a:t>
             </a:fld>
             <a:endParaRPr lang="en-US" dirty="0"/>
+          </a:p>
+        </p:txBody>
+      </p:sp>
+      <p:sp>
+        <p:nvSpPr>
+          <p:cNvPr id="6" name="TextBox 5">
+            <a:extLst>
+              <a:ext uri="{FF2B5EF4-FFF2-40B4-BE49-F238E27FC236}">
+                <a16:creationId xmlns:a16="http://schemas.microsoft.com/office/drawing/2014/main" id="{5C98EE2C-3B8B-7F82-83A6-CF309A025486}"/>
+              </a:ext>
+            </a:extLst>
+          </p:cNvPr>
+          <p:cNvSpPr txBox="1"/>
+          <p:nvPr/>
+        </p:nvSpPr>
+        <p:spPr>
+          <a:xfrm>
+            <a:off x="1036319" y="2917342"/>
+            <a:ext cx="10058399" cy="2308324"/>
+          </a:xfrm>
+          <a:prstGeom prst="rect">
+            <a:avLst/>
+          </a:prstGeom>
+          <a:noFill/>
+        </p:spPr>
+        <p:txBody>
+          <a:bodyPr wrap="square">
+            <a:spAutoFit/>
+          </a:bodyPr>
+          <a:lstStyle/>
+          <a:p>
+            <a:pPr marL="342900" marR="0" lvl="0" indent="-342900" algn="just" defTabSz="914400" rtl="0" eaLnBrk="0" fontAlgn="base" latinLnBrk="0" hangingPunct="0">
+              <a:spcBef>
+                <a:spcPct val="0"/>
+              </a:spcBef>
+              <a:spcAft>
+                <a:spcPct val="0"/>
+              </a:spcAft>
+              <a:buClrTx/>
+              <a:buSzTx/>
+              <a:buFont typeface="Wingdings" panose="05000000000000000000" pitchFamily="2" charset="2"/>
+              <a:buChar char="§"/>
+              <a:tabLst/>
+            </a:pPr>
+            <a:r>
+              <a:rPr lang="en-US" altLang="en-US" sz="2400" dirty="0">
+                <a:latin typeface="Times New Roman" panose="02020603050405020304" pitchFamily="18" charset="0"/>
+                <a:cs typeface="Times New Roman" panose="02020603050405020304" pitchFamily="18" charset="0"/>
+              </a:rPr>
+              <a:t>Here, s</a:t>
+            </a:r>
+            <a:r>
+              <a:rPr kumimoji="0" lang="en-US" altLang="en-US" sz="2400" b="0" i="0" u="none" strike="noStrike" cap="none" normalizeH="0" baseline="0" dirty="0">
+                <a:ln>
+                  <a:noFill/>
+                </a:ln>
+                <a:effectLst/>
+                <a:latin typeface="Times New Roman" panose="02020603050405020304" pitchFamily="18" charset="0"/>
+                <a:cs typeface="Times New Roman" panose="02020603050405020304" pitchFamily="18" charset="0"/>
+              </a:rPr>
+              <a:t>ome others models like:</a:t>
+            </a:r>
+          </a:p>
+          <a:p>
+            <a:pPr marL="800100" lvl="1" indent="-342900">
+              <a:buFont typeface="Wingdings" panose="05000000000000000000" pitchFamily="2" charset="2"/>
+              <a:buChar char="§"/>
+            </a:pPr>
+            <a:r>
+              <a:rPr lang="en-US" sz="2400" dirty="0">
+                <a:latin typeface="Times New Roman" panose="02020603050405020304" pitchFamily="18" charset="0"/>
+                <a:cs typeface="Times New Roman" panose="02020603050405020304" pitchFamily="18" charset="0"/>
+              </a:rPr>
+              <a:t>Immersive Healthcare Plan</a:t>
+            </a:r>
+          </a:p>
+          <a:p>
+            <a:pPr marL="800100" lvl="1" indent="-342900">
+              <a:buFont typeface="Wingdings" panose="05000000000000000000" pitchFamily="2" charset="2"/>
+              <a:buChar char="§"/>
+            </a:pPr>
+            <a:r>
+              <a:rPr lang="en-US" sz="2400" dirty="0">
+                <a:latin typeface="Times New Roman" panose="02020603050405020304" pitchFamily="18" charset="0"/>
+                <a:cs typeface="Times New Roman" panose="02020603050405020304" pitchFamily="18" charset="0"/>
+              </a:rPr>
+              <a:t>Augmented Medical Interface Model</a:t>
+            </a:r>
+          </a:p>
+          <a:p>
+            <a:pPr marL="800100" lvl="1" indent="-342900">
+              <a:buFont typeface="Wingdings" panose="05000000000000000000" pitchFamily="2" charset="2"/>
+              <a:buChar char="§"/>
+            </a:pPr>
+            <a:r>
+              <a:rPr lang="en-US" sz="2400" dirty="0">
+                <a:latin typeface="Times New Roman" panose="02020603050405020304" pitchFamily="18" charset="0"/>
+                <a:cs typeface="Times New Roman" panose="02020603050405020304" pitchFamily="18" charset="0"/>
+              </a:rPr>
+              <a:t>Metaverse Medical Integration Model</a:t>
+            </a:r>
+          </a:p>
+          <a:p>
+            <a:pPr marL="800100" lvl="1" indent="-342900">
+              <a:buFont typeface="Wingdings" panose="05000000000000000000" pitchFamily="2" charset="2"/>
+              <a:buChar char="§"/>
+            </a:pPr>
+            <a:r>
+              <a:rPr lang="en-US" sz="2400" dirty="0">
+                <a:latin typeface="Times New Roman" panose="02020603050405020304" pitchFamily="18" charset="0"/>
+                <a:cs typeface="Times New Roman" panose="02020603050405020304" pitchFamily="18" charset="0"/>
+              </a:rPr>
+              <a:t>Virtual Health Innovation Plan</a:t>
+            </a:r>
+          </a:p>
+          <a:p>
+            <a:pPr marL="800100" lvl="1" indent="-342900">
+              <a:buFont typeface="Wingdings" panose="05000000000000000000" pitchFamily="2" charset="2"/>
+              <a:buChar char="§"/>
+            </a:pPr>
+            <a:r>
+              <a:rPr lang="en-US" sz="2400" dirty="0">
+                <a:latin typeface="Times New Roman" panose="02020603050405020304" pitchFamily="18" charset="0"/>
+                <a:cs typeface="Times New Roman" panose="02020603050405020304" pitchFamily="18" charset="0"/>
+              </a:rPr>
+              <a:t>Interactive Health Metaverse Model</a:t>
+            </a:r>
           </a:p>
         </p:txBody>
       </p:sp>
